--- a/disneyqanda.pptx
+++ b/disneyqanda.pptx
@@ -9,8 +9,10 @@
     <p:sldId id="262" r:id="rId3"/>
     <p:sldId id="294" r:id="rId4"/>
     <p:sldId id="295" r:id="rId5"/>
-    <p:sldId id="296" r:id="rId6"/>
-    <p:sldId id="293" r:id="rId7"/>
+    <p:sldId id="297" r:id="rId6"/>
+    <p:sldId id="298" r:id="rId7"/>
+    <p:sldId id="296" r:id="rId8"/>
+    <p:sldId id="293" r:id="rId9"/>
   </p:sldIdLst>
   <p:sldSz cx="12192000" cy="6858000"/>
   <p:notesSz cx="6858000" cy="9144000"/>
@@ -256,7 +258,7 @@
           <a:p>
             <a:fld id="{7601110F-1B76-8242-AE2F-5F83B5239CF8}" type="datetimeFigureOut">
               <a:rPr lang="en-US" smtClean="0"/>
-              <a:t>11/28/2020</a:t>
+              <a:t>11/29/2020</a:t>
             </a:fld>
             <a:endParaRPr lang="en-US"/>
           </a:p>
@@ -426,7 +428,7 @@
           <a:p>
             <a:fld id="{7601110F-1B76-8242-AE2F-5F83B5239CF8}" type="datetimeFigureOut">
               <a:rPr lang="en-US" smtClean="0"/>
-              <a:t>11/28/2020</a:t>
+              <a:t>11/29/2020</a:t>
             </a:fld>
             <a:endParaRPr lang="en-US"/>
           </a:p>
@@ -606,7 +608,7 @@
           <a:p>
             <a:fld id="{7601110F-1B76-8242-AE2F-5F83B5239CF8}" type="datetimeFigureOut">
               <a:rPr lang="en-US" smtClean="0"/>
-              <a:t>11/28/2020</a:t>
+              <a:t>11/29/2020</a:t>
             </a:fld>
             <a:endParaRPr lang="en-US"/>
           </a:p>
@@ -776,7 +778,7 @@
           <a:p>
             <a:fld id="{7601110F-1B76-8242-AE2F-5F83B5239CF8}" type="datetimeFigureOut">
               <a:rPr lang="en-US" smtClean="0"/>
-              <a:t>11/28/2020</a:t>
+              <a:t>11/29/2020</a:t>
             </a:fld>
             <a:endParaRPr lang="en-US"/>
           </a:p>
@@ -1020,7 +1022,7 @@
           <a:p>
             <a:fld id="{7601110F-1B76-8242-AE2F-5F83B5239CF8}" type="datetimeFigureOut">
               <a:rPr lang="en-US" smtClean="0"/>
-              <a:t>11/28/2020</a:t>
+              <a:t>11/29/2020</a:t>
             </a:fld>
             <a:endParaRPr lang="en-US"/>
           </a:p>
@@ -1252,7 +1254,7 @@
           <a:p>
             <a:fld id="{7601110F-1B76-8242-AE2F-5F83B5239CF8}" type="datetimeFigureOut">
               <a:rPr lang="en-US" smtClean="0"/>
-              <a:t>11/28/2020</a:t>
+              <a:t>11/29/2020</a:t>
             </a:fld>
             <a:endParaRPr lang="en-US"/>
           </a:p>
@@ -1619,7 +1621,7 @@
           <a:p>
             <a:fld id="{7601110F-1B76-8242-AE2F-5F83B5239CF8}" type="datetimeFigureOut">
               <a:rPr lang="en-US" smtClean="0"/>
-              <a:t>11/28/2020</a:t>
+              <a:t>11/29/2020</a:t>
             </a:fld>
             <a:endParaRPr lang="en-US"/>
           </a:p>
@@ -1737,7 +1739,7 @@
           <a:p>
             <a:fld id="{7601110F-1B76-8242-AE2F-5F83B5239CF8}" type="datetimeFigureOut">
               <a:rPr lang="en-US" smtClean="0"/>
-              <a:t>11/28/2020</a:t>
+              <a:t>11/29/2020</a:t>
             </a:fld>
             <a:endParaRPr lang="en-US"/>
           </a:p>
@@ -1832,7 +1834,7 @@
           <a:p>
             <a:fld id="{7601110F-1B76-8242-AE2F-5F83B5239CF8}" type="datetimeFigureOut">
               <a:rPr lang="en-US" smtClean="0"/>
-              <a:t>11/28/2020</a:t>
+              <a:t>11/29/2020</a:t>
             </a:fld>
             <a:endParaRPr lang="en-US"/>
           </a:p>
@@ -2109,7 +2111,7 @@
           <a:p>
             <a:fld id="{7601110F-1B76-8242-AE2F-5F83B5239CF8}" type="datetimeFigureOut">
               <a:rPr lang="en-US" smtClean="0"/>
-              <a:t>11/28/2020</a:t>
+              <a:t>11/29/2020</a:t>
             </a:fld>
             <a:endParaRPr lang="en-US"/>
           </a:p>
@@ -2366,7 +2368,7 @@
           <a:p>
             <a:fld id="{7601110F-1B76-8242-AE2F-5F83B5239CF8}" type="datetimeFigureOut">
               <a:rPr lang="en-US" smtClean="0"/>
-              <a:t>11/28/2020</a:t>
+              <a:t>11/29/2020</a:t>
             </a:fld>
             <a:endParaRPr lang="en-US"/>
           </a:p>
@@ -2579,7 +2581,7 @@
           <a:p>
             <a:fld id="{7601110F-1B76-8242-AE2F-5F83B5239CF8}" type="datetimeFigureOut">
               <a:rPr lang="en-US" smtClean="0"/>
-              <a:t>11/28/2020</a:t>
+              <a:t>11/29/2020</a:t>
             </a:fld>
             <a:endParaRPr lang="en-US"/>
           </a:p>
@@ -4576,8 +4578,8 @@
         </p:nvSpPr>
         <p:spPr>
           <a:xfrm>
-            <a:off x="1121088" y="2134049"/>
-            <a:ext cx="9452217" cy="461665"/>
+            <a:off x="432095" y="2177617"/>
+            <a:ext cx="1398694" cy="461665"/>
           </a:xfrm>
           <a:prstGeom prst="rect">
             <a:avLst/>
@@ -4598,7 +4600,7 @@
                   </a:schemeClr>
                 </a:solidFill>
               </a:rPr>
-              <a:t>Tokenize question</a:t>
+              <a:t>Tokenize</a:t>
             </a:r>
             <a:endParaRPr lang="en-US" sz="2400" dirty="0"/>
           </a:p>
@@ -4618,8 +4620,187 @@
         </p:nvSpPr>
         <p:spPr>
           <a:xfrm>
-            <a:off x="1121088" y="2651964"/>
-            <a:ext cx="8586438" cy="461665"/>
+            <a:off x="432095" y="3054168"/>
+            <a:ext cx="2740698" cy="461665"/>
+          </a:xfrm>
+          <a:prstGeom prst="rect">
+            <a:avLst/>
+          </a:prstGeom>
+          <a:noFill/>
+        </p:spPr>
+        <p:txBody>
+          <a:bodyPr wrap="square" rtlCol="0">
+            <a:spAutoFit/>
+          </a:bodyPr>
+          <a:lstStyle>
+            <a:defPPr>
+              <a:defRPr lang="en-US"/>
+            </a:defPPr>
+            <a:lvl1pPr>
+              <a:defRPr sz="2400">
+                <a:solidFill>
+                  <a:schemeClr val="accent5">
+                    <a:lumMod val="75000"/>
+                  </a:schemeClr>
+                </a:solidFill>
+              </a:defRPr>
+            </a:lvl1pPr>
+          </a:lstStyle>
+          <a:p>
+            <a:r>
+              <a:rPr lang="en-US" dirty="0"/>
+              <a:t>Remove </a:t>
+            </a:r>
+            <a:r>
+              <a:rPr lang="en-US" dirty="0" err="1"/>
+              <a:t>stopwords</a:t>
+            </a:r>
+            <a:endParaRPr lang="en-US" dirty="0"/>
+          </a:p>
+        </p:txBody>
+      </p:sp>
+      <p:pic>
+        <p:nvPicPr>
+          <p:cNvPr id="20" name="Picture 19">
+            <a:extLst>
+              <a:ext uri="{FF2B5EF4-FFF2-40B4-BE49-F238E27FC236}">
+                <a16:creationId xmlns:a16="http://schemas.microsoft.com/office/drawing/2014/main" id="{B5D47350-D5C7-4323-951F-3AE1A43766EE}"/>
+              </a:ext>
+            </a:extLst>
+          </p:cNvPr>
+          <p:cNvPicPr>
+            <a:picLocks noChangeAspect="1"/>
+          </p:cNvPicPr>
+          <p:nvPr/>
+        </p:nvPicPr>
+        <p:blipFill>
+          <a:blip r:embed="rId2"/>
+          <a:stretch>
+            <a:fillRect/>
+          </a:stretch>
+        </p:blipFill>
+        <p:spPr>
+          <a:xfrm>
+            <a:off x="8134350" y="693019"/>
+            <a:ext cx="4057650" cy="447675"/>
+          </a:xfrm>
+          <a:prstGeom prst="rect">
+            <a:avLst/>
+          </a:prstGeom>
+        </p:spPr>
+      </p:pic>
+      <p:sp>
+        <p:nvSpPr>
+          <p:cNvPr id="6" name="TextBox 5">
+            <a:extLst>
+              <a:ext uri="{FF2B5EF4-FFF2-40B4-BE49-F238E27FC236}">
+                <a16:creationId xmlns:a16="http://schemas.microsoft.com/office/drawing/2014/main" id="{3BED0B0D-116A-4672-89D0-88D18E56949D}"/>
+              </a:ext>
+            </a:extLst>
+          </p:cNvPr>
+          <p:cNvSpPr txBox="1"/>
+          <p:nvPr/>
+        </p:nvSpPr>
+        <p:spPr>
+          <a:xfrm>
+            <a:off x="432095" y="3943465"/>
+            <a:ext cx="5926306" cy="461665"/>
+          </a:xfrm>
+          <a:prstGeom prst="rect">
+            <a:avLst/>
+          </a:prstGeom>
+          <a:noFill/>
+        </p:spPr>
+        <p:txBody>
+          <a:bodyPr wrap="square" rtlCol="0">
+            <a:spAutoFit/>
+          </a:bodyPr>
+          <a:lstStyle>
+            <a:defPPr>
+              <a:defRPr lang="en-US"/>
+            </a:defPPr>
+            <a:lvl1pPr>
+              <a:defRPr sz="2400">
+                <a:solidFill>
+                  <a:schemeClr val="accent5">
+                    <a:lumMod val="75000"/>
+                  </a:schemeClr>
+                </a:solidFill>
+              </a:defRPr>
+            </a:lvl1pPr>
+          </a:lstStyle>
+          <a:p>
+            <a:r>
+              <a:rPr lang="en-US" dirty="0"/>
+              <a:t>POS tags</a:t>
+            </a:r>
+          </a:p>
+        </p:txBody>
+      </p:sp>
+      <p:sp>
+        <p:nvSpPr>
+          <p:cNvPr id="8" name="TextBox 7">
+            <a:extLst>
+              <a:ext uri="{FF2B5EF4-FFF2-40B4-BE49-F238E27FC236}">
+                <a16:creationId xmlns:a16="http://schemas.microsoft.com/office/drawing/2014/main" id="{C5791825-884C-43A6-9AF5-AD1D1FF29DBC}"/>
+              </a:ext>
+            </a:extLst>
+          </p:cNvPr>
+          <p:cNvSpPr txBox="1"/>
+          <p:nvPr/>
+        </p:nvSpPr>
+        <p:spPr>
+          <a:xfrm>
+            <a:off x="432095" y="5075019"/>
+            <a:ext cx="5926306" cy="461665"/>
+          </a:xfrm>
+          <a:prstGeom prst="rect">
+            <a:avLst/>
+          </a:prstGeom>
+          <a:noFill/>
+        </p:spPr>
+        <p:txBody>
+          <a:bodyPr wrap="square" rtlCol="0">
+            <a:spAutoFit/>
+          </a:bodyPr>
+          <a:lstStyle>
+            <a:defPPr>
+              <a:defRPr lang="en-US"/>
+            </a:defPPr>
+            <a:lvl1pPr>
+              <a:defRPr sz="2400">
+                <a:solidFill>
+                  <a:schemeClr val="accent5">
+                    <a:lumMod val="75000"/>
+                  </a:schemeClr>
+                </a:solidFill>
+              </a:defRPr>
+            </a:lvl1pPr>
+          </a:lstStyle>
+          <a:p>
+            <a:r>
+              <a:rPr lang="en-US" dirty="0"/>
+              <a:t>Look for Disney named entities</a:t>
+            </a:r>
+          </a:p>
+        </p:txBody>
+      </p:sp>
+      <p:sp>
+        <p:nvSpPr>
+          <p:cNvPr id="15" name="TextBox 14">
+            <a:extLst>
+              <a:ext uri="{FF2B5EF4-FFF2-40B4-BE49-F238E27FC236}">
+                <a16:creationId xmlns:a16="http://schemas.microsoft.com/office/drawing/2014/main" id="{7AC26081-C000-4315-84CA-F800F78B0ED7}"/>
+              </a:ext>
+            </a:extLst>
+          </p:cNvPr>
+          <p:cNvSpPr txBox="1"/>
+          <p:nvPr/>
+        </p:nvSpPr>
+        <p:spPr>
+          <a:xfrm>
+            <a:off x="432095" y="1301066"/>
+            <a:ext cx="1398694" cy="461665"/>
           </a:xfrm>
           <a:prstGeom prst="rect">
             <a:avLst/>
@@ -4640,52 +4821,168 @@
                   </a:schemeClr>
                 </a:solidFill>
               </a:rPr>
-              <a:t>Remove </a:t>
-            </a:r>
-            <a:r>
-              <a:rPr lang="en-US" sz="2400" dirty="0" err="1">
-                <a:solidFill>
-                  <a:schemeClr val="accent5">
-                    <a:lumMod val="75000"/>
-                  </a:schemeClr>
-                </a:solidFill>
+              <a:t>Question</a:t>
+            </a:r>
+            <a:endParaRPr lang="en-US" sz="2400" dirty="0"/>
+          </a:p>
+        </p:txBody>
+      </p:sp>
+      <p:sp>
+        <p:nvSpPr>
+          <p:cNvPr id="4" name="TextBox 3">
+            <a:extLst>
+              <a:ext uri="{FF2B5EF4-FFF2-40B4-BE49-F238E27FC236}">
+                <a16:creationId xmlns:a16="http://schemas.microsoft.com/office/drawing/2014/main" id="{471647A1-12BC-4D2D-B5A0-7ADC557EB5BC}"/>
+              </a:ext>
+            </a:extLst>
+          </p:cNvPr>
+          <p:cNvSpPr txBox="1"/>
+          <p:nvPr/>
+        </p:nvSpPr>
+        <p:spPr>
+          <a:xfrm>
+            <a:off x="905522" y="1696347"/>
+            <a:ext cx="8167456" cy="338554"/>
+          </a:xfrm>
+          <a:prstGeom prst="rect">
+            <a:avLst/>
+          </a:prstGeom>
+          <a:noFill/>
+        </p:spPr>
+        <p:txBody>
+          <a:bodyPr wrap="square" rtlCol="0">
+            <a:spAutoFit/>
+          </a:bodyPr>
+          <a:lstStyle/>
+          <a:p>
+            <a:r>
+              <a:rPr lang="en-US" sz="1600" dirty="0">
+                <a:latin typeface="Arial Nova" panose="020B0504020202020204" pitchFamily="34" charset="0"/>
               </a:rPr>
-              <a:t>stopwords</a:t>
-            </a:r>
-            <a:endParaRPr lang="en-US" sz="2400" dirty="0"/>
-          </a:p>
-        </p:txBody>
-      </p:sp>
-      <p:pic>
-        <p:nvPicPr>
-          <p:cNvPr id="20" name="Picture 19">
-            <a:extLst>
-              <a:ext uri="{FF2B5EF4-FFF2-40B4-BE49-F238E27FC236}">
-                <a16:creationId xmlns:a16="http://schemas.microsoft.com/office/drawing/2014/main" id="{B5D47350-D5C7-4323-951F-3AE1A43766EE}"/>
-              </a:ext>
-            </a:extLst>
-          </p:cNvPr>
-          <p:cNvPicPr>
-            <a:picLocks noChangeAspect="1"/>
-          </p:cNvPicPr>
-          <p:nvPr/>
-        </p:nvPicPr>
-        <p:blipFill>
-          <a:blip r:embed="rId2"/>
-          <a:stretch>
-            <a:fillRect/>
-          </a:stretch>
-        </p:blipFill>
-        <p:spPr>
-          <a:xfrm>
-            <a:off x="8134350" y="693019"/>
-            <a:ext cx="4057650" cy="447675"/>
+              <a:t>What is the height requirement for Star Wars: Rise of the Resistance?</a:t>
+            </a:r>
+          </a:p>
+        </p:txBody>
+      </p:sp>
+      <p:sp>
+        <p:nvSpPr>
+          <p:cNvPr id="16" name="TextBox 15">
+            <a:extLst>
+              <a:ext uri="{FF2B5EF4-FFF2-40B4-BE49-F238E27FC236}">
+                <a16:creationId xmlns:a16="http://schemas.microsoft.com/office/drawing/2014/main" id="{9C6AF184-B02A-4C0E-99B0-9892E2EDC048}"/>
+              </a:ext>
+            </a:extLst>
+          </p:cNvPr>
+          <p:cNvSpPr txBox="1"/>
+          <p:nvPr/>
+        </p:nvSpPr>
+        <p:spPr>
+          <a:xfrm>
+            <a:off x="905522" y="2577138"/>
+            <a:ext cx="8673484" cy="338554"/>
           </a:xfrm>
           <a:prstGeom prst="rect">
             <a:avLst/>
           </a:prstGeom>
-        </p:spPr>
-      </p:pic>
+          <a:noFill/>
+        </p:spPr>
+        <p:txBody>
+          <a:bodyPr wrap="square" rtlCol="0">
+            <a:spAutoFit/>
+          </a:bodyPr>
+          <a:lstStyle/>
+          <a:p>
+            <a:r>
+              <a:rPr lang="en-US" sz="1600" dirty="0">
+                <a:latin typeface="Arial Nova" panose="020B0504020202020204" pitchFamily="34" charset="0"/>
+              </a:rPr>
+              <a:t>['What', 'is', 'the', 'height', 'requirement', 'for', 'Star', 'Wars', ':', 'Rise', 'of', 'the', 'Resistance', '?'] </a:t>
+            </a:r>
+          </a:p>
+        </p:txBody>
+      </p:sp>
+      <p:sp>
+        <p:nvSpPr>
+          <p:cNvPr id="17" name="TextBox 16">
+            <a:extLst>
+              <a:ext uri="{FF2B5EF4-FFF2-40B4-BE49-F238E27FC236}">
+                <a16:creationId xmlns:a16="http://schemas.microsoft.com/office/drawing/2014/main" id="{CB8D8D2E-7615-4085-A0FE-5D33CCB45EA8}"/>
+              </a:ext>
+            </a:extLst>
+          </p:cNvPr>
+          <p:cNvSpPr txBox="1"/>
+          <p:nvPr/>
+        </p:nvSpPr>
+        <p:spPr>
+          <a:xfrm>
+            <a:off x="905522" y="3461841"/>
+            <a:ext cx="8673484" cy="338554"/>
+          </a:xfrm>
+          <a:prstGeom prst="rect">
+            <a:avLst/>
+          </a:prstGeom>
+          <a:noFill/>
+        </p:spPr>
+        <p:txBody>
+          <a:bodyPr wrap="square" rtlCol="0">
+            <a:spAutoFit/>
+          </a:bodyPr>
+          <a:lstStyle/>
+          <a:p>
+            <a:r>
+              <a:rPr lang="en-US" sz="1600" dirty="0">
+                <a:latin typeface="Arial Nova" panose="020B0504020202020204" pitchFamily="34" charset="0"/>
+              </a:rPr>
+              <a:t>['height', 'requirement', 'star', 'wars', ':', 'rise', 'resistance', '?']</a:t>
+            </a:r>
+          </a:p>
+        </p:txBody>
+      </p:sp>
+      <p:sp>
+        <p:nvSpPr>
+          <p:cNvPr id="18" name="TextBox 17">
+            <a:extLst>
+              <a:ext uri="{FF2B5EF4-FFF2-40B4-BE49-F238E27FC236}">
+                <a16:creationId xmlns:a16="http://schemas.microsoft.com/office/drawing/2014/main" id="{36A60B6E-161D-4B90-B6CC-192DE2A8D1A0}"/>
+              </a:ext>
+            </a:extLst>
+          </p:cNvPr>
+          <p:cNvSpPr txBox="1"/>
+          <p:nvPr/>
+        </p:nvSpPr>
+        <p:spPr>
+          <a:xfrm>
+            <a:off x="905522" y="4346544"/>
+            <a:ext cx="8673484" cy="584775"/>
+          </a:xfrm>
+          <a:prstGeom prst="rect">
+            <a:avLst/>
+          </a:prstGeom>
+          <a:noFill/>
+        </p:spPr>
+        <p:txBody>
+          <a:bodyPr wrap="square" rtlCol="0">
+            <a:spAutoFit/>
+          </a:bodyPr>
+          <a:lstStyle/>
+          <a:p>
+            <a:r>
+              <a:rPr lang="en-US" sz="1600" dirty="0">
+                <a:latin typeface="Arial Nova" panose="020B0504020202020204" pitchFamily="34" charset="0"/>
+              </a:rPr>
+              <a:t>[('height', 'ADJ'), ('requirement', 'NOUN'), ('star', 'NOUN'), ('wars', 'NOUN'), (':', '.’),</a:t>
+            </a:r>
+          </a:p>
+          <a:p>
+            <a:r>
+              <a:rPr lang="en-US" sz="1600" dirty="0">
+                <a:latin typeface="Arial Nova" panose="020B0504020202020204" pitchFamily="34" charset="0"/>
+              </a:rPr>
+              <a:t> ('rise', 'NOUN'), ('resistance', 'NOUN'), ('?', '.')] </a:t>
+            </a:r>
+          </a:p>
+        </p:txBody>
+      </p:sp>
     </p:spTree>
     <p:extLst>
       <p:ext uri="{BB962C8B-B14F-4D97-AF65-F5344CB8AC3E}">
@@ -4746,6 +5043,60 @@
                                   </p:childTnLst>
                                 </p:cTn>
                               </p:par>
+                              <p:par>
+                                <p:cTn id="7" presetID="1" presetClass="entr" presetSubtype="0" fill="hold" grpId="0" nodeType="withEffect">
+                                  <p:stCondLst>
+                                    <p:cond delay="0"/>
+                                  </p:stCondLst>
+                                  <p:childTnLst>
+                                    <p:set>
+                                      <p:cBhvr>
+                                        <p:cTn id="8" dur="1" fill="hold">
+                                          <p:stCondLst>
+                                            <p:cond delay="0"/>
+                                          </p:stCondLst>
+                                        </p:cTn>
+                                        <p:tgtEl>
+                                          <p:spTgt spid="6"/>
+                                        </p:tgtEl>
+                                        <p:attrNameLst>
+                                          <p:attrName>style.visibility</p:attrName>
+                                        </p:attrNameLst>
+                                      </p:cBhvr>
+                                      <p:to>
+                                        <p:strVal val="visible"/>
+                                      </p:to>
+                                    </p:set>
+                                  </p:childTnLst>
+                                </p:cTn>
+                              </p:par>
+                              <p:par>
+                                <p:cTn id="9" presetID="1" presetClass="entr" presetSubtype="0" fill="hold" grpId="0" nodeType="withEffect">
+                                  <p:stCondLst>
+                                    <p:cond delay="0"/>
+                                  </p:stCondLst>
+                                  <p:childTnLst>
+                                    <p:set>
+                                      <p:cBhvr>
+                                        <p:cTn id="10" dur="1" fill="hold">
+                                          <p:stCondLst>
+                                            <p:cond delay="0"/>
+                                          </p:stCondLst>
+                                        </p:cTn>
+                                        <p:tgtEl>
+                                          <p:spTgt spid="8"/>
+                                        </p:tgtEl>
+                                        <p:attrNameLst>
+                                          <p:attrName>style.visibility</p:attrName>
+                                        </p:attrNameLst>
+                                      </p:cBhvr>
+                                      <p:to>
+                                        <p:strVal val="visible"/>
+                                      </p:to>
+                                    </p:set>
+                                  </p:childTnLst>
+                                </p:cTn>
+                              </p:par>
                             </p:childTnLst>
                           </p:cTn>
                         </p:par>
@@ -4775,12 +5126,1010 @@
     </p:tnLst>
     <p:bldLst>
       <p:bldP spid="5" grpId="0"/>
+      <p:bldP spid="6" grpId="0"/>
+      <p:bldP spid="8" grpId="0"/>
     </p:bldLst>
   </p:timing>
 </p:sld>
 </file>
 
 <file path=ppt/slides/slide5.xml><?xml version="1.0" encoding="utf-8"?>
+<p:sld xmlns:a="http://schemas.openxmlformats.org/drawingml/2006/main" xmlns:r="http://schemas.openxmlformats.org/officeDocument/2006/relationships" xmlns:p="http://schemas.openxmlformats.org/presentationml/2006/main">
+  <p:cSld>
+    <p:spTree>
+      <p:nvGrpSpPr>
+        <p:cNvPr id="1" name=""/>
+        <p:cNvGrpSpPr/>
+        <p:nvPr/>
+      </p:nvGrpSpPr>
+      <p:grpSpPr>
+        <a:xfrm>
+          <a:off x="0" y="0"/>
+          <a:ext cx="0" cy="0"/>
+          <a:chOff x="0" y="0"/>
+          <a:chExt cx="0" cy="0"/>
+        </a:xfrm>
+      </p:grpSpPr>
+      <p:sp>
+        <p:nvSpPr>
+          <p:cNvPr id="13" name="Title 1">
+            <a:extLst>
+              <a:ext uri="{FF2B5EF4-FFF2-40B4-BE49-F238E27FC236}">
+                <a16:creationId xmlns:a16="http://schemas.microsoft.com/office/drawing/2014/main" id="{1127F941-043E-4D99-BA77-D0CB0DAFE611}"/>
+              </a:ext>
+            </a:extLst>
+          </p:cNvPr>
+          <p:cNvSpPr txBox="1">
+            <a:spLocks/>
+          </p:cNvSpPr>
+          <p:nvPr/>
+        </p:nvSpPr>
+        <p:spPr>
+          <a:xfrm>
+            <a:off x="0" y="1"/>
+            <a:ext cx="12192000" cy="1141581"/>
+          </a:xfrm>
+          <a:prstGeom prst="rect">
+            <a:avLst/>
+          </a:prstGeom>
+          <a:solidFill>
+            <a:schemeClr val="tx2">
+              <a:lumMod val="75000"/>
+            </a:schemeClr>
+          </a:solidFill>
+        </p:spPr>
+        <p:txBody>
+          <a:bodyPr vert="horz" lIns="91440" tIns="45720" rIns="91440" bIns="45720" rtlCol="0" anchor="ctr">
+            <a:normAutofit/>
+          </a:bodyPr>
+          <a:lstStyle>
+            <a:lvl1pPr algn="l" defTabSz="914400" rtl="0" eaLnBrk="1" latinLnBrk="0" hangingPunct="1">
+              <a:lnSpc>
+                <a:spcPct val="90000"/>
+              </a:lnSpc>
+              <a:spcBef>
+                <a:spcPct val="0"/>
+              </a:spcBef>
+              <a:buNone/>
+              <a:defRPr sz="4400" kern="1200">
+                <a:solidFill>
+                  <a:schemeClr val="tx1"/>
+                </a:solidFill>
+                <a:latin typeface="+mj-lt"/>
+                <a:ea typeface="+mj-ea"/>
+                <a:cs typeface="+mj-cs"/>
+              </a:defRPr>
+            </a:lvl1pPr>
+          </a:lstStyle>
+          <a:p>
+            <a:r>
+              <a:rPr lang="en-US" sz="5700" dirty="0">
+                <a:solidFill>
+                  <a:schemeClr val="bg1"/>
+                </a:solidFill>
+              </a:rPr>
+              <a:t>   Question Processing</a:t>
+            </a:r>
+          </a:p>
+        </p:txBody>
+      </p:sp>
+      <p:pic>
+        <p:nvPicPr>
+          <p:cNvPr id="20" name="Picture 19">
+            <a:extLst>
+              <a:ext uri="{FF2B5EF4-FFF2-40B4-BE49-F238E27FC236}">
+                <a16:creationId xmlns:a16="http://schemas.microsoft.com/office/drawing/2014/main" id="{B5D47350-D5C7-4323-951F-3AE1A43766EE}"/>
+              </a:ext>
+            </a:extLst>
+          </p:cNvPr>
+          <p:cNvPicPr>
+            <a:picLocks noChangeAspect="1"/>
+          </p:cNvPicPr>
+          <p:nvPr/>
+        </p:nvPicPr>
+        <p:blipFill>
+          <a:blip r:embed="rId2"/>
+          <a:stretch>
+            <a:fillRect/>
+          </a:stretch>
+        </p:blipFill>
+        <p:spPr>
+          <a:xfrm>
+            <a:off x="8134350" y="693019"/>
+            <a:ext cx="4057650" cy="447675"/>
+          </a:xfrm>
+          <a:prstGeom prst="rect">
+            <a:avLst/>
+          </a:prstGeom>
+        </p:spPr>
+      </p:pic>
+      <p:sp>
+        <p:nvSpPr>
+          <p:cNvPr id="7" name="TextBox 6">
+            <a:extLst>
+              <a:ext uri="{FF2B5EF4-FFF2-40B4-BE49-F238E27FC236}">
+                <a16:creationId xmlns:a16="http://schemas.microsoft.com/office/drawing/2014/main" id="{792CEC36-F866-41B5-AFB6-39D4B48B0A6C}"/>
+              </a:ext>
+            </a:extLst>
+          </p:cNvPr>
+          <p:cNvSpPr txBox="1"/>
+          <p:nvPr/>
+        </p:nvSpPr>
+        <p:spPr>
+          <a:xfrm>
+            <a:off x="359085" y="1288434"/>
+            <a:ext cx="5926306" cy="461665"/>
+          </a:xfrm>
+          <a:prstGeom prst="rect">
+            <a:avLst/>
+          </a:prstGeom>
+          <a:noFill/>
+        </p:spPr>
+        <p:txBody>
+          <a:bodyPr wrap="square" rtlCol="0">
+            <a:spAutoFit/>
+          </a:bodyPr>
+          <a:lstStyle>
+            <a:defPPr>
+              <a:defRPr lang="en-US"/>
+            </a:defPPr>
+            <a:lvl1pPr>
+              <a:defRPr sz="2400">
+                <a:solidFill>
+                  <a:schemeClr val="accent5">
+                    <a:lumMod val="75000"/>
+                  </a:schemeClr>
+                </a:solidFill>
+              </a:defRPr>
+            </a:lvl1pPr>
+          </a:lstStyle>
+          <a:p>
+            <a:r>
+              <a:rPr lang="en-US" dirty="0"/>
+              <a:t>Dependency parsing</a:t>
+            </a:r>
+          </a:p>
+        </p:txBody>
+      </p:sp>
+      <p:sp>
+        <p:nvSpPr>
+          <p:cNvPr id="12" name="TextBox 11">
+            <a:extLst>
+              <a:ext uri="{FF2B5EF4-FFF2-40B4-BE49-F238E27FC236}">
+                <a16:creationId xmlns:a16="http://schemas.microsoft.com/office/drawing/2014/main" id="{421D8A2C-304E-4EB9-A1B6-B88EB6E470DF}"/>
+              </a:ext>
+            </a:extLst>
+          </p:cNvPr>
+          <p:cNvSpPr txBox="1"/>
+          <p:nvPr/>
+        </p:nvSpPr>
+        <p:spPr>
+          <a:xfrm>
+            <a:off x="905522" y="1696347"/>
+            <a:ext cx="10431262" cy="2800767"/>
+          </a:xfrm>
+          <a:prstGeom prst="rect">
+            <a:avLst/>
+          </a:prstGeom>
+          <a:noFill/>
+        </p:spPr>
+        <p:txBody>
+          <a:bodyPr wrap="square" rtlCol="0">
+            <a:spAutoFit/>
+          </a:bodyPr>
+          <a:lstStyle/>
+          <a:p>
+            <a:r>
+              <a:rPr lang="en-US" sz="1600" dirty="0">
+                <a:latin typeface="Arial Nova" panose="020B0504020202020204" pitchFamily="34" charset="0"/>
+              </a:rPr>
+              <a:t>[('Is', 'AUX', 'Is', 'ROOT’), </a:t>
+            </a:r>
+          </a:p>
+          <a:p>
+            <a:r>
+              <a:rPr lang="en-US" sz="1600" dirty="0">
+                <a:latin typeface="Arial Nova" panose="020B0504020202020204" pitchFamily="34" charset="0"/>
+              </a:rPr>
+              <a:t>('there', 'PRON', 'Is', '</a:t>
+            </a:r>
+            <a:r>
+              <a:rPr lang="en-US" sz="1600" dirty="0" err="1">
+                <a:latin typeface="Arial Nova" panose="020B0504020202020204" pitchFamily="34" charset="0"/>
+              </a:rPr>
+              <a:t>expl</a:t>
+            </a:r>
+            <a:r>
+              <a:rPr lang="en-US" sz="1600" dirty="0">
+                <a:latin typeface="Arial Nova" panose="020B0504020202020204" pitchFamily="34" charset="0"/>
+              </a:rPr>
+              <a:t>’), </a:t>
+            </a:r>
+          </a:p>
+          <a:p>
+            <a:r>
+              <a:rPr lang="en-US" sz="1600" dirty="0">
+                <a:latin typeface="Arial Nova" panose="020B0504020202020204" pitchFamily="34" charset="0"/>
+              </a:rPr>
+              <a:t>('a', 'DET', 'requirement', 'det’), </a:t>
+            </a:r>
+          </a:p>
+          <a:p>
+            <a:r>
+              <a:rPr lang="en-US" sz="1600" dirty="0">
+                <a:latin typeface="Arial Nova" panose="020B0504020202020204" pitchFamily="34" charset="0"/>
+              </a:rPr>
+              <a:t>('height', 'NOUN', 'requirement', 'compound’), </a:t>
+            </a:r>
+          </a:p>
+          <a:p>
+            <a:r>
+              <a:rPr lang="en-US" sz="1600" dirty="0">
+                <a:latin typeface="Arial Nova" panose="020B0504020202020204" pitchFamily="34" charset="0"/>
+              </a:rPr>
+              <a:t>('requirement', 'NOUN', 'Is', '</a:t>
+            </a:r>
+            <a:r>
+              <a:rPr lang="en-US" sz="1600" dirty="0" err="1">
+                <a:latin typeface="Arial Nova" panose="020B0504020202020204" pitchFamily="34" charset="0"/>
+              </a:rPr>
+              <a:t>attr</a:t>
+            </a:r>
+            <a:r>
+              <a:rPr lang="en-US" sz="1600" dirty="0">
+                <a:latin typeface="Arial Nova" panose="020B0504020202020204" pitchFamily="34" charset="0"/>
+              </a:rPr>
+              <a:t>’), </a:t>
+            </a:r>
+          </a:p>
+          <a:p>
+            <a:r>
+              <a:rPr lang="en-US" sz="1600" dirty="0">
+                <a:latin typeface="Arial Nova" panose="020B0504020202020204" pitchFamily="34" charset="0"/>
+              </a:rPr>
+              <a:t>('for', 'ADP', 'requirement', 'prep’), </a:t>
+            </a:r>
+          </a:p>
+          <a:p>
+            <a:r>
+              <a:rPr lang="en-US" sz="1600" dirty="0">
+                <a:latin typeface="Arial Nova" panose="020B0504020202020204" pitchFamily="34" charset="0"/>
+              </a:rPr>
+              <a:t>('Star', 'PROPN', 'Wars', 'compound’), </a:t>
+            </a:r>
+          </a:p>
+          <a:p>
+            <a:r>
+              <a:rPr lang="en-US" sz="1600" dirty="0">
+                <a:latin typeface="Arial Nova" panose="020B0504020202020204" pitchFamily="34" charset="0"/>
+              </a:rPr>
+              <a:t>('Wars', 'PROPN', 'for', '</a:t>
+            </a:r>
+            <a:r>
+              <a:rPr lang="en-US" sz="1600" dirty="0" err="1">
+                <a:latin typeface="Arial Nova" panose="020B0504020202020204" pitchFamily="34" charset="0"/>
+              </a:rPr>
+              <a:t>pobj</a:t>
+            </a:r>
+            <a:r>
+              <a:rPr lang="en-US" sz="1600" dirty="0">
+                <a:latin typeface="Arial Nova" panose="020B0504020202020204" pitchFamily="34" charset="0"/>
+              </a:rPr>
+              <a:t>’), </a:t>
+            </a:r>
+          </a:p>
+          <a:p>
+            <a:r>
+              <a:rPr lang="en-US" sz="1600" dirty="0">
+                <a:latin typeface="Arial Nova" panose="020B0504020202020204" pitchFamily="34" charset="0"/>
+              </a:rPr>
+              <a:t>(':', 'PUNCT', 'requirement', '</a:t>
+            </a:r>
+            <a:r>
+              <a:rPr lang="en-US" sz="1600" dirty="0" err="1">
+                <a:latin typeface="Arial Nova" panose="020B0504020202020204" pitchFamily="34" charset="0"/>
+              </a:rPr>
+              <a:t>punct</a:t>
+            </a:r>
+            <a:r>
+              <a:rPr lang="en-US" sz="1600" dirty="0">
+                <a:latin typeface="Arial Nova" panose="020B0504020202020204" pitchFamily="34" charset="0"/>
+              </a:rPr>
+              <a:t>’), </a:t>
+            </a:r>
+          </a:p>
+          <a:p>
+            <a:r>
+              <a:rPr lang="en-US" sz="1600" dirty="0">
+                <a:latin typeface="Arial Nova" panose="020B0504020202020204" pitchFamily="34" charset="0"/>
+              </a:rPr>
+              <a:t>('Rise', 'NOUN', 'requirement', '</a:t>
+            </a:r>
+            <a:r>
+              <a:rPr lang="en-US" sz="1600" dirty="0" err="1">
+                <a:latin typeface="Arial Nova" panose="020B0504020202020204" pitchFamily="34" charset="0"/>
+              </a:rPr>
+              <a:t>appos</a:t>
+            </a:r>
+            <a:r>
+              <a:rPr lang="en-US" sz="1600" dirty="0">
+                <a:latin typeface="Arial Nova" panose="020B0504020202020204" pitchFamily="34" charset="0"/>
+              </a:rPr>
+              <a:t>'), ('of', 'ADP', 'Rise', 'prep'), ('the', 'DET', 'Resistance', 'det'), ('Resistance', 'PROPN', 'of', '</a:t>
+            </a:r>
+            <a:r>
+              <a:rPr lang="en-US" sz="1600" dirty="0" err="1">
+                <a:latin typeface="Arial Nova" panose="020B0504020202020204" pitchFamily="34" charset="0"/>
+              </a:rPr>
+              <a:t>pobj</a:t>
+            </a:r>
+            <a:r>
+              <a:rPr lang="en-US" sz="1600" dirty="0">
+                <a:latin typeface="Arial Nova" panose="020B0504020202020204" pitchFamily="34" charset="0"/>
+              </a:rPr>
+              <a:t>'), ('?', 'PUNCT', 'Is', '</a:t>
+            </a:r>
+            <a:r>
+              <a:rPr lang="en-US" sz="1600" dirty="0" err="1">
+                <a:latin typeface="Arial Nova" panose="020B0504020202020204" pitchFamily="34" charset="0"/>
+              </a:rPr>
+              <a:t>punct</a:t>
+            </a:r>
+            <a:r>
+              <a:rPr lang="en-US" sz="1600" dirty="0">
+                <a:latin typeface="Arial Nova" panose="020B0504020202020204" pitchFamily="34" charset="0"/>
+              </a:rPr>
+              <a:t>')] </a:t>
+            </a:r>
+          </a:p>
+        </p:txBody>
+      </p:sp>
+    </p:spTree>
+    <p:extLst>
+      <p:ext uri="{BB962C8B-B14F-4D97-AF65-F5344CB8AC3E}">
+        <p14:creationId xmlns:p14="http://schemas.microsoft.com/office/powerpoint/2010/main" val="298702021"/>
+      </p:ext>
+    </p:extLst>
+  </p:cSld>
+  <p:clrMapOvr>
+    <a:masterClrMapping/>
+  </p:clrMapOvr>
+  <p:timing>
+    <p:tnLst>
+      <p:par>
+        <p:cTn id="1" dur="indefinite" restart="never" nodeType="tmRoot">
+          <p:childTnLst>
+            <p:seq concurrent="1" nextAc="seek">
+              <p:cTn id="2" dur="indefinite" nodeType="mainSeq">
+                <p:childTnLst>
+                  <p:par>
+                    <p:cTn id="3" fill="hold">
+                      <p:stCondLst>
+                        <p:cond delay="indefinite"/>
+                        <p:cond evt="onBegin" delay="0">
+                          <p:tn val="2"/>
+                        </p:cond>
+                      </p:stCondLst>
+                      <p:childTnLst>
+                        <p:par>
+                          <p:cTn id="4" fill="hold">
+                            <p:stCondLst>
+                              <p:cond delay="0"/>
+                            </p:stCondLst>
+                            <p:childTnLst>
+                              <p:par>
+                                <p:cTn id="5" presetID="1" presetClass="entr" presetSubtype="0" fill="hold" grpId="0" nodeType="withEffect">
+                                  <p:stCondLst>
+                                    <p:cond delay="0"/>
+                                  </p:stCondLst>
+                                  <p:childTnLst>
+                                    <p:set>
+                                      <p:cBhvr>
+                                        <p:cTn id="6" dur="1" fill="hold">
+                                          <p:stCondLst>
+                                            <p:cond delay="0"/>
+                                          </p:stCondLst>
+                                        </p:cTn>
+                                        <p:tgtEl>
+                                          <p:spTgt spid="7"/>
+                                        </p:tgtEl>
+                                        <p:attrNameLst>
+                                          <p:attrName>style.visibility</p:attrName>
+                                        </p:attrNameLst>
+                                      </p:cBhvr>
+                                      <p:to>
+                                        <p:strVal val="visible"/>
+                                      </p:to>
+                                    </p:set>
+                                  </p:childTnLst>
+                                </p:cTn>
+                              </p:par>
+                            </p:childTnLst>
+                          </p:cTn>
+                        </p:par>
+                      </p:childTnLst>
+                    </p:cTn>
+                  </p:par>
+                </p:childTnLst>
+              </p:cTn>
+              <p:prevCondLst>
+                <p:cond evt="onPrev" delay="0">
+                  <p:tgtEl>
+                    <p:sldTgt/>
+                  </p:tgtEl>
+                </p:cond>
+              </p:prevCondLst>
+              <p:nextCondLst>
+                <p:cond evt="onNext" delay="0">
+                  <p:tgtEl>
+                    <p:sldTgt/>
+                  </p:tgtEl>
+                </p:cond>
+              </p:nextCondLst>
+            </p:seq>
+          </p:childTnLst>
+        </p:cTn>
+      </p:par>
+    </p:tnLst>
+    <p:bldLst>
+      <p:bldP spid="7" grpId="0"/>
+    </p:bldLst>
+  </p:timing>
+</p:sld>
+</file>
+
+<file path=ppt/slides/slide6.xml><?xml version="1.0" encoding="utf-8"?>
+<p:sld xmlns:a="http://schemas.openxmlformats.org/drawingml/2006/main" xmlns:r="http://schemas.openxmlformats.org/officeDocument/2006/relationships" xmlns:p="http://schemas.openxmlformats.org/presentationml/2006/main">
+  <p:cSld>
+    <p:spTree>
+      <p:nvGrpSpPr>
+        <p:cNvPr id="1" name=""/>
+        <p:cNvGrpSpPr/>
+        <p:nvPr/>
+      </p:nvGrpSpPr>
+      <p:grpSpPr>
+        <a:xfrm>
+          <a:off x="0" y="0"/>
+          <a:ext cx="0" cy="0"/>
+          <a:chOff x="0" y="0"/>
+          <a:chExt cx="0" cy="0"/>
+        </a:xfrm>
+      </p:grpSpPr>
+      <p:sp>
+        <p:nvSpPr>
+          <p:cNvPr id="13" name="Title 1">
+            <a:extLst>
+              <a:ext uri="{FF2B5EF4-FFF2-40B4-BE49-F238E27FC236}">
+                <a16:creationId xmlns:a16="http://schemas.microsoft.com/office/drawing/2014/main" id="{1127F941-043E-4D99-BA77-D0CB0DAFE611}"/>
+              </a:ext>
+            </a:extLst>
+          </p:cNvPr>
+          <p:cNvSpPr txBox="1">
+            <a:spLocks/>
+          </p:cNvSpPr>
+          <p:nvPr/>
+        </p:nvSpPr>
+        <p:spPr>
+          <a:xfrm>
+            <a:off x="0" y="1"/>
+            <a:ext cx="12192000" cy="1141581"/>
+          </a:xfrm>
+          <a:prstGeom prst="rect">
+            <a:avLst/>
+          </a:prstGeom>
+          <a:solidFill>
+            <a:schemeClr val="tx2">
+              <a:lumMod val="75000"/>
+            </a:schemeClr>
+          </a:solidFill>
+        </p:spPr>
+        <p:txBody>
+          <a:bodyPr vert="horz" lIns="91440" tIns="45720" rIns="91440" bIns="45720" rtlCol="0" anchor="ctr">
+            <a:normAutofit/>
+          </a:bodyPr>
+          <a:lstStyle>
+            <a:lvl1pPr algn="l" defTabSz="914400" rtl="0" eaLnBrk="1" latinLnBrk="0" hangingPunct="1">
+              <a:lnSpc>
+                <a:spcPct val="90000"/>
+              </a:lnSpc>
+              <a:spcBef>
+                <a:spcPct val="0"/>
+              </a:spcBef>
+              <a:buNone/>
+              <a:defRPr sz="4400" kern="1200">
+                <a:solidFill>
+                  <a:schemeClr val="tx1"/>
+                </a:solidFill>
+                <a:latin typeface="+mj-lt"/>
+                <a:ea typeface="+mj-ea"/>
+                <a:cs typeface="+mj-cs"/>
+              </a:defRPr>
+            </a:lvl1pPr>
+          </a:lstStyle>
+          <a:p>
+            <a:r>
+              <a:rPr lang="en-US" sz="5700" dirty="0">
+                <a:solidFill>
+                  <a:schemeClr val="bg1"/>
+                </a:solidFill>
+              </a:rPr>
+              <a:t>   Question Processing</a:t>
+            </a:r>
+          </a:p>
+        </p:txBody>
+      </p:sp>
+      <p:pic>
+        <p:nvPicPr>
+          <p:cNvPr id="20" name="Picture 19">
+            <a:extLst>
+              <a:ext uri="{FF2B5EF4-FFF2-40B4-BE49-F238E27FC236}">
+                <a16:creationId xmlns:a16="http://schemas.microsoft.com/office/drawing/2014/main" id="{B5D47350-D5C7-4323-951F-3AE1A43766EE}"/>
+              </a:ext>
+            </a:extLst>
+          </p:cNvPr>
+          <p:cNvPicPr>
+            <a:picLocks noChangeAspect="1"/>
+          </p:cNvPicPr>
+          <p:nvPr/>
+        </p:nvPicPr>
+        <p:blipFill>
+          <a:blip r:embed="rId2"/>
+          <a:stretch>
+            <a:fillRect/>
+          </a:stretch>
+        </p:blipFill>
+        <p:spPr>
+          <a:xfrm>
+            <a:off x="8134350" y="693019"/>
+            <a:ext cx="4057650" cy="447675"/>
+          </a:xfrm>
+          <a:prstGeom prst="rect">
+            <a:avLst/>
+          </a:prstGeom>
+        </p:spPr>
+      </p:pic>
+      <p:sp>
+        <p:nvSpPr>
+          <p:cNvPr id="9" name="TextBox 8">
+            <a:extLst>
+              <a:ext uri="{FF2B5EF4-FFF2-40B4-BE49-F238E27FC236}">
+                <a16:creationId xmlns:a16="http://schemas.microsoft.com/office/drawing/2014/main" id="{C89228A3-622A-4772-9DB4-18944F5F5058}"/>
+              </a:ext>
+            </a:extLst>
+          </p:cNvPr>
+          <p:cNvSpPr txBox="1"/>
+          <p:nvPr/>
+        </p:nvSpPr>
+        <p:spPr>
+          <a:xfrm>
+            <a:off x="612561" y="2589665"/>
+            <a:ext cx="5926306" cy="461665"/>
+          </a:xfrm>
+          <a:prstGeom prst="rect">
+            <a:avLst/>
+          </a:prstGeom>
+          <a:noFill/>
+        </p:spPr>
+        <p:txBody>
+          <a:bodyPr wrap="square" rtlCol="0">
+            <a:spAutoFit/>
+          </a:bodyPr>
+          <a:lstStyle>
+            <a:defPPr>
+              <a:defRPr lang="en-US"/>
+            </a:defPPr>
+            <a:lvl1pPr>
+              <a:defRPr sz="2400">
+                <a:solidFill>
+                  <a:schemeClr val="accent5">
+                    <a:lumMod val="75000"/>
+                  </a:schemeClr>
+                </a:solidFill>
+              </a:defRPr>
+            </a:lvl1pPr>
+          </a:lstStyle>
+          <a:p>
+            <a:r>
+              <a:rPr lang="en-US" dirty="0"/>
+              <a:t>Key words</a:t>
+            </a:r>
+          </a:p>
+        </p:txBody>
+      </p:sp>
+      <p:sp>
+        <p:nvSpPr>
+          <p:cNvPr id="10" name="TextBox 9">
+            <a:extLst>
+              <a:ext uri="{FF2B5EF4-FFF2-40B4-BE49-F238E27FC236}">
+                <a16:creationId xmlns:a16="http://schemas.microsoft.com/office/drawing/2014/main" id="{3C765B04-BCC0-48F3-BD1F-558F7D42D8D0}"/>
+              </a:ext>
+            </a:extLst>
+          </p:cNvPr>
+          <p:cNvSpPr txBox="1"/>
+          <p:nvPr/>
+        </p:nvSpPr>
+        <p:spPr>
+          <a:xfrm>
+            <a:off x="612561" y="1509290"/>
+            <a:ext cx="5926306" cy="461665"/>
+          </a:xfrm>
+          <a:prstGeom prst="rect">
+            <a:avLst/>
+          </a:prstGeom>
+          <a:noFill/>
+        </p:spPr>
+        <p:txBody>
+          <a:bodyPr wrap="square" rtlCol="0">
+            <a:spAutoFit/>
+          </a:bodyPr>
+          <a:lstStyle>
+            <a:defPPr>
+              <a:defRPr lang="en-US"/>
+            </a:defPPr>
+            <a:lvl1pPr>
+              <a:defRPr sz="2400">
+                <a:solidFill>
+                  <a:schemeClr val="accent5">
+                    <a:lumMod val="75000"/>
+                  </a:schemeClr>
+                </a:solidFill>
+              </a:defRPr>
+            </a:lvl1pPr>
+          </a:lstStyle>
+          <a:p>
+            <a:r>
+              <a:rPr lang="en-US" dirty="0"/>
+              <a:t>Head words</a:t>
+            </a:r>
+          </a:p>
+        </p:txBody>
+      </p:sp>
+      <p:sp>
+        <p:nvSpPr>
+          <p:cNvPr id="11" name="TextBox 10">
+            <a:extLst>
+              <a:ext uri="{FF2B5EF4-FFF2-40B4-BE49-F238E27FC236}">
+                <a16:creationId xmlns:a16="http://schemas.microsoft.com/office/drawing/2014/main" id="{C1158A1D-D22B-4DCF-9AFD-3BDF600E8984}"/>
+              </a:ext>
+            </a:extLst>
+          </p:cNvPr>
+          <p:cNvSpPr txBox="1"/>
+          <p:nvPr/>
+        </p:nvSpPr>
+        <p:spPr>
+          <a:xfrm>
+            <a:off x="612561" y="3807172"/>
+            <a:ext cx="2601156" cy="461665"/>
+          </a:xfrm>
+          <a:prstGeom prst="rect">
+            <a:avLst/>
+          </a:prstGeom>
+          <a:noFill/>
+        </p:spPr>
+        <p:txBody>
+          <a:bodyPr wrap="square" rtlCol="0">
+            <a:spAutoFit/>
+          </a:bodyPr>
+          <a:lstStyle>
+            <a:defPPr>
+              <a:defRPr lang="en-US"/>
+            </a:defPPr>
+            <a:lvl1pPr>
+              <a:defRPr sz="2400">
+                <a:solidFill>
+                  <a:schemeClr val="accent5">
+                    <a:lumMod val="75000"/>
+                  </a:schemeClr>
+                </a:solidFill>
+              </a:defRPr>
+            </a:lvl1pPr>
+          </a:lstStyle>
+          <a:p>
+            <a:r>
+              <a:rPr lang="en-US" dirty="0"/>
+              <a:t>Answer type</a:t>
+            </a:r>
+          </a:p>
+        </p:txBody>
+      </p:sp>
+      <p:sp>
+        <p:nvSpPr>
+          <p:cNvPr id="12" name="TextBox 11">
+            <a:extLst>
+              <a:ext uri="{FF2B5EF4-FFF2-40B4-BE49-F238E27FC236}">
+                <a16:creationId xmlns:a16="http://schemas.microsoft.com/office/drawing/2014/main" id="{421D8A2C-304E-4EB9-A1B6-B88EB6E470DF}"/>
+              </a:ext>
+            </a:extLst>
+          </p:cNvPr>
+          <p:cNvSpPr txBox="1"/>
+          <p:nvPr/>
+        </p:nvSpPr>
+        <p:spPr>
+          <a:xfrm>
+            <a:off x="942513" y="4281133"/>
+            <a:ext cx="10431262" cy="338554"/>
+          </a:xfrm>
+          <a:prstGeom prst="rect">
+            <a:avLst/>
+          </a:prstGeom>
+          <a:noFill/>
+        </p:spPr>
+        <p:txBody>
+          <a:bodyPr wrap="square" rtlCol="0">
+            <a:spAutoFit/>
+          </a:bodyPr>
+          <a:lstStyle/>
+          <a:p>
+            <a:r>
+              <a:rPr lang="en-US" sz="1600" dirty="0">
+                <a:latin typeface="Arial Nova" panose="020B0504020202020204" pitchFamily="34" charset="0"/>
+              </a:rPr>
+              <a:t>', 'Is', '</a:t>
+            </a:r>
+            <a:r>
+              <a:rPr lang="en-US" sz="1600" dirty="0" err="1">
+                <a:latin typeface="Arial Nova" panose="020B0504020202020204" pitchFamily="34" charset="0"/>
+              </a:rPr>
+              <a:t>punct</a:t>
+            </a:r>
+            <a:r>
+              <a:rPr lang="en-US" sz="1600" dirty="0">
+                <a:latin typeface="Arial Nova" panose="020B0504020202020204" pitchFamily="34" charset="0"/>
+              </a:rPr>
+              <a:t>')] </a:t>
+            </a:r>
+          </a:p>
+        </p:txBody>
+      </p:sp>
+      <p:sp>
+        <p:nvSpPr>
+          <p:cNvPr id="14" name="TextBox 13">
+            <a:extLst>
+              <a:ext uri="{FF2B5EF4-FFF2-40B4-BE49-F238E27FC236}">
+                <a16:creationId xmlns:a16="http://schemas.microsoft.com/office/drawing/2014/main" id="{86B4FD8D-8EAF-462D-83B7-6EF061B78299}"/>
+              </a:ext>
+            </a:extLst>
+          </p:cNvPr>
+          <p:cNvSpPr txBox="1"/>
+          <p:nvPr/>
+        </p:nvSpPr>
+        <p:spPr>
+          <a:xfrm>
+            <a:off x="942513" y="3186737"/>
+            <a:ext cx="10431262" cy="338554"/>
+          </a:xfrm>
+          <a:prstGeom prst="rect">
+            <a:avLst/>
+          </a:prstGeom>
+          <a:noFill/>
+        </p:spPr>
+        <p:txBody>
+          <a:bodyPr wrap="square" rtlCol="0">
+            <a:spAutoFit/>
+          </a:bodyPr>
+          <a:lstStyle/>
+          <a:p>
+            <a:r>
+              <a:rPr lang="en-US" sz="1600" dirty="0">
+                <a:latin typeface="Arial Nova" panose="020B0504020202020204" pitchFamily="34" charset="0"/>
+              </a:rPr>
+              <a:t>', 'Is', '</a:t>
+            </a:r>
+            <a:r>
+              <a:rPr lang="en-US" sz="1600" dirty="0" err="1">
+                <a:latin typeface="Arial Nova" panose="020B0504020202020204" pitchFamily="34" charset="0"/>
+              </a:rPr>
+              <a:t>punct</a:t>
+            </a:r>
+            <a:r>
+              <a:rPr lang="en-US" sz="1600" dirty="0">
+                <a:latin typeface="Arial Nova" panose="020B0504020202020204" pitchFamily="34" charset="0"/>
+              </a:rPr>
+              <a:t>')] </a:t>
+            </a:r>
+          </a:p>
+        </p:txBody>
+      </p:sp>
+      <p:sp>
+        <p:nvSpPr>
+          <p:cNvPr id="15" name="TextBox 14">
+            <a:extLst>
+              <a:ext uri="{FF2B5EF4-FFF2-40B4-BE49-F238E27FC236}">
+                <a16:creationId xmlns:a16="http://schemas.microsoft.com/office/drawing/2014/main" id="{B7C35872-74FF-4556-BC7A-FD1A42B4B096}"/>
+              </a:ext>
+            </a:extLst>
+          </p:cNvPr>
+          <p:cNvSpPr txBox="1"/>
+          <p:nvPr/>
+        </p:nvSpPr>
+        <p:spPr>
+          <a:xfrm>
+            <a:off x="942513" y="2037120"/>
+            <a:ext cx="10431262" cy="338554"/>
+          </a:xfrm>
+          <a:prstGeom prst="rect">
+            <a:avLst/>
+          </a:prstGeom>
+          <a:noFill/>
+        </p:spPr>
+        <p:txBody>
+          <a:bodyPr wrap="square" rtlCol="0">
+            <a:spAutoFit/>
+          </a:bodyPr>
+          <a:lstStyle/>
+          <a:p>
+            <a:r>
+              <a:rPr lang="en-US" sz="1600" dirty="0">
+                <a:latin typeface="Arial Nova" panose="020B0504020202020204" pitchFamily="34" charset="0"/>
+              </a:rPr>
+              <a:t>', 'Is', '</a:t>
+            </a:r>
+            <a:r>
+              <a:rPr lang="en-US" sz="1600" dirty="0" err="1">
+                <a:latin typeface="Arial Nova" panose="020B0504020202020204" pitchFamily="34" charset="0"/>
+              </a:rPr>
+              <a:t>punct</a:t>
+            </a:r>
+            <a:r>
+              <a:rPr lang="en-US" sz="1600" dirty="0">
+                <a:latin typeface="Arial Nova" panose="020B0504020202020204" pitchFamily="34" charset="0"/>
+              </a:rPr>
+              <a:t>')] </a:t>
+            </a:r>
+          </a:p>
+        </p:txBody>
+      </p:sp>
+    </p:spTree>
+    <p:extLst>
+      <p:ext uri="{BB962C8B-B14F-4D97-AF65-F5344CB8AC3E}">
+        <p14:creationId xmlns:p14="http://schemas.microsoft.com/office/powerpoint/2010/main" val="490681282"/>
+      </p:ext>
+    </p:extLst>
+  </p:cSld>
+  <p:clrMapOvr>
+    <a:masterClrMapping/>
+  </p:clrMapOvr>
+  <p:timing>
+    <p:tnLst>
+      <p:par>
+        <p:cTn id="1" dur="indefinite" restart="never" nodeType="tmRoot">
+          <p:childTnLst>
+            <p:seq concurrent="1" nextAc="seek">
+              <p:cTn id="2" dur="indefinite" nodeType="mainSeq">
+                <p:childTnLst>
+                  <p:par>
+                    <p:cTn id="3" fill="hold">
+                      <p:stCondLst>
+                        <p:cond delay="indefinite"/>
+                        <p:cond evt="onBegin" delay="0">
+                          <p:tn val="2"/>
+                        </p:cond>
+                      </p:stCondLst>
+                      <p:childTnLst>
+                        <p:par>
+                          <p:cTn id="4" fill="hold">
+                            <p:stCondLst>
+                              <p:cond delay="0"/>
+                            </p:stCondLst>
+                            <p:childTnLst>
+                              <p:par>
+                                <p:cTn id="5" presetID="1" presetClass="entr" presetSubtype="0" fill="hold" grpId="0" nodeType="withEffect">
+                                  <p:stCondLst>
+                                    <p:cond delay="0"/>
+                                  </p:stCondLst>
+                                  <p:childTnLst>
+                                    <p:set>
+                                      <p:cBhvr>
+                                        <p:cTn id="6" dur="1" fill="hold">
+                                          <p:stCondLst>
+                                            <p:cond delay="0"/>
+                                          </p:stCondLst>
+                                        </p:cTn>
+                                        <p:tgtEl>
+                                          <p:spTgt spid="9"/>
+                                        </p:tgtEl>
+                                        <p:attrNameLst>
+                                          <p:attrName>style.visibility</p:attrName>
+                                        </p:attrNameLst>
+                                      </p:cBhvr>
+                                      <p:to>
+                                        <p:strVal val="visible"/>
+                                      </p:to>
+                                    </p:set>
+                                  </p:childTnLst>
+                                </p:cTn>
+                              </p:par>
+                              <p:par>
+                                <p:cTn id="7" presetID="1" presetClass="entr" presetSubtype="0" fill="hold" grpId="0" nodeType="withEffect">
+                                  <p:stCondLst>
+                                    <p:cond delay="0"/>
+                                  </p:stCondLst>
+                                  <p:childTnLst>
+                                    <p:set>
+                                      <p:cBhvr>
+                                        <p:cTn id="8" dur="1" fill="hold">
+                                          <p:stCondLst>
+                                            <p:cond delay="0"/>
+                                          </p:stCondLst>
+                                        </p:cTn>
+                                        <p:tgtEl>
+                                          <p:spTgt spid="10"/>
+                                        </p:tgtEl>
+                                        <p:attrNameLst>
+                                          <p:attrName>style.visibility</p:attrName>
+                                        </p:attrNameLst>
+                                      </p:cBhvr>
+                                      <p:to>
+                                        <p:strVal val="visible"/>
+                                      </p:to>
+                                    </p:set>
+                                  </p:childTnLst>
+                                </p:cTn>
+                              </p:par>
+                              <p:par>
+                                <p:cTn id="9" presetID="1" presetClass="entr" presetSubtype="0" fill="hold" grpId="0" nodeType="withEffect">
+                                  <p:stCondLst>
+                                    <p:cond delay="0"/>
+                                  </p:stCondLst>
+                                  <p:childTnLst>
+                                    <p:set>
+                                      <p:cBhvr>
+                                        <p:cTn id="10" dur="1" fill="hold">
+                                          <p:stCondLst>
+                                            <p:cond delay="0"/>
+                                          </p:stCondLst>
+                                        </p:cTn>
+                                        <p:tgtEl>
+                                          <p:spTgt spid="11"/>
+                                        </p:tgtEl>
+                                        <p:attrNameLst>
+                                          <p:attrName>style.visibility</p:attrName>
+                                        </p:attrNameLst>
+                                      </p:cBhvr>
+                                      <p:to>
+                                        <p:strVal val="visible"/>
+                                      </p:to>
+                                    </p:set>
+                                  </p:childTnLst>
+                                </p:cTn>
+                              </p:par>
+                            </p:childTnLst>
+                          </p:cTn>
+                        </p:par>
+                      </p:childTnLst>
+                    </p:cTn>
+                  </p:par>
+                </p:childTnLst>
+              </p:cTn>
+              <p:prevCondLst>
+                <p:cond evt="onPrev" delay="0">
+                  <p:tgtEl>
+                    <p:sldTgt/>
+                  </p:tgtEl>
+                </p:cond>
+              </p:prevCondLst>
+              <p:nextCondLst>
+                <p:cond evt="onNext" delay="0">
+                  <p:tgtEl>
+                    <p:sldTgt/>
+                  </p:tgtEl>
+                </p:cond>
+              </p:nextCondLst>
+            </p:seq>
+          </p:childTnLst>
+        </p:cTn>
+      </p:par>
+    </p:tnLst>
+    <p:bldLst>
+      <p:bldP spid="9" grpId="0"/>
+      <p:bldP spid="10" grpId="0"/>
+      <p:bldP spid="11" grpId="0"/>
+    </p:bldLst>
+  </p:timing>
+</p:sld>
+</file>
+
+<file path=ppt/slides/slide7.xml><?xml version="1.0" encoding="utf-8"?>
 <p:sld xmlns:a="http://schemas.openxmlformats.org/drawingml/2006/main" xmlns:r="http://schemas.openxmlformats.org/officeDocument/2006/relationships" xmlns:p="http://schemas.openxmlformats.org/presentationml/2006/main">
   <p:cSld>
     <p:spTree>
@@ -6624,7 +7973,7 @@
 </p:sld>
 </file>
 
-<file path=ppt/slides/slide6.xml><?xml version="1.0" encoding="utf-8"?>
+<file path=ppt/slides/slide8.xml><?xml version="1.0" encoding="utf-8"?>
 <p:sld xmlns:a="http://schemas.openxmlformats.org/drawingml/2006/main" xmlns:r="http://schemas.openxmlformats.org/officeDocument/2006/relationships" xmlns:p="http://schemas.openxmlformats.org/presentationml/2006/main">
   <p:cSld>
     <p:spTree>

--- a/disneyqanda.pptx
+++ b/disneyqanda.pptx
@@ -12,7 +12,13 @@
     <p:sldId id="297" r:id="rId6"/>
     <p:sldId id="298" r:id="rId7"/>
     <p:sldId id="296" r:id="rId8"/>
-    <p:sldId id="293" r:id="rId9"/>
+    <p:sldId id="300" r:id="rId9"/>
+    <p:sldId id="301" r:id="rId10"/>
+    <p:sldId id="302" r:id="rId11"/>
+    <p:sldId id="303" r:id="rId12"/>
+    <p:sldId id="304" r:id="rId13"/>
+    <p:sldId id="299" r:id="rId14"/>
+    <p:sldId id="293" r:id="rId15"/>
   </p:sldIdLst>
   <p:sldSz cx="12192000" cy="6858000"/>
   <p:notesSz cx="6858000" cy="9144000"/>
@@ -258,7 +264,7 @@
           <a:p>
             <a:fld id="{7601110F-1B76-8242-AE2F-5F83B5239CF8}" type="datetimeFigureOut">
               <a:rPr lang="en-US" smtClean="0"/>
-              <a:t>11/29/2020</a:t>
+              <a:t>11/30/2020</a:t>
             </a:fld>
             <a:endParaRPr lang="en-US"/>
           </a:p>
@@ -428,7 +434,7 @@
           <a:p>
             <a:fld id="{7601110F-1B76-8242-AE2F-5F83B5239CF8}" type="datetimeFigureOut">
               <a:rPr lang="en-US" smtClean="0"/>
-              <a:t>11/29/2020</a:t>
+              <a:t>11/30/2020</a:t>
             </a:fld>
             <a:endParaRPr lang="en-US"/>
           </a:p>
@@ -608,7 +614,7 @@
           <a:p>
             <a:fld id="{7601110F-1B76-8242-AE2F-5F83B5239CF8}" type="datetimeFigureOut">
               <a:rPr lang="en-US" smtClean="0"/>
-              <a:t>11/29/2020</a:t>
+              <a:t>11/30/2020</a:t>
             </a:fld>
             <a:endParaRPr lang="en-US"/>
           </a:p>
@@ -778,7 +784,7 @@
           <a:p>
             <a:fld id="{7601110F-1B76-8242-AE2F-5F83B5239CF8}" type="datetimeFigureOut">
               <a:rPr lang="en-US" smtClean="0"/>
-              <a:t>11/29/2020</a:t>
+              <a:t>11/30/2020</a:t>
             </a:fld>
             <a:endParaRPr lang="en-US"/>
           </a:p>
@@ -1022,7 +1028,7 @@
           <a:p>
             <a:fld id="{7601110F-1B76-8242-AE2F-5F83B5239CF8}" type="datetimeFigureOut">
               <a:rPr lang="en-US" smtClean="0"/>
-              <a:t>11/29/2020</a:t>
+              <a:t>11/30/2020</a:t>
             </a:fld>
             <a:endParaRPr lang="en-US"/>
           </a:p>
@@ -1254,7 +1260,7 @@
           <a:p>
             <a:fld id="{7601110F-1B76-8242-AE2F-5F83B5239CF8}" type="datetimeFigureOut">
               <a:rPr lang="en-US" smtClean="0"/>
-              <a:t>11/29/2020</a:t>
+              <a:t>11/30/2020</a:t>
             </a:fld>
             <a:endParaRPr lang="en-US"/>
           </a:p>
@@ -1621,7 +1627,7 @@
           <a:p>
             <a:fld id="{7601110F-1B76-8242-AE2F-5F83B5239CF8}" type="datetimeFigureOut">
               <a:rPr lang="en-US" smtClean="0"/>
-              <a:t>11/29/2020</a:t>
+              <a:t>11/30/2020</a:t>
             </a:fld>
             <a:endParaRPr lang="en-US"/>
           </a:p>
@@ -1739,7 +1745,7 @@
           <a:p>
             <a:fld id="{7601110F-1B76-8242-AE2F-5F83B5239CF8}" type="datetimeFigureOut">
               <a:rPr lang="en-US" smtClean="0"/>
-              <a:t>11/29/2020</a:t>
+              <a:t>11/30/2020</a:t>
             </a:fld>
             <a:endParaRPr lang="en-US"/>
           </a:p>
@@ -1834,7 +1840,7 @@
           <a:p>
             <a:fld id="{7601110F-1B76-8242-AE2F-5F83B5239CF8}" type="datetimeFigureOut">
               <a:rPr lang="en-US" smtClean="0"/>
-              <a:t>11/29/2020</a:t>
+              <a:t>11/30/2020</a:t>
             </a:fld>
             <a:endParaRPr lang="en-US"/>
           </a:p>
@@ -2111,7 +2117,7 @@
           <a:p>
             <a:fld id="{7601110F-1B76-8242-AE2F-5F83B5239CF8}" type="datetimeFigureOut">
               <a:rPr lang="en-US" smtClean="0"/>
-              <a:t>11/29/2020</a:t>
+              <a:t>11/30/2020</a:t>
             </a:fld>
             <a:endParaRPr lang="en-US"/>
           </a:p>
@@ -2368,7 +2374,7 @@
           <a:p>
             <a:fld id="{7601110F-1B76-8242-AE2F-5F83B5239CF8}" type="datetimeFigureOut">
               <a:rPr lang="en-US" smtClean="0"/>
-              <a:t>11/29/2020</a:t>
+              <a:t>11/30/2020</a:t>
             </a:fld>
             <a:endParaRPr lang="en-US"/>
           </a:p>
@@ -2581,7 +2587,7 @@
           <a:p>
             <a:fld id="{7601110F-1B76-8242-AE2F-5F83B5239CF8}" type="datetimeFigureOut">
               <a:rPr lang="en-US" smtClean="0"/>
-              <a:t>11/29/2020</a:t>
+              <a:t>11/30/2020</a:t>
             </a:fld>
             <a:endParaRPr lang="en-US"/>
           </a:p>
@@ -3337,7 +3343,7 @@
 </p:sld>
 </file>
 
-<file path=ppt/slides/slide2.xml><?xml version="1.0" encoding="utf-8"?>
+<file path=ppt/slides/slide10.xml><?xml version="1.0" encoding="utf-8"?>
 <p:sld xmlns:a="http://schemas.openxmlformats.org/drawingml/2006/main" xmlns:r="http://schemas.openxmlformats.org/officeDocument/2006/relationships" xmlns:p="http://schemas.openxmlformats.org/presentationml/2006/main">
   <p:cSld>
     <p:spTree>
@@ -3356,10 +3362,10 @@
       </p:grpSpPr>
       <p:sp>
         <p:nvSpPr>
-          <p:cNvPr id="13" name="Title 1">
-            <a:extLst>
-              <a:ext uri="{FF2B5EF4-FFF2-40B4-BE49-F238E27FC236}">
-                <a16:creationId xmlns:a16="http://schemas.microsoft.com/office/drawing/2014/main" id="{1127F941-043E-4D99-BA77-D0CB0DAFE611}"/>
+          <p:cNvPr id="4" name="Title 1">
+            <a:extLst>
+              <a:ext uri="{FF2B5EF4-FFF2-40B4-BE49-F238E27FC236}">
+                <a16:creationId xmlns:a16="http://schemas.microsoft.com/office/drawing/2014/main" id="{35E2284A-51F6-449C-832E-D85C77F5C63A}"/>
               </a:ext>
             </a:extLst>
           </p:cNvPr>
@@ -3407,106 +3413,30 @@
           </a:lstStyle>
           <a:p>
             <a:r>
+              <a:rPr lang="en-US" sz="4800" dirty="0">
+                <a:solidFill>
+                  <a:schemeClr val="bg1"/>
+                </a:solidFill>
+              </a:rPr>
+              <a:t>   </a:t>
+            </a:r>
+            <a:r>
               <a:rPr lang="en-US" sz="5700" dirty="0">
                 <a:solidFill>
                   <a:schemeClr val="bg1"/>
                 </a:solidFill>
               </a:rPr>
-              <a:t>   Problem</a:t>
-            </a:r>
-          </a:p>
-        </p:txBody>
-      </p:sp>
-      <p:sp>
-        <p:nvSpPr>
-          <p:cNvPr id="3" name="TextBox 2">
-            <a:extLst>
-              <a:ext uri="{FF2B5EF4-FFF2-40B4-BE49-F238E27FC236}">
-                <a16:creationId xmlns:a16="http://schemas.microsoft.com/office/drawing/2014/main" id="{377A0E23-0F25-46C5-8C67-378270C30990}"/>
-              </a:ext>
-            </a:extLst>
-          </p:cNvPr>
-          <p:cNvSpPr txBox="1"/>
-          <p:nvPr/>
-        </p:nvSpPr>
-        <p:spPr>
-          <a:xfrm>
-            <a:off x="1121088" y="2134049"/>
-            <a:ext cx="9452217" cy="461665"/>
-          </a:xfrm>
-          <a:prstGeom prst="rect">
-            <a:avLst/>
-          </a:prstGeom>
-          <a:noFill/>
-        </p:spPr>
-        <p:txBody>
-          <a:bodyPr wrap="square" rtlCol="0">
-            <a:spAutoFit/>
-          </a:bodyPr>
-          <a:lstStyle/>
-          <a:p>
-            <a:r>
-              <a:rPr lang="en-US" sz="2400" dirty="0">
-                <a:solidFill>
-                  <a:schemeClr val="accent5">
-                    <a:lumMod val="75000"/>
-                  </a:schemeClr>
-                </a:solidFill>
-              </a:rPr>
-              <a:t>Create a program that can answer questions about Walt Disney World</a:t>
-            </a:r>
-            <a:endParaRPr lang="en-US" sz="2400" dirty="0"/>
-          </a:p>
-        </p:txBody>
-      </p:sp>
-      <p:sp>
-        <p:nvSpPr>
-          <p:cNvPr id="5" name="TextBox 4">
-            <a:extLst>
-              <a:ext uri="{FF2B5EF4-FFF2-40B4-BE49-F238E27FC236}">
-                <a16:creationId xmlns:a16="http://schemas.microsoft.com/office/drawing/2014/main" id="{F2F54C29-236B-4877-B581-7D74D9FF3FDD}"/>
-              </a:ext>
-            </a:extLst>
-          </p:cNvPr>
-          <p:cNvSpPr txBox="1"/>
-          <p:nvPr/>
-        </p:nvSpPr>
-        <p:spPr>
-          <a:xfrm>
-            <a:off x="1138479" y="4221850"/>
-            <a:ext cx="8586438" cy="461665"/>
-          </a:xfrm>
-          <a:prstGeom prst="rect">
-            <a:avLst/>
-          </a:prstGeom>
-          <a:noFill/>
-        </p:spPr>
-        <p:txBody>
-          <a:bodyPr wrap="square" rtlCol="0">
-            <a:spAutoFit/>
-          </a:bodyPr>
-          <a:lstStyle/>
-          <a:p>
-            <a:r>
-              <a:rPr lang="en-US" sz="2400" dirty="0">
-                <a:solidFill>
-                  <a:schemeClr val="accent5">
-                    <a:lumMod val="75000"/>
-                  </a:schemeClr>
-                </a:solidFill>
-              </a:rPr>
-              <a:t>Information Retrieval System</a:t>
-            </a:r>
-            <a:endParaRPr lang="en-US" sz="2400" dirty="0"/>
+              <a:t>Answer Processing</a:t>
+            </a:r>
           </a:p>
         </p:txBody>
       </p:sp>
       <p:pic>
         <p:nvPicPr>
-          <p:cNvPr id="20" name="Picture 19">
-            <a:extLst>
-              <a:ext uri="{FF2B5EF4-FFF2-40B4-BE49-F238E27FC236}">
-                <a16:creationId xmlns:a16="http://schemas.microsoft.com/office/drawing/2014/main" id="{B5D47350-D5C7-4323-951F-3AE1A43766EE}"/>
+          <p:cNvPr id="3" name="Picture 2">
+            <a:extLst>
+              <a:ext uri="{FF2B5EF4-FFF2-40B4-BE49-F238E27FC236}">
+                <a16:creationId xmlns:a16="http://schemas.microsoft.com/office/drawing/2014/main" id="{834A208E-417F-49AC-9426-4F8C3F7C190D}"/>
               </a:ext>
             </a:extLst>
           </p:cNvPr>
@@ -3531,101 +3461,62 @@
           </a:prstGeom>
         </p:spPr>
       </p:pic>
+      <p:sp>
+        <p:nvSpPr>
+          <p:cNvPr id="7" name="TextBox 6">
+            <a:extLst>
+              <a:ext uri="{FF2B5EF4-FFF2-40B4-BE49-F238E27FC236}">
+                <a16:creationId xmlns:a16="http://schemas.microsoft.com/office/drawing/2014/main" id="{13F8BE3A-7687-4AF4-9EFD-2C46F306DA40}"/>
+              </a:ext>
+            </a:extLst>
+          </p:cNvPr>
+          <p:cNvSpPr txBox="1"/>
+          <p:nvPr/>
+        </p:nvSpPr>
+        <p:spPr>
+          <a:xfrm>
+            <a:off x="751691" y="2259470"/>
+            <a:ext cx="1398694" cy="461665"/>
+          </a:xfrm>
+          <a:prstGeom prst="rect">
+            <a:avLst/>
+          </a:prstGeom>
+          <a:noFill/>
+        </p:spPr>
+        <p:txBody>
+          <a:bodyPr wrap="square" rtlCol="0">
+            <a:spAutoFit/>
+          </a:bodyPr>
+          <a:lstStyle/>
+          <a:p>
+            <a:r>
+              <a:rPr lang="en-US" sz="2400" dirty="0">
+                <a:solidFill>
+                  <a:schemeClr val="accent5">
+                    <a:lumMod val="75000"/>
+                  </a:schemeClr>
+                </a:solidFill>
+              </a:rPr>
+              <a:t>stuff</a:t>
+            </a:r>
+            <a:endParaRPr lang="en-US" sz="2400" dirty="0"/>
+          </a:p>
+        </p:txBody>
+      </p:sp>
     </p:spTree>
     <p:extLst>
       <p:ext uri="{BB962C8B-B14F-4D97-AF65-F5344CB8AC3E}">
-        <p14:creationId xmlns:p14="http://schemas.microsoft.com/office/powerpoint/2010/main" val="277173246"/>
+        <p14:creationId xmlns:p14="http://schemas.microsoft.com/office/powerpoint/2010/main" val="1499493466"/>
       </p:ext>
     </p:extLst>
   </p:cSld>
   <p:clrMapOvr>
     <a:masterClrMapping/>
   </p:clrMapOvr>
-  <p:timing>
-    <p:tnLst>
-      <p:par>
-        <p:cTn id="1" dur="indefinite" restart="never" nodeType="tmRoot">
-          <p:childTnLst>
-            <p:seq concurrent="1" nextAc="seek">
-              <p:cTn id="2" dur="indefinite" nodeType="mainSeq">
-                <p:childTnLst>
-                  <p:par>
-                    <p:cTn id="3" fill="hold">
-                      <p:stCondLst>
-                        <p:cond delay="indefinite"/>
-                        <p:cond evt="onBegin" delay="0">
-                          <p:tn val="2"/>
-                        </p:cond>
-                      </p:stCondLst>
-                      <p:childTnLst>
-                        <p:par>
-                          <p:cTn id="4" fill="hold">
-                            <p:stCondLst>
-                              <p:cond delay="0"/>
-                            </p:stCondLst>
-                            <p:childTnLst>
-                              <p:par>
-                                <p:cTn id="5" presetID="1" presetClass="entr" presetSubtype="0" fill="hold" grpId="0" nodeType="withEffect">
-                                  <p:stCondLst>
-                                    <p:cond delay="0"/>
-                                  </p:stCondLst>
-                                  <p:childTnLst>
-                                    <p:set>
-                                      <p:cBhvr>
-                                        <p:cTn id="6" dur="1" fill="hold">
-                                          <p:stCondLst>
-                                            <p:cond delay="0"/>
-                                          </p:stCondLst>
-                                        </p:cTn>
-                                        <p:tgtEl>
-                                          <p:spTgt spid="5"/>
-                                        </p:tgtEl>
-                                        <p:attrNameLst>
-                                          <p:attrName>style.visibility</p:attrName>
-                                        </p:attrNameLst>
-                                      </p:cBhvr>
-                                      <p:to>
-                                        <p:strVal val="visible"/>
-                                      </p:to>
-                                    </p:set>
-                                  </p:childTnLst>
-                                </p:cTn>
-                              </p:par>
-                            </p:childTnLst>
-                          </p:cTn>
-                        </p:par>
-                      </p:childTnLst>
-                    </p:cTn>
-                  </p:par>
-                </p:childTnLst>
-              </p:cTn>
-              <p:prevCondLst>
-                <p:cond evt="onPrev" delay="0">
-                  <p:tgtEl>
-                    <p:sldTgt/>
-                  </p:tgtEl>
-                </p:cond>
-              </p:prevCondLst>
-              <p:nextCondLst>
-                <p:cond evt="onNext" delay="0">
-                  <p:tgtEl>
-                    <p:sldTgt/>
-                  </p:tgtEl>
-                </p:cond>
-              </p:nextCondLst>
-            </p:seq>
-          </p:childTnLst>
-        </p:cTn>
-      </p:par>
-    </p:tnLst>
-    <p:bldLst>
-      <p:bldP spid="5" grpId="0"/>
-    </p:bldLst>
-  </p:timing>
 </p:sld>
 </file>
 
-<file path=ppt/slides/slide3.xml><?xml version="1.0" encoding="utf-8"?>
+<file path=ppt/slides/slide11.xml><?xml version="1.0" encoding="utf-8"?>
 <p:sld xmlns:a="http://schemas.openxmlformats.org/drawingml/2006/main" xmlns:r="http://schemas.openxmlformats.org/officeDocument/2006/relationships" xmlns:p="http://schemas.openxmlformats.org/presentationml/2006/main">
   <p:cSld>
     <p:spTree>
@@ -3644,10 +3535,10 @@
       </p:grpSpPr>
       <p:sp>
         <p:nvSpPr>
-          <p:cNvPr id="13" name="Title 1">
-            <a:extLst>
-              <a:ext uri="{FF2B5EF4-FFF2-40B4-BE49-F238E27FC236}">
-                <a16:creationId xmlns:a16="http://schemas.microsoft.com/office/drawing/2014/main" id="{1127F941-043E-4D99-BA77-D0CB0DAFE611}"/>
+          <p:cNvPr id="4" name="Title 1">
+            <a:extLst>
+              <a:ext uri="{FF2B5EF4-FFF2-40B4-BE49-F238E27FC236}">
+                <a16:creationId xmlns:a16="http://schemas.microsoft.com/office/drawing/2014/main" id="{35E2284A-51F6-449C-832E-D85C77F5C63A}"/>
               </a:ext>
             </a:extLst>
           </p:cNvPr>
@@ -3695,22 +3586,30 @@
           </a:lstStyle>
           <a:p>
             <a:r>
+              <a:rPr lang="en-US" sz="4800" dirty="0">
+                <a:solidFill>
+                  <a:schemeClr val="bg1"/>
+                </a:solidFill>
+              </a:rPr>
+              <a:t>   </a:t>
+            </a:r>
+            <a:r>
               <a:rPr lang="en-US" sz="5700" dirty="0">
                 <a:solidFill>
                   <a:schemeClr val="bg1"/>
                 </a:solidFill>
               </a:rPr>
-              <a:t>   Method</a:t>
+              <a:t>Answer Processing</a:t>
             </a:r>
           </a:p>
         </p:txBody>
       </p:sp>
       <p:pic>
         <p:nvPicPr>
-          <p:cNvPr id="20" name="Picture 19">
-            <a:extLst>
-              <a:ext uri="{FF2B5EF4-FFF2-40B4-BE49-F238E27FC236}">
-                <a16:creationId xmlns:a16="http://schemas.microsoft.com/office/drawing/2014/main" id="{B5D47350-D5C7-4323-951F-3AE1A43766EE}"/>
+          <p:cNvPr id="3" name="Picture 2">
+            <a:extLst>
+              <a:ext uri="{FF2B5EF4-FFF2-40B4-BE49-F238E27FC236}">
+                <a16:creationId xmlns:a16="http://schemas.microsoft.com/office/drawing/2014/main" id="{834A208E-417F-49AC-9426-4F8C3F7C190D}"/>
               </a:ext>
             </a:extLst>
           </p:cNvPr>
@@ -3737,744 +3636,50 @@
       </p:pic>
       <p:sp>
         <p:nvSpPr>
-          <p:cNvPr id="2" name="Speech Bubble: Oval 1">
-            <a:extLst>
-              <a:ext uri="{FF2B5EF4-FFF2-40B4-BE49-F238E27FC236}">
-                <a16:creationId xmlns:a16="http://schemas.microsoft.com/office/drawing/2014/main" id="{ACDCDA92-6A95-42BF-B176-649142C7A842}"/>
-              </a:ext>
-            </a:extLst>
-          </p:cNvPr>
-          <p:cNvSpPr/>
-          <p:nvPr/>
-        </p:nvSpPr>
-        <p:spPr>
-          <a:xfrm>
-            <a:off x="876900" y="2001046"/>
-            <a:ext cx="1509204" cy="499369"/>
-          </a:xfrm>
-          <a:prstGeom prst="wedgeEllipseCallout">
-            <a:avLst/>
-          </a:prstGeom>
-          <a:solidFill>
-            <a:schemeClr val="tx2"/>
-          </a:solidFill>
-        </p:spPr>
-        <p:style>
-          <a:lnRef idx="2">
-            <a:schemeClr val="accent1">
-              <a:shade val="50000"/>
-            </a:schemeClr>
-          </a:lnRef>
-          <a:fillRef idx="1">
-            <a:schemeClr val="accent1"/>
-          </a:fillRef>
-          <a:effectRef idx="0">
-            <a:schemeClr val="accent1"/>
-          </a:effectRef>
-          <a:fontRef idx="minor">
-            <a:schemeClr val="lt1"/>
-          </a:fontRef>
-        </p:style>
-        <p:txBody>
-          <a:bodyPr rtlCol="0" anchor="ctr"/>
-          <a:lstStyle/>
-          <a:p>
-            <a:pPr algn="ctr"/>
-            <a:r>
-              <a:rPr lang="en-US" dirty="0"/>
-              <a:t>Question</a:t>
-            </a:r>
-          </a:p>
-        </p:txBody>
-      </p:sp>
-      <p:pic>
-        <p:nvPicPr>
-          <p:cNvPr id="17" name="Graphic 16" descr="Arrow Right">
-            <a:extLst>
-              <a:ext uri="{FF2B5EF4-FFF2-40B4-BE49-F238E27FC236}">
-                <a16:creationId xmlns:a16="http://schemas.microsoft.com/office/drawing/2014/main" id="{00449CB7-4E4A-4B7F-ACDE-8B68D8BA6327}"/>
-              </a:ext>
-            </a:extLst>
-          </p:cNvPr>
-          <p:cNvPicPr>
-            <a:picLocks noChangeAspect="1"/>
-          </p:cNvPicPr>
-          <p:nvPr/>
-        </p:nvPicPr>
-        <p:blipFill>
-          <a:blip r:embed="rId3">
-            <a:extLst>
-              <a:ext uri="{96DAC541-7B7A-43D3-8B79-37D633B846F1}">
-                <asvg:svgBlip xmlns:asvg="http://schemas.microsoft.com/office/drawing/2016/SVG/main" r:embed="rId4"/>
-              </a:ext>
-            </a:extLst>
-          </a:blip>
-          <a:stretch>
-            <a:fillRect/>
-          </a:stretch>
-        </p:blipFill>
-        <p:spPr>
-          <a:xfrm>
-            <a:off x="7010399" y="2346580"/>
-            <a:ext cx="914400" cy="914400"/>
+          <p:cNvPr id="7" name="TextBox 6">
+            <a:extLst>
+              <a:ext uri="{FF2B5EF4-FFF2-40B4-BE49-F238E27FC236}">
+                <a16:creationId xmlns:a16="http://schemas.microsoft.com/office/drawing/2014/main" id="{13F8BE3A-7687-4AF4-9EFD-2C46F306DA40}"/>
+              </a:ext>
+            </a:extLst>
+          </p:cNvPr>
+          <p:cNvSpPr txBox="1"/>
+          <p:nvPr/>
+        </p:nvSpPr>
+        <p:spPr>
+          <a:xfrm>
+            <a:off x="751691" y="2259470"/>
+            <a:ext cx="1398694" cy="461665"/>
           </a:xfrm>
           <a:prstGeom prst="rect">
             <a:avLst/>
           </a:prstGeom>
-        </p:spPr>
-      </p:pic>
-      <p:pic>
-        <p:nvPicPr>
-          <p:cNvPr id="18" name="Graphic 17" descr="Arrow Right">
-            <a:extLst>
-              <a:ext uri="{FF2B5EF4-FFF2-40B4-BE49-F238E27FC236}">
-                <a16:creationId xmlns:a16="http://schemas.microsoft.com/office/drawing/2014/main" id="{2684ECDE-46C7-42A6-AA35-E829CE7B697D}"/>
-              </a:ext>
-            </a:extLst>
-          </p:cNvPr>
-          <p:cNvPicPr>
-            <a:picLocks noChangeAspect="1"/>
-          </p:cNvPicPr>
-          <p:nvPr/>
-        </p:nvPicPr>
-        <p:blipFill>
-          <a:blip r:embed="rId3">
-            <a:extLst>
-              <a:ext uri="{96DAC541-7B7A-43D3-8B79-37D633B846F1}">
-                <asvg:svgBlip xmlns:asvg="http://schemas.microsoft.com/office/drawing/2016/SVG/main" r:embed="rId4"/>
-              </a:ext>
-            </a:extLst>
-          </a:blip>
-          <a:stretch>
-            <a:fillRect/>
-          </a:stretch>
-        </p:blipFill>
-        <p:spPr>
-          <a:xfrm>
-            <a:off x="2188900" y="2214862"/>
-            <a:ext cx="914400" cy="914400"/>
-          </a:xfrm>
-          <a:prstGeom prst="rect">
-            <a:avLst/>
-          </a:prstGeom>
-        </p:spPr>
-      </p:pic>
-      <p:pic>
-        <p:nvPicPr>
-          <p:cNvPr id="21" name="Graphic 20" descr="Arrow Right">
-            <a:extLst>
-              <a:ext uri="{FF2B5EF4-FFF2-40B4-BE49-F238E27FC236}">
-                <a16:creationId xmlns:a16="http://schemas.microsoft.com/office/drawing/2014/main" id="{E9E5FD1B-275A-45A7-AEE1-C7680324893A}"/>
-              </a:ext>
-            </a:extLst>
-          </p:cNvPr>
-          <p:cNvPicPr>
-            <a:picLocks noChangeAspect="1"/>
-          </p:cNvPicPr>
-          <p:nvPr/>
-        </p:nvPicPr>
-        <p:blipFill>
-          <a:blip r:embed="rId3">
-            <a:extLst>
-              <a:ext uri="{96DAC541-7B7A-43D3-8B79-37D633B846F1}">
-                <asvg:svgBlip xmlns:asvg="http://schemas.microsoft.com/office/drawing/2016/SVG/main" r:embed="rId4"/>
-              </a:ext>
-            </a:extLst>
-          </a:blip>
-          <a:stretch>
-            <a:fillRect/>
-          </a:stretch>
-        </p:blipFill>
-        <p:spPr>
-          <a:xfrm rot="10800000">
-            <a:off x="3463278" y="4701289"/>
-            <a:ext cx="914400" cy="914400"/>
-          </a:xfrm>
-          <a:prstGeom prst="rect">
-            <a:avLst/>
-          </a:prstGeom>
-        </p:spPr>
-      </p:pic>
-      <p:pic>
-        <p:nvPicPr>
-          <p:cNvPr id="23" name="Graphic 22" descr="Line arrow: Clockwise curve">
-            <a:extLst>
-              <a:ext uri="{FF2B5EF4-FFF2-40B4-BE49-F238E27FC236}">
-                <a16:creationId xmlns:a16="http://schemas.microsoft.com/office/drawing/2014/main" id="{57261392-1F0F-40EB-82FC-2475EAE0FC6C}"/>
-              </a:ext>
-            </a:extLst>
-          </p:cNvPr>
-          <p:cNvPicPr>
-            <a:picLocks noChangeAspect="1"/>
-          </p:cNvPicPr>
-          <p:nvPr/>
-        </p:nvPicPr>
-        <p:blipFill>
-          <a:blip r:embed="rId5">
-            <a:extLst>
-              <a:ext uri="{96DAC541-7B7A-43D3-8B79-37D633B846F1}">
-                <asvg:svgBlip xmlns:asvg="http://schemas.microsoft.com/office/drawing/2016/SVG/main" r:embed="rId6"/>
-              </a:ext>
-            </a:extLst>
-          </a:blip>
-          <a:srcRect/>
-          <a:stretch/>
-        </p:blipFill>
-        <p:spPr>
-          <a:xfrm rot="12887623">
-            <a:off x="9281378" y="4522143"/>
-            <a:ext cx="914400" cy="914400"/>
-          </a:xfrm>
-          <a:prstGeom prst="rect">
-            <a:avLst/>
-          </a:prstGeom>
-        </p:spPr>
-      </p:pic>
-      <p:sp>
-        <p:nvSpPr>
-          <p:cNvPr id="24" name="Oval 23">
-            <a:extLst>
-              <a:ext uri="{FF2B5EF4-FFF2-40B4-BE49-F238E27FC236}">
-                <a16:creationId xmlns:a16="http://schemas.microsoft.com/office/drawing/2014/main" id="{BACE836E-2354-46CC-B976-F6ADAAA4B834}"/>
-              </a:ext>
-            </a:extLst>
-          </p:cNvPr>
-          <p:cNvSpPr/>
-          <p:nvPr/>
-        </p:nvSpPr>
-        <p:spPr>
-          <a:xfrm>
-            <a:off x="1075700" y="4890645"/>
-            <a:ext cx="1689252" cy="535687"/>
-          </a:xfrm>
-          <a:prstGeom prst="ellipse">
-            <a:avLst/>
-          </a:prstGeom>
-          <a:solidFill>
-            <a:schemeClr val="tx2"/>
-          </a:solidFill>
-        </p:spPr>
-        <p:style>
-          <a:lnRef idx="2">
-            <a:schemeClr val="accent1">
-              <a:shade val="50000"/>
-            </a:schemeClr>
-          </a:lnRef>
-          <a:fillRef idx="1">
-            <a:schemeClr val="accent1"/>
-          </a:fillRef>
-          <a:effectRef idx="0">
-            <a:schemeClr val="accent1"/>
-          </a:effectRef>
-          <a:fontRef idx="minor">
-            <a:schemeClr val="lt1"/>
-          </a:fontRef>
-        </p:style>
-        <p:txBody>
-          <a:bodyPr rtlCol="0" anchor="ctr"/>
-          <a:lstStyle/>
-          <a:p>
-            <a:pPr algn="ctr"/>
-            <a:r>
-              <a:rPr lang="en-US" dirty="0"/>
-              <a:t>Answer</a:t>
-            </a:r>
-          </a:p>
-        </p:txBody>
-      </p:sp>
-      <p:sp>
-        <p:nvSpPr>
-          <p:cNvPr id="19" name="Flowchart: Predefined Process 18">
-            <a:extLst>
-              <a:ext uri="{FF2B5EF4-FFF2-40B4-BE49-F238E27FC236}">
-                <a16:creationId xmlns:a16="http://schemas.microsoft.com/office/drawing/2014/main" id="{E20AD453-9220-44EB-A110-AEAAB667195F}"/>
-              </a:ext>
-            </a:extLst>
-          </p:cNvPr>
-          <p:cNvSpPr/>
-          <p:nvPr/>
-        </p:nvSpPr>
-        <p:spPr>
-          <a:xfrm>
-            <a:off x="3278791" y="1705134"/>
-            <a:ext cx="3528291" cy="363810"/>
-          </a:xfrm>
-          <a:prstGeom prst="flowChartPredefinedProcess">
-            <a:avLst/>
-          </a:prstGeom>
-          <a:solidFill>
-            <a:schemeClr val="tx2"/>
-          </a:solidFill>
-        </p:spPr>
-        <p:style>
-          <a:lnRef idx="2">
-            <a:schemeClr val="accent1">
-              <a:shade val="50000"/>
-            </a:schemeClr>
-          </a:lnRef>
-          <a:fillRef idx="1">
-            <a:schemeClr val="accent1"/>
-          </a:fillRef>
-          <a:effectRef idx="0">
-            <a:schemeClr val="accent1"/>
-          </a:effectRef>
-          <a:fontRef idx="minor">
-            <a:schemeClr val="lt1"/>
-          </a:fontRef>
-        </p:style>
-        <p:txBody>
-          <a:bodyPr rtlCol="0" anchor="ctr"/>
-          <a:lstStyle/>
-          <a:p>
-            <a:pPr algn="ctr"/>
-            <a:r>
-              <a:rPr lang="en-US" dirty="0"/>
-              <a:t>Question Processing</a:t>
-            </a:r>
-          </a:p>
-        </p:txBody>
-      </p:sp>
-      <p:sp>
-        <p:nvSpPr>
-          <p:cNvPr id="22" name="Flowchart: Predefined Process 21">
-            <a:extLst>
-              <a:ext uri="{FF2B5EF4-FFF2-40B4-BE49-F238E27FC236}">
-                <a16:creationId xmlns:a16="http://schemas.microsoft.com/office/drawing/2014/main" id="{240C4755-E957-4F68-A769-28B0E8204AA1}"/>
-              </a:ext>
-            </a:extLst>
-          </p:cNvPr>
-          <p:cNvSpPr/>
-          <p:nvPr/>
-        </p:nvSpPr>
-        <p:spPr>
-          <a:xfrm>
-            <a:off x="8134350" y="1938929"/>
-            <a:ext cx="3528291" cy="363810"/>
-          </a:xfrm>
-          <a:prstGeom prst="flowChartPredefinedProcess">
-            <a:avLst/>
-          </a:prstGeom>
-          <a:solidFill>
-            <a:schemeClr val="tx2"/>
-          </a:solidFill>
-        </p:spPr>
-        <p:style>
-          <a:lnRef idx="2">
-            <a:schemeClr val="accent1">
-              <a:shade val="50000"/>
-            </a:schemeClr>
-          </a:lnRef>
-          <a:fillRef idx="1">
-            <a:schemeClr val="accent1"/>
-          </a:fillRef>
-          <a:effectRef idx="0">
-            <a:schemeClr val="accent1"/>
-          </a:effectRef>
-          <a:fontRef idx="minor">
-            <a:schemeClr val="lt1"/>
-          </a:fontRef>
-        </p:style>
-        <p:txBody>
-          <a:bodyPr rtlCol="0" anchor="ctr"/>
-          <a:lstStyle/>
-          <a:p>
-            <a:pPr algn="ctr"/>
-            <a:r>
-              <a:rPr lang="en-US" dirty="0"/>
-              <a:t>Document Processing</a:t>
-            </a:r>
-          </a:p>
-        </p:txBody>
-      </p:sp>
-      <p:sp>
-        <p:nvSpPr>
-          <p:cNvPr id="3" name="Rectangle 2">
-            <a:extLst>
-              <a:ext uri="{FF2B5EF4-FFF2-40B4-BE49-F238E27FC236}">
-                <a16:creationId xmlns:a16="http://schemas.microsoft.com/office/drawing/2014/main" id="{BA3396FF-E8FF-42BC-A209-6F46842D85E8}"/>
-              </a:ext>
-            </a:extLst>
-          </p:cNvPr>
-          <p:cNvSpPr/>
-          <p:nvPr/>
-        </p:nvSpPr>
-        <p:spPr>
-          <a:xfrm>
-            <a:off x="3278791" y="2076320"/>
-            <a:ext cx="3528291" cy="1520409"/>
-          </a:xfrm>
-          <a:prstGeom prst="rect">
-            <a:avLst/>
-          </a:prstGeom>
           <a:noFill/>
         </p:spPr>
-        <p:style>
-          <a:lnRef idx="2">
-            <a:schemeClr val="accent1">
-              <a:shade val="50000"/>
-            </a:schemeClr>
-          </a:lnRef>
-          <a:fillRef idx="1">
-            <a:schemeClr val="accent1"/>
-          </a:fillRef>
-          <a:effectRef idx="0">
-            <a:schemeClr val="accent1"/>
-          </a:effectRef>
-          <a:fontRef idx="minor">
-            <a:schemeClr val="lt1"/>
-          </a:fontRef>
-        </p:style>
-        <p:txBody>
-          <a:bodyPr rtlCol="0" anchor="ctr"/>
-          <a:lstStyle/>
-          <a:p>
-            <a:pPr marL="285750" indent="-285750">
-              <a:buFont typeface="Arial" panose="020B0604020202020204" pitchFamily="34" charset="0"/>
-              <a:buChar char="•"/>
-            </a:pPr>
-            <a:r>
-              <a:rPr lang="en-US" sz="1600" dirty="0">
+        <p:txBody>
+          <a:bodyPr wrap="square" rtlCol="0">
+            <a:spAutoFit/>
+          </a:bodyPr>
+          <a:lstStyle/>
+          <a:p>
+            <a:r>
+              <a:rPr lang="en-US" sz="2400" dirty="0">
                 <a:solidFill>
-                  <a:schemeClr val="tx1"/>
+                  <a:schemeClr val="accent5">
+                    <a:lumMod val="75000"/>
+                  </a:schemeClr>
                 </a:solidFill>
               </a:rPr>
-              <a:t>Question Type</a:t>
-            </a:r>
-          </a:p>
-          <a:p>
-            <a:pPr marL="285750" indent="-285750">
-              <a:buFont typeface="Arial" panose="020B0604020202020204" pitchFamily="34" charset="0"/>
-              <a:buChar char="•"/>
-            </a:pPr>
-            <a:r>
-              <a:rPr lang="en-US" sz="1600" dirty="0">
-                <a:solidFill>
-                  <a:schemeClr val="tx1"/>
-                </a:solidFill>
-              </a:rPr>
-              <a:t>Key Words</a:t>
-            </a:r>
-          </a:p>
-          <a:p>
-            <a:pPr marL="285750" indent="-285750">
-              <a:buFont typeface="Arial" panose="020B0604020202020204" pitchFamily="34" charset="0"/>
-              <a:buChar char="•"/>
-            </a:pPr>
-            <a:r>
-              <a:rPr lang="en-US" sz="1600" dirty="0">
-                <a:solidFill>
-                  <a:schemeClr val="tx1"/>
-                </a:solidFill>
-              </a:rPr>
-              <a:t>Focus</a:t>
-            </a:r>
-          </a:p>
-          <a:p>
-            <a:pPr marL="285750" indent="-285750">
-              <a:buFont typeface="Arial" panose="020B0604020202020204" pitchFamily="34" charset="0"/>
-              <a:buChar char="•"/>
-            </a:pPr>
-            <a:r>
-              <a:rPr lang="en-US" sz="1600" dirty="0">
-                <a:solidFill>
-                  <a:schemeClr val="tx1"/>
-                </a:solidFill>
-              </a:rPr>
-              <a:t>Relations</a:t>
-            </a:r>
-          </a:p>
-          <a:p>
-            <a:pPr marL="285750" indent="-285750">
-              <a:buFont typeface="Arial" panose="020B0604020202020204" pitchFamily="34" charset="0"/>
-              <a:buChar char="•"/>
-            </a:pPr>
-            <a:r>
-              <a:rPr lang="en-US" sz="1600" dirty="0">
-                <a:solidFill>
-                  <a:schemeClr val="tx1"/>
-                </a:solidFill>
-              </a:rPr>
-              <a:t>Answer Type</a:t>
-            </a:r>
-          </a:p>
-        </p:txBody>
-      </p:sp>
-      <p:sp>
-        <p:nvSpPr>
-          <p:cNvPr id="25" name="Rectangle 24">
-            <a:extLst>
-              <a:ext uri="{FF2B5EF4-FFF2-40B4-BE49-F238E27FC236}">
-                <a16:creationId xmlns:a16="http://schemas.microsoft.com/office/drawing/2014/main" id="{7793F0D5-3F9D-49E3-B8A5-4F2800B64737}"/>
-              </a:ext>
-            </a:extLst>
-          </p:cNvPr>
-          <p:cNvSpPr/>
-          <p:nvPr/>
-        </p:nvSpPr>
-        <p:spPr>
-          <a:xfrm>
-            <a:off x="5089549" y="4806099"/>
-            <a:ext cx="3528291" cy="1152228"/>
-          </a:xfrm>
-          <a:prstGeom prst="rect">
-            <a:avLst/>
-          </a:prstGeom>
-          <a:noFill/>
-        </p:spPr>
-        <p:style>
-          <a:lnRef idx="2">
-            <a:schemeClr val="accent1">
-              <a:shade val="50000"/>
-            </a:schemeClr>
-          </a:lnRef>
-          <a:fillRef idx="1">
-            <a:schemeClr val="accent1"/>
-          </a:fillRef>
-          <a:effectRef idx="0">
-            <a:schemeClr val="accent1"/>
-          </a:effectRef>
-          <a:fontRef idx="minor">
-            <a:schemeClr val="lt1"/>
-          </a:fontRef>
-        </p:style>
-        <p:txBody>
-          <a:bodyPr rtlCol="0" anchor="ctr"/>
-          <a:lstStyle/>
-          <a:p>
-            <a:pPr marL="285750" indent="-285750">
-              <a:buFont typeface="Arial" panose="020B0604020202020204" pitchFamily="34" charset="0"/>
-              <a:buChar char="•"/>
-            </a:pPr>
-            <a:r>
-              <a:rPr lang="en-US" sz="1600" dirty="0">
-                <a:solidFill>
-                  <a:schemeClr val="tx1"/>
-                </a:solidFill>
-              </a:rPr>
-              <a:t>Candidate Answers</a:t>
-            </a:r>
-          </a:p>
-          <a:p>
-            <a:pPr marL="285750" indent="-285750">
-              <a:buFont typeface="Arial" panose="020B0604020202020204" pitchFamily="34" charset="0"/>
-              <a:buChar char="•"/>
-            </a:pPr>
-            <a:r>
-              <a:rPr lang="en-US" sz="1600" dirty="0">
-                <a:solidFill>
-                  <a:schemeClr val="tx1"/>
-                </a:solidFill>
-              </a:rPr>
-              <a:t>Candidate Ranking</a:t>
-            </a:r>
-          </a:p>
-          <a:p>
-            <a:pPr marL="285750" indent="-285750">
-              <a:buFont typeface="Arial" panose="020B0604020202020204" pitchFamily="34" charset="0"/>
-              <a:buChar char="•"/>
-            </a:pPr>
-            <a:r>
-              <a:rPr lang="en-US" sz="1600" dirty="0">
-                <a:solidFill>
-                  <a:schemeClr val="tx1"/>
-                </a:solidFill>
-              </a:rPr>
-              <a:t>NER Tagger</a:t>
-            </a:r>
-          </a:p>
-        </p:txBody>
-      </p:sp>
-      <p:sp>
-        <p:nvSpPr>
-          <p:cNvPr id="26" name="Rectangle 25">
-            <a:extLst>
-              <a:ext uri="{FF2B5EF4-FFF2-40B4-BE49-F238E27FC236}">
-                <a16:creationId xmlns:a16="http://schemas.microsoft.com/office/drawing/2014/main" id="{4E4F0853-FF11-476B-AE73-F61E311818B7}"/>
-              </a:ext>
-            </a:extLst>
-          </p:cNvPr>
-          <p:cNvSpPr/>
-          <p:nvPr/>
-        </p:nvSpPr>
-        <p:spPr>
-          <a:xfrm>
-            <a:off x="8134350" y="2302740"/>
-            <a:ext cx="3528291" cy="1391806"/>
-          </a:xfrm>
-          <a:prstGeom prst="rect">
-            <a:avLst/>
-          </a:prstGeom>
-          <a:noFill/>
-        </p:spPr>
-        <p:style>
-          <a:lnRef idx="2">
-            <a:schemeClr val="accent1">
-              <a:shade val="50000"/>
-            </a:schemeClr>
-          </a:lnRef>
-          <a:fillRef idx="1">
-            <a:schemeClr val="accent1"/>
-          </a:fillRef>
-          <a:effectRef idx="0">
-            <a:schemeClr val="accent1"/>
-          </a:effectRef>
-          <a:fontRef idx="minor">
-            <a:schemeClr val="lt1"/>
-          </a:fontRef>
-        </p:style>
-        <p:txBody>
-          <a:bodyPr rtlCol="0" anchor="ctr"/>
-          <a:lstStyle/>
-          <a:p>
-            <a:pPr marL="285750" indent="-285750">
-              <a:buFont typeface="Arial" panose="020B0604020202020204" pitchFamily="34" charset="0"/>
-              <a:buChar char="•"/>
-            </a:pPr>
-            <a:r>
-              <a:rPr lang="en-US" sz="1600" dirty="0">
-                <a:solidFill>
-                  <a:schemeClr val="tx1"/>
-                </a:solidFill>
-              </a:rPr>
-              <a:t>Document Retrieval</a:t>
-            </a:r>
-          </a:p>
-          <a:p>
-            <a:pPr marL="285750" indent="-285750">
-              <a:buFont typeface="Arial" panose="020B0604020202020204" pitchFamily="34" charset="0"/>
-              <a:buChar char="•"/>
-            </a:pPr>
-            <a:r>
-              <a:rPr lang="en-US" sz="1600" dirty="0">
-                <a:solidFill>
-                  <a:schemeClr val="tx1"/>
-                </a:solidFill>
-              </a:rPr>
-              <a:t>Document Segmentation</a:t>
-            </a:r>
-          </a:p>
-          <a:p>
-            <a:pPr marL="285750" indent="-285750">
-              <a:buFont typeface="Arial" panose="020B0604020202020204" pitchFamily="34" charset="0"/>
-              <a:buChar char="•"/>
-            </a:pPr>
-            <a:r>
-              <a:rPr lang="en-US" sz="1600" dirty="0">
-                <a:solidFill>
-                  <a:schemeClr val="tx1"/>
-                </a:solidFill>
-              </a:rPr>
-              <a:t>Passage Retrieval</a:t>
-            </a:r>
-          </a:p>
-          <a:p>
-            <a:pPr marL="285750" indent="-285750">
-              <a:buFont typeface="Arial" panose="020B0604020202020204" pitchFamily="34" charset="0"/>
-              <a:buChar char="•"/>
-            </a:pPr>
-            <a:r>
-              <a:rPr lang="en-US" sz="1600" dirty="0">
-                <a:solidFill>
-                  <a:schemeClr val="tx1"/>
-                </a:solidFill>
-              </a:rPr>
-              <a:t>Passage Ranking</a:t>
-            </a:r>
-          </a:p>
-        </p:txBody>
-      </p:sp>
-      <p:sp>
-        <p:nvSpPr>
-          <p:cNvPr id="27" name="Flowchart: Predefined Process 26">
-            <a:extLst>
-              <a:ext uri="{FF2B5EF4-FFF2-40B4-BE49-F238E27FC236}">
-                <a16:creationId xmlns:a16="http://schemas.microsoft.com/office/drawing/2014/main" id="{CB4A5204-0F50-4E98-8396-0D935D0AD4CE}"/>
-              </a:ext>
-            </a:extLst>
-          </p:cNvPr>
-          <p:cNvSpPr/>
-          <p:nvPr/>
-        </p:nvSpPr>
-        <p:spPr>
-          <a:xfrm>
-            <a:off x="5089549" y="4437917"/>
-            <a:ext cx="3528291" cy="363810"/>
-          </a:xfrm>
-          <a:prstGeom prst="flowChartPredefinedProcess">
-            <a:avLst/>
-          </a:prstGeom>
-          <a:solidFill>
-            <a:schemeClr val="tx2"/>
-          </a:solidFill>
-        </p:spPr>
-        <p:style>
-          <a:lnRef idx="2">
-            <a:schemeClr val="accent1">
-              <a:shade val="50000"/>
-            </a:schemeClr>
-          </a:lnRef>
-          <a:fillRef idx="1">
-            <a:schemeClr val="accent1"/>
-          </a:fillRef>
-          <a:effectRef idx="0">
-            <a:schemeClr val="accent1"/>
-          </a:effectRef>
-          <a:fontRef idx="minor">
-            <a:schemeClr val="lt1"/>
-          </a:fontRef>
-        </p:style>
-        <p:txBody>
-          <a:bodyPr rtlCol="0" anchor="ctr"/>
-          <a:lstStyle/>
-          <a:p>
-            <a:pPr algn="ctr"/>
-            <a:r>
-              <a:rPr lang="en-US" dirty="0"/>
-              <a:t>Answer Processing</a:t>
-            </a:r>
-          </a:p>
-        </p:txBody>
-      </p:sp>
-      <p:pic>
-        <p:nvPicPr>
-          <p:cNvPr id="6" name="Graphic 5" descr="Woman Shrugging">
-            <a:extLst>
-              <a:ext uri="{FF2B5EF4-FFF2-40B4-BE49-F238E27FC236}">
-                <a16:creationId xmlns:a16="http://schemas.microsoft.com/office/drawing/2014/main" id="{7A1D33CB-6775-4F72-AABE-6B885B77816F}"/>
-              </a:ext>
-            </a:extLst>
-          </p:cNvPr>
-          <p:cNvPicPr>
-            <a:picLocks noChangeAspect="1"/>
-          </p:cNvPicPr>
-          <p:nvPr/>
-        </p:nvPicPr>
-        <p:blipFill>
-          <a:blip r:embed="rId7">
-            <a:extLst>
-              <a:ext uri="{96DAC541-7B7A-43D3-8B79-37D633B846F1}">
-                <asvg:svgBlip xmlns:asvg="http://schemas.microsoft.com/office/drawing/2016/SVG/main" r:embed="rId8"/>
-              </a:ext>
-            </a:extLst>
-          </a:blip>
-          <a:stretch>
-            <a:fillRect/>
-          </a:stretch>
-        </p:blipFill>
-        <p:spPr>
-          <a:xfrm>
-            <a:off x="618500" y="2682329"/>
-            <a:ext cx="914400" cy="914400"/>
-          </a:xfrm>
-          <a:prstGeom prst="rect">
-            <a:avLst/>
-          </a:prstGeom>
-        </p:spPr>
-      </p:pic>
+              <a:t>stuff</a:t>
+            </a:r>
+            <a:endParaRPr lang="en-US" sz="2400" dirty="0"/>
+          </a:p>
+        </p:txBody>
+      </p:sp>
     </p:spTree>
     <p:extLst>
       <p:ext uri="{BB962C8B-B14F-4D97-AF65-F5344CB8AC3E}">
-        <p14:creationId xmlns:p14="http://schemas.microsoft.com/office/powerpoint/2010/main" val="3313195788"/>
+        <p14:creationId xmlns:p14="http://schemas.microsoft.com/office/powerpoint/2010/main" val="1700848767"/>
       </p:ext>
     </p:extLst>
   </p:cSld>
@@ -4484,7 +3689,7 @@
 </p:sld>
 </file>
 
-<file path=ppt/slides/slide4.xml><?xml version="1.0" encoding="utf-8"?>
+<file path=ppt/slides/slide12.xml><?xml version="1.0" encoding="utf-8"?>
 <p:sld xmlns:a="http://schemas.openxmlformats.org/drawingml/2006/main" xmlns:r="http://schemas.openxmlformats.org/officeDocument/2006/relationships" xmlns:p="http://schemas.openxmlformats.org/presentationml/2006/main">
   <p:cSld>
     <p:spTree>
@@ -4503,10 +3708,10 @@
       </p:grpSpPr>
       <p:sp>
         <p:nvSpPr>
-          <p:cNvPr id="13" name="Title 1">
-            <a:extLst>
-              <a:ext uri="{FF2B5EF4-FFF2-40B4-BE49-F238E27FC236}">
-                <a16:creationId xmlns:a16="http://schemas.microsoft.com/office/drawing/2014/main" id="{1127F941-043E-4D99-BA77-D0CB0DAFE611}"/>
+          <p:cNvPr id="4" name="Title 1">
+            <a:extLst>
+              <a:ext uri="{FF2B5EF4-FFF2-40B4-BE49-F238E27FC236}">
+                <a16:creationId xmlns:a16="http://schemas.microsoft.com/office/drawing/2014/main" id="{35E2284A-51F6-449C-832E-D85C77F5C63A}"/>
               </a:ext>
             </a:extLst>
           </p:cNvPr>
@@ -4554,22 +3759,60 @@
           </a:lstStyle>
           <a:p>
             <a:r>
+              <a:rPr lang="en-US" sz="4800" dirty="0">
+                <a:solidFill>
+                  <a:schemeClr val="bg1"/>
+                </a:solidFill>
+              </a:rPr>
+              <a:t>   </a:t>
+            </a:r>
+            <a:r>
               <a:rPr lang="en-US" sz="5700" dirty="0">
                 <a:solidFill>
                   <a:schemeClr val="bg1"/>
                 </a:solidFill>
               </a:rPr>
-              <a:t>   Question Processing</a:t>
-            </a:r>
-          </a:p>
-        </p:txBody>
-      </p:sp>
-      <p:sp>
-        <p:nvSpPr>
-          <p:cNvPr id="3" name="TextBox 2">
-            <a:extLst>
-              <a:ext uri="{FF2B5EF4-FFF2-40B4-BE49-F238E27FC236}">
-                <a16:creationId xmlns:a16="http://schemas.microsoft.com/office/drawing/2014/main" id="{377A0E23-0F25-46C5-8C67-378270C30990}"/>
+              <a:t>Example</a:t>
+            </a:r>
+          </a:p>
+        </p:txBody>
+      </p:sp>
+      <p:pic>
+        <p:nvPicPr>
+          <p:cNvPr id="3" name="Picture 2">
+            <a:extLst>
+              <a:ext uri="{FF2B5EF4-FFF2-40B4-BE49-F238E27FC236}">
+                <a16:creationId xmlns:a16="http://schemas.microsoft.com/office/drawing/2014/main" id="{834A208E-417F-49AC-9426-4F8C3F7C190D}"/>
+              </a:ext>
+            </a:extLst>
+          </p:cNvPr>
+          <p:cNvPicPr>
+            <a:picLocks noChangeAspect="1"/>
+          </p:cNvPicPr>
+          <p:nvPr/>
+        </p:nvPicPr>
+        <p:blipFill>
+          <a:blip r:embed="rId2"/>
+          <a:stretch>
+            <a:fillRect/>
+          </a:stretch>
+        </p:blipFill>
+        <p:spPr>
+          <a:xfrm>
+            <a:off x="8134350" y="693019"/>
+            <a:ext cx="4057650" cy="447675"/>
+          </a:xfrm>
+          <a:prstGeom prst="rect">
+            <a:avLst/>
+          </a:prstGeom>
+        </p:spPr>
+      </p:pic>
+      <p:sp>
+        <p:nvSpPr>
+          <p:cNvPr id="7" name="TextBox 6">
+            <a:extLst>
+              <a:ext uri="{FF2B5EF4-FFF2-40B4-BE49-F238E27FC236}">
+                <a16:creationId xmlns:a16="http://schemas.microsoft.com/office/drawing/2014/main" id="{13F8BE3A-7687-4AF4-9EFD-2C46F306DA40}"/>
               </a:ext>
             </a:extLst>
           </p:cNvPr>
@@ -4578,7 +3821,419 @@
         </p:nvSpPr>
         <p:spPr>
           <a:xfrm>
-            <a:off x="432095" y="2177617"/>
+            <a:off x="396583" y="1566972"/>
+            <a:ext cx="10451929" cy="1446550"/>
+          </a:xfrm>
+          <a:prstGeom prst="rect">
+            <a:avLst/>
+          </a:prstGeom>
+          <a:noFill/>
+        </p:spPr>
+        <p:txBody>
+          <a:bodyPr wrap="square" rtlCol="0">
+            <a:spAutoFit/>
+          </a:bodyPr>
+          <a:lstStyle/>
+          <a:p>
+            <a:r>
+              <a:rPr lang="en-US" sz="3200" dirty="0">
+                <a:solidFill>
+                  <a:schemeClr val="accent5">
+                    <a:lumMod val="75000"/>
+                  </a:schemeClr>
+                </a:solidFill>
+              </a:rPr>
+              <a:t>Q:  What is the height requirement for </a:t>
+            </a:r>
+          </a:p>
+          <a:p>
+            <a:r>
+              <a:rPr lang="en-US" sz="3200" dirty="0">
+                <a:solidFill>
+                  <a:schemeClr val="accent5">
+                    <a:lumMod val="75000"/>
+                  </a:schemeClr>
+                </a:solidFill>
+              </a:rPr>
+              <a:t>Star Wars: Rise of the Resistance?</a:t>
+            </a:r>
+          </a:p>
+          <a:p>
+            <a:endParaRPr lang="en-US" sz="2400" dirty="0"/>
+          </a:p>
+        </p:txBody>
+      </p:sp>
+      <p:sp>
+        <p:nvSpPr>
+          <p:cNvPr id="6" name="TextBox 5">
+            <a:extLst>
+              <a:ext uri="{FF2B5EF4-FFF2-40B4-BE49-F238E27FC236}">
+                <a16:creationId xmlns:a16="http://schemas.microsoft.com/office/drawing/2014/main" id="{79FA852F-0AC3-4B71-B05A-5C07D50BD447}"/>
+              </a:ext>
+            </a:extLst>
+          </p:cNvPr>
+          <p:cNvSpPr txBox="1"/>
+          <p:nvPr/>
+        </p:nvSpPr>
+        <p:spPr>
+          <a:xfrm>
+            <a:off x="1029811" y="2880357"/>
+            <a:ext cx="4498020" cy="3539430"/>
+          </a:xfrm>
+          <a:prstGeom prst="rect">
+            <a:avLst/>
+          </a:prstGeom>
+          <a:noFill/>
+        </p:spPr>
+        <p:txBody>
+          <a:bodyPr wrap="square" rtlCol="0">
+            <a:spAutoFit/>
+          </a:bodyPr>
+          <a:lstStyle/>
+          <a:p>
+            <a:r>
+              <a:rPr lang="en-US" sz="1600" dirty="0">
+                <a:latin typeface="Arial Nova" panose="020B0504020202020204" pitchFamily="34" charset="0"/>
+              </a:rPr>
+              <a:t>[('Is', 'AUX', 'Is', 'ROOT’), </a:t>
+            </a:r>
+          </a:p>
+          <a:p>
+            <a:r>
+              <a:rPr lang="en-US" sz="1600" dirty="0">
+                <a:latin typeface="Arial Nova" panose="020B0504020202020204" pitchFamily="34" charset="0"/>
+              </a:rPr>
+              <a:t>('there', 'PRON', 'Is', '</a:t>
+            </a:r>
+            <a:r>
+              <a:rPr lang="en-US" sz="1600" dirty="0" err="1">
+                <a:latin typeface="Arial Nova" panose="020B0504020202020204" pitchFamily="34" charset="0"/>
+              </a:rPr>
+              <a:t>expl</a:t>
+            </a:r>
+            <a:r>
+              <a:rPr lang="en-US" sz="1600" dirty="0">
+                <a:latin typeface="Arial Nova" panose="020B0504020202020204" pitchFamily="34" charset="0"/>
+              </a:rPr>
+              <a:t>’), </a:t>
+            </a:r>
+          </a:p>
+          <a:p>
+            <a:r>
+              <a:rPr lang="en-US" sz="1600" dirty="0">
+                <a:latin typeface="Arial Nova" panose="020B0504020202020204" pitchFamily="34" charset="0"/>
+              </a:rPr>
+              <a:t>('a', 'DET', 'requirement', 'det’), </a:t>
+            </a:r>
+          </a:p>
+          <a:p>
+            <a:r>
+              <a:rPr lang="en-US" sz="1600" dirty="0">
+                <a:latin typeface="Arial Nova" panose="020B0504020202020204" pitchFamily="34" charset="0"/>
+              </a:rPr>
+              <a:t>('height', 'NOUN', 'requirement', 'compound’), </a:t>
+            </a:r>
+          </a:p>
+          <a:p>
+            <a:r>
+              <a:rPr lang="en-US" sz="1600" dirty="0">
+                <a:latin typeface="Arial Nova" panose="020B0504020202020204" pitchFamily="34" charset="0"/>
+              </a:rPr>
+              <a:t>('requirement', 'NOUN', 'Is', '</a:t>
+            </a:r>
+            <a:r>
+              <a:rPr lang="en-US" sz="1600" dirty="0" err="1">
+                <a:latin typeface="Arial Nova" panose="020B0504020202020204" pitchFamily="34" charset="0"/>
+              </a:rPr>
+              <a:t>attr</a:t>
+            </a:r>
+            <a:r>
+              <a:rPr lang="en-US" sz="1600" dirty="0">
+                <a:latin typeface="Arial Nova" panose="020B0504020202020204" pitchFamily="34" charset="0"/>
+              </a:rPr>
+              <a:t>’), </a:t>
+            </a:r>
+          </a:p>
+          <a:p>
+            <a:r>
+              <a:rPr lang="en-US" sz="1600" dirty="0">
+                <a:latin typeface="Arial Nova" panose="020B0504020202020204" pitchFamily="34" charset="0"/>
+              </a:rPr>
+              <a:t>('for', 'ADP', 'requirement', 'prep’), </a:t>
+            </a:r>
+          </a:p>
+          <a:p>
+            <a:r>
+              <a:rPr lang="en-US" sz="1600" dirty="0">
+                <a:latin typeface="Arial Nova" panose="020B0504020202020204" pitchFamily="34" charset="0"/>
+              </a:rPr>
+              <a:t>('Star', 'PROPN', 'Wars', 'compound’), </a:t>
+            </a:r>
+          </a:p>
+          <a:p>
+            <a:r>
+              <a:rPr lang="en-US" sz="1600" dirty="0">
+                <a:latin typeface="Arial Nova" panose="020B0504020202020204" pitchFamily="34" charset="0"/>
+              </a:rPr>
+              <a:t>('Wars', 'PROPN', 'for', '</a:t>
+            </a:r>
+            <a:r>
+              <a:rPr lang="en-US" sz="1600" dirty="0" err="1">
+                <a:latin typeface="Arial Nova" panose="020B0504020202020204" pitchFamily="34" charset="0"/>
+              </a:rPr>
+              <a:t>pobj</a:t>
+            </a:r>
+            <a:r>
+              <a:rPr lang="en-US" sz="1600" dirty="0">
+                <a:latin typeface="Arial Nova" panose="020B0504020202020204" pitchFamily="34" charset="0"/>
+              </a:rPr>
+              <a:t>’), </a:t>
+            </a:r>
+          </a:p>
+          <a:p>
+            <a:r>
+              <a:rPr lang="en-US" sz="1600" dirty="0">
+                <a:latin typeface="Arial Nova" panose="020B0504020202020204" pitchFamily="34" charset="0"/>
+              </a:rPr>
+              <a:t>(':', 'PUNCT', 'requirement', '</a:t>
+            </a:r>
+            <a:r>
+              <a:rPr lang="en-US" sz="1600" dirty="0" err="1">
+                <a:latin typeface="Arial Nova" panose="020B0504020202020204" pitchFamily="34" charset="0"/>
+              </a:rPr>
+              <a:t>punct</a:t>
+            </a:r>
+            <a:r>
+              <a:rPr lang="en-US" sz="1600" dirty="0">
+                <a:latin typeface="Arial Nova" panose="020B0504020202020204" pitchFamily="34" charset="0"/>
+              </a:rPr>
+              <a:t>’), </a:t>
+            </a:r>
+          </a:p>
+          <a:p>
+            <a:r>
+              <a:rPr lang="en-US" sz="1600" dirty="0">
+                <a:latin typeface="Arial Nova" panose="020B0504020202020204" pitchFamily="34" charset="0"/>
+              </a:rPr>
+              <a:t>('Rise', 'NOUN', 'requirement', '</a:t>
+            </a:r>
+            <a:r>
+              <a:rPr lang="en-US" sz="1600" dirty="0" err="1">
+                <a:latin typeface="Arial Nova" panose="020B0504020202020204" pitchFamily="34" charset="0"/>
+              </a:rPr>
+              <a:t>appos</a:t>
+            </a:r>
+            <a:r>
+              <a:rPr lang="en-US" sz="1600" dirty="0">
+                <a:latin typeface="Arial Nova" panose="020B0504020202020204" pitchFamily="34" charset="0"/>
+              </a:rPr>
+              <a:t>’), </a:t>
+            </a:r>
+          </a:p>
+          <a:p>
+            <a:r>
+              <a:rPr lang="en-US" sz="1600" dirty="0">
+                <a:latin typeface="Arial Nova" panose="020B0504020202020204" pitchFamily="34" charset="0"/>
+              </a:rPr>
+              <a:t>('of', 'ADP', 'Rise', 'prep’), </a:t>
+            </a:r>
+          </a:p>
+          <a:p>
+            <a:r>
+              <a:rPr lang="en-US" sz="1600" dirty="0">
+                <a:latin typeface="Arial Nova" panose="020B0504020202020204" pitchFamily="34" charset="0"/>
+              </a:rPr>
+              <a:t>('the', 'DET', 'Resistance', 'det’), </a:t>
+            </a:r>
+          </a:p>
+          <a:p>
+            <a:r>
+              <a:rPr lang="en-US" sz="1600" dirty="0">
+                <a:latin typeface="Arial Nova" panose="020B0504020202020204" pitchFamily="34" charset="0"/>
+              </a:rPr>
+              <a:t>('Resistance', 'PROPN', 'of', '</a:t>
+            </a:r>
+            <a:r>
+              <a:rPr lang="en-US" sz="1600" dirty="0" err="1">
+                <a:latin typeface="Arial Nova" panose="020B0504020202020204" pitchFamily="34" charset="0"/>
+              </a:rPr>
+              <a:t>pobj</a:t>
+            </a:r>
+            <a:r>
+              <a:rPr lang="en-US" sz="1600" dirty="0">
+                <a:latin typeface="Arial Nova" panose="020B0504020202020204" pitchFamily="34" charset="0"/>
+              </a:rPr>
+              <a:t>’), </a:t>
+            </a:r>
+          </a:p>
+          <a:p>
+            <a:r>
+              <a:rPr lang="en-US" sz="1600" dirty="0">
+                <a:latin typeface="Arial Nova" panose="020B0504020202020204" pitchFamily="34" charset="0"/>
+              </a:rPr>
+              <a:t>('?', 'PUNCT', 'Is', '</a:t>
+            </a:r>
+            <a:r>
+              <a:rPr lang="en-US" sz="1600" dirty="0" err="1">
+                <a:latin typeface="Arial Nova" panose="020B0504020202020204" pitchFamily="34" charset="0"/>
+              </a:rPr>
+              <a:t>punct</a:t>
+            </a:r>
+            <a:r>
+              <a:rPr lang="en-US" sz="1600" dirty="0">
+                <a:latin typeface="Arial Nova" panose="020B0504020202020204" pitchFamily="34" charset="0"/>
+              </a:rPr>
+              <a:t>')] </a:t>
+            </a:r>
+          </a:p>
+        </p:txBody>
+      </p:sp>
+    </p:spTree>
+    <p:extLst>
+      <p:ext uri="{BB962C8B-B14F-4D97-AF65-F5344CB8AC3E}">
+        <p14:creationId xmlns:p14="http://schemas.microsoft.com/office/powerpoint/2010/main" val="755099024"/>
+      </p:ext>
+    </p:extLst>
+  </p:cSld>
+  <p:clrMapOvr>
+    <a:masterClrMapping/>
+  </p:clrMapOvr>
+</p:sld>
+</file>
+
+<file path=ppt/slides/slide13.xml><?xml version="1.0" encoding="utf-8"?>
+<p:sld xmlns:a="http://schemas.openxmlformats.org/drawingml/2006/main" xmlns:r="http://schemas.openxmlformats.org/officeDocument/2006/relationships" xmlns:p="http://schemas.openxmlformats.org/presentationml/2006/main">
+  <p:cSld>
+    <p:spTree>
+      <p:nvGrpSpPr>
+        <p:cNvPr id="1" name=""/>
+        <p:cNvGrpSpPr/>
+        <p:nvPr/>
+      </p:nvGrpSpPr>
+      <p:grpSpPr>
+        <a:xfrm>
+          <a:off x="0" y="0"/>
+          <a:ext cx="0" cy="0"/>
+          <a:chOff x="0" y="0"/>
+          <a:chExt cx="0" cy="0"/>
+        </a:xfrm>
+      </p:grpSpPr>
+      <p:sp>
+        <p:nvSpPr>
+          <p:cNvPr id="4" name="Title 1">
+            <a:extLst>
+              <a:ext uri="{FF2B5EF4-FFF2-40B4-BE49-F238E27FC236}">
+                <a16:creationId xmlns:a16="http://schemas.microsoft.com/office/drawing/2014/main" id="{35E2284A-51F6-449C-832E-D85C77F5C63A}"/>
+              </a:ext>
+            </a:extLst>
+          </p:cNvPr>
+          <p:cNvSpPr txBox="1">
+            <a:spLocks/>
+          </p:cNvSpPr>
+          <p:nvPr/>
+        </p:nvSpPr>
+        <p:spPr>
+          <a:xfrm>
+            <a:off x="0" y="1"/>
+            <a:ext cx="12192000" cy="1141581"/>
+          </a:xfrm>
+          <a:prstGeom prst="rect">
+            <a:avLst/>
+          </a:prstGeom>
+          <a:solidFill>
+            <a:schemeClr val="tx2">
+              <a:lumMod val="75000"/>
+            </a:schemeClr>
+          </a:solidFill>
+        </p:spPr>
+        <p:txBody>
+          <a:bodyPr vert="horz" lIns="91440" tIns="45720" rIns="91440" bIns="45720" rtlCol="0" anchor="ctr">
+            <a:normAutofit/>
+          </a:bodyPr>
+          <a:lstStyle>
+            <a:lvl1pPr algn="l" defTabSz="914400" rtl="0" eaLnBrk="1" latinLnBrk="0" hangingPunct="1">
+              <a:lnSpc>
+                <a:spcPct val="90000"/>
+              </a:lnSpc>
+              <a:spcBef>
+                <a:spcPct val="0"/>
+              </a:spcBef>
+              <a:buNone/>
+              <a:defRPr sz="4400" kern="1200">
+                <a:solidFill>
+                  <a:schemeClr val="tx1"/>
+                </a:solidFill>
+                <a:latin typeface="+mj-lt"/>
+                <a:ea typeface="+mj-ea"/>
+                <a:cs typeface="+mj-cs"/>
+              </a:defRPr>
+            </a:lvl1pPr>
+          </a:lstStyle>
+          <a:p>
+            <a:r>
+              <a:rPr lang="en-US" sz="4800" dirty="0">
+                <a:solidFill>
+                  <a:schemeClr val="bg1"/>
+                </a:solidFill>
+              </a:rPr>
+              <a:t>   </a:t>
+            </a:r>
+            <a:r>
+              <a:rPr lang="en-US" sz="5700" dirty="0">
+                <a:solidFill>
+                  <a:schemeClr val="bg1"/>
+                </a:solidFill>
+              </a:rPr>
+              <a:t>Disney Q and A</a:t>
+            </a:r>
+          </a:p>
+        </p:txBody>
+      </p:sp>
+      <p:pic>
+        <p:nvPicPr>
+          <p:cNvPr id="3" name="Picture 2">
+            <a:extLst>
+              <a:ext uri="{FF2B5EF4-FFF2-40B4-BE49-F238E27FC236}">
+                <a16:creationId xmlns:a16="http://schemas.microsoft.com/office/drawing/2014/main" id="{834A208E-417F-49AC-9426-4F8C3F7C190D}"/>
+              </a:ext>
+            </a:extLst>
+          </p:cNvPr>
+          <p:cNvPicPr>
+            <a:picLocks noChangeAspect="1"/>
+          </p:cNvPicPr>
+          <p:nvPr/>
+        </p:nvPicPr>
+        <p:blipFill>
+          <a:blip r:embed="rId2"/>
+          <a:stretch>
+            <a:fillRect/>
+          </a:stretch>
+        </p:blipFill>
+        <p:spPr>
+          <a:xfrm>
+            <a:off x="8134350" y="693019"/>
+            <a:ext cx="4057650" cy="447675"/>
+          </a:xfrm>
+          <a:prstGeom prst="rect">
+            <a:avLst/>
+          </a:prstGeom>
+        </p:spPr>
+      </p:pic>
+      <p:sp>
+        <p:nvSpPr>
+          <p:cNvPr id="6" name="TextBox 5">
+            <a:extLst>
+              <a:ext uri="{FF2B5EF4-FFF2-40B4-BE49-F238E27FC236}">
+                <a16:creationId xmlns:a16="http://schemas.microsoft.com/office/drawing/2014/main" id="{C2496BB0-CD97-4CC4-A02C-F2FA921F8C66}"/>
+              </a:ext>
+            </a:extLst>
+          </p:cNvPr>
+          <p:cNvSpPr txBox="1"/>
+          <p:nvPr/>
+        </p:nvSpPr>
+        <p:spPr>
+          <a:xfrm>
+            <a:off x="751691" y="4132992"/>
             <a:ext cx="1398694" cy="461665"/>
           </a:xfrm>
           <a:prstGeom prst="rect">
@@ -4600,7 +4255,7 @@
                   </a:schemeClr>
                 </a:solidFill>
               </a:rPr>
-              <a:t>Tokenize</a:t>
+              <a:t>Leigh</a:t>
             </a:r>
             <a:endParaRPr lang="en-US" sz="2400" dirty="0"/>
           </a:p>
@@ -4608,6 +4263,646 @@
       </p:sp>
       <p:sp>
         <p:nvSpPr>
+          <p:cNvPr id="7" name="TextBox 6">
+            <a:extLst>
+              <a:ext uri="{FF2B5EF4-FFF2-40B4-BE49-F238E27FC236}">
+                <a16:creationId xmlns:a16="http://schemas.microsoft.com/office/drawing/2014/main" id="{13F8BE3A-7687-4AF4-9EFD-2C46F306DA40}"/>
+              </a:ext>
+            </a:extLst>
+          </p:cNvPr>
+          <p:cNvSpPr txBox="1"/>
+          <p:nvPr/>
+        </p:nvSpPr>
+        <p:spPr>
+          <a:xfrm>
+            <a:off x="751691" y="2259470"/>
+            <a:ext cx="1398694" cy="461665"/>
+          </a:xfrm>
+          <a:prstGeom prst="rect">
+            <a:avLst/>
+          </a:prstGeom>
+          <a:noFill/>
+        </p:spPr>
+        <p:txBody>
+          <a:bodyPr wrap="square" rtlCol="0">
+            <a:spAutoFit/>
+          </a:bodyPr>
+          <a:lstStyle/>
+          <a:p>
+            <a:r>
+              <a:rPr lang="en-US" sz="2400" dirty="0" err="1">
+                <a:solidFill>
+                  <a:schemeClr val="accent5">
+                    <a:lumMod val="75000"/>
+                  </a:schemeClr>
+                </a:solidFill>
+              </a:rPr>
+              <a:t>Deeptha</a:t>
+            </a:r>
+            <a:endParaRPr lang="en-US" sz="2400" dirty="0"/>
+          </a:p>
+        </p:txBody>
+      </p:sp>
+      <p:sp>
+        <p:nvSpPr>
+          <p:cNvPr id="8" name="TextBox 7">
+            <a:extLst>
+              <a:ext uri="{FF2B5EF4-FFF2-40B4-BE49-F238E27FC236}">
+                <a16:creationId xmlns:a16="http://schemas.microsoft.com/office/drawing/2014/main" id="{E5F98DA6-B998-48FE-9471-AE4F4759804E}"/>
+              </a:ext>
+            </a:extLst>
+          </p:cNvPr>
+          <p:cNvSpPr txBox="1"/>
+          <p:nvPr/>
+        </p:nvSpPr>
+        <p:spPr>
+          <a:xfrm>
+            <a:off x="1225118" y="2767058"/>
+            <a:ext cx="8167456" cy="338554"/>
+          </a:xfrm>
+          <a:prstGeom prst="rect">
+            <a:avLst/>
+          </a:prstGeom>
+          <a:noFill/>
+        </p:spPr>
+        <p:txBody>
+          <a:bodyPr wrap="square" rtlCol="0">
+            <a:spAutoFit/>
+          </a:bodyPr>
+          <a:lstStyle/>
+          <a:p>
+            <a:r>
+              <a:rPr lang="en-US" sz="1600" dirty="0">
+                <a:latin typeface="Arial Nova" panose="020B0504020202020204" pitchFamily="34" charset="0"/>
+              </a:rPr>
+              <a:t>Data mining Disney data</a:t>
+            </a:r>
+          </a:p>
+        </p:txBody>
+      </p:sp>
+      <p:sp>
+        <p:nvSpPr>
+          <p:cNvPr id="10" name="TextBox 9">
+            <a:extLst>
+              <a:ext uri="{FF2B5EF4-FFF2-40B4-BE49-F238E27FC236}">
+                <a16:creationId xmlns:a16="http://schemas.microsoft.com/office/drawing/2014/main" id="{C03F1267-4CFB-433B-B989-764A162902FB}"/>
+              </a:ext>
+            </a:extLst>
+          </p:cNvPr>
+          <p:cNvSpPr txBox="1"/>
+          <p:nvPr/>
+        </p:nvSpPr>
+        <p:spPr>
+          <a:xfrm>
+            <a:off x="1225118" y="3160359"/>
+            <a:ext cx="8167456" cy="338554"/>
+          </a:xfrm>
+          <a:prstGeom prst="rect">
+            <a:avLst/>
+          </a:prstGeom>
+          <a:noFill/>
+        </p:spPr>
+        <p:txBody>
+          <a:bodyPr wrap="square" rtlCol="0">
+            <a:spAutoFit/>
+          </a:bodyPr>
+          <a:lstStyle/>
+          <a:p>
+            <a:r>
+              <a:rPr lang="en-US" sz="1600" dirty="0">
+                <a:latin typeface="Arial Nova" panose="020B0504020202020204" pitchFamily="34" charset="0"/>
+              </a:rPr>
+              <a:t>Getting kicked off the Disney servers multiple times due to being a bot</a:t>
+            </a:r>
+          </a:p>
+        </p:txBody>
+      </p:sp>
+      <p:sp>
+        <p:nvSpPr>
+          <p:cNvPr id="11" name="TextBox 10">
+            <a:extLst>
+              <a:ext uri="{FF2B5EF4-FFF2-40B4-BE49-F238E27FC236}">
+                <a16:creationId xmlns:a16="http://schemas.microsoft.com/office/drawing/2014/main" id="{93DD85CF-A4A1-454E-87E8-D406DAEF9DB1}"/>
+              </a:ext>
+            </a:extLst>
+          </p:cNvPr>
+          <p:cNvSpPr txBox="1"/>
+          <p:nvPr/>
+        </p:nvSpPr>
+        <p:spPr>
+          <a:xfrm>
+            <a:off x="1225118" y="4662164"/>
+            <a:ext cx="8167456" cy="338554"/>
+          </a:xfrm>
+          <a:prstGeom prst="rect">
+            <a:avLst/>
+          </a:prstGeom>
+          <a:noFill/>
+        </p:spPr>
+        <p:txBody>
+          <a:bodyPr wrap="square" rtlCol="0">
+            <a:spAutoFit/>
+          </a:bodyPr>
+          <a:lstStyle/>
+          <a:p>
+            <a:r>
+              <a:rPr lang="en-US" sz="1600" dirty="0">
+                <a:latin typeface="Arial Nova" panose="020B0504020202020204" pitchFamily="34" charset="0"/>
+              </a:rPr>
+              <a:t>Information Retrieval code outline</a:t>
+            </a:r>
+          </a:p>
+        </p:txBody>
+      </p:sp>
+      <p:sp>
+        <p:nvSpPr>
+          <p:cNvPr id="12" name="TextBox 11">
+            <a:extLst>
+              <a:ext uri="{FF2B5EF4-FFF2-40B4-BE49-F238E27FC236}">
+                <a16:creationId xmlns:a16="http://schemas.microsoft.com/office/drawing/2014/main" id="{DE31C04A-42AF-4877-844A-078A01154B38}"/>
+              </a:ext>
+            </a:extLst>
+          </p:cNvPr>
+          <p:cNvSpPr txBox="1"/>
+          <p:nvPr/>
+        </p:nvSpPr>
+        <p:spPr>
+          <a:xfrm>
+            <a:off x="1225118" y="5028613"/>
+            <a:ext cx="8167456" cy="338554"/>
+          </a:xfrm>
+          <a:prstGeom prst="rect">
+            <a:avLst/>
+          </a:prstGeom>
+          <a:noFill/>
+        </p:spPr>
+        <p:txBody>
+          <a:bodyPr wrap="square" rtlCol="0">
+            <a:spAutoFit/>
+          </a:bodyPr>
+          <a:lstStyle/>
+          <a:p>
+            <a:r>
+              <a:rPr lang="en-US" sz="1600" dirty="0">
+                <a:latin typeface="Arial Nova" panose="020B0504020202020204" pitchFamily="34" charset="0"/>
+              </a:rPr>
+              <a:t>Question Processing</a:t>
+            </a:r>
+          </a:p>
+        </p:txBody>
+      </p:sp>
+      <p:sp>
+        <p:nvSpPr>
+          <p:cNvPr id="13" name="TextBox 12">
+            <a:extLst>
+              <a:ext uri="{FF2B5EF4-FFF2-40B4-BE49-F238E27FC236}">
+                <a16:creationId xmlns:a16="http://schemas.microsoft.com/office/drawing/2014/main" id="{54817F14-BB70-4614-96E6-EC5B2C419BDD}"/>
+              </a:ext>
+            </a:extLst>
+          </p:cNvPr>
+          <p:cNvSpPr txBox="1"/>
+          <p:nvPr/>
+        </p:nvSpPr>
+        <p:spPr>
+          <a:xfrm>
+            <a:off x="1225118" y="3588765"/>
+            <a:ext cx="8167456" cy="338554"/>
+          </a:xfrm>
+          <a:prstGeom prst="rect">
+            <a:avLst/>
+          </a:prstGeom>
+          <a:noFill/>
+        </p:spPr>
+        <p:txBody>
+          <a:bodyPr wrap="square" rtlCol="0">
+            <a:spAutoFit/>
+          </a:bodyPr>
+          <a:lstStyle/>
+          <a:p>
+            <a:r>
+              <a:rPr lang="en-US" sz="1600" dirty="0">
+                <a:latin typeface="Arial Nova" panose="020B0504020202020204" pitchFamily="34" charset="0"/>
+              </a:rPr>
+              <a:t>???? Training a model on the Questions and Answers? Document Retrieval Code?</a:t>
+            </a:r>
+          </a:p>
+        </p:txBody>
+      </p:sp>
+      <p:sp>
+        <p:nvSpPr>
+          <p:cNvPr id="14" name="TextBox 13">
+            <a:extLst>
+              <a:ext uri="{FF2B5EF4-FFF2-40B4-BE49-F238E27FC236}">
+                <a16:creationId xmlns:a16="http://schemas.microsoft.com/office/drawing/2014/main" id="{4746B784-0582-44BD-8EA8-76BAEF10893A}"/>
+              </a:ext>
+            </a:extLst>
+          </p:cNvPr>
+          <p:cNvSpPr txBox="1"/>
+          <p:nvPr/>
+        </p:nvSpPr>
+        <p:spPr>
+          <a:xfrm>
+            <a:off x="1225118" y="5468628"/>
+            <a:ext cx="8167456" cy="338554"/>
+          </a:xfrm>
+          <a:prstGeom prst="rect">
+            <a:avLst/>
+          </a:prstGeom>
+          <a:noFill/>
+        </p:spPr>
+        <p:txBody>
+          <a:bodyPr wrap="square" rtlCol="0">
+            <a:spAutoFit/>
+          </a:bodyPr>
+          <a:lstStyle/>
+          <a:p>
+            <a:r>
+              <a:rPr lang="en-US" sz="1600" dirty="0">
+                <a:latin typeface="Arial Nova" panose="020B0504020202020204" pitchFamily="34" charset="0"/>
+              </a:rPr>
+              <a:t>???? Some other code</a:t>
+            </a:r>
+          </a:p>
+        </p:txBody>
+      </p:sp>
+    </p:spTree>
+    <p:extLst>
+      <p:ext uri="{BB962C8B-B14F-4D97-AF65-F5344CB8AC3E}">
+        <p14:creationId xmlns:p14="http://schemas.microsoft.com/office/powerpoint/2010/main" val="2381747980"/>
+      </p:ext>
+    </p:extLst>
+  </p:cSld>
+  <p:clrMapOvr>
+    <a:masterClrMapping/>
+  </p:clrMapOvr>
+</p:sld>
+</file>
+
+<file path=ppt/slides/slide14.xml><?xml version="1.0" encoding="utf-8"?>
+<p:sld xmlns:a="http://schemas.openxmlformats.org/drawingml/2006/main" xmlns:r="http://schemas.openxmlformats.org/officeDocument/2006/relationships" xmlns:p="http://schemas.openxmlformats.org/presentationml/2006/main">
+  <p:cSld>
+    <p:spTree>
+      <p:nvGrpSpPr>
+        <p:cNvPr id="1" name=""/>
+        <p:cNvGrpSpPr/>
+        <p:nvPr/>
+      </p:nvGrpSpPr>
+      <p:grpSpPr>
+        <a:xfrm>
+          <a:off x="0" y="0"/>
+          <a:ext cx="0" cy="0"/>
+          <a:chOff x="0" y="0"/>
+          <a:chExt cx="0" cy="0"/>
+        </a:xfrm>
+      </p:grpSpPr>
+      <p:sp>
+        <p:nvSpPr>
+          <p:cNvPr id="4" name="Title 1">
+            <a:extLst>
+              <a:ext uri="{FF2B5EF4-FFF2-40B4-BE49-F238E27FC236}">
+                <a16:creationId xmlns:a16="http://schemas.microsoft.com/office/drawing/2014/main" id="{35E2284A-51F6-449C-832E-D85C77F5C63A}"/>
+              </a:ext>
+            </a:extLst>
+          </p:cNvPr>
+          <p:cNvSpPr txBox="1">
+            <a:spLocks/>
+          </p:cNvSpPr>
+          <p:nvPr/>
+        </p:nvSpPr>
+        <p:spPr>
+          <a:xfrm>
+            <a:off x="0" y="1"/>
+            <a:ext cx="12192000" cy="1141581"/>
+          </a:xfrm>
+          <a:prstGeom prst="rect">
+            <a:avLst/>
+          </a:prstGeom>
+          <a:solidFill>
+            <a:schemeClr val="tx2">
+              <a:lumMod val="75000"/>
+            </a:schemeClr>
+          </a:solidFill>
+        </p:spPr>
+        <p:txBody>
+          <a:bodyPr vert="horz" lIns="91440" tIns="45720" rIns="91440" bIns="45720" rtlCol="0" anchor="ctr">
+            <a:normAutofit/>
+          </a:bodyPr>
+          <a:lstStyle>
+            <a:lvl1pPr algn="l" defTabSz="914400" rtl="0" eaLnBrk="1" latinLnBrk="0" hangingPunct="1">
+              <a:lnSpc>
+                <a:spcPct val="90000"/>
+              </a:lnSpc>
+              <a:spcBef>
+                <a:spcPct val="0"/>
+              </a:spcBef>
+              <a:buNone/>
+              <a:defRPr sz="4400" kern="1200">
+                <a:solidFill>
+                  <a:schemeClr val="tx1"/>
+                </a:solidFill>
+                <a:latin typeface="+mj-lt"/>
+                <a:ea typeface="+mj-ea"/>
+                <a:cs typeface="+mj-cs"/>
+              </a:defRPr>
+            </a:lvl1pPr>
+          </a:lstStyle>
+          <a:p>
+            <a:r>
+              <a:rPr lang="en-US" sz="4800" dirty="0">
+                <a:solidFill>
+                  <a:schemeClr val="bg1"/>
+                </a:solidFill>
+              </a:rPr>
+              <a:t>   </a:t>
+            </a:r>
+            <a:r>
+              <a:rPr lang="en-US" sz="5700" dirty="0">
+                <a:solidFill>
+                  <a:schemeClr val="bg1"/>
+                </a:solidFill>
+              </a:rPr>
+              <a:t>Disney Q and A</a:t>
+            </a:r>
+          </a:p>
+        </p:txBody>
+      </p:sp>
+      <p:pic>
+        <p:nvPicPr>
+          <p:cNvPr id="3" name="Picture 2">
+            <a:extLst>
+              <a:ext uri="{FF2B5EF4-FFF2-40B4-BE49-F238E27FC236}">
+                <a16:creationId xmlns:a16="http://schemas.microsoft.com/office/drawing/2014/main" id="{834A208E-417F-49AC-9426-4F8C3F7C190D}"/>
+              </a:ext>
+            </a:extLst>
+          </p:cNvPr>
+          <p:cNvPicPr>
+            <a:picLocks noChangeAspect="1"/>
+          </p:cNvPicPr>
+          <p:nvPr/>
+        </p:nvPicPr>
+        <p:blipFill>
+          <a:blip r:embed="rId2"/>
+          <a:stretch>
+            <a:fillRect/>
+          </a:stretch>
+        </p:blipFill>
+        <p:spPr>
+          <a:xfrm>
+            <a:off x="8134350" y="693019"/>
+            <a:ext cx="4057650" cy="447675"/>
+          </a:xfrm>
+          <a:prstGeom prst="rect">
+            <a:avLst/>
+          </a:prstGeom>
+        </p:spPr>
+      </p:pic>
+      <p:sp>
+        <p:nvSpPr>
+          <p:cNvPr id="16" name="Rectangle 15">
+            <a:extLst>
+              <a:ext uri="{FF2B5EF4-FFF2-40B4-BE49-F238E27FC236}">
+                <a16:creationId xmlns:a16="http://schemas.microsoft.com/office/drawing/2014/main" id="{4107CB61-EF40-4CD0-9510-F313BB8E0E7A}"/>
+              </a:ext>
+            </a:extLst>
+          </p:cNvPr>
+          <p:cNvSpPr/>
+          <p:nvPr/>
+        </p:nvSpPr>
+        <p:spPr>
+          <a:xfrm>
+            <a:off x="721894" y="3052659"/>
+            <a:ext cx="10770669" cy="1862048"/>
+          </a:xfrm>
+          <a:prstGeom prst="rect">
+            <a:avLst/>
+          </a:prstGeom>
+          <a:noFill/>
+        </p:spPr>
+        <p:txBody>
+          <a:bodyPr wrap="square" lIns="91440" tIns="45720" rIns="91440" bIns="45720">
+            <a:spAutoFit/>
+          </a:bodyPr>
+          <a:lstStyle/>
+          <a:p>
+            <a:pPr algn="ctr"/>
+            <a:r>
+              <a:rPr lang="en-US" sz="11500" b="1" cap="none" spc="0" dirty="0">
+                <a:ln w="12700">
+                  <a:solidFill>
+                    <a:schemeClr val="accent5"/>
+                  </a:solidFill>
+                  <a:prstDash val="solid"/>
+                </a:ln>
+                <a:pattFill prst="ltDnDiag">
+                  <a:fgClr>
+                    <a:schemeClr val="accent5">
+                      <a:lumMod val="60000"/>
+                      <a:lumOff val="40000"/>
+                    </a:schemeClr>
+                  </a:fgClr>
+                  <a:bgClr>
+                    <a:schemeClr val="bg1"/>
+                  </a:bgClr>
+                </a:pattFill>
+                <a:effectLst/>
+              </a:rPr>
+              <a:t>Any Questions?</a:t>
+            </a:r>
+          </a:p>
+        </p:txBody>
+      </p:sp>
+      <p:sp>
+        <p:nvSpPr>
+          <p:cNvPr id="18" name="Rectangle 17">
+            <a:extLst>
+              <a:ext uri="{FF2B5EF4-FFF2-40B4-BE49-F238E27FC236}">
+                <a16:creationId xmlns:a16="http://schemas.microsoft.com/office/drawing/2014/main" id="{7912A282-6431-44B4-B62B-EDD900883A52}"/>
+              </a:ext>
+            </a:extLst>
+          </p:cNvPr>
+          <p:cNvSpPr/>
+          <p:nvPr/>
+        </p:nvSpPr>
+        <p:spPr>
+          <a:xfrm>
+            <a:off x="710665" y="1920895"/>
+            <a:ext cx="10770669" cy="707886"/>
+          </a:xfrm>
+          <a:prstGeom prst="rect">
+            <a:avLst/>
+          </a:prstGeom>
+          <a:noFill/>
+        </p:spPr>
+        <p:txBody>
+          <a:bodyPr wrap="square" lIns="91440" tIns="45720" rIns="91440" bIns="45720">
+            <a:spAutoFit/>
+          </a:bodyPr>
+          <a:lstStyle/>
+          <a:p>
+            <a:pPr algn="ctr"/>
+            <a:r>
+              <a:rPr lang="en-US" sz="4000" b="1" cap="none" spc="0" dirty="0">
+                <a:ln w="12700">
+                  <a:solidFill>
+                    <a:schemeClr val="accent5"/>
+                  </a:solidFill>
+                  <a:prstDash val="solid"/>
+                </a:ln>
+                <a:pattFill prst="ltDnDiag">
+                  <a:fgClr>
+                    <a:schemeClr val="accent5">
+                      <a:lumMod val="60000"/>
+                      <a:lumOff val="40000"/>
+                    </a:schemeClr>
+                  </a:fgClr>
+                  <a:bgClr>
+                    <a:schemeClr val="bg1"/>
+                  </a:bgClr>
+                </a:pattFill>
+                <a:effectLst/>
+              </a:rPr>
+              <a:t>Thank you!</a:t>
+            </a:r>
+          </a:p>
+        </p:txBody>
+      </p:sp>
+    </p:spTree>
+    <p:extLst>
+      <p:ext uri="{BB962C8B-B14F-4D97-AF65-F5344CB8AC3E}">
+        <p14:creationId xmlns:p14="http://schemas.microsoft.com/office/powerpoint/2010/main" val="2782569395"/>
+      </p:ext>
+    </p:extLst>
+  </p:cSld>
+  <p:clrMapOvr>
+    <a:masterClrMapping/>
+  </p:clrMapOvr>
+</p:sld>
+</file>
+
+<file path=ppt/slides/slide2.xml><?xml version="1.0" encoding="utf-8"?>
+<p:sld xmlns:a="http://schemas.openxmlformats.org/drawingml/2006/main" xmlns:r="http://schemas.openxmlformats.org/officeDocument/2006/relationships" xmlns:p="http://schemas.openxmlformats.org/presentationml/2006/main">
+  <p:cSld>
+    <p:spTree>
+      <p:nvGrpSpPr>
+        <p:cNvPr id="1" name=""/>
+        <p:cNvGrpSpPr/>
+        <p:nvPr/>
+      </p:nvGrpSpPr>
+      <p:grpSpPr>
+        <a:xfrm>
+          <a:off x="0" y="0"/>
+          <a:ext cx="0" cy="0"/>
+          <a:chOff x="0" y="0"/>
+          <a:chExt cx="0" cy="0"/>
+        </a:xfrm>
+      </p:grpSpPr>
+      <p:sp>
+        <p:nvSpPr>
+          <p:cNvPr id="13" name="Title 1">
+            <a:extLst>
+              <a:ext uri="{FF2B5EF4-FFF2-40B4-BE49-F238E27FC236}">
+                <a16:creationId xmlns:a16="http://schemas.microsoft.com/office/drawing/2014/main" id="{1127F941-043E-4D99-BA77-D0CB0DAFE611}"/>
+              </a:ext>
+            </a:extLst>
+          </p:cNvPr>
+          <p:cNvSpPr txBox="1">
+            <a:spLocks/>
+          </p:cNvSpPr>
+          <p:nvPr/>
+        </p:nvSpPr>
+        <p:spPr>
+          <a:xfrm>
+            <a:off x="0" y="1"/>
+            <a:ext cx="12192000" cy="1141581"/>
+          </a:xfrm>
+          <a:prstGeom prst="rect">
+            <a:avLst/>
+          </a:prstGeom>
+          <a:solidFill>
+            <a:schemeClr val="tx2">
+              <a:lumMod val="75000"/>
+            </a:schemeClr>
+          </a:solidFill>
+        </p:spPr>
+        <p:txBody>
+          <a:bodyPr vert="horz" lIns="91440" tIns="45720" rIns="91440" bIns="45720" rtlCol="0" anchor="ctr">
+            <a:normAutofit/>
+          </a:bodyPr>
+          <a:lstStyle>
+            <a:lvl1pPr algn="l" defTabSz="914400" rtl="0" eaLnBrk="1" latinLnBrk="0" hangingPunct="1">
+              <a:lnSpc>
+                <a:spcPct val="90000"/>
+              </a:lnSpc>
+              <a:spcBef>
+                <a:spcPct val="0"/>
+              </a:spcBef>
+              <a:buNone/>
+              <a:defRPr sz="4400" kern="1200">
+                <a:solidFill>
+                  <a:schemeClr val="tx1"/>
+                </a:solidFill>
+                <a:latin typeface="+mj-lt"/>
+                <a:ea typeface="+mj-ea"/>
+                <a:cs typeface="+mj-cs"/>
+              </a:defRPr>
+            </a:lvl1pPr>
+          </a:lstStyle>
+          <a:p>
+            <a:r>
+              <a:rPr lang="en-US" sz="5700" dirty="0">
+                <a:solidFill>
+                  <a:schemeClr val="bg1"/>
+                </a:solidFill>
+              </a:rPr>
+              <a:t>   Problem</a:t>
+            </a:r>
+          </a:p>
+        </p:txBody>
+      </p:sp>
+      <p:sp>
+        <p:nvSpPr>
+          <p:cNvPr id="3" name="TextBox 2">
+            <a:extLst>
+              <a:ext uri="{FF2B5EF4-FFF2-40B4-BE49-F238E27FC236}">
+                <a16:creationId xmlns:a16="http://schemas.microsoft.com/office/drawing/2014/main" id="{377A0E23-0F25-46C5-8C67-378270C30990}"/>
+              </a:ext>
+            </a:extLst>
+          </p:cNvPr>
+          <p:cNvSpPr txBox="1"/>
+          <p:nvPr/>
+        </p:nvSpPr>
+        <p:spPr>
+          <a:xfrm>
+            <a:off x="1063754" y="2142246"/>
+            <a:ext cx="7206166" cy="830997"/>
+          </a:xfrm>
+          <a:prstGeom prst="rect">
+            <a:avLst/>
+          </a:prstGeom>
+          <a:noFill/>
+        </p:spPr>
+        <p:txBody>
+          <a:bodyPr wrap="square" rtlCol="0">
+            <a:spAutoFit/>
+          </a:bodyPr>
+          <a:lstStyle/>
+          <a:p>
+            <a:r>
+              <a:rPr lang="en-US" sz="2400" dirty="0">
+                <a:solidFill>
+                  <a:schemeClr val="accent5">
+                    <a:lumMod val="75000"/>
+                  </a:schemeClr>
+                </a:solidFill>
+              </a:rPr>
+              <a:t>Create a program that can answer general information questions about Walt Disney World and Disney Land</a:t>
+            </a:r>
+            <a:endParaRPr lang="en-US" sz="2400" dirty="0"/>
+          </a:p>
+        </p:txBody>
+      </p:sp>
+      <p:sp>
+        <p:nvSpPr>
           <p:cNvPr id="5" name="TextBox 4">
             <a:extLst>
               <a:ext uri="{FF2B5EF4-FFF2-40B4-BE49-F238E27FC236}">
@@ -4620,8 +4915,77 @@
         </p:nvSpPr>
         <p:spPr>
           <a:xfrm>
-            <a:off x="432095" y="3054168"/>
-            <a:ext cx="2740698" cy="461665"/>
+            <a:off x="1753807" y="4153422"/>
+            <a:ext cx="6380543" cy="461665"/>
+          </a:xfrm>
+          <a:prstGeom prst="rect">
+            <a:avLst/>
+          </a:prstGeom>
+          <a:noFill/>
+        </p:spPr>
+        <p:txBody>
+          <a:bodyPr wrap="square" rtlCol="0">
+            <a:spAutoFit/>
+          </a:bodyPr>
+          <a:lstStyle/>
+          <a:p>
+            <a:pPr marL="342900" indent="-342900">
+              <a:buFont typeface="Arial" panose="020B0604020202020204" pitchFamily="34" charset="0"/>
+              <a:buChar char="•"/>
+            </a:pPr>
+            <a:r>
+              <a:rPr lang="en-US" sz="2400" dirty="0"/>
+              <a:t>Information Retrieval type of Q and A system</a:t>
+            </a:r>
+          </a:p>
+        </p:txBody>
+      </p:sp>
+      <p:pic>
+        <p:nvPicPr>
+          <p:cNvPr id="20" name="Picture 19">
+            <a:extLst>
+              <a:ext uri="{FF2B5EF4-FFF2-40B4-BE49-F238E27FC236}">
+                <a16:creationId xmlns:a16="http://schemas.microsoft.com/office/drawing/2014/main" id="{B5D47350-D5C7-4323-951F-3AE1A43766EE}"/>
+              </a:ext>
+            </a:extLst>
+          </p:cNvPr>
+          <p:cNvPicPr>
+            <a:picLocks noChangeAspect="1"/>
+          </p:cNvPicPr>
+          <p:nvPr/>
+        </p:nvPicPr>
+        <p:blipFill>
+          <a:blip r:embed="rId2"/>
+          <a:stretch>
+            <a:fillRect/>
+          </a:stretch>
+        </p:blipFill>
+        <p:spPr>
+          <a:xfrm>
+            <a:off x="8134350" y="693019"/>
+            <a:ext cx="4057650" cy="447675"/>
+          </a:xfrm>
+          <a:prstGeom prst="rect">
+            <a:avLst/>
+          </a:prstGeom>
+        </p:spPr>
+      </p:pic>
+      <p:sp>
+        <p:nvSpPr>
+          <p:cNvPr id="6" name="TextBox 5">
+            <a:extLst>
+              <a:ext uri="{FF2B5EF4-FFF2-40B4-BE49-F238E27FC236}">
+                <a16:creationId xmlns:a16="http://schemas.microsoft.com/office/drawing/2014/main" id="{7427696D-E165-42FF-916E-018D29CFC745}"/>
+              </a:ext>
+            </a:extLst>
+          </p:cNvPr>
+          <p:cNvSpPr txBox="1"/>
+          <p:nvPr/>
+        </p:nvSpPr>
+        <p:spPr>
+          <a:xfrm>
+            <a:off x="1753808" y="3481556"/>
+            <a:ext cx="5739347" cy="461665"/>
           </a:xfrm>
           <a:prstGeom prst="rect">
             <a:avLst/>
@@ -4647,338 +5011,17 @@
             </a:lvl1pPr>
           </a:lstStyle>
           <a:p>
-            <a:r>
-              <a:rPr lang="en-US" dirty="0"/>
-              <a:t>Remove </a:t>
-            </a:r>
-            <a:r>
-              <a:rPr lang="en-US" dirty="0" err="1"/>
-              <a:t>stopwords</a:t>
-            </a:r>
-            <a:endParaRPr lang="en-US" dirty="0"/>
-          </a:p>
-        </p:txBody>
-      </p:sp>
-      <p:pic>
-        <p:nvPicPr>
-          <p:cNvPr id="20" name="Picture 19">
-            <a:extLst>
-              <a:ext uri="{FF2B5EF4-FFF2-40B4-BE49-F238E27FC236}">
-                <a16:creationId xmlns:a16="http://schemas.microsoft.com/office/drawing/2014/main" id="{B5D47350-D5C7-4323-951F-3AE1A43766EE}"/>
-              </a:ext>
-            </a:extLst>
-          </p:cNvPr>
-          <p:cNvPicPr>
-            <a:picLocks noChangeAspect="1"/>
-          </p:cNvPicPr>
-          <p:nvPr/>
-        </p:nvPicPr>
-        <p:blipFill>
-          <a:blip r:embed="rId2"/>
-          <a:stretch>
-            <a:fillRect/>
-          </a:stretch>
-        </p:blipFill>
-        <p:spPr>
-          <a:xfrm>
-            <a:off x="8134350" y="693019"/>
-            <a:ext cx="4057650" cy="447675"/>
-          </a:xfrm>
-          <a:prstGeom prst="rect">
-            <a:avLst/>
-          </a:prstGeom>
-        </p:spPr>
-      </p:pic>
-      <p:sp>
-        <p:nvSpPr>
-          <p:cNvPr id="6" name="TextBox 5">
-            <a:extLst>
-              <a:ext uri="{FF2B5EF4-FFF2-40B4-BE49-F238E27FC236}">
-                <a16:creationId xmlns:a16="http://schemas.microsoft.com/office/drawing/2014/main" id="{3BED0B0D-116A-4672-89D0-88D18E56949D}"/>
-              </a:ext>
-            </a:extLst>
-          </p:cNvPr>
-          <p:cNvSpPr txBox="1"/>
-          <p:nvPr/>
-        </p:nvSpPr>
-        <p:spPr>
-          <a:xfrm>
-            <a:off x="432095" y="3943465"/>
-            <a:ext cx="5926306" cy="461665"/>
-          </a:xfrm>
-          <a:prstGeom prst="rect">
-            <a:avLst/>
-          </a:prstGeom>
-          <a:noFill/>
-        </p:spPr>
-        <p:txBody>
-          <a:bodyPr wrap="square" rtlCol="0">
-            <a:spAutoFit/>
-          </a:bodyPr>
-          <a:lstStyle>
-            <a:defPPr>
-              <a:defRPr lang="en-US"/>
-            </a:defPPr>
-            <a:lvl1pPr>
-              <a:defRPr sz="2400">
+            <a:pPr marL="342900" indent="-342900">
+              <a:buFont typeface="Arial" panose="020B0604020202020204" pitchFamily="34" charset="0"/>
+              <a:buChar char="•"/>
+            </a:pPr>
+            <a:r>
+              <a:rPr lang="en-US" dirty="0">
                 <a:solidFill>
-                  <a:schemeClr val="accent5">
-                    <a:lumMod val="75000"/>
-                  </a:schemeClr>
+                  <a:schemeClr val="tx1"/>
                 </a:solidFill>
-              </a:defRPr>
-            </a:lvl1pPr>
-          </a:lstStyle>
-          <a:p>
-            <a:r>
-              <a:rPr lang="en-US" dirty="0"/>
-              <a:t>POS tags</a:t>
-            </a:r>
-          </a:p>
-        </p:txBody>
-      </p:sp>
-      <p:sp>
-        <p:nvSpPr>
-          <p:cNvPr id="8" name="TextBox 7">
-            <a:extLst>
-              <a:ext uri="{FF2B5EF4-FFF2-40B4-BE49-F238E27FC236}">
-                <a16:creationId xmlns:a16="http://schemas.microsoft.com/office/drawing/2014/main" id="{C5791825-884C-43A6-9AF5-AD1D1FF29DBC}"/>
-              </a:ext>
-            </a:extLst>
-          </p:cNvPr>
-          <p:cNvSpPr txBox="1"/>
-          <p:nvPr/>
-        </p:nvSpPr>
-        <p:spPr>
-          <a:xfrm>
-            <a:off x="432095" y="5075019"/>
-            <a:ext cx="5926306" cy="461665"/>
-          </a:xfrm>
-          <a:prstGeom prst="rect">
-            <a:avLst/>
-          </a:prstGeom>
-          <a:noFill/>
-        </p:spPr>
-        <p:txBody>
-          <a:bodyPr wrap="square" rtlCol="0">
-            <a:spAutoFit/>
-          </a:bodyPr>
-          <a:lstStyle>
-            <a:defPPr>
-              <a:defRPr lang="en-US"/>
-            </a:defPPr>
-            <a:lvl1pPr>
-              <a:defRPr sz="2400">
-                <a:solidFill>
-                  <a:schemeClr val="accent5">
-                    <a:lumMod val="75000"/>
-                  </a:schemeClr>
-                </a:solidFill>
-              </a:defRPr>
-            </a:lvl1pPr>
-          </a:lstStyle>
-          <a:p>
-            <a:r>
-              <a:rPr lang="en-US" dirty="0"/>
-              <a:t>Look for Disney named entities</a:t>
-            </a:r>
-          </a:p>
-        </p:txBody>
-      </p:sp>
-      <p:sp>
-        <p:nvSpPr>
-          <p:cNvPr id="15" name="TextBox 14">
-            <a:extLst>
-              <a:ext uri="{FF2B5EF4-FFF2-40B4-BE49-F238E27FC236}">
-                <a16:creationId xmlns:a16="http://schemas.microsoft.com/office/drawing/2014/main" id="{7AC26081-C000-4315-84CA-F800F78B0ED7}"/>
-              </a:ext>
-            </a:extLst>
-          </p:cNvPr>
-          <p:cNvSpPr txBox="1"/>
-          <p:nvPr/>
-        </p:nvSpPr>
-        <p:spPr>
-          <a:xfrm>
-            <a:off x="432095" y="1301066"/>
-            <a:ext cx="1398694" cy="461665"/>
-          </a:xfrm>
-          <a:prstGeom prst="rect">
-            <a:avLst/>
-          </a:prstGeom>
-          <a:noFill/>
-        </p:spPr>
-        <p:txBody>
-          <a:bodyPr wrap="square" rtlCol="0">
-            <a:spAutoFit/>
-          </a:bodyPr>
-          <a:lstStyle/>
-          <a:p>
-            <a:r>
-              <a:rPr lang="en-US" sz="2400" dirty="0">
-                <a:solidFill>
-                  <a:schemeClr val="accent5">
-                    <a:lumMod val="75000"/>
-                  </a:schemeClr>
-                </a:solidFill>
-              </a:rPr>
-              <a:t>Question</a:t>
-            </a:r>
-            <a:endParaRPr lang="en-US" sz="2400" dirty="0"/>
-          </a:p>
-        </p:txBody>
-      </p:sp>
-      <p:sp>
-        <p:nvSpPr>
-          <p:cNvPr id="4" name="TextBox 3">
-            <a:extLst>
-              <a:ext uri="{FF2B5EF4-FFF2-40B4-BE49-F238E27FC236}">
-                <a16:creationId xmlns:a16="http://schemas.microsoft.com/office/drawing/2014/main" id="{471647A1-12BC-4D2D-B5A0-7ADC557EB5BC}"/>
-              </a:ext>
-            </a:extLst>
-          </p:cNvPr>
-          <p:cNvSpPr txBox="1"/>
-          <p:nvPr/>
-        </p:nvSpPr>
-        <p:spPr>
-          <a:xfrm>
-            <a:off x="905522" y="1696347"/>
-            <a:ext cx="8167456" cy="338554"/>
-          </a:xfrm>
-          <a:prstGeom prst="rect">
-            <a:avLst/>
-          </a:prstGeom>
-          <a:noFill/>
-        </p:spPr>
-        <p:txBody>
-          <a:bodyPr wrap="square" rtlCol="0">
-            <a:spAutoFit/>
-          </a:bodyPr>
-          <a:lstStyle/>
-          <a:p>
-            <a:r>
-              <a:rPr lang="en-US" sz="1600" dirty="0">
-                <a:latin typeface="Arial Nova" panose="020B0504020202020204" pitchFamily="34" charset="0"/>
-              </a:rPr>
-              <a:t>What is the height requirement for Star Wars: Rise of the Resistance?</a:t>
-            </a:r>
-          </a:p>
-        </p:txBody>
-      </p:sp>
-      <p:sp>
-        <p:nvSpPr>
-          <p:cNvPr id="16" name="TextBox 15">
-            <a:extLst>
-              <a:ext uri="{FF2B5EF4-FFF2-40B4-BE49-F238E27FC236}">
-                <a16:creationId xmlns:a16="http://schemas.microsoft.com/office/drawing/2014/main" id="{9C6AF184-B02A-4C0E-99B0-9892E2EDC048}"/>
-              </a:ext>
-            </a:extLst>
-          </p:cNvPr>
-          <p:cNvSpPr txBox="1"/>
-          <p:nvPr/>
-        </p:nvSpPr>
-        <p:spPr>
-          <a:xfrm>
-            <a:off x="905522" y="2577138"/>
-            <a:ext cx="8673484" cy="338554"/>
-          </a:xfrm>
-          <a:prstGeom prst="rect">
-            <a:avLst/>
-          </a:prstGeom>
-          <a:noFill/>
-        </p:spPr>
-        <p:txBody>
-          <a:bodyPr wrap="square" rtlCol="0">
-            <a:spAutoFit/>
-          </a:bodyPr>
-          <a:lstStyle/>
-          <a:p>
-            <a:r>
-              <a:rPr lang="en-US" sz="1600" dirty="0">
-                <a:latin typeface="Arial Nova" panose="020B0504020202020204" pitchFamily="34" charset="0"/>
-              </a:rPr>
-              <a:t>['What', 'is', 'the', 'height', 'requirement', 'for', 'Star', 'Wars', ':', 'Rise', 'of', 'the', 'Resistance', '?'] </a:t>
-            </a:r>
-          </a:p>
-        </p:txBody>
-      </p:sp>
-      <p:sp>
-        <p:nvSpPr>
-          <p:cNvPr id="17" name="TextBox 16">
-            <a:extLst>
-              <a:ext uri="{FF2B5EF4-FFF2-40B4-BE49-F238E27FC236}">
-                <a16:creationId xmlns:a16="http://schemas.microsoft.com/office/drawing/2014/main" id="{CB8D8D2E-7615-4085-A0FE-5D33CCB45EA8}"/>
-              </a:ext>
-            </a:extLst>
-          </p:cNvPr>
-          <p:cNvSpPr txBox="1"/>
-          <p:nvPr/>
-        </p:nvSpPr>
-        <p:spPr>
-          <a:xfrm>
-            <a:off x="905522" y="3461841"/>
-            <a:ext cx="8673484" cy="338554"/>
-          </a:xfrm>
-          <a:prstGeom prst="rect">
-            <a:avLst/>
-          </a:prstGeom>
-          <a:noFill/>
-        </p:spPr>
-        <p:txBody>
-          <a:bodyPr wrap="square" rtlCol="0">
-            <a:spAutoFit/>
-          </a:bodyPr>
-          <a:lstStyle/>
-          <a:p>
-            <a:r>
-              <a:rPr lang="en-US" sz="1600" dirty="0">
-                <a:latin typeface="Arial Nova" panose="020B0504020202020204" pitchFamily="34" charset="0"/>
-              </a:rPr>
-              <a:t>['height', 'requirement', 'star', 'wars', ':', 'rise', 'resistance', '?']</a:t>
-            </a:r>
-          </a:p>
-        </p:txBody>
-      </p:sp>
-      <p:sp>
-        <p:nvSpPr>
-          <p:cNvPr id="18" name="TextBox 17">
-            <a:extLst>
-              <a:ext uri="{FF2B5EF4-FFF2-40B4-BE49-F238E27FC236}">
-                <a16:creationId xmlns:a16="http://schemas.microsoft.com/office/drawing/2014/main" id="{36A60B6E-161D-4B90-B6CC-192DE2A8D1A0}"/>
-              </a:ext>
-            </a:extLst>
-          </p:cNvPr>
-          <p:cNvSpPr txBox="1"/>
-          <p:nvPr/>
-        </p:nvSpPr>
-        <p:spPr>
-          <a:xfrm>
-            <a:off x="905522" y="4346544"/>
-            <a:ext cx="8673484" cy="584775"/>
-          </a:xfrm>
-          <a:prstGeom prst="rect">
-            <a:avLst/>
-          </a:prstGeom>
-          <a:noFill/>
-        </p:spPr>
-        <p:txBody>
-          <a:bodyPr wrap="square" rtlCol="0">
-            <a:spAutoFit/>
-          </a:bodyPr>
-          <a:lstStyle/>
-          <a:p>
-            <a:r>
-              <a:rPr lang="en-US" sz="1600" dirty="0">
-                <a:latin typeface="Arial Nova" panose="020B0504020202020204" pitchFamily="34" charset="0"/>
-              </a:rPr>
-              <a:t>[('height', 'ADJ'), ('requirement', 'NOUN'), ('star', 'NOUN'), ('wars', 'NOUN'), (':', '.’),</a:t>
-            </a:r>
-          </a:p>
-          <a:p>
-            <a:r>
-              <a:rPr lang="en-US" sz="1600" dirty="0">
-                <a:latin typeface="Arial Nova" panose="020B0504020202020204" pitchFamily="34" charset="0"/>
-              </a:rPr>
-              <a:t> ('rise', 'NOUN'), ('resistance', 'NOUN'), ('?', '.')] </a:t>
+              </a:rPr>
+              <a:t>Mine data from Disney’s web sites</a:t>
             </a:r>
           </a:p>
         </p:txBody>
@@ -4986,7 +5029,7 @@
     </p:spTree>
     <p:extLst>
       <p:ext uri="{BB962C8B-B14F-4D97-AF65-F5344CB8AC3E}">
-        <p14:creationId xmlns:p14="http://schemas.microsoft.com/office/powerpoint/2010/main" val="1192096264"/>
+        <p14:creationId xmlns:p14="http://schemas.microsoft.com/office/powerpoint/2010/main" val="277173246"/>
       </p:ext>
     </p:extLst>
   </p:cSld>
@@ -5070,21 +5113,1313 @@
                                   </p:childTnLst>
                                 </p:cTn>
                               </p:par>
+                            </p:childTnLst>
+                          </p:cTn>
+                        </p:par>
+                      </p:childTnLst>
+                    </p:cTn>
+                  </p:par>
+                </p:childTnLst>
+              </p:cTn>
+              <p:prevCondLst>
+                <p:cond evt="onPrev" delay="0">
+                  <p:tgtEl>
+                    <p:sldTgt/>
+                  </p:tgtEl>
+                </p:cond>
+              </p:prevCondLst>
+              <p:nextCondLst>
+                <p:cond evt="onNext" delay="0">
+                  <p:tgtEl>
+                    <p:sldTgt/>
+                  </p:tgtEl>
+                </p:cond>
+              </p:nextCondLst>
+            </p:seq>
+          </p:childTnLst>
+        </p:cTn>
+      </p:par>
+    </p:tnLst>
+    <p:bldLst>
+      <p:bldP spid="5" grpId="0"/>
+      <p:bldP spid="6" grpId="0"/>
+    </p:bldLst>
+  </p:timing>
+</p:sld>
+</file>
+
+<file path=ppt/slides/slide3.xml><?xml version="1.0" encoding="utf-8"?>
+<p:sld xmlns:a="http://schemas.openxmlformats.org/drawingml/2006/main" xmlns:r="http://schemas.openxmlformats.org/officeDocument/2006/relationships" xmlns:p="http://schemas.openxmlformats.org/presentationml/2006/main">
+  <p:cSld>
+    <p:spTree>
+      <p:nvGrpSpPr>
+        <p:cNvPr id="1" name=""/>
+        <p:cNvGrpSpPr/>
+        <p:nvPr/>
+      </p:nvGrpSpPr>
+      <p:grpSpPr>
+        <a:xfrm>
+          <a:off x="0" y="0"/>
+          <a:ext cx="0" cy="0"/>
+          <a:chOff x="0" y="0"/>
+          <a:chExt cx="0" cy="0"/>
+        </a:xfrm>
+      </p:grpSpPr>
+      <p:sp>
+        <p:nvSpPr>
+          <p:cNvPr id="13" name="Title 1">
+            <a:extLst>
+              <a:ext uri="{FF2B5EF4-FFF2-40B4-BE49-F238E27FC236}">
+                <a16:creationId xmlns:a16="http://schemas.microsoft.com/office/drawing/2014/main" id="{1127F941-043E-4D99-BA77-D0CB0DAFE611}"/>
+              </a:ext>
+            </a:extLst>
+          </p:cNvPr>
+          <p:cNvSpPr txBox="1">
+            <a:spLocks/>
+          </p:cNvSpPr>
+          <p:nvPr/>
+        </p:nvSpPr>
+        <p:spPr>
+          <a:xfrm>
+            <a:off x="0" y="1"/>
+            <a:ext cx="12192000" cy="1141581"/>
+          </a:xfrm>
+          <a:prstGeom prst="rect">
+            <a:avLst/>
+          </a:prstGeom>
+          <a:solidFill>
+            <a:schemeClr val="tx2">
+              <a:lumMod val="75000"/>
+            </a:schemeClr>
+          </a:solidFill>
+        </p:spPr>
+        <p:txBody>
+          <a:bodyPr vert="horz" lIns="91440" tIns="45720" rIns="91440" bIns="45720" rtlCol="0" anchor="ctr">
+            <a:normAutofit/>
+          </a:bodyPr>
+          <a:lstStyle>
+            <a:lvl1pPr algn="l" defTabSz="914400" rtl="0" eaLnBrk="1" latinLnBrk="0" hangingPunct="1">
+              <a:lnSpc>
+                <a:spcPct val="90000"/>
+              </a:lnSpc>
+              <a:spcBef>
+                <a:spcPct val="0"/>
+              </a:spcBef>
+              <a:buNone/>
+              <a:defRPr sz="4400" kern="1200">
+                <a:solidFill>
+                  <a:schemeClr val="tx1"/>
+                </a:solidFill>
+                <a:latin typeface="+mj-lt"/>
+                <a:ea typeface="+mj-ea"/>
+                <a:cs typeface="+mj-cs"/>
+              </a:defRPr>
+            </a:lvl1pPr>
+          </a:lstStyle>
+          <a:p>
+            <a:r>
+              <a:rPr lang="en-US" sz="5700" dirty="0">
+                <a:solidFill>
+                  <a:schemeClr val="bg1"/>
+                </a:solidFill>
+              </a:rPr>
+              <a:t>   Method</a:t>
+            </a:r>
+          </a:p>
+        </p:txBody>
+      </p:sp>
+      <p:pic>
+        <p:nvPicPr>
+          <p:cNvPr id="20" name="Picture 19">
+            <a:extLst>
+              <a:ext uri="{FF2B5EF4-FFF2-40B4-BE49-F238E27FC236}">
+                <a16:creationId xmlns:a16="http://schemas.microsoft.com/office/drawing/2014/main" id="{B5D47350-D5C7-4323-951F-3AE1A43766EE}"/>
+              </a:ext>
+            </a:extLst>
+          </p:cNvPr>
+          <p:cNvPicPr>
+            <a:picLocks noChangeAspect="1"/>
+          </p:cNvPicPr>
+          <p:nvPr/>
+        </p:nvPicPr>
+        <p:blipFill>
+          <a:blip r:embed="rId2"/>
+          <a:stretch>
+            <a:fillRect/>
+          </a:stretch>
+        </p:blipFill>
+        <p:spPr>
+          <a:xfrm>
+            <a:off x="8134350" y="693019"/>
+            <a:ext cx="4057650" cy="447675"/>
+          </a:xfrm>
+          <a:prstGeom prst="rect">
+            <a:avLst/>
+          </a:prstGeom>
+        </p:spPr>
+      </p:pic>
+      <p:sp>
+        <p:nvSpPr>
+          <p:cNvPr id="2" name="Speech Bubble: Oval 1">
+            <a:extLst>
+              <a:ext uri="{FF2B5EF4-FFF2-40B4-BE49-F238E27FC236}">
+                <a16:creationId xmlns:a16="http://schemas.microsoft.com/office/drawing/2014/main" id="{ACDCDA92-6A95-42BF-B176-649142C7A842}"/>
+              </a:ext>
+            </a:extLst>
+          </p:cNvPr>
+          <p:cNvSpPr/>
+          <p:nvPr/>
+        </p:nvSpPr>
+        <p:spPr>
+          <a:xfrm>
+            <a:off x="876900" y="2001046"/>
+            <a:ext cx="1509204" cy="499369"/>
+          </a:xfrm>
+          <a:prstGeom prst="wedgeEllipseCallout">
+            <a:avLst/>
+          </a:prstGeom>
+          <a:solidFill>
+            <a:schemeClr val="tx2"/>
+          </a:solidFill>
+        </p:spPr>
+        <p:style>
+          <a:lnRef idx="2">
+            <a:schemeClr val="accent1">
+              <a:shade val="50000"/>
+            </a:schemeClr>
+          </a:lnRef>
+          <a:fillRef idx="1">
+            <a:schemeClr val="accent1"/>
+          </a:fillRef>
+          <a:effectRef idx="0">
+            <a:schemeClr val="accent1"/>
+          </a:effectRef>
+          <a:fontRef idx="minor">
+            <a:schemeClr val="lt1"/>
+          </a:fontRef>
+        </p:style>
+        <p:txBody>
+          <a:bodyPr rtlCol="0" anchor="ctr"/>
+          <a:lstStyle/>
+          <a:p>
+            <a:pPr algn="ctr"/>
+            <a:r>
+              <a:rPr lang="en-US" dirty="0"/>
+              <a:t>Question</a:t>
+            </a:r>
+          </a:p>
+        </p:txBody>
+      </p:sp>
+      <p:pic>
+        <p:nvPicPr>
+          <p:cNvPr id="17" name="Graphic 16" descr="Arrow Right">
+            <a:extLst>
+              <a:ext uri="{FF2B5EF4-FFF2-40B4-BE49-F238E27FC236}">
+                <a16:creationId xmlns:a16="http://schemas.microsoft.com/office/drawing/2014/main" id="{00449CB7-4E4A-4B7F-ACDE-8B68D8BA6327}"/>
+              </a:ext>
+            </a:extLst>
+          </p:cNvPr>
+          <p:cNvPicPr>
+            <a:picLocks noChangeAspect="1"/>
+          </p:cNvPicPr>
+          <p:nvPr/>
+        </p:nvPicPr>
+        <p:blipFill>
+          <a:blip r:embed="rId3">
+            <a:extLst>
+              <a:ext uri="{96DAC541-7B7A-43D3-8B79-37D633B846F1}">
+                <asvg:svgBlip xmlns:asvg="http://schemas.microsoft.com/office/drawing/2016/SVG/main" r:embed="rId4"/>
+              </a:ext>
+            </a:extLst>
+          </a:blip>
+          <a:stretch>
+            <a:fillRect/>
+          </a:stretch>
+        </p:blipFill>
+        <p:spPr>
+          <a:xfrm>
+            <a:off x="7010399" y="2346580"/>
+            <a:ext cx="914400" cy="914400"/>
+          </a:xfrm>
+          <a:prstGeom prst="rect">
+            <a:avLst/>
+          </a:prstGeom>
+        </p:spPr>
+      </p:pic>
+      <p:pic>
+        <p:nvPicPr>
+          <p:cNvPr id="18" name="Graphic 17" descr="Arrow Right">
+            <a:extLst>
+              <a:ext uri="{FF2B5EF4-FFF2-40B4-BE49-F238E27FC236}">
+                <a16:creationId xmlns:a16="http://schemas.microsoft.com/office/drawing/2014/main" id="{2684ECDE-46C7-42A6-AA35-E829CE7B697D}"/>
+              </a:ext>
+            </a:extLst>
+          </p:cNvPr>
+          <p:cNvPicPr>
+            <a:picLocks noChangeAspect="1"/>
+          </p:cNvPicPr>
+          <p:nvPr/>
+        </p:nvPicPr>
+        <p:blipFill>
+          <a:blip r:embed="rId3">
+            <a:extLst>
+              <a:ext uri="{96DAC541-7B7A-43D3-8B79-37D633B846F1}">
+                <asvg:svgBlip xmlns:asvg="http://schemas.microsoft.com/office/drawing/2016/SVG/main" r:embed="rId4"/>
+              </a:ext>
+            </a:extLst>
+          </a:blip>
+          <a:stretch>
+            <a:fillRect/>
+          </a:stretch>
+        </p:blipFill>
+        <p:spPr>
+          <a:xfrm>
+            <a:off x="2188900" y="2214862"/>
+            <a:ext cx="914400" cy="914400"/>
+          </a:xfrm>
+          <a:prstGeom prst="rect">
+            <a:avLst/>
+          </a:prstGeom>
+        </p:spPr>
+      </p:pic>
+      <p:pic>
+        <p:nvPicPr>
+          <p:cNvPr id="21" name="Graphic 20" descr="Arrow Right">
+            <a:extLst>
+              <a:ext uri="{FF2B5EF4-FFF2-40B4-BE49-F238E27FC236}">
+                <a16:creationId xmlns:a16="http://schemas.microsoft.com/office/drawing/2014/main" id="{E9E5FD1B-275A-45A7-AEE1-C7680324893A}"/>
+              </a:ext>
+            </a:extLst>
+          </p:cNvPr>
+          <p:cNvPicPr>
+            <a:picLocks noChangeAspect="1"/>
+          </p:cNvPicPr>
+          <p:nvPr/>
+        </p:nvPicPr>
+        <p:blipFill>
+          <a:blip r:embed="rId3">
+            <a:extLst>
+              <a:ext uri="{96DAC541-7B7A-43D3-8B79-37D633B846F1}">
+                <asvg:svgBlip xmlns:asvg="http://schemas.microsoft.com/office/drawing/2016/SVG/main" r:embed="rId4"/>
+              </a:ext>
+            </a:extLst>
+          </a:blip>
+          <a:stretch>
+            <a:fillRect/>
+          </a:stretch>
+        </p:blipFill>
+        <p:spPr>
+          <a:xfrm rot="10800000">
+            <a:off x="3463278" y="4701289"/>
+            <a:ext cx="914400" cy="914400"/>
+          </a:xfrm>
+          <a:prstGeom prst="rect">
+            <a:avLst/>
+          </a:prstGeom>
+        </p:spPr>
+      </p:pic>
+      <p:pic>
+        <p:nvPicPr>
+          <p:cNvPr id="23" name="Graphic 22" descr="Line arrow: Clockwise curve">
+            <a:extLst>
+              <a:ext uri="{FF2B5EF4-FFF2-40B4-BE49-F238E27FC236}">
+                <a16:creationId xmlns:a16="http://schemas.microsoft.com/office/drawing/2014/main" id="{57261392-1F0F-40EB-82FC-2475EAE0FC6C}"/>
+              </a:ext>
+            </a:extLst>
+          </p:cNvPr>
+          <p:cNvPicPr>
+            <a:picLocks noChangeAspect="1"/>
+          </p:cNvPicPr>
+          <p:nvPr/>
+        </p:nvPicPr>
+        <p:blipFill>
+          <a:blip r:embed="rId5">
+            <a:extLst>
+              <a:ext uri="{96DAC541-7B7A-43D3-8B79-37D633B846F1}">
+                <asvg:svgBlip xmlns:asvg="http://schemas.microsoft.com/office/drawing/2016/SVG/main" r:embed="rId6"/>
+              </a:ext>
+            </a:extLst>
+          </a:blip>
+          <a:srcRect/>
+          <a:stretch/>
+        </p:blipFill>
+        <p:spPr>
+          <a:xfrm rot="12887623">
+            <a:off x="9281378" y="4522143"/>
+            <a:ext cx="914400" cy="914400"/>
+          </a:xfrm>
+          <a:prstGeom prst="rect">
+            <a:avLst/>
+          </a:prstGeom>
+        </p:spPr>
+      </p:pic>
+      <p:sp>
+        <p:nvSpPr>
+          <p:cNvPr id="24" name="Oval 23">
+            <a:extLst>
+              <a:ext uri="{FF2B5EF4-FFF2-40B4-BE49-F238E27FC236}">
+                <a16:creationId xmlns:a16="http://schemas.microsoft.com/office/drawing/2014/main" id="{BACE836E-2354-46CC-B976-F6ADAAA4B834}"/>
+              </a:ext>
+            </a:extLst>
+          </p:cNvPr>
+          <p:cNvSpPr/>
+          <p:nvPr/>
+        </p:nvSpPr>
+        <p:spPr>
+          <a:xfrm>
+            <a:off x="1075700" y="4890645"/>
+            <a:ext cx="1689252" cy="535687"/>
+          </a:xfrm>
+          <a:prstGeom prst="ellipse">
+            <a:avLst/>
+          </a:prstGeom>
+          <a:solidFill>
+            <a:schemeClr val="tx2"/>
+          </a:solidFill>
+        </p:spPr>
+        <p:style>
+          <a:lnRef idx="2">
+            <a:schemeClr val="accent1">
+              <a:shade val="50000"/>
+            </a:schemeClr>
+          </a:lnRef>
+          <a:fillRef idx="1">
+            <a:schemeClr val="accent1"/>
+          </a:fillRef>
+          <a:effectRef idx="0">
+            <a:schemeClr val="accent1"/>
+          </a:effectRef>
+          <a:fontRef idx="minor">
+            <a:schemeClr val="lt1"/>
+          </a:fontRef>
+        </p:style>
+        <p:txBody>
+          <a:bodyPr rtlCol="0" anchor="ctr"/>
+          <a:lstStyle/>
+          <a:p>
+            <a:pPr algn="ctr"/>
+            <a:r>
+              <a:rPr lang="en-US" dirty="0"/>
+              <a:t>Answer</a:t>
+            </a:r>
+          </a:p>
+        </p:txBody>
+      </p:sp>
+      <p:sp>
+        <p:nvSpPr>
+          <p:cNvPr id="19" name="Flowchart: Predefined Process 18">
+            <a:extLst>
+              <a:ext uri="{FF2B5EF4-FFF2-40B4-BE49-F238E27FC236}">
+                <a16:creationId xmlns:a16="http://schemas.microsoft.com/office/drawing/2014/main" id="{E20AD453-9220-44EB-A110-AEAAB667195F}"/>
+              </a:ext>
+            </a:extLst>
+          </p:cNvPr>
+          <p:cNvSpPr/>
+          <p:nvPr/>
+        </p:nvSpPr>
+        <p:spPr>
+          <a:xfrm>
+            <a:off x="3278791" y="1705134"/>
+            <a:ext cx="3528291" cy="363810"/>
+          </a:xfrm>
+          <a:prstGeom prst="flowChartPredefinedProcess">
+            <a:avLst/>
+          </a:prstGeom>
+          <a:solidFill>
+            <a:schemeClr val="tx2"/>
+          </a:solidFill>
+        </p:spPr>
+        <p:style>
+          <a:lnRef idx="2">
+            <a:schemeClr val="accent1">
+              <a:shade val="50000"/>
+            </a:schemeClr>
+          </a:lnRef>
+          <a:fillRef idx="1">
+            <a:schemeClr val="accent1"/>
+          </a:fillRef>
+          <a:effectRef idx="0">
+            <a:schemeClr val="accent1"/>
+          </a:effectRef>
+          <a:fontRef idx="minor">
+            <a:schemeClr val="lt1"/>
+          </a:fontRef>
+        </p:style>
+        <p:txBody>
+          <a:bodyPr rtlCol="0" anchor="ctr"/>
+          <a:lstStyle/>
+          <a:p>
+            <a:pPr algn="ctr"/>
+            <a:r>
+              <a:rPr lang="en-US" dirty="0"/>
+              <a:t>Question Processing</a:t>
+            </a:r>
+          </a:p>
+        </p:txBody>
+      </p:sp>
+      <p:sp>
+        <p:nvSpPr>
+          <p:cNvPr id="22" name="Flowchart: Predefined Process 21">
+            <a:extLst>
+              <a:ext uri="{FF2B5EF4-FFF2-40B4-BE49-F238E27FC236}">
+                <a16:creationId xmlns:a16="http://schemas.microsoft.com/office/drawing/2014/main" id="{240C4755-E957-4F68-A769-28B0E8204AA1}"/>
+              </a:ext>
+            </a:extLst>
+          </p:cNvPr>
+          <p:cNvSpPr/>
+          <p:nvPr/>
+        </p:nvSpPr>
+        <p:spPr>
+          <a:xfrm>
+            <a:off x="8134350" y="1938929"/>
+            <a:ext cx="3528291" cy="363810"/>
+          </a:xfrm>
+          <a:prstGeom prst="flowChartPredefinedProcess">
+            <a:avLst/>
+          </a:prstGeom>
+          <a:solidFill>
+            <a:schemeClr val="tx2"/>
+          </a:solidFill>
+        </p:spPr>
+        <p:style>
+          <a:lnRef idx="2">
+            <a:schemeClr val="accent1">
+              <a:shade val="50000"/>
+            </a:schemeClr>
+          </a:lnRef>
+          <a:fillRef idx="1">
+            <a:schemeClr val="accent1"/>
+          </a:fillRef>
+          <a:effectRef idx="0">
+            <a:schemeClr val="accent1"/>
+          </a:effectRef>
+          <a:fontRef idx="minor">
+            <a:schemeClr val="lt1"/>
+          </a:fontRef>
+        </p:style>
+        <p:txBody>
+          <a:bodyPr rtlCol="0" anchor="ctr"/>
+          <a:lstStyle/>
+          <a:p>
+            <a:pPr algn="ctr"/>
+            <a:r>
+              <a:rPr lang="en-US" dirty="0"/>
+              <a:t>Document Processing</a:t>
+            </a:r>
+          </a:p>
+        </p:txBody>
+      </p:sp>
+      <p:sp>
+        <p:nvSpPr>
+          <p:cNvPr id="3" name="Rectangle 2">
+            <a:extLst>
+              <a:ext uri="{FF2B5EF4-FFF2-40B4-BE49-F238E27FC236}">
+                <a16:creationId xmlns:a16="http://schemas.microsoft.com/office/drawing/2014/main" id="{BA3396FF-E8FF-42BC-A209-6F46842D85E8}"/>
+              </a:ext>
+            </a:extLst>
+          </p:cNvPr>
+          <p:cNvSpPr/>
+          <p:nvPr/>
+        </p:nvSpPr>
+        <p:spPr>
+          <a:xfrm>
+            <a:off x="3278791" y="2076320"/>
+            <a:ext cx="3528291" cy="1520409"/>
+          </a:xfrm>
+          <a:prstGeom prst="rect">
+            <a:avLst/>
+          </a:prstGeom>
+          <a:noFill/>
+        </p:spPr>
+        <p:style>
+          <a:lnRef idx="2">
+            <a:schemeClr val="accent1">
+              <a:shade val="50000"/>
+            </a:schemeClr>
+          </a:lnRef>
+          <a:fillRef idx="1">
+            <a:schemeClr val="accent1"/>
+          </a:fillRef>
+          <a:effectRef idx="0">
+            <a:schemeClr val="accent1"/>
+          </a:effectRef>
+          <a:fontRef idx="minor">
+            <a:schemeClr val="lt1"/>
+          </a:fontRef>
+        </p:style>
+        <p:txBody>
+          <a:bodyPr rtlCol="0" anchor="ctr"/>
+          <a:lstStyle/>
+          <a:p>
+            <a:pPr marL="285750" indent="-285750">
+              <a:buFont typeface="Arial" panose="020B0604020202020204" pitchFamily="34" charset="0"/>
+              <a:buChar char="•"/>
+            </a:pPr>
+            <a:r>
+              <a:rPr lang="en-US" sz="1600" dirty="0">
+                <a:solidFill>
+                  <a:schemeClr val="tx1"/>
+                </a:solidFill>
+              </a:rPr>
+              <a:t>Question Type</a:t>
+            </a:r>
+          </a:p>
+          <a:p>
+            <a:pPr marL="285750" indent="-285750">
+              <a:buFont typeface="Arial" panose="020B0604020202020204" pitchFamily="34" charset="0"/>
+              <a:buChar char="•"/>
+            </a:pPr>
+            <a:r>
+              <a:rPr lang="en-US" sz="1600" dirty="0">
+                <a:solidFill>
+                  <a:schemeClr val="tx1"/>
+                </a:solidFill>
+              </a:rPr>
+              <a:t>Key Words</a:t>
+            </a:r>
+          </a:p>
+          <a:p>
+            <a:pPr marL="285750" indent="-285750">
+              <a:buFont typeface="Arial" panose="020B0604020202020204" pitchFamily="34" charset="0"/>
+              <a:buChar char="•"/>
+            </a:pPr>
+            <a:r>
+              <a:rPr lang="en-US" sz="1600" dirty="0">
+                <a:solidFill>
+                  <a:schemeClr val="tx1"/>
+                </a:solidFill>
+              </a:rPr>
+              <a:t>Focus</a:t>
+            </a:r>
+          </a:p>
+          <a:p>
+            <a:pPr marL="285750" indent="-285750">
+              <a:buFont typeface="Arial" panose="020B0604020202020204" pitchFamily="34" charset="0"/>
+              <a:buChar char="•"/>
+            </a:pPr>
+            <a:r>
+              <a:rPr lang="en-US" sz="1600" dirty="0">
+                <a:solidFill>
+                  <a:schemeClr val="tx1"/>
+                </a:solidFill>
+              </a:rPr>
+              <a:t>Relations</a:t>
+            </a:r>
+          </a:p>
+          <a:p>
+            <a:pPr marL="285750" indent="-285750">
+              <a:buFont typeface="Arial" panose="020B0604020202020204" pitchFamily="34" charset="0"/>
+              <a:buChar char="•"/>
+            </a:pPr>
+            <a:r>
+              <a:rPr lang="en-US" sz="1600" dirty="0">
+                <a:solidFill>
+                  <a:schemeClr val="tx1"/>
+                </a:solidFill>
+              </a:rPr>
+              <a:t>Answer Type</a:t>
+            </a:r>
+          </a:p>
+        </p:txBody>
+      </p:sp>
+      <p:sp>
+        <p:nvSpPr>
+          <p:cNvPr id="25" name="Rectangle 24">
+            <a:extLst>
+              <a:ext uri="{FF2B5EF4-FFF2-40B4-BE49-F238E27FC236}">
+                <a16:creationId xmlns:a16="http://schemas.microsoft.com/office/drawing/2014/main" id="{7793F0D5-3F9D-49E3-B8A5-4F2800B64737}"/>
+              </a:ext>
+            </a:extLst>
+          </p:cNvPr>
+          <p:cNvSpPr/>
+          <p:nvPr/>
+        </p:nvSpPr>
+        <p:spPr>
+          <a:xfrm>
+            <a:off x="5089549" y="4806099"/>
+            <a:ext cx="3528291" cy="1152228"/>
+          </a:xfrm>
+          <a:prstGeom prst="rect">
+            <a:avLst/>
+          </a:prstGeom>
+          <a:noFill/>
+        </p:spPr>
+        <p:style>
+          <a:lnRef idx="2">
+            <a:schemeClr val="accent1">
+              <a:shade val="50000"/>
+            </a:schemeClr>
+          </a:lnRef>
+          <a:fillRef idx="1">
+            <a:schemeClr val="accent1"/>
+          </a:fillRef>
+          <a:effectRef idx="0">
+            <a:schemeClr val="accent1"/>
+          </a:effectRef>
+          <a:fontRef idx="minor">
+            <a:schemeClr val="lt1"/>
+          </a:fontRef>
+        </p:style>
+        <p:txBody>
+          <a:bodyPr rtlCol="0" anchor="ctr"/>
+          <a:lstStyle/>
+          <a:p>
+            <a:pPr marL="285750" indent="-285750">
+              <a:buFont typeface="Arial" panose="020B0604020202020204" pitchFamily="34" charset="0"/>
+              <a:buChar char="•"/>
+            </a:pPr>
+            <a:r>
+              <a:rPr lang="en-US" sz="1600" dirty="0">
+                <a:solidFill>
+                  <a:schemeClr val="tx1"/>
+                </a:solidFill>
+              </a:rPr>
+              <a:t>Candidate Answers</a:t>
+            </a:r>
+          </a:p>
+          <a:p>
+            <a:pPr marL="285750" indent="-285750">
+              <a:buFont typeface="Arial" panose="020B0604020202020204" pitchFamily="34" charset="0"/>
+              <a:buChar char="•"/>
+            </a:pPr>
+            <a:r>
+              <a:rPr lang="en-US" sz="1600" dirty="0">
+                <a:solidFill>
+                  <a:schemeClr val="tx1"/>
+                </a:solidFill>
+              </a:rPr>
+              <a:t>Candidate Ranking</a:t>
+            </a:r>
+          </a:p>
+          <a:p>
+            <a:pPr marL="285750" indent="-285750">
+              <a:buFont typeface="Arial" panose="020B0604020202020204" pitchFamily="34" charset="0"/>
+              <a:buChar char="•"/>
+            </a:pPr>
+            <a:r>
+              <a:rPr lang="en-US" sz="1600" dirty="0">
+                <a:solidFill>
+                  <a:schemeClr val="tx1"/>
+                </a:solidFill>
+              </a:rPr>
+              <a:t>NER Tagger</a:t>
+            </a:r>
+          </a:p>
+        </p:txBody>
+      </p:sp>
+      <p:sp>
+        <p:nvSpPr>
+          <p:cNvPr id="26" name="Rectangle 25">
+            <a:extLst>
+              <a:ext uri="{FF2B5EF4-FFF2-40B4-BE49-F238E27FC236}">
+                <a16:creationId xmlns:a16="http://schemas.microsoft.com/office/drawing/2014/main" id="{4E4F0853-FF11-476B-AE73-F61E311818B7}"/>
+              </a:ext>
+            </a:extLst>
+          </p:cNvPr>
+          <p:cNvSpPr/>
+          <p:nvPr/>
+        </p:nvSpPr>
+        <p:spPr>
+          <a:xfrm>
+            <a:off x="8134350" y="2302740"/>
+            <a:ext cx="3528291" cy="1391806"/>
+          </a:xfrm>
+          <a:prstGeom prst="rect">
+            <a:avLst/>
+          </a:prstGeom>
+          <a:noFill/>
+        </p:spPr>
+        <p:style>
+          <a:lnRef idx="2">
+            <a:schemeClr val="accent1">
+              <a:shade val="50000"/>
+            </a:schemeClr>
+          </a:lnRef>
+          <a:fillRef idx="1">
+            <a:schemeClr val="accent1"/>
+          </a:fillRef>
+          <a:effectRef idx="0">
+            <a:schemeClr val="accent1"/>
+          </a:effectRef>
+          <a:fontRef idx="minor">
+            <a:schemeClr val="lt1"/>
+          </a:fontRef>
+        </p:style>
+        <p:txBody>
+          <a:bodyPr rtlCol="0" anchor="ctr"/>
+          <a:lstStyle/>
+          <a:p>
+            <a:pPr marL="285750" indent="-285750">
+              <a:buFont typeface="Arial" panose="020B0604020202020204" pitchFamily="34" charset="0"/>
+              <a:buChar char="•"/>
+            </a:pPr>
+            <a:r>
+              <a:rPr lang="en-US" sz="1600" dirty="0">
+                <a:solidFill>
+                  <a:schemeClr val="tx1"/>
+                </a:solidFill>
+              </a:rPr>
+              <a:t>Document Retrieval</a:t>
+            </a:r>
+          </a:p>
+          <a:p>
+            <a:pPr marL="285750" indent="-285750">
+              <a:buFont typeface="Arial" panose="020B0604020202020204" pitchFamily="34" charset="0"/>
+              <a:buChar char="•"/>
+            </a:pPr>
+            <a:r>
+              <a:rPr lang="en-US" sz="1600" dirty="0">
+                <a:solidFill>
+                  <a:schemeClr val="tx1"/>
+                </a:solidFill>
+              </a:rPr>
+              <a:t>Document Segmentation</a:t>
+            </a:r>
+          </a:p>
+          <a:p>
+            <a:pPr marL="285750" indent="-285750">
+              <a:buFont typeface="Arial" panose="020B0604020202020204" pitchFamily="34" charset="0"/>
+              <a:buChar char="•"/>
+            </a:pPr>
+            <a:r>
+              <a:rPr lang="en-US" sz="1600" dirty="0">
+                <a:solidFill>
+                  <a:schemeClr val="tx1"/>
+                </a:solidFill>
+              </a:rPr>
+              <a:t>Passage Retrieval</a:t>
+            </a:r>
+          </a:p>
+          <a:p>
+            <a:pPr marL="285750" indent="-285750">
+              <a:buFont typeface="Arial" panose="020B0604020202020204" pitchFamily="34" charset="0"/>
+              <a:buChar char="•"/>
+            </a:pPr>
+            <a:r>
+              <a:rPr lang="en-US" sz="1600" dirty="0">
+                <a:solidFill>
+                  <a:schemeClr val="tx1"/>
+                </a:solidFill>
+              </a:rPr>
+              <a:t>Passage Ranking</a:t>
+            </a:r>
+          </a:p>
+        </p:txBody>
+      </p:sp>
+      <p:sp>
+        <p:nvSpPr>
+          <p:cNvPr id="27" name="Flowchart: Predefined Process 26">
+            <a:extLst>
+              <a:ext uri="{FF2B5EF4-FFF2-40B4-BE49-F238E27FC236}">
+                <a16:creationId xmlns:a16="http://schemas.microsoft.com/office/drawing/2014/main" id="{CB4A5204-0F50-4E98-8396-0D935D0AD4CE}"/>
+              </a:ext>
+            </a:extLst>
+          </p:cNvPr>
+          <p:cNvSpPr/>
+          <p:nvPr/>
+        </p:nvSpPr>
+        <p:spPr>
+          <a:xfrm>
+            <a:off x="5089549" y="4437917"/>
+            <a:ext cx="3528291" cy="363810"/>
+          </a:xfrm>
+          <a:prstGeom prst="flowChartPredefinedProcess">
+            <a:avLst/>
+          </a:prstGeom>
+          <a:solidFill>
+            <a:schemeClr val="tx2"/>
+          </a:solidFill>
+        </p:spPr>
+        <p:style>
+          <a:lnRef idx="2">
+            <a:schemeClr val="accent1">
+              <a:shade val="50000"/>
+            </a:schemeClr>
+          </a:lnRef>
+          <a:fillRef idx="1">
+            <a:schemeClr val="accent1"/>
+          </a:fillRef>
+          <a:effectRef idx="0">
+            <a:schemeClr val="accent1"/>
+          </a:effectRef>
+          <a:fontRef idx="minor">
+            <a:schemeClr val="lt1"/>
+          </a:fontRef>
+        </p:style>
+        <p:txBody>
+          <a:bodyPr rtlCol="0" anchor="ctr"/>
+          <a:lstStyle/>
+          <a:p>
+            <a:pPr algn="ctr"/>
+            <a:r>
+              <a:rPr lang="en-US" dirty="0"/>
+              <a:t>Answer Processing</a:t>
+            </a:r>
+          </a:p>
+        </p:txBody>
+      </p:sp>
+      <p:pic>
+        <p:nvPicPr>
+          <p:cNvPr id="6" name="Graphic 5" descr="Woman Shrugging">
+            <a:extLst>
+              <a:ext uri="{FF2B5EF4-FFF2-40B4-BE49-F238E27FC236}">
+                <a16:creationId xmlns:a16="http://schemas.microsoft.com/office/drawing/2014/main" id="{7A1D33CB-6775-4F72-AABE-6B885B77816F}"/>
+              </a:ext>
+            </a:extLst>
+          </p:cNvPr>
+          <p:cNvPicPr>
+            <a:picLocks noChangeAspect="1"/>
+          </p:cNvPicPr>
+          <p:nvPr/>
+        </p:nvPicPr>
+        <p:blipFill>
+          <a:blip r:embed="rId7">
+            <a:extLst>
+              <a:ext uri="{96DAC541-7B7A-43D3-8B79-37D633B846F1}">
+                <asvg:svgBlip xmlns:asvg="http://schemas.microsoft.com/office/drawing/2016/SVG/main" r:embed="rId8"/>
+              </a:ext>
+            </a:extLst>
+          </a:blip>
+          <a:stretch>
+            <a:fillRect/>
+          </a:stretch>
+        </p:blipFill>
+        <p:spPr>
+          <a:xfrm>
+            <a:off x="618500" y="2682329"/>
+            <a:ext cx="914400" cy="914400"/>
+          </a:xfrm>
+          <a:prstGeom prst="rect">
+            <a:avLst/>
+          </a:prstGeom>
+        </p:spPr>
+      </p:pic>
+    </p:spTree>
+    <p:extLst>
+      <p:ext uri="{BB962C8B-B14F-4D97-AF65-F5344CB8AC3E}">
+        <p14:creationId xmlns:p14="http://schemas.microsoft.com/office/powerpoint/2010/main" val="3313195788"/>
+      </p:ext>
+    </p:extLst>
+  </p:cSld>
+  <p:clrMapOvr>
+    <a:masterClrMapping/>
+  </p:clrMapOvr>
+</p:sld>
+</file>
+
+<file path=ppt/slides/slide4.xml><?xml version="1.0" encoding="utf-8"?>
+<p:sld xmlns:a="http://schemas.openxmlformats.org/drawingml/2006/main" xmlns:r="http://schemas.openxmlformats.org/officeDocument/2006/relationships" xmlns:p="http://schemas.openxmlformats.org/presentationml/2006/main">
+  <p:cSld>
+    <p:spTree>
+      <p:nvGrpSpPr>
+        <p:cNvPr id="1" name=""/>
+        <p:cNvGrpSpPr/>
+        <p:nvPr/>
+      </p:nvGrpSpPr>
+      <p:grpSpPr>
+        <a:xfrm>
+          <a:off x="0" y="0"/>
+          <a:ext cx="0" cy="0"/>
+          <a:chOff x="0" y="0"/>
+          <a:chExt cx="0" cy="0"/>
+        </a:xfrm>
+      </p:grpSpPr>
+      <p:sp>
+        <p:nvSpPr>
+          <p:cNvPr id="13" name="Title 1">
+            <a:extLst>
+              <a:ext uri="{FF2B5EF4-FFF2-40B4-BE49-F238E27FC236}">
+                <a16:creationId xmlns:a16="http://schemas.microsoft.com/office/drawing/2014/main" id="{1127F941-043E-4D99-BA77-D0CB0DAFE611}"/>
+              </a:ext>
+            </a:extLst>
+          </p:cNvPr>
+          <p:cNvSpPr txBox="1">
+            <a:spLocks/>
+          </p:cNvSpPr>
+          <p:nvPr/>
+        </p:nvSpPr>
+        <p:spPr>
+          <a:xfrm>
+            <a:off x="0" y="1"/>
+            <a:ext cx="12192000" cy="1141581"/>
+          </a:xfrm>
+          <a:prstGeom prst="rect">
+            <a:avLst/>
+          </a:prstGeom>
+          <a:solidFill>
+            <a:schemeClr val="tx2">
+              <a:lumMod val="75000"/>
+            </a:schemeClr>
+          </a:solidFill>
+        </p:spPr>
+        <p:txBody>
+          <a:bodyPr vert="horz" lIns="91440" tIns="45720" rIns="91440" bIns="45720" rtlCol="0" anchor="ctr">
+            <a:normAutofit/>
+          </a:bodyPr>
+          <a:lstStyle>
+            <a:lvl1pPr algn="l" defTabSz="914400" rtl="0" eaLnBrk="1" latinLnBrk="0" hangingPunct="1">
+              <a:lnSpc>
+                <a:spcPct val="90000"/>
+              </a:lnSpc>
+              <a:spcBef>
+                <a:spcPct val="0"/>
+              </a:spcBef>
+              <a:buNone/>
+              <a:defRPr sz="4400" kern="1200">
+                <a:solidFill>
+                  <a:schemeClr val="tx1"/>
+                </a:solidFill>
+                <a:latin typeface="+mj-lt"/>
+                <a:ea typeface="+mj-ea"/>
+                <a:cs typeface="+mj-cs"/>
+              </a:defRPr>
+            </a:lvl1pPr>
+          </a:lstStyle>
+          <a:p>
+            <a:r>
+              <a:rPr lang="en-US" sz="5700" dirty="0">
+                <a:solidFill>
+                  <a:schemeClr val="bg1"/>
+                </a:solidFill>
+              </a:rPr>
+              <a:t>   Question Processing</a:t>
+            </a:r>
+          </a:p>
+        </p:txBody>
+      </p:sp>
+      <p:pic>
+        <p:nvPicPr>
+          <p:cNvPr id="20" name="Picture 19">
+            <a:extLst>
+              <a:ext uri="{FF2B5EF4-FFF2-40B4-BE49-F238E27FC236}">
+                <a16:creationId xmlns:a16="http://schemas.microsoft.com/office/drawing/2014/main" id="{B5D47350-D5C7-4323-951F-3AE1A43766EE}"/>
+              </a:ext>
+            </a:extLst>
+          </p:cNvPr>
+          <p:cNvPicPr>
+            <a:picLocks noChangeAspect="1"/>
+          </p:cNvPicPr>
+          <p:nvPr/>
+        </p:nvPicPr>
+        <p:blipFill>
+          <a:blip r:embed="rId2"/>
+          <a:stretch>
+            <a:fillRect/>
+          </a:stretch>
+        </p:blipFill>
+        <p:spPr>
+          <a:xfrm>
+            <a:off x="8134350" y="693019"/>
+            <a:ext cx="4057650" cy="447675"/>
+          </a:xfrm>
+          <a:prstGeom prst="rect">
+            <a:avLst/>
+          </a:prstGeom>
+        </p:spPr>
+      </p:pic>
+      <p:sp>
+        <p:nvSpPr>
+          <p:cNvPr id="6" name="TextBox 5">
+            <a:extLst>
+              <a:ext uri="{FF2B5EF4-FFF2-40B4-BE49-F238E27FC236}">
+                <a16:creationId xmlns:a16="http://schemas.microsoft.com/office/drawing/2014/main" id="{3BED0B0D-116A-4672-89D0-88D18E56949D}"/>
+              </a:ext>
+            </a:extLst>
+          </p:cNvPr>
+          <p:cNvSpPr txBox="1"/>
+          <p:nvPr/>
+        </p:nvSpPr>
+        <p:spPr>
+          <a:xfrm>
+            <a:off x="432095" y="4280820"/>
+            <a:ext cx="5926306" cy="461665"/>
+          </a:xfrm>
+          <a:prstGeom prst="rect">
+            <a:avLst/>
+          </a:prstGeom>
+          <a:noFill/>
+        </p:spPr>
+        <p:txBody>
+          <a:bodyPr wrap="square" rtlCol="0">
+            <a:spAutoFit/>
+          </a:bodyPr>
+          <a:lstStyle>
+            <a:defPPr>
+              <a:defRPr lang="en-US"/>
+            </a:defPPr>
+            <a:lvl1pPr>
+              <a:defRPr sz="2400">
+                <a:solidFill>
+                  <a:schemeClr val="accent5">
+                    <a:lumMod val="75000"/>
+                  </a:schemeClr>
+                </a:solidFill>
+              </a:defRPr>
+            </a:lvl1pPr>
+          </a:lstStyle>
+          <a:p>
+            <a:r>
+              <a:rPr lang="en-US" dirty="0"/>
+              <a:t>POS tags</a:t>
+            </a:r>
+          </a:p>
+        </p:txBody>
+      </p:sp>
+      <p:sp>
+        <p:nvSpPr>
+          <p:cNvPr id="15" name="TextBox 14">
+            <a:extLst>
+              <a:ext uri="{FF2B5EF4-FFF2-40B4-BE49-F238E27FC236}">
+                <a16:creationId xmlns:a16="http://schemas.microsoft.com/office/drawing/2014/main" id="{7AC26081-C000-4315-84CA-F800F78B0ED7}"/>
+              </a:ext>
+            </a:extLst>
+          </p:cNvPr>
+          <p:cNvSpPr txBox="1"/>
+          <p:nvPr/>
+        </p:nvSpPr>
+        <p:spPr>
+          <a:xfrm>
+            <a:off x="432095" y="1576276"/>
+            <a:ext cx="1398694" cy="461665"/>
+          </a:xfrm>
+          <a:prstGeom prst="rect">
+            <a:avLst/>
+          </a:prstGeom>
+          <a:noFill/>
+        </p:spPr>
+        <p:txBody>
+          <a:bodyPr wrap="square" rtlCol="0">
+            <a:spAutoFit/>
+          </a:bodyPr>
+          <a:lstStyle/>
+          <a:p>
+            <a:r>
+              <a:rPr lang="en-US" sz="2400" dirty="0">
+                <a:solidFill>
+                  <a:schemeClr val="accent5">
+                    <a:lumMod val="75000"/>
+                  </a:schemeClr>
+                </a:solidFill>
+              </a:rPr>
+              <a:t>Question</a:t>
+            </a:r>
+            <a:endParaRPr lang="en-US" sz="2400" dirty="0"/>
+          </a:p>
+        </p:txBody>
+      </p:sp>
+      <p:sp>
+        <p:nvSpPr>
+          <p:cNvPr id="16" name="TextBox 15">
+            <a:extLst>
+              <a:ext uri="{FF2B5EF4-FFF2-40B4-BE49-F238E27FC236}">
+                <a16:creationId xmlns:a16="http://schemas.microsoft.com/office/drawing/2014/main" id="{9C6AF184-B02A-4C0E-99B0-9892E2EDC048}"/>
+              </a:ext>
+            </a:extLst>
+          </p:cNvPr>
+          <p:cNvSpPr txBox="1"/>
+          <p:nvPr/>
+        </p:nvSpPr>
+        <p:spPr>
+          <a:xfrm>
+            <a:off x="798990" y="2097275"/>
+            <a:ext cx="1031799" cy="338554"/>
+          </a:xfrm>
+          <a:prstGeom prst="rect">
+            <a:avLst/>
+          </a:prstGeom>
+          <a:noFill/>
+        </p:spPr>
+        <p:txBody>
+          <a:bodyPr wrap="square" rtlCol="0">
+            <a:spAutoFit/>
+          </a:bodyPr>
+          <a:lstStyle/>
+          <a:p>
+            <a:r>
+              <a:rPr lang="en-US" sz="1600" dirty="0">
+                <a:latin typeface="Arial Nova" panose="020B0504020202020204" pitchFamily="34" charset="0"/>
+              </a:rPr>
+              <a:t>Tokenize</a:t>
+            </a:r>
+          </a:p>
+        </p:txBody>
+      </p:sp>
+      <p:sp>
+        <p:nvSpPr>
+          <p:cNvPr id="18" name="TextBox 17">
+            <a:extLst>
+              <a:ext uri="{FF2B5EF4-FFF2-40B4-BE49-F238E27FC236}">
+                <a16:creationId xmlns:a16="http://schemas.microsoft.com/office/drawing/2014/main" id="{36A60B6E-161D-4B90-B6CC-192DE2A8D1A0}"/>
+              </a:ext>
+            </a:extLst>
+          </p:cNvPr>
+          <p:cNvSpPr txBox="1"/>
+          <p:nvPr/>
+        </p:nvSpPr>
+        <p:spPr>
+          <a:xfrm>
+            <a:off x="905522" y="4683899"/>
+            <a:ext cx="8673484" cy="584775"/>
+          </a:xfrm>
+          <a:prstGeom prst="rect">
+            <a:avLst/>
+          </a:prstGeom>
+          <a:noFill/>
+        </p:spPr>
+        <p:txBody>
+          <a:bodyPr wrap="square" rtlCol="0">
+            <a:spAutoFit/>
+          </a:bodyPr>
+          <a:lstStyle/>
+          <a:p>
+            <a:r>
+              <a:rPr lang="en-US" sz="1600" dirty="0">
+                <a:latin typeface="Arial Nova" panose="020B0504020202020204" pitchFamily="34" charset="0"/>
+              </a:rPr>
+              <a:t>[('height', 'ADJ'), ('requirement', 'NOUN'), ('star', 'NOUN'), ('wars', 'NOUN'), (':', '.’),</a:t>
+            </a:r>
+          </a:p>
+          <a:p>
+            <a:r>
+              <a:rPr lang="en-US" sz="1600" dirty="0">
+                <a:latin typeface="Arial Nova" panose="020B0504020202020204" pitchFamily="34" charset="0"/>
+              </a:rPr>
+              <a:t> ('rise', 'NOUN'), ('resistance', 'NOUN'), ('?', '.')] </a:t>
+            </a:r>
+          </a:p>
+        </p:txBody>
+      </p:sp>
+      <p:sp>
+        <p:nvSpPr>
+          <p:cNvPr id="14" name="TextBox 13">
+            <a:extLst>
+              <a:ext uri="{FF2B5EF4-FFF2-40B4-BE49-F238E27FC236}">
+                <a16:creationId xmlns:a16="http://schemas.microsoft.com/office/drawing/2014/main" id="{6ABB4430-40F4-4760-9B52-FB1461F76277}"/>
+              </a:ext>
+            </a:extLst>
+          </p:cNvPr>
+          <p:cNvSpPr txBox="1"/>
+          <p:nvPr/>
+        </p:nvSpPr>
+        <p:spPr>
+          <a:xfrm>
+            <a:off x="798989" y="2524907"/>
+            <a:ext cx="2373804" cy="338554"/>
+          </a:xfrm>
+          <a:prstGeom prst="rect">
+            <a:avLst/>
+          </a:prstGeom>
+          <a:noFill/>
+        </p:spPr>
+        <p:txBody>
+          <a:bodyPr wrap="square" rtlCol="0">
+            <a:spAutoFit/>
+          </a:bodyPr>
+          <a:lstStyle/>
+          <a:p>
+            <a:r>
+              <a:rPr lang="en-US" sz="1600" dirty="0">
+                <a:latin typeface="Arial Nova" panose="020B0504020202020204" pitchFamily="34" charset="0"/>
+              </a:rPr>
+              <a:t>Remove </a:t>
+            </a:r>
+            <a:r>
+              <a:rPr lang="en-US" sz="1600" dirty="0" err="1">
+                <a:latin typeface="Arial Nova" panose="020B0504020202020204" pitchFamily="34" charset="0"/>
+              </a:rPr>
+              <a:t>stopwords</a:t>
+            </a:r>
+            <a:endParaRPr lang="en-US" sz="1600" dirty="0">
+              <a:latin typeface="Arial Nova" panose="020B0504020202020204" pitchFamily="34" charset="0"/>
+            </a:endParaRPr>
+          </a:p>
+        </p:txBody>
+      </p:sp>
+      <p:sp>
+        <p:nvSpPr>
+          <p:cNvPr id="19" name="TextBox 18">
+            <a:extLst>
+              <a:ext uri="{FF2B5EF4-FFF2-40B4-BE49-F238E27FC236}">
+                <a16:creationId xmlns:a16="http://schemas.microsoft.com/office/drawing/2014/main" id="{BB12F33B-1B89-4FA5-838A-2B7D9817C264}"/>
+              </a:ext>
+            </a:extLst>
+          </p:cNvPr>
+          <p:cNvSpPr txBox="1"/>
+          <p:nvPr/>
+        </p:nvSpPr>
+        <p:spPr>
+          <a:xfrm>
+            <a:off x="798989" y="3015861"/>
+            <a:ext cx="2373804" cy="338554"/>
+          </a:xfrm>
+          <a:prstGeom prst="rect">
+            <a:avLst/>
+          </a:prstGeom>
+          <a:noFill/>
+        </p:spPr>
+        <p:txBody>
+          <a:bodyPr wrap="square" rtlCol="0">
+            <a:spAutoFit/>
+          </a:bodyPr>
+          <a:lstStyle/>
+          <a:p>
+            <a:r>
+              <a:rPr lang="en-US" sz="1600" dirty="0">
+                <a:latin typeface="Arial Nova" panose="020B0504020202020204" pitchFamily="34" charset="0"/>
+              </a:rPr>
+              <a:t>POS tags</a:t>
+            </a:r>
+          </a:p>
+        </p:txBody>
+      </p:sp>
+    </p:spTree>
+    <p:extLst>
+      <p:ext uri="{BB962C8B-B14F-4D97-AF65-F5344CB8AC3E}">
+        <p14:creationId xmlns:p14="http://schemas.microsoft.com/office/powerpoint/2010/main" val="1192096264"/>
+      </p:ext>
+    </p:extLst>
+  </p:cSld>
+  <p:clrMapOvr>
+    <a:masterClrMapping/>
+  </p:clrMapOvr>
+  <p:timing>
+    <p:tnLst>
+      <p:par>
+        <p:cTn id="1" dur="indefinite" restart="never" nodeType="tmRoot">
+          <p:childTnLst>
+            <p:seq concurrent="1" nextAc="seek">
+              <p:cTn id="2" dur="indefinite" nodeType="mainSeq">
+                <p:childTnLst>
+                  <p:par>
+                    <p:cTn id="3" fill="hold">
+                      <p:stCondLst>
+                        <p:cond delay="indefinite"/>
+                        <p:cond evt="onBegin" delay="0">
+                          <p:tn val="2"/>
+                        </p:cond>
+                      </p:stCondLst>
+                      <p:childTnLst>
+                        <p:par>
+                          <p:cTn id="4" fill="hold">
+                            <p:stCondLst>
+                              <p:cond delay="0"/>
+                            </p:stCondLst>
+                            <p:childTnLst>
                               <p:par>
-                                <p:cTn id="9" presetID="1" presetClass="entr" presetSubtype="0" fill="hold" grpId="0" nodeType="withEffect">
+                                <p:cTn id="5" presetID="1" presetClass="entr" presetSubtype="0" fill="hold" grpId="0" nodeType="withEffect">
                                   <p:stCondLst>
                                     <p:cond delay="0"/>
                                   </p:stCondLst>
                                   <p:childTnLst>
                                     <p:set>
                                       <p:cBhvr>
-                                        <p:cTn id="10" dur="1" fill="hold">
+                                        <p:cTn id="6" dur="1" fill="hold">
                                           <p:stCondLst>
                                             <p:cond delay="0"/>
                                           </p:stCondLst>
                                         </p:cTn>
                                         <p:tgtEl>
-                                          <p:spTgt spid="8"/>
+                                          <p:spTgt spid="6"/>
                                         </p:tgtEl>
                                         <p:attrNameLst>
                                           <p:attrName>style.visibility</p:attrName>
@@ -5125,9 +6460,7 @@
       </p:par>
     </p:tnLst>
     <p:bldLst>
-      <p:bldP spid="5" grpId="0"/>
       <p:bldP spid="6" grpId="0"/>
-      <p:bldP spid="8" grpId="0"/>
     </p:bldLst>
   </p:timing>
 </p:sld>
@@ -5257,7 +6590,7 @@
         </p:nvSpPr>
         <p:spPr>
           <a:xfrm>
-            <a:off x="359085" y="1288434"/>
+            <a:off x="359085" y="1425799"/>
             <a:ext cx="5926306" cy="461665"/>
           </a:xfrm>
           <a:prstGeom prst="rect">
@@ -5305,7 +6638,7 @@
         </p:nvSpPr>
         <p:spPr>
           <a:xfrm>
-            <a:off x="905522" y="1696347"/>
+            <a:off x="905522" y="1833712"/>
             <a:ext cx="10431262" cy="2800767"/>
           </a:xfrm>
           <a:prstGeom prst="rect">
@@ -5846,8 +7179,8 @@
         </p:nvSpPr>
         <p:spPr>
           <a:xfrm>
-            <a:off x="942513" y="4281133"/>
-            <a:ext cx="10431262" cy="338554"/>
+            <a:off x="853737" y="4260357"/>
+            <a:ext cx="7127289" cy="584775"/>
           </a:xfrm>
           <a:prstGeom prst="rect">
             <a:avLst/>
@@ -5864,19 +7197,15 @@
               <a:rPr lang="en-US" sz="1600" dirty="0">
                 <a:latin typeface="Arial Nova" panose="020B0504020202020204" pitchFamily="34" charset="0"/>
               </a:rPr>
-              <a:t>', 'Is', '</a:t>
-            </a:r>
-            <a:r>
-              <a:rPr lang="en-US" sz="1600" dirty="0" err="1">
-                <a:latin typeface="Arial Nova" panose="020B0504020202020204" pitchFamily="34" charset="0"/>
-              </a:rPr>
-              <a:t>punct</a:t>
-            </a:r>
+              <a:t>Naïve Bayes classifier model trained on sample questions</a:t>
+            </a:r>
+          </a:p>
+          <a:p>
             <a:r>
               <a:rPr lang="en-US" sz="1600" dirty="0">
                 <a:latin typeface="Arial Nova" panose="020B0504020202020204" pitchFamily="34" charset="0"/>
               </a:rPr>
-              <a:t>')] </a:t>
+              <a:t>park</a:t>
             </a:r>
           </a:p>
         </p:txBody>
@@ -5896,7 +7225,7 @@
         <p:spPr>
           <a:xfrm>
             <a:off x="942513" y="3186737"/>
-            <a:ext cx="10431262" cy="338554"/>
+            <a:ext cx="7127289" cy="338554"/>
           </a:xfrm>
           <a:prstGeom prst="rect">
             <a:avLst/>
@@ -5913,19 +7242,7 @@
               <a:rPr lang="en-US" sz="1600" dirty="0">
                 <a:latin typeface="Arial Nova" panose="020B0504020202020204" pitchFamily="34" charset="0"/>
               </a:rPr>
-              <a:t>', 'Is', '</a:t>
-            </a:r>
-            <a:r>
-              <a:rPr lang="en-US" sz="1600" dirty="0" err="1">
-                <a:latin typeface="Arial Nova" panose="020B0504020202020204" pitchFamily="34" charset="0"/>
-              </a:rPr>
-              <a:t>punct</a:t>
-            </a:r>
-            <a:r>
-              <a:rPr lang="en-US" sz="1600" dirty="0">
-                <a:latin typeface="Arial Nova" panose="020B0504020202020204" pitchFamily="34" charset="0"/>
-              </a:rPr>
-              <a:t>')] </a:t>
+              <a:t>Compare to Disney named entities</a:t>
             </a:r>
           </a:p>
         </p:txBody>
@@ -5945,7 +7262,7 @@
         <p:spPr>
           <a:xfrm>
             <a:off x="942513" y="2037120"/>
-            <a:ext cx="10431262" cy="338554"/>
+            <a:ext cx="7127289" cy="338554"/>
           </a:xfrm>
           <a:prstGeom prst="rect">
             <a:avLst/>
@@ -5962,19 +7279,7 @@
               <a:rPr lang="en-US" sz="1600" dirty="0">
                 <a:latin typeface="Arial Nova" panose="020B0504020202020204" pitchFamily="34" charset="0"/>
               </a:rPr>
-              <a:t>', 'Is', '</a:t>
-            </a:r>
-            <a:r>
-              <a:rPr lang="en-US" sz="1600" dirty="0" err="1">
-                <a:latin typeface="Arial Nova" panose="020B0504020202020204" pitchFamily="34" charset="0"/>
-              </a:rPr>
-              <a:t>punct</a:t>
-            </a:r>
-            <a:r>
-              <a:rPr lang="en-US" sz="1600" dirty="0">
-                <a:latin typeface="Arial Nova" panose="020B0504020202020204" pitchFamily="34" charset="0"/>
-              </a:rPr>
-              <a:t>')] </a:t>
+              <a:t>[‘park’]</a:t>
             </a:r>
           </a:p>
         </p:txBody>
@@ -7852,7 +9157,7 @@
         <p:spPr>
           <a:xfrm>
             <a:off x="390768" y="1487111"/>
-            <a:ext cx="2324723" cy="461665"/>
+            <a:ext cx="2324723" cy="830997"/>
           </a:xfrm>
           <a:prstGeom prst="rect">
             <a:avLst/>
@@ -7873,7 +9178,7 @@
                   </a:schemeClr>
                 </a:solidFill>
               </a:rPr>
-              <a:t>Answer Types</a:t>
+              <a:t>Answer Type Taxonomy</a:t>
             </a:r>
             <a:endParaRPr lang="en-US" sz="2400" dirty="0"/>
           </a:p>
@@ -8056,7 +9361,7 @@
                   <a:schemeClr val="bg1"/>
                 </a:solidFill>
               </a:rPr>
-              <a:t>Disney Q and A</a:t>
+              <a:t>Document Processing</a:t>
             </a:r>
           </a:p>
         </p:txBody>
@@ -8093,20 +9398,20 @@
       </p:pic>
       <p:sp>
         <p:nvSpPr>
-          <p:cNvPr id="16" name="Rectangle 15">
-            <a:extLst>
-              <a:ext uri="{FF2B5EF4-FFF2-40B4-BE49-F238E27FC236}">
-                <a16:creationId xmlns:a16="http://schemas.microsoft.com/office/drawing/2014/main" id="{4107CB61-EF40-4CD0-9510-F313BB8E0E7A}"/>
-              </a:ext>
-            </a:extLst>
-          </p:cNvPr>
-          <p:cNvSpPr/>
-          <p:nvPr/>
-        </p:nvSpPr>
-        <p:spPr>
-          <a:xfrm>
-            <a:off x="721894" y="3052659"/>
-            <a:ext cx="10770669" cy="1862048"/>
+          <p:cNvPr id="7" name="TextBox 6">
+            <a:extLst>
+              <a:ext uri="{FF2B5EF4-FFF2-40B4-BE49-F238E27FC236}">
+                <a16:creationId xmlns:a16="http://schemas.microsoft.com/office/drawing/2014/main" id="{13F8BE3A-7687-4AF4-9EFD-2C46F306DA40}"/>
+              </a:ext>
+            </a:extLst>
+          </p:cNvPr>
+          <p:cNvSpPr txBox="1"/>
+          <p:nvPr/>
+        </p:nvSpPr>
+        <p:spPr>
+          <a:xfrm>
+            <a:off x="751691" y="2259470"/>
+            <a:ext cx="1398694" cy="461665"/>
           </a:xfrm>
           <a:prstGeom prst="rect">
             <a:avLst/>
@@ -8114,97 +9419,202 @@
           <a:noFill/>
         </p:spPr>
         <p:txBody>
-          <a:bodyPr wrap="square" lIns="91440" tIns="45720" rIns="91440" bIns="45720">
+          <a:bodyPr wrap="square" rtlCol="0">
             <a:spAutoFit/>
           </a:bodyPr>
           <a:lstStyle/>
           <a:p>
-            <a:pPr algn="ctr"/>
-            <a:r>
-              <a:rPr lang="en-US" sz="11500" b="1" cap="none" spc="0" dirty="0">
-                <a:ln w="12700">
-                  <a:solidFill>
-                    <a:schemeClr val="accent5"/>
-                  </a:solidFill>
-                  <a:prstDash val="solid"/>
-                </a:ln>
-                <a:pattFill prst="ltDnDiag">
-                  <a:fgClr>
-                    <a:schemeClr val="accent5">
-                      <a:lumMod val="60000"/>
-                      <a:lumOff val="40000"/>
-                    </a:schemeClr>
-                  </a:fgClr>
-                  <a:bgClr>
-                    <a:schemeClr val="bg1"/>
-                  </a:bgClr>
-                </a:pattFill>
-                <a:effectLst/>
-              </a:rPr>
-              <a:t>Any Questions?</a:t>
-            </a:r>
-          </a:p>
-        </p:txBody>
-      </p:sp>
-      <p:sp>
-        <p:nvSpPr>
-          <p:cNvPr id="18" name="Rectangle 17">
-            <a:extLst>
-              <a:ext uri="{FF2B5EF4-FFF2-40B4-BE49-F238E27FC236}">
-                <a16:creationId xmlns:a16="http://schemas.microsoft.com/office/drawing/2014/main" id="{7912A282-6431-44B4-B62B-EDD900883A52}"/>
-              </a:ext>
-            </a:extLst>
-          </p:cNvPr>
-          <p:cNvSpPr/>
-          <p:nvPr/>
-        </p:nvSpPr>
-        <p:spPr>
-          <a:xfrm>
-            <a:off x="710665" y="1920895"/>
-            <a:ext cx="10770669" cy="707886"/>
-          </a:xfrm>
-          <a:prstGeom prst="rect">
-            <a:avLst/>
-          </a:prstGeom>
-          <a:noFill/>
-        </p:spPr>
-        <p:txBody>
-          <a:bodyPr wrap="square" lIns="91440" tIns="45720" rIns="91440" bIns="45720">
-            <a:spAutoFit/>
-          </a:bodyPr>
-          <a:lstStyle/>
-          <a:p>
-            <a:pPr algn="ctr"/>
-            <a:r>
-              <a:rPr lang="en-US" sz="4000" b="1" cap="none" spc="0" dirty="0">
-                <a:ln w="12700">
-                  <a:solidFill>
-                    <a:schemeClr val="accent5"/>
-                  </a:solidFill>
-                  <a:prstDash val="solid"/>
-                </a:ln>
-                <a:pattFill prst="ltDnDiag">
-                  <a:fgClr>
-                    <a:schemeClr val="accent5">
-                      <a:lumMod val="60000"/>
-                      <a:lumOff val="40000"/>
-                    </a:schemeClr>
-                  </a:fgClr>
-                  <a:bgClr>
-                    <a:schemeClr val="bg1"/>
-                  </a:bgClr>
-                </a:pattFill>
-                <a:effectLst/>
-              </a:rPr>
-              <a:t>Thank you!</a:t>
-            </a:r>
+            <a:r>
+              <a:rPr lang="en-US" sz="2400" dirty="0">
+                <a:solidFill>
+                  <a:schemeClr val="accent5">
+                    <a:lumMod val="75000"/>
+                  </a:schemeClr>
+                </a:solidFill>
+              </a:rPr>
+              <a:t>stuff</a:t>
+            </a:r>
+            <a:endParaRPr lang="en-US" sz="2400" dirty="0"/>
           </a:p>
         </p:txBody>
       </p:sp>
     </p:spTree>
     <p:extLst>
       <p:ext uri="{BB962C8B-B14F-4D97-AF65-F5344CB8AC3E}">
-        <p14:creationId xmlns:p14="http://schemas.microsoft.com/office/powerpoint/2010/main" val="2782569395"/>
+        <p14:creationId xmlns:p14="http://schemas.microsoft.com/office/powerpoint/2010/main" val="334648452"/>
+      </p:ext>
+    </p:extLst>
+  </p:cSld>
+  <p:clrMapOvr>
+    <a:masterClrMapping/>
+  </p:clrMapOvr>
+</p:sld>
+</file>
+
+<file path=ppt/slides/slide9.xml><?xml version="1.0" encoding="utf-8"?>
+<p:sld xmlns:a="http://schemas.openxmlformats.org/drawingml/2006/main" xmlns:r="http://schemas.openxmlformats.org/officeDocument/2006/relationships" xmlns:p="http://schemas.openxmlformats.org/presentationml/2006/main">
+  <p:cSld>
+    <p:spTree>
+      <p:nvGrpSpPr>
+        <p:cNvPr id="1" name=""/>
+        <p:cNvGrpSpPr/>
+        <p:nvPr/>
+      </p:nvGrpSpPr>
+      <p:grpSpPr>
+        <a:xfrm>
+          <a:off x="0" y="0"/>
+          <a:ext cx="0" cy="0"/>
+          <a:chOff x="0" y="0"/>
+          <a:chExt cx="0" cy="0"/>
+        </a:xfrm>
+      </p:grpSpPr>
+      <p:sp>
+        <p:nvSpPr>
+          <p:cNvPr id="4" name="Title 1">
+            <a:extLst>
+              <a:ext uri="{FF2B5EF4-FFF2-40B4-BE49-F238E27FC236}">
+                <a16:creationId xmlns:a16="http://schemas.microsoft.com/office/drawing/2014/main" id="{35E2284A-51F6-449C-832E-D85C77F5C63A}"/>
+              </a:ext>
+            </a:extLst>
+          </p:cNvPr>
+          <p:cNvSpPr txBox="1">
+            <a:spLocks/>
+          </p:cNvSpPr>
+          <p:nvPr/>
+        </p:nvSpPr>
+        <p:spPr>
+          <a:xfrm>
+            <a:off x="0" y="1"/>
+            <a:ext cx="12192000" cy="1141581"/>
+          </a:xfrm>
+          <a:prstGeom prst="rect">
+            <a:avLst/>
+          </a:prstGeom>
+          <a:solidFill>
+            <a:schemeClr val="tx2">
+              <a:lumMod val="75000"/>
+            </a:schemeClr>
+          </a:solidFill>
+        </p:spPr>
+        <p:txBody>
+          <a:bodyPr vert="horz" lIns="91440" tIns="45720" rIns="91440" bIns="45720" rtlCol="0" anchor="ctr">
+            <a:normAutofit/>
+          </a:bodyPr>
+          <a:lstStyle>
+            <a:lvl1pPr algn="l" defTabSz="914400" rtl="0" eaLnBrk="1" latinLnBrk="0" hangingPunct="1">
+              <a:lnSpc>
+                <a:spcPct val="90000"/>
+              </a:lnSpc>
+              <a:spcBef>
+                <a:spcPct val="0"/>
+              </a:spcBef>
+              <a:buNone/>
+              <a:defRPr sz="4400" kern="1200">
+                <a:solidFill>
+                  <a:schemeClr val="tx1"/>
+                </a:solidFill>
+                <a:latin typeface="+mj-lt"/>
+                <a:ea typeface="+mj-ea"/>
+                <a:cs typeface="+mj-cs"/>
+              </a:defRPr>
+            </a:lvl1pPr>
+          </a:lstStyle>
+          <a:p>
+            <a:r>
+              <a:rPr lang="en-US" sz="4800" dirty="0">
+                <a:solidFill>
+                  <a:schemeClr val="bg1"/>
+                </a:solidFill>
+              </a:rPr>
+              <a:t>   </a:t>
+            </a:r>
+            <a:r>
+              <a:rPr lang="en-US" sz="5700" dirty="0">
+                <a:solidFill>
+                  <a:schemeClr val="bg1"/>
+                </a:solidFill>
+              </a:rPr>
+              <a:t>Document Processing</a:t>
+            </a:r>
+          </a:p>
+        </p:txBody>
+      </p:sp>
+      <p:pic>
+        <p:nvPicPr>
+          <p:cNvPr id="3" name="Picture 2">
+            <a:extLst>
+              <a:ext uri="{FF2B5EF4-FFF2-40B4-BE49-F238E27FC236}">
+                <a16:creationId xmlns:a16="http://schemas.microsoft.com/office/drawing/2014/main" id="{834A208E-417F-49AC-9426-4F8C3F7C190D}"/>
+              </a:ext>
+            </a:extLst>
+          </p:cNvPr>
+          <p:cNvPicPr>
+            <a:picLocks noChangeAspect="1"/>
+          </p:cNvPicPr>
+          <p:nvPr/>
+        </p:nvPicPr>
+        <p:blipFill>
+          <a:blip r:embed="rId2"/>
+          <a:stretch>
+            <a:fillRect/>
+          </a:stretch>
+        </p:blipFill>
+        <p:spPr>
+          <a:xfrm>
+            <a:off x="8134350" y="693019"/>
+            <a:ext cx="4057650" cy="447675"/>
+          </a:xfrm>
+          <a:prstGeom prst="rect">
+            <a:avLst/>
+          </a:prstGeom>
+        </p:spPr>
+      </p:pic>
+      <p:sp>
+        <p:nvSpPr>
+          <p:cNvPr id="7" name="TextBox 6">
+            <a:extLst>
+              <a:ext uri="{FF2B5EF4-FFF2-40B4-BE49-F238E27FC236}">
+                <a16:creationId xmlns:a16="http://schemas.microsoft.com/office/drawing/2014/main" id="{13F8BE3A-7687-4AF4-9EFD-2C46F306DA40}"/>
+              </a:ext>
+            </a:extLst>
+          </p:cNvPr>
+          <p:cNvSpPr txBox="1"/>
+          <p:nvPr/>
+        </p:nvSpPr>
+        <p:spPr>
+          <a:xfrm>
+            <a:off x="751691" y="2259470"/>
+            <a:ext cx="1398694" cy="461665"/>
+          </a:xfrm>
+          <a:prstGeom prst="rect">
+            <a:avLst/>
+          </a:prstGeom>
+          <a:noFill/>
+        </p:spPr>
+        <p:txBody>
+          <a:bodyPr wrap="square" rtlCol="0">
+            <a:spAutoFit/>
+          </a:bodyPr>
+          <a:lstStyle/>
+          <a:p>
+            <a:r>
+              <a:rPr lang="en-US" sz="2400" dirty="0">
+                <a:solidFill>
+                  <a:schemeClr val="accent5">
+                    <a:lumMod val="75000"/>
+                  </a:schemeClr>
+                </a:solidFill>
+              </a:rPr>
+              <a:t>stuff</a:t>
+            </a:r>
+            <a:endParaRPr lang="en-US" sz="2400" dirty="0"/>
+          </a:p>
+        </p:txBody>
+      </p:sp>
+    </p:spTree>
+    <p:extLst>
+      <p:ext uri="{BB962C8B-B14F-4D97-AF65-F5344CB8AC3E}">
+        <p14:creationId xmlns:p14="http://schemas.microsoft.com/office/powerpoint/2010/main" val="664511634"/>
       </p:ext>
     </p:extLst>
   </p:cSld>

--- a/disneyqanda.pptx
+++ b/disneyqanda.pptx
@@ -10,15 +10,13 @@
     <p:sldId id="294" r:id="rId4"/>
     <p:sldId id="295" r:id="rId5"/>
     <p:sldId id="297" r:id="rId6"/>
-    <p:sldId id="298" r:id="rId7"/>
-    <p:sldId id="296" r:id="rId8"/>
-    <p:sldId id="300" r:id="rId9"/>
-    <p:sldId id="301" r:id="rId10"/>
-    <p:sldId id="302" r:id="rId11"/>
-    <p:sldId id="303" r:id="rId12"/>
-    <p:sldId id="304" r:id="rId13"/>
-    <p:sldId id="299" r:id="rId14"/>
-    <p:sldId id="293" r:id="rId15"/>
+    <p:sldId id="300" r:id="rId7"/>
+    <p:sldId id="301" r:id="rId8"/>
+    <p:sldId id="302" r:id="rId9"/>
+    <p:sldId id="303" r:id="rId10"/>
+    <p:sldId id="304" r:id="rId11"/>
+    <p:sldId id="299" r:id="rId12"/>
+    <p:sldId id="293" r:id="rId13"/>
   </p:sldIdLst>
   <p:sldSz cx="12192000" cy="6858000"/>
   <p:notesSz cx="6858000" cy="9144000"/>
@@ -3426,7 +3424,7 @@
                   <a:schemeClr val="bg1"/>
                 </a:solidFill>
               </a:rPr>
-              <a:t>Answer Processing</a:t>
+              <a:t>Example</a:t>
             </a:r>
           </a:p>
         </p:txBody>
@@ -3475,8 +3473,8 @@
         </p:nvSpPr>
         <p:spPr>
           <a:xfrm>
-            <a:off x="751691" y="2259470"/>
-            <a:ext cx="1398694" cy="461665"/>
+            <a:off x="396583" y="1566972"/>
+            <a:ext cx="10451929" cy="1077218"/>
           </a:xfrm>
           <a:prstGeom prst="rect">
             <a:avLst/>
@@ -3490,23 +3488,331 @@
           <a:lstStyle/>
           <a:p>
             <a:r>
-              <a:rPr lang="en-US" sz="2400" dirty="0">
+              <a:rPr lang="en-US" sz="3200" dirty="0">
                 <a:solidFill>
                   <a:schemeClr val="accent5">
                     <a:lumMod val="75000"/>
                   </a:schemeClr>
                 </a:solidFill>
               </a:rPr>
-              <a:t>stuff</a:t>
+              <a:t>Q:  What is the height requirement for </a:t>
+            </a:r>
+          </a:p>
+          <a:p>
+            <a:r>
+              <a:rPr lang="en-US" sz="3200" dirty="0">
+                <a:solidFill>
+                  <a:schemeClr val="accent5">
+                    <a:lumMod val="75000"/>
+                  </a:schemeClr>
+                </a:solidFill>
+              </a:rPr>
+              <a:t>       Star Wars: Rise of the Resistance?</a:t>
             </a:r>
             <a:endParaRPr lang="en-US" sz="2400" dirty="0"/>
+          </a:p>
+        </p:txBody>
+      </p:sp>
+      <p:sp>
+        <p:nvSpPr>
+          <p:cNvPr id="6" name="TextBox 5">
+            <a:extLst>
+              <a:ext uri="{FF2B5EF4-FFF2-40B4-BE49-F238E27FC236}">
+                <a16:creationId xmlns:a16="http://schemas.microsoft.com/office/drawing/2014/main" id="{79FA852F-0AC3-4B71-B05A-5C07D50BD447}"/>
+              </a:ext>
+            </a:extLst>
+          </p:cNvPr>
+          <p:cNvSpPr txBox="1"/>
+          <p:nvPr/>
+        </p:nvSpPr>
+        <p:spPr>
+          <a:xfrm>
+            <a:off x="837459" y="2992240"/>
+            <a:ext cx="3849950" cy="3108543"/>
+          </a:xfrm>
+          <a:prstGeom prst="rect">
+            <a:avLst/>
+          </a:prstGeom>
+          <a:noFill/>
+        </p:spPr>
+        <p:txBody>
+          <a:bodyPr wrap="square" rtlCol="0">
+            <a:spAutoFit/>
+          </a:bodyPr>
+          <a:lstStyle/>
+          <a:p>
+            <a:r>
+              <a:rPr lang="en-US" sz="1400" dirty="0">
+                <a:latin typeface="Arial Nova" panose="020B0504020202020204" pitchFamily="34" charset="0"/>
+              </a:rPr>
+              <a:t>('Is', 'AUX', 'Is', 'ROOT’), </a:t>
+            </a:r>
+          </a:p>
+          <a:p>
+            <a:r>
+              <a:rPr lang="en-US" sz="1400" dirty="0">
+                <a:latin typeface="Arial Nova" panose="020B0504020202020204" pitchFamily="34" charset="0"/>
+              </a:rPr>
+              <a:t>('there', 'PRON', 'Is', '</a:t>
+            </a:r>
+            <a:r>
+              <a:rPr lang="en-US" sz="1400" dirty="0" err="1">
+                <a:latin typeface="Arial Nova" panose="020B0504020202020204" pitchFamily="34" charset="0"/>
+              </a:rPr>
+              <a:t>expl</a:t>
+            </a:r>
+            <a:r>
+              <a:rPr lang="en-US" sz="1400" dirty="0">
+                <a:latin typeface="Arial Nova" panose="020B0504020202020204" pitchFamily="34" charset="0"/>
+              </a:rPr>
+              <a:t>’), </a:t>
+            </a:r>
+          </a:p>
+          <a:p>
+            <a:r>
+              <a:rPr lang="en-US" sz="1400" dirty="0">
+                <a:latin typeface="Arial Nova" panose="020B0504020202020204" pitchFamily="34" charset="0"/>
+              </a:rPr>
+              <a:t>('a', 'DET', 'requirement', 'det’), </a:t>
+            </a:r>
+          </a:p>
+          <a:p>
+            <a:r>
+              <a:rPr lang="en-US" sz="1400" dirty="0">
+                <a:latin typeface="Arial Nova" panose="020B0504020202020204" pitchFamily="34" charset="0"/>
+              </a:rPr>
+              <a:t>('height', 'NOUN', 'requirement', 'compound’), </a:t>
+            </a:r>
+          </a:p>
+          <a:p>
+            <a:r>
+              <a:rPr lang="en-US" sz="1400" dirty="0">
+                <a:latin typeface="Arial Nova" panose="020B0504020202020204" pitchFamily="34" charset="0"/>
+              </a:rPr>
+              <a:t>('requirement', 'NOUN', 'Is', '</a:t>
+            </a:r>
+            <a:r>
+              <a:rPr lang="en-US" sz="1400" dirty="0" err="1">
+                <a:latin typeface="Arial Nova" panose="020B0504020202020204" pitchFamily="34" charset="0"/>
+              </a:rPr>
+              <a:t>attr</a:t>
+            </a:r>
+            <a:r>
+              <a:rPr lang="en-US" sz="1400" dirty="0">
+                <a:latin typeface="Arial Nova" panose="020B0504020202020204" pitchFamily="34" charset="0"/>
+              </a:rPr>
+              <a:t>’), </a:t>
+            </a:r>
+          </a:p>
+          <a:p>
+            <a:r>
+              <a:rPr lang="en-US" sz="1400" dirty="0">
+                <a:latin typeface="Arial Nova" panose="020B0504020202020204" pitchFamily="34" charset="0"/>
+              </a:rPr>
+              <a:t>('for', 'ADP', 'requirement', 'prep’), </a:t>
+            </a:r>
+          </a:p>
+          <a:p>
+            <a:r>
+              <a:rPr lang="en-US" sz="1400" dirty="0">
+                <a:latin typeface="Arial Nova" panose="020B0504020202020204" pitchFamily="34" charset="0"/>
+              </a:rPr>
+              <a:t>('Star', 'PROPN', 'Wars', 'compound’), </a:t>
+            </a:r>
+          </a:p>
+          <a:p>
+            <a:r>
+              <a:rPr lang="en-US" sz="1400" dirty="0">
+                <a:latin typeface="Arial Nova" panose="020B0504020202020204" pitchFamily="34" charset="0"/>
+              </a:rPr>
+              <a:t>('Wars', 'PROPN', 'for', '</a:t>
+            </a:r>
+            <a:r>
+              <a:rPr lang="en-US" sz="1400" dirty="0" err="1">
+                <a:latin typeface="Arial Nova" panose="020B0504020202020204" pitchFamily="34" charset="0"/>
+              </a:rPr>
+              <a:t>pobj</a:t>
+            </a:r>
+            <a:r>
+              <a:rPr lang="en-US" sz="1400" dirty="0">
+                <a:latin typeface="Arial Nova" panose="020B0504020202020204" pitchFamily="34" charset="0"/>
+              </a:rPr>
+              <a:t>’), </a:t>
+            </a:r>
+          </a:p>
+          <a:p>
+            <a:r>
+              <a:rPr lang="en-US" sz="1400" dirty="0">
+                <a:latin typeface="Arial Nova" panose="020B0504020202020204" pitchFamily="34" charset="0"/>
+              </a:rPr>
+              <a:t>(':', 'PUNCT', 'requirement', '</a:t>
+            </a:r>
+            <a:r>
+              <a:rPr lang="en-US" sz="1400" dirty="0" err="1">
+                <a:latin typeface="Arial Nova" panose="020B0504020202020204" pitchFamily="34" charset="0"/>
+              </a:rPr>
+              <a:t>punct</a:t>
+            </a:r>
+            <a:r>
+              <a:rPr lang="en-US" sz="1400" dirty="0">
+                <a:latin typeface="Arial Nova" panose="020B0504020202020204" pitchFamily="34" charset="0"/>
+              </a:rPr>
+              <a:t>’), </a:t>
+            </a:r>
+          </a:p>
+          <a:p>
+            <a:r>
+              <a:rPr lang="en-US" sz="1400" dirty="0">
+                <a:latin typeface="Arial Nova" panose="020B0504020202020204" pitchFamily="34" charset="0"/>
+              </a:rPr>
+              <a:t>('Rise', 'NOUN', 'requirement', '</a:t>
+            </a:r>
+            <a:r>
+              <a:rPr lang="en-US" sz="1400" dirty="0" err="1">
+                <a:latin typeface="Arial Nova" panose="020B0504020202020204" pitchFamily="34" charset="0"/>
+              </a:rPr>
+              <a:t>appos</a:t>
+            </a:r>
+            <a:r>
+              <a:rPr lang="en-US" sz="1400" dirty="0">
+                <a:latin typeface="Arial Nova" panose="020B0504020202020204" pitchFamily="34" charset="0"/>
+              </a:rPr>
+              <a:t>’), </a:t>
+            </a:r>
+          </a:p>
+          <a:p>
+            <a:r>
+              <a:rPr lang="en-US" sz="1400" dirty="0">
+                <a:latin typeface="Arial Nova" panose="020B0504020202020204" pitchFamily="34" charset="0"/>
+              </a:rPr>
+              <a:t>('of', 'ADP', 'Rise', 'prep’), </a:t>
+            </a:r>
+          </a:p>
+          <a:p>
+            <a:r>
+              <a:rPr lang="en-US" sz="1400" dirty="0">
+                <a:latin typeface="Arial Nova" panose="020B0504020202020204" pitchFamily="34" charset="0"/>
+              </a:rPr>
+              <a:t>('the', 'DET', 'Resistance', 'det’), </a:t>
+            </a:r>
+          </a:p>
+          <a:p>
+            <a:r>
+              <a:rPr lang="en-US" sz="1400" dirty="0">
+                <a:latin typeface="Arial Nova" panose="020B0504020202020204" pitchFamily="34" charset="0"/>
+              </a:rPr>
+              <a:t>('Resistance', 'PROPN', 'of', '</a:t>
+            </a:r>
+            <a:r>
+              <a:rPr lang="en-US" sz="1400" dirty="0" err="1">
+                <a:latin typeface="Arial Nova" panose="020B0504020202020204" pitchFamily="34" charset="0"/>
+              </a:rPr>
+              <a:t>pobj</a:t>
+            </a:r>
+            <a:r>
+              <a:rPr lang="en-US" sz="1400" dirty="0">
+                <a:latin typeface="Arial Nova" panose="020B0504020202020204" pitchFamily="34" charset="0"/>
+              </a:rPr>
+              <a:t>’), </a:t>
+            </a:r>
+          </a:p>
+          <a:p>
+            <a:r>
+              <a:rPr lang="en-US" sz="1400" dirty="0">
+                <a:latin typeface="Arial Nova" panose="020B0504020202020204" pitchFamily="34" charset="0"/>
+              </a:rPr>
+              <a:t>('?', 'PUNCT', 'Is', '</a:t>
+            </a:r>
+            <a:r>
+              <a:rPr lang="en-US" sz="1400" dirty="0" err="1">
+                <a:latin typeface="Arial Nova" panose="020B0504020202020204" pitchFamily="34" charset="0"/>
+              </a:rPr>
+              <a:t>punct</a:t>
+            </a:r>
+            <a:r>
+              <a:rPr lang="en-US" sz="1400" dirty="0">
+                <a:latin typeface="Arial Nova" panose="020B0504020202020204" pitchFamily="34" charset="0"/>
+              </a:rPr>
+              <a:t>')</a:t>
+            </a:r>
+          </a:p>
+        </p:txBody>
+      </p:sp>
+      <p:sp>
+        <p:nvSpPr>
+          <p:cNvPr id="8" name="TextBox 7">
+            <a:extLst>
+              <a:ext uri="{FF2B5EF4-FFF2-40B4-BE49-F238E27FC236}">
+                <a16:creationId xmlns:a16="http://schemas.microsoft.com/office/drawing/2014/main" id="{3669538C-31FD-41DC-937B-911C36A26F6B}"/>
+              </a:ext>
+            </a:extLst>
+          </p:cNvPr>
+          <p:cNvSpPr txBox="1"/>
+          <p:nvPr/>
+        </p:nvSpPr>
+        <p:spPr>
+          <a:xfrm>
+            <a:off x="5211192" y="3475211"/>
+            <a:ext cx="6693763" cy="1815882"/>
+          </a:xfrm>
+          <a:prstGeom prst="rect">
+            <a:avLst/>
+          </a:prstGeom>
+          <a:noFill/>
+        </p:spPr>
+        <p:txBody>
+          <a:bodyPr wrap="square">
+            <a:spAutoFit/>
+          </a:bodyPr>
+          <a:lstStyle/>
+          <a:p>
+            <a:r>
+              <a:rPr lang="en-US" sz="1600" dirty="0"/>
+              <a:t>Root word: ['is'] </a:t>
+            </a:r>
+          </a:p>
+          <a:p>
+            <a:r>
+              <a:rPr lang="en-US" sz="1600" dirty="0"/>
+              <a:t>Words dependent on root: ['What', 'is', 'requirement', '?'] </a:t>
+            </a:r>
+          </a:p>
+          <a:p>
+            <a:r>
+              <a:rPr lang="en-US" sz="1600" dirty="0"/>
+              <a:t>Nouns dependent on root: ['requirement'] </a:t>
+            </a:r>
+          </a:p>
+          <a:p>
+            <a:r>
+              <a:rPr lang="en-US" sz="1600" dirty="0"/>
+              <a:t>Words related to those nouns: ['height'] </a:t>
+            </a:r>
+          </a:p>
+          <a:p>
+            <a:r>
+              <a:rPr lang="en-US" sz="1600" dirty="0"/>
+              <a:t>Head words found: ['height', 'requirement'] </a:t>
+            </a:r>
+          </a:p>
+          <a:p>
+            <a:r>
+              <a:rPr lang="en-US" sz="1600" dirty="0"/>
+              <a:t>Named entities found: [('Star Wars: Rise of the Resistance', 'WORK_OF_ART')] </a:t>
+            </a:r>
+          </a:p>
+          <a:p>
+            <a:r>
+              <a:rPr lang="en-US" sz="1600" dirty="0"/>
+              <a:t>Answer type: number </a:t>
+            </a:r>
           </a:p>
         </p:txBody>
       </p:sp>
     </p:spTree>
     <p:extLst>
       <p:ext uri="{BB962C8B-B14F-4D97-AF65-F5344CB8AC3E}">
-        <p14:creationId xmlns:p14="http://schemas.microsoft.com/office/powerpoint/2010/main" val="1499493466"/>
+        <p14:creationId xmlns:p14="http://schemas.microsoft.com/office/powerpoint/2010/main" val="755099024"/>
       </p:ext>
     </p:extLst>
   </p:cSld>
@@ -3599,7 +3905,7 @@
                   <a:schemeClr val="bg1"/>
                 </a:solidFill>
               </a:rPr>
-              <a:t>Answer Processing</a:t>
+              <a:t>Disney Q and A</a:t>
             </a:r>
           </a:p>
         </p:txBody>
@@ -3636,10 +3942,10 @@
       </p:pic>
       <p:sp>
         <p:nvSpPr>
-          <p:cNvPr id="7" name="TextBox 6">
-            <a:extLst>
-              <a:ext uri="{FF2B5EF4-FFF2-40B4-BE49-F238E27FC236}">
-                <a16:creationId xmlns:a16="http://schemas.microsoft.com/office/drawing/2014/main" id="{13F8BE3A-7687-4AF4-9EFD-2C46F306DA40}"/>
+          <p:cNvPr id="6" name="TextBox 5">
+            <a:extLst>
+              <a:ext uri="{FF2B5EF4-FFF2-40B4-BE49-F238E27FC236}">
+                <a16:creationId xmlns:a16="http://schemas.microsoft.com/office/drawing/2014/main" id="{C2496BB0-CD97-4CC4-A02C-F2FA921F8C66}"/>
               </a:ext>
             </a:extLst>
           </p:cNvPr>
@@ -3648,7 +3954,7 @@
         </p:nvSpPr>
         <p:spPr>
           <a:xfrm>
-            <a:off x="751691" y="2259470"/>
+            <a:off x="751691" y="4132992"/>
             <a:ext cx="1398694" cy="461665"/>
           </a:xfrm>
           <a:prstGeom prst="rect">
@@ -3670,591 +3976,6 @@
                   </a:schemeClr>
                 </a:solidFill>
               </a:rPr>
-              <a:t>stuff</a:t>
-            </a:r>
-            <a:endParaRPr lang="en-US" sz="2400" dirty="0"/>
-          </a:p>
-        </p:txBody>
-      </p:sp>
-    </p:spTree>
-    <p:extLst>
-      <p:ext uri="{BB962C8B-B14F-4D97-AF65-F5344CB8AC3E}">
-        <p14:creationId xmlns:p14="http://schemas.microsoft.com/office/powerpoint/2010/main" val="1700848767"/>
-      </p:ext>
-    </p:extLst>
-  </p:cSld>
-  <p:clrMapOvr>
-    <a:masterClrMapping/>
-  </p:clrMapOvr>
-</p:sld>
-</file>
-
-<file path=ppt/slides/slide12.xml><?xml version="1.0" encoding="utf-8"?>
-<p:sld xmlns:a="http://schemas.openxmlformats.org/drawingml/2006/main" xmlns:r="http://schemas.openxmlformats.org/officeDocument/2006/relationships" xmlns:p="http://schemas.openxmlformats.org/presentationml/2006/main">
-  <p:cSld>
-    <p:spTree>
-      <p:nvGrpSpPr>
-        <p:cNvPr id="1" name=""/>
-        <p:cNvGrpSpPr/>
-        <p:nvPr/>
-      </p:nvGrpSpPr>
-      <p:grpSpPr>
-        <a:xfrm>
-          <a:off x="0" y="0"/>
-          <a:ext cx="0" cy="0"/>
-          <a:chOff x="0" y="0"/>
-          <a:chExt cx="0" cy="0"/>
-        </a:xfrm>
-      </p:grpSpPr>
-      <p:sp>
-        <p:nvSpPr>
-          <p:cNvPr id="4" name="Title 1">
-            <a:extLst>
-              <a:ext uri="{FF2B5EF4-FFF2-40B4-BE49-F238E27FC236}">
-                <a16:creationId xmlns:a16="http://schemas.microsoft.com/office/drawing/2014/main" id="{35E2284A-51F6-449C-832E-D85C77F5C63A}"/>
-              </a:ext>
-            </a:extLst>
-          </p:cNvPr>
-          <p:cNvSpPr txBox="1">
-            <a:spLocks/>
-          </p:cNvSpPr>
-          <p:nvPr/>
-        </p:nvSpPr>
-        <p:spPr>
-          <a:xfrm>
-            <a:off x="0" y="1"/>
-            <a:ext cx="12192000" cy="1141581"/>
-          </a:xfrm>
-          <a:prstGeom prst="rect">
-            <a:avLst/>
-          </a:prstGeom>
-          <a:solidFill>
-            <a:schemeClr val="tx2">
-              <a:lumMod val="75000"/>
-            </a:schemeClr>
-          </a:solidFill>
-        </p:spPr>
-        <p:txBody>
-          <a:bodyPr vert="horz" lIns="91440" tIns="45720" rIns="91440" bIns="45720" rtlCol="0" anchor="ctr">
-            <a:normAutofit/>
-          </a:bodyPr>
-          <a:lstStyle>
-            <a:lvl1pPr algn="l" defTabSz="914400" rtl="0" eaLnBrk="1" latinLnBrk="0" hangingPunct="1">
-              <a:lnSpc>
-                <a:spcPct val="90000"/>
-              </a:lnSpc>
-              <a:spcBef>
-                <a:spcPct val="0"/>
-              </a:spcBef>
-              <a:buNone/>
-              <a:defRPr sz="4400" kern="1200">
-                <a:solidFill>
-                  <a:schemeClr val="tx1"/>
-                </a:solidFill>
-                <a:latin typeface="+mj-lt"/>
-                <a:ea typeface="+mj-ea"/>
-                <a:cs typeface="+mj-cs"/>
-              </a:defRPr>
-            </a:lvl1pPr>
-          </a:lstStyle>
-          <a:p>
-            <a:r>
-              <a:rPr lang="en-US" sz="4800" dirty="0">
-                <a:solidFill>
-                  <a:schemeClr val="bg1"/>
-                </a:solidFill>
-              </a:rPr>
-              <a:t>   </a:t>
-            </a:r>
-            <a:r>
-              <a:rPr lang="en-US" sz="5700" dirty="0">
-                <a:solidFill>
-                  <a:schemeClr val="bg1"/>
-                </a:solidFill>
-              </a:rPr>
-              <a:t>Example</a:t>
-            </a:r>
-          </a:p>
-        </p:txBody>
-      </p:sp>
-      <p:pic>
-        <p:nvPicPr>
-          <p:cNvPr id="3" name="Picture 2">
-            <a:extLst>
-              <a:ext uri="{FF2B5EF4-FFF2-40B4-BE49-F238E27FC236}">
-                <a16:creationId xmlns:a16="http://schemas.microsoft.com/office/drawing/2014/main" id="{834A208E-417F-49AC-9426-4F8C3F7C190D}"/>
-              </a:ext>
-            </a:extLst>
-          </p:cNvPr>
-          <p:cNvPicPr>
-            <a:picLocks noChangeAspect="1"/>
-          </p:cNvPicPr>
-          <p:nvPr/>
-        </p:nvPicPr>
-        <p:blipFill>
-          <a:blip r:embed="rId2"/>
-          <a:stretch>
-            <a:fillRect/>
-          </a:stretch>
-        </p:blipFill>
-        <p:spPr>
-          <a:xfrm>
-            <a:off x="8134350" y="693019"/>
-            <a:ext cx="4057650" cy="447675"/>
-          </a:xfrm>
-          <a:prstGeom prst="rect">
-            <a:avLst/>
-          </a:prstGeom>
-        </p:spPr>
-      </p:pic>
-      <p:sp>
-        <p:nvSpPr>
-          <p:cNvPr id="7" name="TextBox 6">
-            <a:extLst>
-              <a:ext uri="{FF2B5EF4-FFF2-40B4-BE49-F238E27FC236}">
-                <a16:creationId xmlns:a16="http://schemas.microsoft.com/office/drawing/2014/main" id="{13F8BE3A-7687-4AF4-9EFD-2C46F306DA40}"/>
-              </a:ext>
-            </a:extLst>
-          </p:cNvPr>
-          <p:cNvSpPr txBox="1"/>
-          <p:nvPr/>
-        </p:nvSpPr>
-        <p:spPr>
-          <a:xfrm>
-            <a:off x="396583" y="1566972"/>
-            <a:ext cx="10451929" cy="1446550"/>
-          </a:xfrm>
-          <a:prstGeom prst="rect">
-            <a:avLst/>
-          </a:prstGeom>
-          <a:noFill/>
-        </p:spPr>
-        <p:txBody>
-          <a:bodyPr wrap="square" rtlCol="0">
-            <a:spAutoFit/>
-          </a:bodyPr>
-          <a:lstStyle/>
-          <a:p>
-            <a:r>
-              <a:rPr lang="en-US" sz="3200" dirty="0">
-                <a:solidFill>
-                  <a:schemeClr val="accent5">
-                    <a:lumMod val="75000"/>
-                  </a:schemeClr>
-                </a:solidFill>
-              </a:rPr>
-              <a:t>Q:  What is the height requirement for </a:t>
-            </a:r>
-          </a:p>
-          <a:p>
-            <a:r>
-              <a:rPr lang="en-US" sz="3200" dirty="0">
-                <a:solidFill>
-                  <a:schemeClr val="accent5">
-                    <a:lumMod val="75000"/>
-                  </a:schemeClr>
-                </a:solidFill>
-              </a:rPr>
-              <a:t>Star Wars: Rise of the Resistance?</a:t>
-            </a:r>
-          </a:p>
-          <a:p>
-            <a:endParaRPr lang="en-US" sz="2400" dirty="0"/>
-          </a:p>
-        </p:txBody>
-      </p:sp>
-      <p:sp>
-        <p:nvSpPr>
-          <p:cNvPr id="6" name="TextBox 5">
-            <a:extLst>
-              <a:ext uri="{FF2B5EF4-FFF2-40B4-BE49-F238E27FC236}">
-                <a16:creationId xmlns:a16="http://schemas.microsoft.com/office/drawing/2014/main" id="{79FA852F-0AC3-4B71-B05A-5C07D50BD447}"/>
-              </a:ext>
-            </a:extLst>
-          </p:cNvPr>
-          <p:cNvSpPr txBox="1"/>
-          <p:nvPr/>
-        </p:nvSpPr>
-        <p:spPr>
-          <a:xfrm>
-            <a:off x="1029811" y="2880357"/>
-            <a:ext cx="4498020" cy="3539430"/>
-          </a:xfrm>
-          <a:prstGeom prst="rect">
-            <a:avLst/>
-          </a:prstGeom>
-          <a:noFill/>
-        </p:spPr>
-        <p:txBody>
-          <a:bodyPr wrap="square" rtlCol="0">
-            <a:spAutoFit/>
-          </a:bodyPr>
-          <a:lstStyle/>
-          <a:p>
-            <a:r>
-              <a:rPr lang="en-US" sz="1600" dirty="0">
-                <a:latin typeface="Arial Nova" panose="020B0504020202020204" pitchFamily="34" charset="0"/>
-              </a:rPr>
-              <a:t>[('Is', 'AUX', 'Is', 'ROOT’), </a:t>
-            </a:r>
-          </a:p>
-          <a:p>
-            <a:r>
-              <a:rPr lang="en-US" sz="1600" dirty="0">
-                <a:latin typeface="Arial Nova" panose="020B0504020202020204" pitchFamily="34" charset="0"/>
-              </a:rPr>
-              <a:t>('there', 'PRON', 'Is', '</a:t>
-            </a:r>
-            <a:r>
-              <a:rPr lang="en-US" sz="1600" dirty="0" err="1">
-                <a:latin typeface="Arial Nova" panose="020B0504020202020204" pitchFamily="34" charset="0"/>
-              </a:rPr>
-              <a:t>expl</a:t>
-            </a:r>
-            <a:r>
-              <a:rPr lang="en-US" sz="1600" dirty="0">
-                <a:latin typeface="Arial Nova" panose="020B0504020202020204" pitchFamily="34" charset="0"/>
-              </a:rPr>
-              <a:t>’), </a:t>
-            </a:r>
-          </a:p>
-          <a:p>
-            <a:r>
-              <a:rPr lang="en-US" sz="1600" dirty="0">
-                <a:latin typeface="Arial Nova" panose="020B0504020202020204" pitchFamily="34" charset="0"/>
-              </a:rPr>
-              <a:t>('a', 'DET', 'requirement', 'det’), </a:t>
-            </a:r>
-          </a:p>
-          <a:p>
-            <a:r>
-              <a:rPr lang="en-US" sz="1600" dirty="0">
-                <a:latin typeface="Arial Nova" panose="020B0504020202020204" pitchFamily="34" charset="0"/>
-              </a:rPr>
-              <a:t>('height', 'NOUN', 'requirement', 'compound’), </a:t>
-            </a:r>
-          </a:p>
-          <a:p>
-            <a:r>
-              <a:rPr lang="en-US" sz="1600" dirty="0">
-                <a:latin typeface="Arial Nova" panose="020B0504020202020204" pitchFamily="34" charset="0"/>
-              </a:rPr>
-              <a:t>('requirement', 'NOUN', 'Is', '</a:t>
-            </a:r>
-            <a:r>
-              <a:rPr lang="en-US" sz="1600" dirty="0" err="1">
-                <a:latin typeface="Arial Nova" panose="020B0504020202020204" pitchFamily="34" charset="0"/>
-              </a:rPr>
-              <a:t>attr</a:t>
-            </a:r>
-            <a:r>
-              <a:rPr lang="en-US" sz="1600" dirty="0">
-                <a:latin typeface="Arial Nova" panose="020B0504020202020204" pitchFamily="34" charset="0"/>
-              </a:rPr>
-              <a:t>’), </a:t>
-            </a:r>
-          </a:p>
-          <a:p>
-            <a:r>
-              <a:rPr lang="en-US" sz="1600" dirty="0">
-                <a:latin typeface="Arial Nova" panose="020B0504020202020204" pitchFamily="34" charset="0"/>
-              </a:rPr>
-              <a:t>('for', 'ADP', 'requirement', 'prep’), </a:t>
-            </a:r>
-          </a:p>
-          <a:p>
-            <a:r>
-              <a:rPr lang="en-US" sz="1600" dirty="0">
-                <a:latin typeface="Arial Nova" panose="020B0504020202020204" pitchFamily="34" charset="0"/>
-              </a:rPr>
-              <a:t>('Star', 'PROPN', 'Wars', 'compound’), </a:t>
-            </a:r>
-          </a:p>
-          <a:p>
-            <a:r>
-              <a:rPr lang="en-US" sz="1600" dirty="0">
-                <a:latin typeface="Arial Nova" panose="020B0504020202020204" pitchFamily="34" charset="0"/>
-              </a:rPr>
-              <a:t>('Wars', 'PROPN', 'for', '</a:t>
-            </a:r>
-            <a:r>
-              <a:rPr lang="en-US" sz="1600" dirty="0" err="1">
-                <a:latin typeface="Arial Nova" panose="020B0504020202020204" pitchFamily="34" charset="0"/>
-              </a:rPr>
-              <a:t>pobj</a:t>
-            </a:r>
-            <a:r>
-              <a:rPr lang="en-US" sz="1600" dirty="0">
-                <a:latin typeface="Arial Nova" panose="020B0504020202020204" pitchFamily="34" charset="0"/>
-              </a:rPr>
-              <a:t>’), </a:t>
-            </a:r>
-          </a:p>
-          <a:p>
-            <a:r>
-              <a:rPr lang="en-US" sz="1600" dirty="0">
-                <a:latin typeface="Arial Nova" panose="020B0504020202020204" pitchFamily="34" charset="0"/>
-              </a:rPr>
-              <a:t>(':', 'PUNCT', 'requirement', '</a:t>
-            </a:r>
-            <a:r>
-              <a:rPr lang="en-US" sz="1600" dirty="0" err="1">
-                <a:latin typeface="Arial Nova" panose="020B0504020202020204" pitchFamily="34" charset="0"/>
-              </a:rPr>
-              <a:t>punct</a:t>
-            </a:r>
-            <a:r>
-              <a:rPr lang="en-US" sz="1600" dirty="0">
-                <a:latin typeface="Arial Nova" panose="020B0504020202020204" pitchFamily="34" charset="0"/>
-              </a:rPr>
-              <a:t>’), </a:t>
-            </a:r>
-          </a:p>
-          <a:p>
-            <a:r>
-              <a:rPr lang="en-US" sz="1600" dirty="0">
-                <a:latin typeface="Arial Nova" panose="020B0504020202020204" pitchFamily="34" charset="0"/>
-              </a:rPr>
-              <a:t>('Rise', 'NOUN', 'requirement', '</a:t>
-            </a:r>
-            <a:r>
-              <a:rPr lang="en-US" sz="1600" dirty="0" err="1">
-                <a:latin typeface="Arial Nova" panose="020B0504020202020204" pitchFamily="34" charset="0"/>
-              </a:rPr>
-              <a:t>appos</a:t>
-            </a:r>
-            <a:r>
-              <a:rPr lang="en-US" sz="1600" dirty="0">
-                <a:latin typeface="Arial Nova" panose="020B0504020202020204" pitchFamily="34" charset="0"/>
-              </a:rPr>
-              <a:t>’), </a:t>
-            </a:r>
-          </a:p>
-          <a:p>
-            <a:r>
-              <a:rPr lang="en-US" sz="1600" dirty="0">
-                <a:latin typeface="Arial Nova" panose="020B0504020202020204" pitchFamily="34" charset="0"/>
-              </a:rPr>
-              <a:t>('of', 'ADP', 'Rise', 'prep’), </a:t>
-            </a:r>
-          </a:p>
-          <a:p>
-            <a:r>
-              <a:rPr lang="en-US" sz="1600" dirty="0">
-                <a:latin typeface="Arial Nova" panose="020B0504020202020204" pitchFamily="34" charset="0"/>
-              </a:rPr>
-              <a:t>('the', 'DET', 'Resistance', 'det’), </a:t>
-            </a:r>
-          </a:p>
-          <a:p>
-            <a:r>
-              <a:rPr lang="en-US" sz="1600" dirty="0">
-                <a:latin typeface="Arial Nova" panose="020B0504020202020204" pitchFamily="34" charset="0"/>
-              </a:rPr>
-              <a:t>('Resistance', 'PROPN', 'of', '</a:t>
-            </a:r>
-            <a:r>
-              <a:rPr lang="en-US" sz="1600" dirty="0" err="1">
-                <a:latin typeface="Arial Nova" panose="020B0504020202020204" pitchFamily="34" charset="0"/>
-              </a:rPr>
-              <a:t>pobj</a:t>
-            </a:r>
-            <a:r>
-              <a:rPr lang="en-US" sz="1600" dirty="0">
-                <a:latin typeface="Arial Nova" panose="020B0504020202020204" pitchFamily="34" charset="0"/>
-              </a:rPr>
-              <a:t>’), </a:t>
-            </a:r>
-          </a:p>
-          <a:p>
-            <a:r>
-              <a:rPr lang="en-US" sz="1600" dirty="0">
-                <a:latin typeface="Arial Nova" panose="020B0504020202020204" pitchFamily="34" charset="0"/>
-              </a:rPr>
-              <a:t>('?', 'PUNCT', 'Is', '</a:t>
-            </a:r>
-            <a:r>
-              <a:rPr lang="en-US" sz="1600" dirty="0" err="1">
-                <a:latin typeface="Arial Nova" panose="020B0504020202020204" pitchFamily="34" charset="0"/>
-              </a:rPr>
-              <a:t>punct</a:t>
-            </a:r>
-            <a:r>
-              <a:rPr lang="en-US" sz="1600" dirty="0">
-                <a:latin typeface="Arial Nova" panose="020B0504020202020204" pitchFamily="34" charset="0"/>
-              </a:rPr>
-              <a:t>')] </a:t>
-            </a:r>
-          </a:p>
-        </p:txBody>
-      </p:sp>
-    </p:spTree>
-    <p:extLst>
-      <p:ext uri="{BB962C8B-B14F-4D97-AF65-F5344CB8AC3E}">
-        <p14:creationId xmlns:p14="http://schemas.microsoft.com/office/powerpoint/2010/main" val="755099024"/>
-      </p:ext>
-    </p:extLst>
-  </p:cSld>
-  <p:clrMapOvr>
-    <a:masterClrMapping/>
-  </p:clrMapOvr>
-</p:sld>
-</file>
-
-<file path=ppt/slides/slide13.xml><?xml version="1.0" encoding="utf-8"?>
-<p:sld xmlns:a="http://schemas.openxmlformats.org/drawingml/2006/main" xmlns:r="http://schemas.openxmlformats.org/officeDocument/2006/relationships" xmlns:p="http://schemas.openxmlformats.org/presentationml/2006/main">
-  <p:cSld>
-    <p:spTree>
-      <p:nvGrpSpPr>
-        <p:cNvPr id="1" name=""/>
-        <p:cNvGrpSpPr/>
-        <p:nvPr/>
-      </p:nvGrpSpPr>
-      <p:grpSpPr>
-        <a:xfrm>
-          <a:off x="0" y="0"/>
-          <a:ext cx="0" cy="0"/>
-          <a:chOff x="0" y="0"/>
-          <a:chExt cx="0" cy="0"/>
-        </a:xfrm>
-      </p:grpSpPr>
-      <p:sp>
-        <p:nvSpPr>
-          <p:cNvPr id="4" name="Title 1">
-            <a:extLst>
-              <a:ext uri="{FF2B5EF4-FFF2-40B4-BE49-F238E27FC236}">
-                <a16:creationId xmlns:a16="http://schemas.microsoft.com/office/drawing/2014/main" id="{35E2284A-51F6-449C-832E-D85C77F5C63A}"/>
-              </a:ext>
-            </a:extLst>
-          </p:cNvPr>
-          <p:cNvSpPr txBox="1">
-            <a:spLocks/>
-          </p:cNvSpPr>
-          <p:nvPr/>
-        </p:nvSpPr>
-        <p:spPr>
-          <a:xfrm>
-            <a:off x="0" y="1"/>
-            <a:ext cx="12192000" cy="1141581"/>
-          </a:xfrm>
-          <a:prstGeom prst="rect">
-            <a:avLst/>
-          </a:prstGeom>
-          <a:solidFill>
-            <a:schemeClr val="tx2">
-              <a:lumMod val="75000"/>
-            </a:schemeClr>
-          </a:solidFill>
-        </p:spPr>
-        <p:txBody>
-          <a:bodyPr vert="horz" lIns="91440" tIns="45720" rIns="91440" bIns="45720" rtlCol="0" anchor="ctr">
-            <a:normAutofit/>
-          </a:bodyPr>
-          <a:lstStyle>
-            <a:lvl1pPr algn="l" defTabSz="914400" rtl="0" eaLnBrk="1" latinLnBrk="0" hangingPunct="1">
-              <a:lnSpc>
-                <a:spcPct val="90000"/>
-              </a:lnSpc>
-              <a:spcBef>
-                <a:spcPct val="0"/>
-              </a:spcBef>
-              <a:buNone/>
-              <a:defRPr sz="4400" kern="1200">
-                <a:solidFill>
-                  <a:schemeClr val="tx1"/>
-                </a:solidFill>
-                <a:latin typeface="+mj-lt"/>
-                <a:ea typeface="+mj-ea"/>
-                <a:cs typeface="+mj-cs"/>
-              </a:defRPr>
-            </a:lvl1pPr>
-          </a:lstStyle>
-          <a:p>
-            <a:r>
-              <a:rPr lang="en-US" sz="4800" dirty="0">
-                <a:solidFill>
-                  <a:schemeClr val="bg1"/>
-                </a:solidFill>
-              </a:rPr>
-              <a:t>   </a:t>
-            </a:r>
-            <a:r>
-              <a:rPr lang="en-US" sz="5700" dirty="0">
-                <a:solidFill>
-                  <a:schemeClr val="bg1"/>
-                </a:solidFill>
-              </a:rPr>
-              <a:t>Disney Q and A</a:t>
-            </a:r>
-          </a:p>
-        </p:txBody>
-      </p:sp>
-      <p:pic>
-        <p:nvPicPr>
-          <p:cNvPr id="3" name="Picture 2">
-            <a:extLst>
-              <a:ext uri="{FF2B5EF4-FFF2-40B4-BE49-F238E27FC236}">
-                <a16:creationId xmlns:a16="http://schemas.microsoft.com/office/drawing/2014/main" id="{834A208E-417F-49AC-9426-4F8C3F7C190D}"/>
-              </a:ext>
-            </a:extLst>
-          </p:cNvPr>
-          <p:cNvPicPr>
-            <a:picLocks noChangeAspect="1"/>
-          </p:cNvPicPr>
-          <p:nvPr/>
-        </p:nvPicPr>
-        <p:blipFill>
-          <a:blip r:embed="rId2"/>
-          <a:stretch>
-            <a:fillRect/>
-          </a:stretch>
-        </p:blipFill>
-        <p:spPr>
-          <a:xfrm>
-            <a:off x="8134350" y="693019"/>
-            <a:ext cx="4057650" cy="447675"/>
-          </a:xfrm>
-          <a:prstGeom prst="rect">
-            <a:avLst/>
-          </a:prstGeom>
-        </p:spPr>
-      </p:pic>
-      <p:sp>
-        <p:nvSpPr>
-          <p:cNvPr id="6" name="TextBox 5">
-            <a:extLst>
-              <a:ext uri="{FF2B5EF4-FFF2-40B4-BE49-F238E27FC236}">
-                <a16:creationId xmlns:a16="http://schemas.microsoft.com/office/drawing/2014/main" id="{C2496BB0-CD97-4CC4-A02C-F2FA921F8C66}"/>
-              </a:ext>
-            </a:extLst>
-          </p:cNvPr>
-          <p:cNvSpPr txBox="1"/>
-          <p:nvPr/>
-        </p:nvSpPr>
-        <p:spPr>
-          <a:xfrm>
-            <a:off x="751691" y="4132992"/>
-            <a:ext cx="1398694" cy="461665"/>
-          </a:xfrm>
-          <a:prstGeom prst="rect">
-            <a:avLst/>
-          </a:prstGeom>
-          <a:noFill/>
-        </p:spPr>
-        <p:txBody>
-          <a:bodyPr wrap="square" rtlCol="0">
-            <a:spAutoFit/>
-          </a:bodyPr>
-          <a:lstStyle/>
-          <a:p>
-            <a:r>
-              <a:rPr lang="en-US" sz="2400" dirty="0">
-                <a:solidFill>
-                  <a:schemeClr val="accent5">
-                    <a:lumMod val="75000"/>
-                  </a:schemeClr>
-                </a:solidFill>
-              </a:rPr>
               <a:t>Leigh</a:t>
             </a:r>
             <a:endParaRPr lang="en-US" sz="2400" dirty="0"/>
@@ -4379,10 +4100,10 @@
       </p:sp>
       <p:sp>
         <p:nvSpPr>
-          <p:cNvPr id="11" name="TextBox 10">
-            <a:extLst>
-              <a:ext uri="{FF2B5EF4-FFF2-40B4-BE49-F238E27FC236}">
-                <a16:creationId xmlns:a16="http://schemas.microsoft.com/office/drawing/2014/main" id="{93DD85CF-A4A1-454E-87E8-D406DAEF9DB1}"/>
+          <p:cNvPr id="12" name="TextBox 11">
+            <a:extLst>
+              <a:ext uri="{FF2B5EF4-FFF2-40B4-BE49-F238E27FC236}">
+                <a16:creationId xmlns:a16="http://schemas.microsoft.com/office/drawing/2014/main" id="{DE31C04A-42AF-4877-844A-078A01154B38}"/>
               </a:ext>
             </a:extLst>
           </p:cNvPr>
@@ -4391,8 +4112,8 @@
         </p:nvSpPr>
         <p:spPr>
           <a:xfrm>
-            <a:off x="1225118" y="4662164"/>
-            <a:ext cx="8167456" cy="338554"/>
+            <a:off x="1225118" y="4676156"/>
+            <a:ext cx="2645546" cy="338554"/>
           </a:xfrm>
           <a:prstGeom prst="rect">
             <a:avLst/>
@@ -4409,17 +4130,17 @@
               <a:rPr lang="en-US" sz="1600" dirty="0">
                 <a:latin typeface="Arial Nova" panose="020B0504020202020204" pitchFamily="34" charset="0"/>
               </a:rPr>
-              <a:t>Information Retrieval code outline</a:t>
-            </a:r>
-          </a:p>
-        </p:txBody>
-      </p:sp>
-      <p:sp>
-        <p:nvSpPr>
-          <p:cNvPr id="12" name="TextBox 11">
-            <a:extLst>
-              <a:ext uri="{FF2B5EF4-FFF2-40B4-BE49-F238E27FC236}">
-                <a16:creationId xmlns:a16="http://schemas.microsoft.com/office/drawing/2014/main" id="{DE31C04A-42AF-4877-844A-078A01154B38}"/>
+              <a:t>Question Processing</a:t>
+            </a:r>
+          </a:p>
+        </p:txBody>
+      </p:sp>
+      <p:sp>
+        <p:nvSpPr>
+          <p:cNvPr id="13" name="TextBox 12">
+            <a:extLst>
+              <a:ext uri="{FF2B5EF4-FFF2-40B4-BE49-F238E27FC236}">
+                <a16:creationId xmlns:a16="http://schemas.microsoft.com/office/drawing/2014/main" id="{54817F14-BB70-4614-96E6-EC5B2C419BDD}"/>
               </a:ext>
             </a:extLst>
           </p:cNvPr>
@@ -4428,7 +4149,7 @@
         </p:nvSpPr>
         <p:spPr>
           <a:xfrm>
-            <a:off x="1225118" y="5028613"/>
+            <a:off x="1225118" y="3588765"/>
             <a:ext cx="8167456" cy="338554"/>
           </a:xfrm>
           <a:prstGeom prst="rect">
@@ -4446,17 +4167,17 @@
               <a:rPr lang="en-US" sz="1600" dirty="0">
                 <a:latin typeface="Arial Nova" panose="020B0504020202020204" pitchFamily="34" charset="0"/>
               </a:rPr>
-              <a:t>Question Processing</a:t>
-            </a:r>
-          </a:p>
-        </p:txBody>
-      </p:sp>
-      <p:sp>
-        <p:nvSpPr>
-          <p:cNvPr id="13" name="TextBox 12">
-            <a:extLst>
-              <a:ext uri="{FF2B5EF4-FFF2-40B4-BE49-F238E27FC236}">
-                <a16:creationId xmlns:a16="http://schemas.microsoft.com/office/drawing/2014/main" id="{54817F14-BB70-4614-96E6-EC5B2C419BDD}"/>
+              <a:t>???? Training a model on the Questions and Answers? Document Retrieval Code?</a:t>
+            </a:r>
+          </a:p>
+        </p:txBody>
+      </p:sp>
+      <p:sp>
+        <p:nvSpPr>
+          <p:cNvPr id="14" name="TextBox 13">
+            <a:extLst>
+              <a:ext uri="{FF2B5EF4-FFF2-40B4-BE49-F238E27FC236}">
+                <a16:creationId xmlns:a16="http://schemas.microsoft.com/office/drawing/2014/main" id="{4746B784-0582-44BD-8EA8-76BAEF10893A}"/>
               </a:ext>
             </a:extLst>
           </p:cNvPr>
@@ -4465,8 +4186,8 @@
         </p:nvSpPr>
         <p:spPr>
           <a:xfrm>
-            <a:off x="1225118" y="3588765"/>
-            <a:ext cx="8167456" cy="338554"/>
+            <a:off x="1225118" y="5107293"/>
+            <a:ext cx="2645546" cy="338554"/>
           </a:xfrm>
           <a:prstGeom prst="rect">
             <a:avLst/>
@@ -4483,44 +4204,7 @@
               <a:rPr lang="en-US" sz="1600" dirty="0">
                 <a:latin typeface="Arial Nova" panose="020B0504020202020204" pitchFamily="34" charset="0"/>
               </a:rPr>
-              <a:t>???? Training a model on the Questions and Answers? Document Retrieval Code?</a:t>
-            </a:r>
-          </a:p>
-        </p:txBody>
-      </p:sp>
-      <p:sp>
-        <p:nvSpPr>
-          <p:cNvPr id="14" name="TextBox 13">
-            <a:extLst>
-              <a:ext uri="{FF2B5EF4-FFF2-40B4-BE49-F238E27FC236}">
-                <a16:creationId xmlns:a16="http://schemas.microsoft.com/office/drawing/2014/main" id="{4746B784-0582-44BD-8EA8-76BAEF10893A}"/>
-              </a:ext>
-            </a:extLst>
-          </p:cNvPr>
-          <p:cNvSpPr txBox="1"/>
-          <p:nvPr/>
-        </p:nvSpPr>
-        <p:spPr>
-          <a:xfrm>
-            <a:off x="1225118" y="5468628"/>
-            <a:ext cx="8167456" cy="338554"/>
-          </a:xfrm>
-          <a:prstGeom prst="rect">
-            <a:avLst/>
-          </a:prstGeom>
-          <a:noFill/>
-        </p:spPr>
-        <p:txBody>
-          <a:bodyPr wrap="square" rtlCol="0">
-            <a:spAutoFit/>
-          </a:bodyPr>
-          <a:lstStyle/>
-          <a:p>
-            <a:r>
-              <a:rPr lang="en-US" sz="1600" dirty="0">
-                <a:latin typeface="Arial Nova" panose="020B0504020202020204" pitchFamily="34" charset="0"/>
-              </a:rPr>
-              <a:t>???? Some other code</a:t>
+              <a:t>Answer Processing</a:t>
             </a:r>
           </a:p>
         </p:txBody>
@@ -4538,7 +4222,7 @@
 </p:sld>
 </file>
 
-<file path=ppt/slides/slide14.xml><?xml version="1.0" encoding="utf-8"?>
+<file path=ppt/slides/slide12.xml><?xml version="1.0" encoding="utf-8"?>
 <p:sld xmlns:a="http://schemas.openxmlformats.org/drawingml/2006/main" xmlns:r="http://schemas.openxmlformats.org/officeDocument/2006/relationships" xmlns:p="http://schemas.openxmlformats.org/presentationml/2006/main">
   <p:cSld>
     <p:spTree>
@@ -6119,10 +5803,10 @@
       </p:pic>
       <p:sp>
         <p:nvSpPr>
-          <p:cNvPr id="6" name="TextBox 5">
-            <a:extLst>
-              <a:ext uri="{FF2B5EF4-FFF2-40B4-BE49-F238E27FC236}">
-                <a16:creationId xmlns:a16="http://schemas.microsoft.com/office/drawing/2014/main" id="{3BED0B0D-116A-4672-89D0-88D18E56949D}"/>
+          <p:cNvPr id="15" name="TextBox 14">
+            <a:extLst>
+              <a:ext uri="{FF2B5EF4-FFF2-40B4-BE49-F238E27FC236}">
+                <a16:creationId xmlns:a16="http://schemas.microsoft.com/office/drawing/2014/main" id="{7AC26081-C000-4315-84CA-F800F78B0ED7}"/>
               </a:ext>
             </a:extLst>
           </p:cNvPr>
@@ -6131,56 +5815,8 @@
         </p:nvSpPr>
         <p:spPr>
           <a:xfrm>
-            <a:off x="432095" y="4280820"/>
-            <a:ext cx="5926306" cy="461665"/>
-          </a:xfrm>
-          <a:prstGeom prst="rect">
-            <a:avLst/>
-          </a:prstGeom>
-          <a:noFill/>
-        </p:spPr>
-        <p:txBody>
-          <a:bodyPr wrap="square" rtlCol="0">
-            <a:spAutoFit/>
-          </a:bodyPr>
-          <a:lstStyle>
-            <a:defPPr>
-              <a:defRPr lang="en-US"/>
-            </a:defPPr>
-            <a:lvl1pPr>
-              <a:defRPr sz="2400">
-                <a:solidFill>
-                  <a:schemeClr val="accent5">
-                    <a:lumMod val="75000"/>
-                  </a:schemeClr>
-                </a:solidFill>
-              </a:defRPr>
-            </a:lvl1pPr>
-          </a:lstStyle>
-          <a:p>
-            <a:r>
-              <a:rPr lang="en-US" dirty="0"/>
-              <a:t>POS tags</a:t>
-            </a:r>
-          </a:p>
-        </p:txBody>
-      </p:sp>
-      <p:sp>
-        <p:nvSpPr>
-          <p:cNvPr id="15" name="TextBox 14">
-            <a:extLst>
-              <a:ext uri="{FF2B5EF4-FFF2-40B4-BE49-F238E27FC236}">
-                <a16:creationId xmlns:a16="http://schemas.microsoft.com/office/drawing/2014/main" id="{7AC26081-C000-4315-84CA-F800F78B0ED7}"/>
-              </a:ext>
-            </a:extLst>
-          </p:cNvPr>
-          <p:cNvSpPr txBox="1"/>
-          <p:nvPr/>
-        </p:nvSpPr>
-        <p:spPr>
-          <a:xfrm>
             <a:off x="432095" y="1576276"/>
-            <a:ext cx="1398694" cy="461665"/>
+            <a:ext cx="2932542" cy="461665"/>
           </a:xfrm>
           <a:prstGeom prst="rect">
             <a:avLst/>
@@ -6201,7 +5837,7 @@
                   </a:schemeClr>
                 </a:solidFill>
               </a:rPr>
-              <a:t>Question</a:t>
+              <a:t>Question Features</a:t>
             </a:r>
             <a:endParaRPr lang="en-US" sz="2400" dirty="0"/>
           </a:p>
@@ -6221,8 +5857,8 @@
         </p:nvSpPr>
         <p:spPr>
           <a:xfrm>
-            <a:off x="798990" y="2097275"/>
-            <a:ext cx="1031799" cy="338554"/>
+            <a:off x="577047" y="2257032"/>
+            <a:ext cx="5797120" cy="338554"/>
           </a:xfrm>
           <a:prstGeom prst="rect">
             <a:avLst/>
@@ -6239,17 +5875,29 @@
               <a:rPr lang="en-US" sz="1600" dirty="0">
                 <a:latin typeface="Arial Nova" panose="020B0504020202020204" pitchFamily="34" charset="0"/>
               </a:rPr>
-              <a:t>Tokenize</a:t>
-            </a:r>
-          </a:p>
-        </p:txBody>
-      </p:sp>
-      <p:sp>
-        <p:nvSpPr>
-          <p:cNvPr id="18" name="TextBox 17">
-            <a:extLst>
-              <a:ext uri="{FF2B5EF4-FFF2-40B4-BE49-F238E27FC236}">
-                <a16:creationId xmlns:a16="http://schemas.microsoft.com/office/drawing/2014/main" id="{36A60B6E-161D-4B90-B6CC-192DE2A8D1A0}"/>
+              <a:t>Tokenize, Remove </a:t>
+            </a:r>
+            <a:r>
+              <a:rPr lang="en-US" sz="1600" dirty="0" err="1">
+                <a:latin typeface="Arial Nova" panose="020B0504020202020204" pitchFamily="34" charset="0"/>
+              </a:rPr>
+              <a:t>stopwords</a:t>
+            </a:r>
+            <a:r>
+              <a:rPr lang="en-US" sz="1600" dirty="0">
+                <a:latin typeface="Arial Nova" panose="020B0504020202020204" pitchFamily="34" charset="0"/>
+              </a:rPr>
+              <a:t>, POS tags</a:t>
+            </a:r>
+          </a:p>
+        </p:txBody>
+      </p:sp>
+      <p:sp>
+        <p:nvSpPr>
+          <p:cNvPr id="22" name="TextBox 21">
+            <a:extLst>
+              <a:ext uri="{FF2B5EF4-FFF2-40B4-BE49-F238E27FC236}">
+                <a16:creationId xmlns:a16="http://schemas.microsoft.com/office/drawing/2014/main" id="{BBD0AA67-5D0D-4017-8258-7B8EB0C35403}"/>
               </a:ext>
             </a:extLst>
           </p:cNvPr>
@@ -6258,8 +5906,8 @@
         </p:nvSpPr>
         <p:spPr>
           <a:xfrm>
-            <a:off x="905522" y="4683899"/>
-            <a:ext cx="8673484" cy="584775"/>
+            <a:off x="6636131" y="1956349"/>
+            <a:ext cx="5104660" cy="338554"/>
           </a:xfrm>
           <a:prstGeom prst="rect">
             <a:avLst/>
@@ -6274,27 +5922,19 @@
           <a:p>
             <a:r>
               <a:rPr lang="en-US" sz="1600" dirty="0">
-                <a:latin typeface="Arial Nova" panose="020B0504020202020204" pitchFamily="34" charset="0"/>
-              </a:rPr>
-              <a:t>[('height', 'ADJ'), ('requirement', 'NOUN'), ('star', 'NOUN'), ('wars', 'NOUN'), (':', '.’),</a:t>
-            </a:r>
-          </a:p>
-          <a:p>
-            <a:r>
-              <a:rPr lang="en-US" sz="1600" dirty="0">
-                <a:latin typeface="Arial Nova" panose="020B0504020202020204" pitchFamily="34" charset="0"/>
-              </a:rPr>
-              <a:t> ('rise', 'NOUN'), ('resistance', 'NOUN'), ('?', '.')] </a:t>
-            </a:r>
-          </a:p>
-        </p:txBody>
-      </p:sp>
-      <p:sp>
-        <p:nvSpPr>
-          <p:cNvPr id="14" name="TextBox 13">
-            <a:extLst>
-              <a:ext uri="{FF2B5EF4-FFF2-40B4-BE49-F238E27FC236}">
-                <a16:creationId xmlns:a16="http://schemas.microsoft.com/office/drawing/2014/main" id="{6ABB4430-40F4-4760-9B52-FB1461F76277}"/>
+                <a:latin typeface="+mj-lt"/>
+              </a:rPr>
+              <a:t>Search for matches to our Disney entity list</a:t>
+            </a:r>
+          </a:p>
+        </p:txBody>
+      </p:sp>
+      <p:sp>
+        <p:nvSpPr>
+          <p:cNvPr id="24" name="TextBox 23">
+            <a:extLst>
+              <a:ext uri="{FF2B5EF4-FFF2-40B4-BE49-F238E27FC236}">
+                <a16:creationId xmlns:a16="http://schemas.microsoft.com/office/drawing/2014/main" id="{F639C43D-6D3A-4FF2-894C-7375B9F33A50}"/>
               </a:ext>
             </a:extLst>
           </p:cNvPr>
@@ -6303,7 +5943,7 @@
         </p:nvSpPr>
         <p:spPr>
           <a:xfrm>
-            <a:off x="798989" y="2524907"/>
+            <a:off x="583220" y="2760736"/>
             <a:ext cx="2373804" cy="338554"/>
           </a:xfrm>
           <a:prstGeom prst="rect">
@@ -6321,26 +5961,17 @@
               <a:rPr lang="en-US" sz="1600" dirty="0">
                 <a:latin typeface="Arial Nova" panose="020B0504020202020204" pitchFamily="34" charset="0"/>
               </a:rPr>
-              <a:t>Remove </a:t>
-            </a:r>
-            <a:r>
-              <a:rPr lang="en-US" sz="1600" dirty="0" err="1">
-                <a:latin typeface="Arial Nova" panose="020B0504020202020204" pitchFamily="34" charset="0"/>
-              </a:rPr>
-              <a:t>stopwords</a:t>
-            </a:r>
-            <a:endParaRPr lang="en-US" sz="1600" dirty="0">
-              <a:latin typeface="Arial Nova" panose="020B0504020202020204" pitchFamily="34" charset="0"/>
-            </a:endParaRPr>
-          </a:p>
-        </p:txBody>
-      </p:sp>
-      <p:sp>
-        <p:nvSpPr>
-          <p:cNvPr id="19" name="TextBox 18">
-            <a:extLst>
-              <a:ext uri="{FF2B5EF4-FFF2-40B4-BE49-F238E27FC236}">
-                <a16:creationId xmlns:a16="http://schemas.microsoft.com/office/drawing/2014/main" id="{BB12F33B-1B89-4FA5-838A-2B7D9817C264}"/>
+              <a:t>Get question words</a:t>
+            </a:r>
+          </a:p>
+        </p:txBody>
+      </p:sp>
+      <p:sp>
+        <p:nvSpPr>
+          <p:cNvPr id="32" name="TextBox 31">
+            <a:extLst>
+              <a:ext uri="{FF2B5EF4-FFF2-40B4-BE49-F238E27FC236}">
+                <a16:creationId xmlns:a16="http://schemas.microsoft.com/office/drawing/2014/main" id="{A9722474-60B8-4067-B5FC-4D54D39FA4CC}"/>
               </a:ext>
             </a:extLst>
           </p:cNvPr>
@@ -6349,8 +5980,8 @@
         </p:nvSpPr>
         <p:spPr>
           <a:xfrm>
-            <a:off x="798989" y="3015861"/>
-            <a:ext cx="2373804" cy="338554"/>
+            <a:off x="1536809" y="4327307"/>
+            <a:ext cx="5175682" cy="338554"/>
           </a:xfrm>
           <a:prstGeom prst="rect">
             <a:avLst/>
@@ -6365,13 +5996,334 @@
           <a:p>
             <a:r>
               <a:rPr lang="en-US" sz="1600" dirty="0">
+                <a:latin typeface="+mj-lt"/>
+              </a:rPr>
+              <a:t>Dependency parsing (</a:t>
+            </a:r>
+            <a:r>
+              <a:rPr lang="en-US" sz="1600" dirty="0" err="1">
+                <a:latin typeface="+mj-lt"/>
+              </a:rPr>
+              <a:t>spaCy</a:t>
+            </a:r>
+            <a:r>
+              <a:rPr lang="en-US" sz="1600" dirty="0">
+                <a:latin typeface="+mj-lt"/>
+              </a:rPr>
+              <a:t>)</a:t>
+            </a:r>
+          </a:p>
+        </p:txBody>
+      </p:sp>
+      <p:sp>
+        <p:nvSpPr>
+          <p:cNvPr id="33" name="TextBox 32">
+            <a:extLst>
+              <a:ext uri="{FF2B5EF4-FFF2-40B4-BE49-F238E27FC236}">
+                <a16:creationId xmlns:a16="http://schemas.microsoft.com/office/drawing/2014/main" id="{8D07D361-3292-4C50-9096-7C115EECA327}"/>
+              </a:ext>
+            </a:extLst>
+          </p:cNvPr>
+          <p:cNvSpPr txBox="1"/>
+          <p:nvPr/>
+        </p:nvSpPr>
+        <p:spPr>
+          <a:xfrm>
+            <a:off x="1875133" y="4628173"/>
+            <a:ext cx="2373804" cy="338554"/>
+          </a:xfrm>
+          <a:prstGeom prst="rect">
+            <a:avLst/>
+          </a:prstGeom>
+          <a:noFill/>
+        </p:spPr>
+        <p:txBody>
+          <a:bodyPr wrap="square" rtlCol="0">
+            <a:spAutoFit/>
+          </a:bodyPr>
+          <a:lstStyle/>
+          <a:p>
+            <a:pPr marL="285750" indent="-285750">
+              <a:buFont typeface="Arial" panose="020B0604020202020204" pitchFamily="34" charset="0"/>
+              <a:buChar char="•"/>
+            </a:pPr>
+            <a:r>
+              <a:rPr lang="en-US" sz="1600" dirty="0">
+                <a:latin typeface="+mj-lt"/>
+              </a:rPr>
+              <a:t>Root word</a:t>
+            </a:r>
+          </a:p>
+        </p:txBody>
+      </p:sp>
+      <p:sp>
+        <p:nvSpPr>
+          <p:cNvPr id="34" name="TextBox 33">
+            <a:extLst>
+              <a:ext uri="{FF2B5EF4-FFF2-40B4-BE49-F238E27FC236}">
+                <a16:creationId xmlns:a16="http://schemas.microsoft.com/office/drawing/2014/main" id="{A2E1125C-9A42-4835-9C1E-71612ADDABFE}"/>
+              </a:ext>
+            </a:extLst>
+          </p:cNvPr>
+          <p:cNvSpPr txBox="1"/>
+          <p:nvPr/>
+        </p:nvSpPr>
+        <p:spPr>
+          <a:xfrm>
+            <a:off x="1875133" y="4939880"/>
+            <a:ext cx="4118268" cy="338554"/>
+          </a:xfrm>
+          <a:prstGeom prst="rect">
+            <a:avLst/>
+          </a:prstGeom>
+          <a:noFill/>
+        </p:spPr>
+        <p:txBody>
+          <a:bodyPr wrap="square" rtlCol="0">
+            <a:spAutoFit/>
+          </a:bodyPr>
+          <a:lstStyle/>
+          <a:p>
+            <a:pPr marL="285750" indent="-285750">
+              <a:buFont typeface="Arial" panose="020B0604020202020204" pitchFamily="34" charset="0"/>
+              <a:buChar char="•"/>
+            </a:pPr>
+            <a:r>
+              <a:rPr lang="en-US" sz="1600" dirty="0">
+                <a:latin typeface="+mj-lt"/>
+              </a:rPr>
+              <a:t>Words dependent on root</a:t>
+            </a:r>
+          </a:p>
+        </p:txBody>
+      </p:sp>
+      <p:sp>
+        <p:nvSpPr>
+          <p:cNvPr id="35" name="TextBox 34">
+            <a:extLst>
+              <a:ext uri="{FF2B5EF4-FFF2-40B4-BE49-F238E27FC236}">
+                <a16:creationId xmlns:a16="http://schemas.microsoft.com/office/drawing/2014/main" id="{3F09A8CD-83B8-4A2B-8876-A4FDCAC9D88A}"/>
+              </a:ext>
+            </a:extLst>
+          </p:cNvPr>
+          <p:cNvSpPr txBox="1"/>
+          <p:nvPr/>
+        </p:nvSpPr>
+        <p:spPr>
+          <a:xfrm>
+            <a:off x="1875133" y="5283410"/>
+            <a:ext cx="4118268" cy="338554"/>
+          </a:xfrm>
+          <a:prstGeom prst="rect">
+            <a:avLst/>
+          </a:prstGeom>
+          <a:noFill/>
+        </p:spPr>
+        <p:txBody>
+          <a:bodyPr wrap="square" rtlCol="0">
+            <a:spAutoFit/>
+          </a:bodyPr>
+          <a:lstStyle/>
+          <a:p>
+            <a:pPr marL="285750" indent="-285750">
+              <a:buFont typeface="Arial" panose="020B0604020202020204" pitchFamily="34" charset="0"/>
+              <a:buChar char="•"/>
+            </a:pPr>
+            <a:r>
+              <a:rPr lang="en-US" sz="1600" dirty="0">
+                <a:latin typeface="+mj-lt"/>
+              </a:rPr>
+              <a:t>Nouns dependent on root</a:t>
+            </a:r>
+          </a:p>
+        </p:txBody>
+      </p:sp>
+      <p:sp>
+        <p:nvSpPr>
+          <p:cNvPr id="36" name="TextBox 35">
+            <a:extLst>
+              <a:ext uri="{FF2B5EF4-FFF2-40B4-BE49-F238E27FC236}">
+                <a16:creationId xmlns:a16="http://schemas.microsoft.com/office/drawing/2014/main" id="{164D9F7B-3314-4E95-A69B-76493B73626A}"/>
+              </a:ext>
+            </a:extLst>
+          </p:cNvPr>
+          <p:cNvSpPr txBox="1"/>
+          <p:nvPr/>
+        </p:nvSpPr>
+        <p:spPr>
+          <a:xfrm>
+            <a:off x="1875133" y="5608326"/>
+            <a:ext cx="4837358" cy="338554"/>
+          </a:xfrm>
+          <a:prstGeom prst="rect">
+            <a:avLst/>
+          </a:prstGeom>
+          <a:noFill/>
+        </p:spPr>
+        <p:txBody>
+          <a:bodyPr wrap="square" rtlCol="0">
+            <a:spAutoFit/>
+          </a:bodyPr>
+          <a:lstStyle/>
+          <a:p>
+            <a:pPr marL="285750" indent="-285750">
+              <a:buFont typeface="Arial" panose="020B0604020202020204" pitchFamily="34" charset="0"/>
+              <a:buChar char="•"/>
+            </a:pPr>
+            <a:r>
+              <a:rPr lang="en-US" sz="1600" dirty="0">
+                <a:latin typeface="+mj-lt"/>
+              </a:rPr>
+              <a:t>Adjectives that describe these nouns</a:t>
+            </a:r>
+          </a:p>
+        </p:txBody>
+      </p:sp>
+      <p:sp>
+        <p:nvSpPr>
+          <p:cNvPr id="37" name="TextBox 36">
+            <a:extLst>
+              <a:ext uri="{FF2B5EF4-FFF2-40B4-BE49-F238E27FC236}">
+                <a16:creationId xmlns:a16="http://schemas.microsoft.com/office/drawing/2014/main" id="{5E71B372-7C47-451C-A78F-A0EFBA972485}"/>
+              </a:ext>
+            </a:extLst>
+          </p:cNvPr>
+          <p:cNvSpPr txBox="1"/>
+          <p:nvPr/>
+        </p:nvSpPr>
+        <p:spPr>
+          <a:xfrm>
+            <a:off x="1875133" y="5920464"/>
+            <a:ext cx="5529818" cy="338554"/>
+          </a:xfrm>
+          <a:prstGeom prst="rect">
+            <a:avLst/>
+          </a:prstGeom>
+          <a:noFill/>
+        </p:spPr>
+        <p:txBody>
+          <a:bodyPr wrap="square" rtlCol="0">
+            <a:spAutoFit/>
+          </a:bodyPr>
+          <a:lstStyle/>
+          <a:p>
+            <a:pPr marL="285750" indent="-285750">
+              <a:buFont typeface="Arial" panose="020B0604020202020204" pitchFamily="34" charset="0"/>
+              <a:buChar char="•"/>
+            </a:pPr>
+            <a:r>
+              <a:rPr lang="en-US" sz="1600" dirty="0">
+                <a:latin typeface="+mj-lt"/>
+              </a:rPr>
+              <a:t>Nouns that make them a compound word</a:t>
+            </a:r>
+          </a:p>
+        </p:txBody>
+      </p:sp>
+      <p:sp>
+        <p:nvSpPr>
+          <p:cNvPr id="40" name="TextBox 39">
+            <a:extLst>
+              <a:ext uri="{FF2B5EF4-FFF2-40B4-BE49-F238E27FC236}">
+                <a16:creationId xmlns:a16="http://schemas.microsoft.com/office/drawing/2014/main" id="{D9F05604-91D3-4023-BE41-0344FE350941}"/>
+              </a:ext>
+            </a:extLst>
+          </p:cNvPr>
+          <p:cNvSpPr txBox="1"/>
+          <p:nvPr/>
+        </p:nvSpPr>
+        <p:spPr>
+          <a:xfrm>
+            <a:off x="583220" y="3240439"/>
+            <a:ext cx="2373804" cy="338554"/>
+          </a:xfrm>
+          <a:prstGeom prst="rect">
+            <a:avLst/>
+          </a:prstGeom>
+          <a:noFill/>
+        </p:spPr>
+        <p:txBody>
+          <a:bodyPr wrap="square" rtlCol="0">
+            <a:spAutoFit/>
+          </a:bodyPr>
+          <a:lstStyle/>
+          <a:p>
+            <a:r>
+              <a:rPr lang="en-US" sz="1600" dirty="0">
                 <a:latin typeface="Arial Nova" panose="020B0504020202020204" pitchFamily="34" charset="0"/>
               </a:rPr>
-              <a:t>POS tags</a:t>
-            </a:r>
-          </a:p>
-        </p:txBody>
-      </p:sp>
+              <a:t>Get head words</a:t>
+            </a:r>
+          </a:p>
+        </p:txBody>
+      </p:sp>
+      <p:sp>
+        <p:nvSpPr>
+          <p:cNvPr id="41" name="TextBox 40">
+            <a:extLst>
+              <a:ext uri="{FF2B5EF4-FFF2-40B4-BE49-F238E27FC236}">
+                <a16:creationId xmlns:a16="http://schemas.microsoft.com/office/drawing/2014/main" id="{E0B2ED7E-A549-445F-8D06-C0F9D54BA683}"/>
+              </a:ext>
+            </a:extLst>
+          </p:cNvPr>
+          <p:cNvSpPr txBox="1"/>
+          <p:nvPr/>
+        </p:nvSpPr>
+        <p:spPr>
+          <a:xfrm>
+            <a:off x="603681" y="3720142"/>
+            <a:ext cx="2373804" cy="338554"/>
+          </a:xfrm>
+          <a:prstGeom prst="rect">
+            <a:avLst/>
+          </a:prstGeom>
+          <a:noFill/>
+        </p:spPr>
+        <p:txBody>
+          <a:bodyPr wrap="square" rtlCol="0">
+            <a:spAutoFit/>
+          </a:bodyPr>
+          <a:lstStyle/>
+          <a:p>
+            <a:r>
+              <a:rPr lang="en-US" sz="1600" dirty="0">
+                <a:latin typeface="Arial Nova" panose="020B0504020202020204" pitchFamily="34" charset="0"/>
+              </a:rPr>
+              <a:t>Get key words</a:t>
+            </a:r>
+          </a:p>
+        </p:txBody>
+      </p:sp>
+      <p:pic>
+        <p:nvPicPr>
+          <p:cNvPr id="10" name="Picture 9">
+            <a:extLst>
+              <a:ext uri="{FF2B5EF4-FFF2-40B4-BE49-F238E27FC236}">
+                <a16:creationId xmlns:a16="http://schemas.microsoft.com/office/drawing/2014/main" id="{FD319BC3-42AC-4316-BCAA-78BD0E1EB496}"/>
+              </a:ext>
+            </a:extLst>
+          </p:cNvPr>
+          <p:cNvPicPr>
+            <a:picLocks noChangeAspect="1"/>
+          </p:cNvPicPr>
+          <p:nvPr/>
+        </p:nvPicPr>
+        <p:blipFill>
+          <a:blip r:embed="rId3"/>
+          <a:stretch>
+            <a:fillRect/>
+          </a:stretch>
+        </p:blipFill>
+        <p:spPr>
+          <a:xfrm>
+            <a:off x="6712491" y="2490923"/>
+            <a:ext cx="4895850" cy="3295650"/>
+          </a:xfrm>
+          <a:prstGeom prst="rect">
+            <a:avLst/>
+          </a:prstGeom>
+        </p:spPr>
+      </p:pic>
     </p:spTree>
     <p:extLst>
       <p:ext uri="{BB962C8B-B14F-4D97-AF65-F5344CB8AC3E}">
@@ -6382,87 +6334,6 @@
   <p:clrMapOvr>
     <a:masterClrMapping/>
   </p:clrMapOvr>
-  <p:timing>
-    <p:tnLst>
-      <p:par>
-        <p:cTn id="1" dur="indefinite" restart="never" nodeType="tmRoot">
-          <p:childTnLst>
-            <p:seq concurrent="1" nextAc="seek">
-              <p:cTn id="2" dur="indefinite" nodeType="mainSeq">
-                <p:childTnLst>
-                  <p:par>
-                    <p:cTn id="3" fill="hold">
-                      <p:stCondLst>
-                        <p:cond delay="indefinite"/>
-                        <p:cond evt="onBegin" delay="0">
-                          <p:tn val="2"/>
-                        </p:cond>
-                      </p:stCondLst>
-                      <p:childTnLst>
-                        <p:par>
-                          <p:cTn id="4" fill="hold">
-                            <p:stCondLst>
-                              <p:cond delay="0"/>
-                            </p:stCondLst>
-                            <p:childTnLst>
-                              <p:par>
-                                <p:cTn id="5" presetID="1" presetClass="entr" presetSubtype="0" fill="hold" grpId="0" nodeType="withEffect">
-                                  <p:stCondLst>
-                                    <p:cond delay="0"/>
-                                  </p:stCondLst>
-                                  <p:childTnLst>
-                                    <p:set>
-                                      <p:cBhvr>
-                                        <p:cTn id="6" dur="1" fill="hold">
-                                          <p:stCondLst>
-                                            <p:cond delay="0"/>
-                                          </p:stCondLst>
-                                        </p:cTn>
-                                        <p:tgtEl>
-                                          <p:spTgt spid="6"/>
-                                        </p:tgtEl>
-                                        <p:attrNameLst>
-                                          <p:attrName>style.visibility</p:attrName>
-                                        </p:attrNameLst>
-                                      </p:cBhvr>
-                                      <p:to>
-                                        <p:strVal val="visible"/>
-                                      </p:to>
-                                    </p:set>
-                                  </p:childTnLst>
-                                </p:cTn>
-                              </p:par>
-                            </p:childTnLst>
-                          </p:cTn>
-                        </p:par>
-                      </p:childTnLst>
-                    </p:cTn>
-                  </p:par>
-                </p:childTnLst>
-              </p:cTn>
-              <p:prevCondLst>
-                <p:cond evt="onPrev" delay="0">
-                  <p:tgtEl>
-                    <p:sldTgt/>
-                  </p:tgtEl>
-                </p:cond>
-              </p:prevCondLst>
-              <p:nextCondLst>
-                <p:cond evt="onNext" delay="0">
-                  <p:tgtEl>
-                    <p:sldTgt/>
-                  </p:tgtEl>
-                </p:cond>
-              </p:nextCondLst>
-            </p:seq>
-          </p:childTnLst>
-        </p:cTn>
-      </p:par>
-    </p:tnLst>
-    <p:bldLst>
-      <p:bldP spid="6" grpId="0"/>
-    </p:bldLst>
-  </p:timing>
 </p:sld>
 </file>
 
@@ -6590,7 +6461,7 @@
         </p:nvSpPr>
         <p:spPr>
           <a:xfrm>
-            <a:off x="359085" y="1425799"/>
+            <a:off x="563516" y="1487330"/>
             <a:ext cx="5926306" cy="461665"/>
           </a:xfrm>
           <a:prstGeom prst="rect">
@@ -6619,17 +6490,17 @@
           <a:p>
             <a:r>
               <a:rPr lang="en-US" dirty="0"/>
-              <a:t>Dependency parsing</a:t>
-            </a:r>
-          </a:p>
-        </p:txBody>
-      </p:sp>
-      <p:sp>
-        <p:nvSpPr>
-          <p:cNvPr id="12" name="TextBox 11">
-            <a:extLst>
-              <a:ext uri="{FF2B5EF4-FFF2-40B4-BE49-F238E27FC236}">
-                <a16:creationId xmlns:a16="http://schemas.microsoft.com/office/drawing/2014/main" id="{421D8A2C-304E-4EB9-A1B6-B88EB6E470DF}"/>
+              <a:t>Answer Type</a:t>
+            </a:r>
+          </a:p>
+        </p:txBody>
+      </p:sp>
+      <p:sp>
+        <p:nvSpPr>
+          <p:cNvPr id="6" name="TextBox 5">
+            <a:extLst>
+              <a:ext uri="{FF2B5EF4-FFF2-40B4-BE49-F238E27FC236}">
+                <a16:creationId xmlns:a16="http://schemas.microsoft.com/office/drawing/2014/main" id="{39813786-76A3-48E5-B452-6AE43766D1A8}"/>
               </a:ext>
             </a:extLst>
           </p:cNvPr>
@@ -6638,8 +6509,8 @@
         </p:nvSpPr>
         <p:spPr>
           <a:xfrm>
-            <a:off x="905522" y="1833712"/>
-            <a:ext cx="10431262" cy="2800767"/>
+            <a:off x="563516" y="2035017"/>
+            <a:ext cx="8265112" cy="584775"/>
           </a:xfrm>
           <a:prstGeom prst="rect">
             <a:avLst/>
@@ -6656,7 +6527,7 @@
               <a:rPr lang="en-US" sz="1600" dirty="0">
                 <a:latin typeface="Arial Nova" panose="020B0504020202020204" pitchFamily="34" charset="0"/>
               </a:rPr>
-              <a:t>[('Is', 'AUX', 'Is', 'ROOT’), </a:t>
+              <a:t>Use question features to predict the answer type </a:t>
             </a:r>
           </a:p>
           <a:p>
@@ -6664,159 +6535,1675 @@
               <a:rPr lang="en-US" sz="1600" dirty="0">
                 <a:latin typeface="Arial Nova" panose="020B0504020202020204" pitchFamily="34" charset="0"/>
               </a:rPr>
-              <a:t>('there', 'PRON', 'Is', '</a:t>
+              <a:t>(</a:t>
             </a:r>
             <a:r>
               <a:rPr lang="en-US" sz="1600" dirty="0" err="1">
                 <a:latin typeface="Arial Nova" panose="020B0504020202020204" pitchFamily="34" charset="0"/>
               </a:rPr>
-              <a:t>expl</a:t>
+              <a:t>nltk</a:t>
             </a:r>
             <a:r>
               <a:rPr lang="en-US" sz="1600" dirty="0">
                 <a:latin typeface="Arial Nova" panose="020B0504020202020204" pitchFamily="34" charset="0"/>
               </a:rPr>
-              <a:t>’), </a:t>
-            </a:r>
-          </a:p>
-          <a:p>
+              <a:t> Naïve Bayes </a:t>
+            </a:r>
+            <a:r>
+              <a:rPr lang="en-US" sz="1600" dirty="0" err="1">
+                <a:latin typeface="Arial Nova" panose="020B0504020202020204" pitchFamily="34" charset="0"/>
+              </a:rPr>
+              <a:t>Classifer</a:t>
+            </a:r>
             <a:r>
               <a:rPr lang="en-US" sz="1600" dirty="0">
                 <a:latin typeface="Arial Nova" panose="020B0504020202020204" pitchFamily="34" charset="0"/>
               </a:rPr>
-              <a:t>('a', 'DET', 'requirement', 'det’), </a:t>
-            </a:r>
-          </a:p>
-          <a:p>
-            <a:r>
-              <a:rPr lang="en-US" sz="1600" dirty="0">
-                <a:latin typeface="Arial Nova" panose="020B0504020202020204" pitchFamily="34" charset="0"/>
-              </a:rPr>
-              <a:t>('height', 'NOUN', 'requirement', 'compound’), </a:t>
-            </a:r>
-          </a:p>
-          <a:p>
-            <a:r>
-              <a:rPr lang="en-US" sz="1600" dirty="0">
-                <a:latin typeface="Arial Nova" panose="020B0504020202020204" pitchFamily="34" charset="0"/>
-              </a:rPr>
-              <a:t>('requirement', 'NOUN', 'Is', '</a:t>
-            </a:r>
-            <a:r>
-              <a:rPr lang="en-US" sz="1600" dirty="0" err="1">
-                <a:latin typeface="Arial Nova" panose="020B0504020202020204" pitchFamily="34" charset="0"/>
-              </a:rPr>
-              <a:t>attr</a:t>
-            </a:r>
-            <a:r>
-              <a:rPr lang="en-US" sz="1600" dirty="0">
-                <a:latin typeface="Arial Nova" panose="020B0504020202020204" pitchFamily="34" charset="0"/>
-              </a:rPr>
-              <a:t>’), </a:t>
-            </a:r>
-          </a:p>
-          <a:p>
-            <a:r>
-              <a:rPr lang="en-US" sz="1600" dirty="0">
-                <a:latin typeface="Arial Nova" panose="020B0504020202020204" pitchFamily="34" charset="0"/>
-              </a:rPr>
-              <a:t>('for', 'ADP', 'requirement', 'prep’), </a:t>
-            </a:r>
-          </a:p>
-          <a:p>
-            <a:r>
-              <a:rPr lang="en-US" sz="1600" dirty="0">
-                <a:latin typeface="Arial Nova" panose="020B0504020202020204" pitchFamily="34" charset="0"/>
-              </a:rPr>
-              <a:t>('Star', 'PROPN', 'Wars', 'compound’), </a:t>
-            </a:r>
-          </a:p>
-          <a:p>
-            <a:r>
-              <a:rPr lang="en-US" sz="1600" dirty="0">
-                <a:latin typeface="Arial Nova" panose="020B0504020202020204" pitchFamily="34" charset="0"/>
-              </a:rPr>
-              <a:t>('Wars', 'PROPN', 'for', '</a:t>
-            </a:r>
-            <a:r>
-              <a:rPr lang="en-US" sz="1600" dirty="0" err="1">
-                <a:latin typeface="Arial Nova" panose="020B0504020202020204" pitchFamily="34" charset="0"/>
-              </a:rPr>
-              <a:t>pobj</a:t>
-            </a:r>
-            <a:r>
-              <a:rPr lang="en-US" sz="1600" dirty="0">
-                <a:latin typeface="Arial Nova" panose="020B0504020202020204" pitchFamily="34" charset="0"/>
-              </a:rPr>
-              <a:t>’), </a:t>
-            </a:r>
-          </a:p>
-          <a:p>
-            <a:r>
-              <a:rPr lang="en-US" sz="1600" dirty="0">
-                <a:latin typeface="Arial Nova" panose="020B0504020202020204" pitchFamily="34" charset="0"/>
-              </a:rPr>
-              <a:t>(':', 'PUNCT', 'requirement', '</a:t>
-            </a:r>
-            <a:r>
-              <a:rPr lang="en-US" sz="1600" dirty="0" err="1">
-                <a:latin typeface="Arial Nova" panose="020B0504020202020204" pitchFamily="34" charset="0"/>
-              </a:rPr>
-              <a:t>punct</a:t>
-            </a:r>
-            <a:r>
-              <a:rPr lang="en-US" sz="1600" dirty="0">
-                <a:latin typeface="Arial Nova" panose="020B0504020202020204" pitchFamily="34" charset="0"/>
-              </a:rPr>
-              <a:t>’), </a:t>
-            </a:r>
-          </a:p>
-          <a:p>
-            <a:r>
-              <a:rPr lang="en-US" sz="1600" dirty="0">
-                <a:latin typeface="Arial Nova" panose="020B0504020202020204" pitchFamily="34" charset="0"/>
-              </a:rPr>
-              <a:t>('Rise', 'NOUN', 'requirement', '</a:t>
-            </a:r>
-            <a:r>
-              <a:rPr lang="en-US" sz="1600" dirty="0" err="1">
-                <a:latin typeface="Arial Nova" panose="020B0504020202020204" pitchFamily="34" charset="0"/>
-              </a:rPr>
-              <a:t>appos</a:t>
-            </a:r>
-            <a:r>
-              <a:rPr lang="en-US" sz="1600" dirty="0">
-                <a:latin typeface="Arial Nova" panose="020B0504020202020204" pitchFamily="34" charset="0"/>
-              </a:rPr>
-              <a:t>'), ('of', 'ADP', 'Rise', 'prep'), ('the', 'DET', 'Resistance', 'det'), ('Resistance', 'PROPN', 'of', '</a:t>
-            </a:r>
-            <a:r>
-              <a:rPr lang="en-US" sz="1600" dirty="0" err="1">
-                <a:latin typeface="Arial Nova" panose="020B0504020202020204" pitchFamily="34" charset="0"/>
-              </a:rPr>
-              <a:t>pobj</a:t>
-            </a:r>
-            <a:r>
-              <a:rPr lang="en-US" sz="1600" dirty="0">
-                <a:latin typeface="Arial Nova" panose="020B0504020202020204" pitchFamily="34" charset="0"/>
-              </a:rPr>
-              <a:t>'), ('?', 'PUNCT', 'Is', '</a:t>
-            </a:r>
-            <a:r>
-              <a:rPr lang="en-US" sz="1600" dirty="0" err="1">
-                <a:latin typeface="Arial Nova" panose="020B0504020202020204" pitchFamily="34" charset="0"/>
-              </a:rPr>
-              <a:t>punct</a:t>
-            </a:r>
-            <a:r>
-              <a:rPr lang="en-US" sz="1600" dirty="0">
-                <a:latin typeface="Arial Nova" panose="020B0504020202020204" pitchFamily="34" charset="0"/>
-              </a:rPr>
-              <a:t>')] </a:t>
-            </a:r>
-          </a:p>
-        </p:txBody>
-      </p:sp>
+              <a:t> trained on our sample questions)</a:t>
+            </a:r>
+          </a:p>
+        </p:txBody>
+      </p:sp>
+      <p:sp>
+        <p:nvSpPr>
+          <p:cNvPr id="18" name="Oval 17">
+            <a:extLst>
+              <a:ext uri="{FF2B5EF4-FFF2-40B4-BE49-F238E27FC236}">
+                <a16:creationId xmlns:a16="http://schemas.microsoft.com/office/drawing/2014/main" id="{6CE75C6E-43F3-4557-A963-0F91058513A4}"/>
+              </a:ext>
+            </a:extLst>
+          </p:cNvPr>
+          <p:cNvSpPr/>
+          <p:nvPr/>
+        </p:nvSpPr>
+        <p:spPr>
+          <a:xfrm>
+            <a:off x="6220694" y="4472153"/>
+            <a:ext cx="166254" cy="157018"/>
+          </a:xfrm>
+          <a:prstGeom prst="ellipse">
+            <a:avLst/>
+          </a:prstGeom>
+        </p:spPr>
+        <p:style>
+          <a:lnRef idx="2">
+            <a:schemeClr val="accent1">
+              <a:shade val="50000"/>
+            </a:schemeClr>
+          </a:lnRef>
+          <a:fillRef idx="1">
+            <a:schemeClr val="accent1"/>
+          </a:fillRef>
+          <a:effectRef idx="0">
+            <a:schemeClr val="accent1"/>
+          </a:effectRef>
+          <a:fontRef idx="minor">
+            <a:schemeClr val="lt1"/>
+          </a:fontRef>
+        </p:style>
+        <p:txBody>
+          <a:bodyPr rtlCol="0" anchor="ctr"/>
+          <a:lstStyle/>
+          <a:p>
+            <a:pPr algn="ctr"/>
+            <a:endParaRPr lang="en-US"/>
+          </a:p>
+        </p:txBody>
+      </p:sp>
+      <p:sp>
+        <p:nvSpPr>
+          <p:cNvPr id="19" name="Rectangle: Rounded Corners 18">
+            <a:extLst>
+              <a:ext uri="{FF2B5EF4-FFF2-40B4-BE49-F238E27FC236}">
+                <a16:creationId xmlns:a16="http://schemas.microsoft.com/office/drawing/2014/main" id="{E4F93DD0-7A46-4761-938B-E08FC835175E}"/>
+              </a:ext>
+            </a:extLst>
+          </p:cNvPr>
+          <p:cNvSpPr/>
+          <p:nvPr/>
+        </p:nvSpPr>
+        <p:spPr>
+          <a:xfrm>
+            <a:off x="4219482" y="3839568"/>
+            <a:ext cx="822036" cy="212436"/>
+          </a:xfrm>
+          <a:prstGeom prst="roundRect">
+            <a:avLst/>
+          </a:prstGeom>
+        </p:spPr>
+        <p:style>
+          <a:lnRef idx="2">
+            <a:schemeClr val="accent1">
+              <a:shade val="50000"/>
+            </a:schemeClr>
+          </a:lnRef>
+          <a:fillRef idx="1">
+            <a:schemeClr val="accent1"/>
+          </a:fillRef>
+          <a:effectRef idx="0">
+            <a:schemeClr val="accent1"/>
+          </a:effectRef>
+          <a:fontRef idx="minor">
+            <a:schemeClr val="lt1"/>
+          </a:fontRef>
+        </p:style>
+        <p:txBody>
+          <a:bodyPr rtlCol="0" anchor="ctr"/>
+          <a:lstStyle/>
+          <a:p>
+            <a:pPr algn="ctr"/>
+            <a:r>
+              <a:rPr lang="en-US" dirty="0"/>
+              <a:t>Ride</a:t>
+            </a:r>
+          </a:p>
+        </p:txBody>
+      </p:sp>
+      <p:sp>
+        <p:nvSpPr>
+          <p:cNvPr id="21" name="Rectangle: Rounded Corners 20">
+            <a:extLst>
+              <a:ext uri="{FF2B5EF4-FFF2-40B4-BE49-F238E27FC236}">
+                <a16:creationId xmlns:a16="http://schemas.microsoft.com/office/drawing/2014/main" id="{D1F1E7D0-152A-443F-A0EC-BE284288DEF0}"/>
+              </a:ext>
+            </a:extLst>
+          </p:cNvPr>
+          <p:cNvSpPr/>
+          <p:nvPr/>
+        </p:nvSpPr>
+        <p:spPr>
+          <a:xfrm>
+            <a:off x="7035226" y="5169275"/>
+            <a:ext cx="1219200" cy="257727"/>
+          </a:xfrm>
+          <a:prstGeom prst="roundRect">
+            <a:avLst/>
+          </a:prstGeom>
+        </p:spPr>
+        <p:style>
+          <a:lnRef idx="2">
+            <a:schemeClr val="accent1">
+              <a:shade val="50000"/>
+            </a:schemeClr>
+          </a:lnRef>
+          <a:fillRef idx="1">
+            <a:schemeClr val="accent1"/>
+          </a:fillRef>
+          <a:effectRef idx="0">
+            <a:schemeClr val="accent1"/>
+          </a:effectRef>
+          <a:fontRef idx="minor">
+            <a:schemeClr val="lt1"/>
+          </a:fontRef>
+        </p:style>
+        <p:txBody>
+          <a:bodyPr rtlCol="0" anchor="ctr"/>
+          <a:lstStyle/>
+          <a:p>
+            <a:pPr algn="ctr"/>
+            <a:r>
+              <a:rPr lang="en-US" dirty="0"/>
+              <a:t>Restaurant</a:t>
+            </a:r>
+          </a:p>
+        </p:txBody>
+      </p:sp>
+      <p:sp>
+        <p:nvSpPr>
+          <p:cNvPr id="22" name="Rectangle: Rounded Corners 21">
+            <a:extLst>
+              <a:ext uri="{FF2B5EF4-FFF2-40B4-BE49-F238E27FC236}">
+                <a16:creationId xmlns:a16="http://schemas.microsoft.com/office/drawing/2014/main" id="{BCBAF854-43D8-457B-B35F-FCF08B1325F0}"/>
+              </a:ext>
+            </a:extLst>
+          </p:cNvPr>
+          <p:cNvSpPr/>
+          <p:nvPr/>
+        </p:nvSpPr>
+        <p:spPr>
+          <a:xfrm>
+            <a:off x="7644826" y="3985491"/>
+            <a:ext cx="822036" cy="212436"/>
+          </a:xfrm>
+          <a:prstGeom prst="roundRect">
+            <a:avLst/>
+          </a:prstGeom>
+        </p:spPr>
+        <p:style>
+          <a:lnRef idx="2">
+            <a:schemeClr val="accent1">
+              <a:shade val="50000"/>
+            </a:schemeClr>
+          </a:lnRef>
+          <a:fillRef idx="1">
+            <a:schemeClr val="accent1"/>
+          </a:fillRef>
+          <a:effectRef idx="0">
+            <a:schemeClr val="accent1"/>
+          </a:effectRef>
+          <a:fontRef idx="minor">
+            <a:schemeClr val="lt1"/>
+          </a:fontRef>
+        </p:style>
+        <p:txBody>
+          <a:bodyPr rtlCol="0" anchor="ctr"/>
+          <a:lstStyle/>
+          <a:p>
+            <a:pPr algn="ctr"/>
+            <a:r>
+              <a:rPr lang="en-US" dirty="0"/>
+              <a:t>Hotel</a:t>
+            </a:r>
+          </a:p>
+        </p:txBody>
+      </p:sp>
+      <p:sp>
+        <p:nvSpPr>
+          <p:cNvPr id="23" name="Rectangle: Rounded Corners 22">
+            <a:extLst>
+              <a:ext uri="{FF2B5EF4-FFF2-40B4-BE49-F238E27FC236}">
+                <a16:creationId xmlns:a16="http://schemas.microsoft.com/office/drawing/2014/main" id="{6ECAB513-474C-42FA-844A-2BE058DC221D}"/>
+              </a:ext>
+            </a:extLst>
+          </p:cNvPr>
+          <p:cNvSpPr/>
+          <p:nvPr/>
+        </p:nvSpPr>
+        <p:spPr>
+          <a:xfrm>
+            <a:off x="4255391" y="5035067"/>
+            <a:ext cx="1159163" cy="212436"/>
+          </a:xfrm>
+          <a:prstGeom prst="roundRect">
+            <a:avLst/>
+          </a:prstGeom>
+        </p:spPr>
+        <p:style>
+          <a:lnRef idx="2">
+            <a:schemeClr val="accent1">
+              <a:shade val="50000"/>
+            </a:schemeClr>
+          </a:lnRef>
+          <a:fillRef idx="1">
+            <a:schemeClr val="accent1"/>
+          </a:fillRef>
+          <a:effectRef idx="0">
+            <a:schemeClr val="accent1"/>
+          </a:effectRef>
+          <a:fontRef idx="minor">
+            <a:schemeClr val="lt1"/>
+          </a:fontRef>
+        </p:style>
+        <p:txBody>
+          <a:bodyPr rtlCol="0" anchor="ctr"/>
+          <a:lstStyle/>
+          <a:p>
+            <a:pPr algn="ctr"/>
+            <a:r>
+              <a:rPr lang="en-US" dirty="0"/>
+              <a:t>Character</a:t>
+            </a:r>
+          </a:p>
+        </p:txBody>
+      </p:sp>
+      <p:sp>
+        <p:nvSpPr>
+          <p:cNvPr id="24" name="Rectangle: Rounded Corners 23">
+            <a:extLst>
+              <a:ext uri="{FF2B5EF4-FFF2-40B4-BE49-F238E27FC236}">
+                <a16:creationId xmlns:a16="http://schemas.microsoft.com/office/drawing/2014/main" id="{0D5FDF12-33F9-4199-B423-518EF26B9E02}"/>
+              </a:ext>
+            </a:extLst>
+          </p:cNvPr>
+          <p:cNvSpPr/>
+          <p:nvPr/>
+        </p:nvSpPr>
+        <p:spPr>
+          <a:xfrm>
+            <a:off x="5892803" y="3272539"/>
+            <a:ext cx="822036" cy="212436"/>
+          </a:xfrm>
+          <a:prstGeom prst="roundRect">
+            <a:avLst/>
+          </a:prstGeom>
+        </p:spPr>
+        <p:style>
+          <a:lnRef idx="2">
+            <a:schemeClr val="accent1">
+              <a:shade val="50000"/>
+            </a:schemeClr>
+          </a:lnRef>
+          <a:fillRef idx="1">
+            <a:schemeClr val="accent1"/>
+          </a:fillRef>
+          <a:effectRef idx="0">
+            <a:schemeClr val="accent1"/>
+          </a:effectRef>
+          <a:fontRef idx="minor">
+            <a:schemeClr val="lt1"/>
+          </a:fontRef>
+        </p:style>
+        <p:txBody>
+          <a:bodyPr rtlCol="0" anchor="ctr"/>
+          <a:lstStyle/>
+          <a:p>
+            <a:pPr algn="ctr"/>
+            <a:r>
+              <a:rPr lang="en-US" dirty="0"/>
+              <a:t>Park</a:t>
+            </a:r>
+          </a:p>
+        </p:txBody>
+      </p:sp>
+      <p:sp>
+        <p:nvSpPr>
+          <p:cNvPr id="25" name="Rectangle: Rounded Corners 24">
+            <a:extLst>
+              <a:ext uri="{FF2B5EF4-FFF2-40B4-BE49-F238E27FC236}">
+                <a16:creationId xmlns:a16="http://schemas.microsoft.com/office/drawing/2014/main" id="{02D29F59-678F-47F9-B321-638E0C1347FE}"/>
+              </a:ext>
+            </a:extLst>
+          </p:cNvPr>
+          <p:cNvSpPr/>
+          <p:nvPr/>
+        </p:nvSpPr>
+        <p:spPr>
+          <a:xfrm>
+            <a:off x="6822790" y="2711207"/>
+            <a:ext cx="822036" cy="212436"/>
+          </a:xfrm>
+          <a:prstGeom prst="roundRect">
+            <a:avLst/>
+          </a:prstGeom>
+        </p:spPr>
+        <p:style>
+          <a:lnRef idx="2">
+            <a:schemeClr val="accent1">
+              <a:shade val="50000"/>
+            </a:schemeClr>
+          </a:lnRef>
+          <a:fillRef idx="1">
+            <a:schemeClr val="accent1"/>
+          </a:fillRef>
+          <a:effectRef idx="0">
+            <a:schemeClr val="accent1"/>
+          </a:effectRef>
+          <a:fontRef idx="minor">
+            <a:schemeClr val="lt1"/>
+          </a:fontRef>
+        </p:style>
+        <p:txBody>
+          <a:bodyPr rtlCol="0" anchor="ctr"/>
+          <a:lstStyle/>
+          <a:p>
+            <a:pPr algn="ctr"/>
+            <a:r>
+              <a:rPr lang="en-US" dirty="0"/>
+              <a:t>Cost</a:t>
+            </a:r>
+          </a:p>
+        </p:txBody>
+      </p:sp>
+      <p:sp>
+        <p:nvSpPr>
+          <p:cNvPr id="26" name="Rectangle: Rounded Corners 25">
+            <a:extLst>
+              <a:ext uri="{FF2B5EF4-FFF2-40B4-BE49-F238E27FC236}">
+                <a16:creationId xmlns:a16="http://schemas.microsoft.com/office/drawing/2014/main" id="{5321AE25-3154-4496-BFE2-1090DF35D207}"/>
+              </a:ext>
+            </a:extLst>
+          </p:cNvPr>
+          <p:cNvSpPr/>
+          <p:nvPr/>
+        </p:nvSpPr>
+        <p:spPr>
+          <a:xfrm>
+            <a:off x="9137080" y="3315521"/>
+            <a:ext cx="822036" cy="212436"/>
+          </a:xfrm>
+          <a:prstGeom prst="roundRect">
+            <a:avLst/>
+          </a:prstGeom>
+        </p:spPr>
+        <p:style>
+          <a:lnRef idx="2">
+            <a:schemeClr val="accent1">
+              <a:shade val="50000"/>
+            </a:schemeClr>
+          </a:lnRef>
+          <a:fillRef idx="1">
+            <a:schemeClr val="accent1"/>
+          </a:fillRef>
+          <a:effectRef idx="0">
+            <a:schemeClr val="accent1"/>
+          </a:effectRef>
+          <a:fontRef idx="minor">
+            <a:schemeClr val="lt1"/>
+          </a:fontRef>
+        </p:style>
+        <p:txBody>
+          <a:bodyPr rtlCol="0" anchor="ctr"/>
+          <a:lstStyle/>
+          <a:p>
+            <a:pPr algn="ctr"/>
+            <a:r>
+              <a:rPr lang="en-US" dirty="0"/>
+              <a:t>Cost</a:t>
+            </a:r>
+          </a:p>
+        </p:txBody>
+      </p:sp>
+      <p:sp>
+        <p:nvSpPr>
+          <p:cNvPr id="27" name="Rectangle: Rounded Corners 26">
+            <a:extLst>
+              <a:ext uri="{FF2B5EF4-FFF2-40B4-BE49-F238E27FC236}">
+                <a16:creationId xmlns:a16="http://schemas.microsoft.com/office/drawing/2014/main" id="{77AC0E0C-2CA3-4E8C-BDA4-05CA6F103D0E}"/>
+              </a:ext>
+            </a:extLst>
+          </p:cNvPr>
+          <p:cNvSpPr/>
+          <p:nvPr/>
+        </p:nvSpPr>
+        <p:spPr>
+          <a:xfrm>
+            <a:off x="9180957" y="4006607"/>
+            <a:ext cx="1168392" cy="212436"/>
+          </a:xfrm>
+          <a:prstGeom prst="roundRect">
+            <a:avLst/>
+          </a:prstGeom>
+        </p:spPr>
+        <p:style>
+          <a:lnRef idx="2">
+            <a:schemeClr val="accent1">
+              <a:shade val="50000"/>
+            </a:schemeClr>
+          </a:lnRef>
+          <a:fillRef idx="1">
+            <a:schemeClr val="accent1"/>
+          </a:fillRef>
+          <a:effectRef idx="0">
+            <a:schemeClr val="accent1"/>
+          </a:effectRef>
+          <a:fontRef idx="minor">
+            <a:schemeClr val="lt1"/>
+          </a:fontRef>
+        </p:style>
+        <p:txBody>
+          <a:bodyPr rtlCol="0" anchor="ctr"/>
+          <a:lstStyle/>
+          <a:p>
+            <a:pPr algn="ctr"/>
+            <a:r>
+              <a:rPr lang="en-US" dirty="0"/>
+              <a:t>Amenities</a:t>
+            </a:r>
+          </a:p>
+        </p:txBody>
+      </p:sp>
+      <p:sp>
+        <p:nvSpPr>
+          <p:cNvPr id="28" name="Rectangle: Rounded Corners 27">
+            <a:extLst>
+              <a:ext uri="{FF2B5EF4-FFF2-40B4-BE49-F238E27FC236}">
+                <a16:creationId xmlns:a16="http://schemas.microsoft.com/office/drawing/2014/main" id="{AEEC15D8-435B-4C81-AE9A-16D9C4F8C5E7}"/>
+              </a:ext>
+            </a:extLst>
+          </p:cNvPr>
+          <p:cNvSpPr/>
+          <p:nvPr/>
+        </p:nvSpPr>
+        <p:spPr>
+          <a:xfrm>
+            <a:off x="3175776" y="3153991"/>
+            <a:ext cx="951346" cy="206927"/>
+          </a:xfrm>
+          <a:prstGeom prst="roundRect">
+            <a:avLst/>
+          </a:prstGeom>
+        </p:spPr>
+        <p:style>
+          <a:lnRef idx="2">
+            <a:schemeClr val="accent1">
+              <a:shade val="50000"/>
+            </a:schemeClr>
+          </a:lnRef>
+          <a:fillRef idx="1">
+            <a:schemeClr val="accent1"/>
+          </a:fillRef>
+          <a:effectRef idx="0">
+            <a:schemeClr val="accent1"/>
+          </a:effectRef>
+          <a:fontRef idx="minor">
+            <a:schemeClr val="lt1"/>
+          </a:fontRef>
+        </p:style>
+        <p:txBody>
+          <a:bodyPr rtlCol="0" anchor="ctr"/>
+          <a:lstStyle/>
+          <a:p>
+            <a:pPr algn="ctr"/>
+            <a:r>
+              <a:rPr lang="en-US" dirty="0"/>
+              <a:t>Theme</a:t>
+            </a:r>
+          </a:p>
+        </p:txBody>
+      </p:sp>
+      <p:sp>
+        <p:nvSpPr>
+          <p:cNvPr id="29" name="Rectangle: Rounded Corners 28">
+            <a:extLst>
+              <a:ext uri="{FF2B5EF4-FFF2-40B4-BE49-F238E27FC236}">
+                <a16:creationId xmlns:a16="http://schemas.microsoft.com/office/drawing/2014/main" id="{DC572E8F-1D72-4CAA-9D3F-3318FB35C6E2}"/>
+              </a:ext>
+            </a:extLst>
+          </p:cNvPr>
+          <p:cNvSpPr/>
+          <p:nvPr/>
+        </p:nvSpPr>
+        <p:spPr>
+          <a:xfrm>
+            <a:off x="2693180" y="3500132"/>
+            <a:ext cx="958269" cy="210658"/>
+          </a:xfrm>
+          <a:prstGeom prst="roundRect">
+            <a:avLst/>
+          </a:prstGeom>
+        </p:spPr>
+        <p:style>
+          <a:lnRef idx="2">
+            <a:schemeClr val="accent1">
+              <a:shade val="50000"/>
+            </a:schemeClr>
+          </a:lnRef>
+          <a:fillRef idx="1">
+            <a:schemeClr val="accent1"/>
+          </a:fillRef>
+          <a:effectRef idx="0">
+            <a:schemeClr val="accent1"/>
+          </a:effectRef>
+          <a:fontRef idx="minor">
+            <a:schemeClr val="lt1"/>
+          </a:fontRef>
+        </p:style>
+        <p:txBody>
+          <a:bodyPr rtlCol="0" anchor="ctr"/>
+          <a:lstStyle/>
+          <a:p>
+            <a:pPr algn="ctr"/>
+            <a:r>
+              <a:rPr lang="en-US" dirty="0"/>
+              <a:t>Speed</a:t>
+            </a:r>
+          </a:p>
+        </p:txBody>
+      </p:sp>
+      <p:sp>
+        <p:nvSpPr>
+          <p:cNvPr id="30" name="Rectangle: Rounded Corners 29">
+            <a:extLst>
+              <a:ext uri="{FF2B5EF4-FFF2-40B4-BE49-F238E27FC236}">
+                <a16:creationId xmlns:a16="http://schemas.microsoft.com/office/drawing/2014/main" id="{7CA78F9B-1D62-46A3-84C6-A287730F5534}"/>
+              </a:ext>
+            </a:extLst>
+          </p:cNvPr>
+          <p:cNvSpPr/>
+          <p:nvPr/>
+        </p:nvSpPr>
+        <p:spPr>
+          <a:xfrm>
+            <a:off x="2016605" y="3988240"/>
+            <a:ext cx="1493986" cy="545746"/>
+          </a:xfrm>
+          <a:prstGeom prst="roundRect">
+            <a:avLst/>
+          </a:prstGeom>
+        </p:spPr>
+        <p:style>
+          <a:lnRef idx="2">
+            <a:schemeClr val="accent1">
+              <a:shade val="50000"/>
+            </a:schemeClr>
+          </a:lnRef>
+          <a:fillRef idx="1">
+            <a:schemeClr val="accent1"/>
+          </a:fillRef>
+          <a:effectRef idx="0">
+            <a:schemeClr val="accent1"/>
+          </a:effectRef>
+          <a:fontRef idx="minor">
+            <a:schemeClr val="lt1"/>
+          </a:fontRef>
+        </p:style>
+        <p:txBody>
+          <a:bodyPr rtlCol="0" anchor="ctr"/>
+          <a:lstStyle/>
+          <a:p>
+            <a:pPr algn="ctr"/>
+            <a:r>
+              <a:rPr lang="en-US" dirty="0"/>
+              <a:t>Height Requirement</a:t>
+            </a:r>
+          </a:p>
+        </p:txBody>
+      </p:sp>
+      <p:sp>
+        <p:nvSpPr>
+          <p:cNvPr id="31" name="Rectangle: Rounded Corners 30">
+            <a:extLst>
+              <a:ext uri="{FF2B5EF4-FFF2-40B4-BE49-F238E27FC236}">
+                <a16:creationId xmlns:a16="http://schemas.microsoft.com/office/drawing/2014/main" id="{FD3B947F-332E-4D51-93E7-7B301A222B33}"/>
+              </a:ext>
+            </a:extLst>
+          </p:cNvPr>
+          <p:cNvSpPr/>
+          <p:nvPr/>
+        </p:nvSpPr>
+        <p:spPr>
+          <a:xfrm>
+            <a:off x="7233808" y="5914693"/>
+            <a:ext cx="1461653" cy="568757"/>
+          </a:xfrm>
+          <a:prstGeom prst="roundRect">
+            <a:avLst/>
+          </a:prstGeom>
+        </p:spPr>
+        <p:style>
+          <a:lnRef idx="2">
+            <a:schemeClr val="accent1">
+              <a:shade val="50000"/>
+            </a:schemeClr>
+          </a:lnRef>
+          <a:fillRef idx="1">
+            <a:schemeClr val="accent1"/>
+          </a:fillRef>
+          <a:effectRef idx="0">
+            <a:schemeClr val="accent1"/>
+          </a:effectRef>
+          <a:fontRef idx="minor">
+            <a:schemeClr val="lt1"/>
+          </a:fontRef>
+        </p:style>
+        <p:txBody>
+          <a:bodyPr rtlCol="0" anchor="ctr"/>
+          <a:lstStyle/>
+          <a:p>
+            <a:pPr algn="ctr"/>
+            <a:r>
+              <a:rPr lang="en-US" dirty="0"/>
+              <a:t>Quick or Table Service</a:t>
+            </a:r>
+          </a:p>
+        </p:txBody>
+      </p:sp>
+      <p:sp>
+        <p:nvSpPr>
+          <p:cNvPr id="32" name="Rectangle: Rounded Corners 31">
+            <a:extLst>
+              <a:ext uri="{FF2B5EF4-FFF2-40B4-BE49-F238E27FC236}">
+                <a16:creationId xmlns:a16="http://schemas.microsoft.com/office/drawing/2014/main" id="{C2D4EF4F-D449-4B06-A936-899E6C69415D}"/>
+              </a:ext>
+            </a:extLst>
+          </p:cNvPr>
+          <p:cNvSpPr/>
+          <p:nvPr/>
+        </p:nvSpPr>
+        <p:spPr>
+          <a:xfrm>
+            <a:off x="2570797" y="4837538"/>
+            <a:ext cx="1080652" cy="216165"/>
+          </a:xfrm>
+          <a:prstGeom prst="roundRect">
+            <a:avLst/>
+          </a:prstGeom>
+        </p:spPr>
+        <p:style>
+          <a:lnRef idx="2">
+            <a:schemeClr val="accent1">
+              <a:shade val="50000"/>
+            </a:schemeClr>
+          </a:lnRef>
+          <a:fillRef idx="1">
+            <a:schemeClr val="accent1"/>
+          </a:fillRef>
+          <a:effectRef idx="0">
+            <a:schemeClr val="accent1"/>
+          </a:effectRef>
+          <a:fontRef idx="minor">
+            <a:schemeClr val="lt1"/>
+          </a:fontRef>
+        </p:style>
+        <p:txBody>
+          <a:bodyPr rtlCol="0" anchor="ctr"/>
+          <a:lstStyle/>
+          <a:p>
+            <a:pPr algn="ctr"/>
+            <a:r>
+              <a:rPr lang="en-US" dirty="0"/>
+              <a:t>Location</a:t>
+            </a:r>
+          </a:p>
+        </p:txBody>
+      </p:sp>
+      <p:sp>
+        <p:nvSpPr>
+          <p:cNvPr id="33" name="Rectangle: Rounded Corners 32">
+            <a:extLst>
+              <a:ext uri="{FF2B5EF4-FFF2-40B4-BE49-F238E27FC236}">
+                <a16:creationId xmlns:a16="http://schemas.microsoft.com/office/drawing/2014/main" id="{D1184FEC-7832-4574-9AB6-7884A8E124CC}"/>
+              </a:ext>
+            </a:extLst>
+          </p:cNvPr>
+          <p:cNvSpPr/>
+          <p:nvPr/>
+        </p:nvSpPr>
+        <p:spPr>
+          <a:xfrm>
+            <a:off x="8780008" y="5180640"/>
+            <a:ext cx="1095090" cy="234996"/>
+          </a:xfrm>
+          <a:prstGeom prst="roundRect">
+            <a:avLst/>
+          </a:prstGeom>
+        </p:spPr>
+        <p:style>
+          <a:lnRef idx="2">
+            <a:schemeClr val="accent1">
+              <a:shade val="50000"/>
+            </a:schemeClr>
+          </a:lnRef>
+          <a:fillRef idx="1">
+            <a:schemeClr val="accent1"/>
+          </a:fillRef>
+          <a:effectRef idx="0">
+            <a:schemeClr val="accent1"/>
+          </a:effectRef>
+          <a:fontRef idx="minor">
+            <a:schemeClr val="lt1"/>
+          </a:fontRef>
+        </p:style>
+        <p:txBody>
+          <a:bodyPr rtlCol="0" anchor="ctr"/>
+          <a:lstStyle/>
+          <a:p>
+            <a:pPr algn="ctr"/>
+            <a:r>
+              <a:rPr lang="en-US" dirty="0"/>
+              <a:t>Location</a:t>
+            </a:r>
+          </a:p>
+        </p:txBody>
+      </p:sp>
+      <p:sp>
+        <p:nvSpPr>
+          <p:cNvPr id="34" name="Rectangle: Rounded Corners 33">
+            <a:extLst>
+              <a:ext uri="{FF2B5EF4-FFF2-40B4-BE49-F238E27FC236}">
+                <a16:creationId xmlns:a16="http://schemas.microsoft.com/office/drawing/2014/main" id="{EBFAEA3C-43E6-4345-B500-ADEB02D14814}"/>
+              </a:ext>
+            </a:extLst>
+          </p:cNvPr>
+          <p:cNvSpPr/>
+          <p:nvPr/>
+        </p:nvSpPr>
+        <p:spPr>
+          <a:xfrm>
+            <a:off x="2379113" y="5288699"/>
+            <a:ext cx="1080652" cy="216165"/>
+          </a:xfrm>
+          <a:prstGeom prst="roundRect">
+            <a:avLst/>
+          </a:prstGeom>
+        </p:spPr>
+        <p:style>
+          <a:lnRef idx="2">
+            <a:schemeClr val="accent1">
+              <a:shade val="50000"/>
+            </a:schemeClr>
+          </a:lnRef>
+          <a:fillRef idx="1">
+            <a:schemeClr val="accent1"/>
+          </a:fillRef>
+          <a:effectRef idx="0">
+            <a:schemeClr val="accent1"/>
+          </a:effectRef>
+          <a:fontRef idx="minor">
+            <a:schemeClr val="lt1"/>
+          </a:fontRef>
+        </p:style>
+        <p:txBody>
+          <a:bodyPr rtlCol="0" anchor="ctr"/>
+          <a:lstStyle/>
+          <a:p>
+            <a:pPr algn="ctr"/>
+            <a:r>
+              <a:rPr lang="en-US" dirty="0"/>
+              <a:t>Park</a:t>
+            </a:r>
+          </a:p>
+        </p:txBody>
+      </p:sp>
+      <p:sp>
+        <p:nvSpPr>
+          <p:cNvPr id="35" name="Rectangle: Rounded Corners 34">
+            <a:extLst>
+              <a:ext uri="{FF2B5EF4-FFF2-40B4-BE49-F238E27FC236}">
+                <a16:creationId xmlns:a16="http://schemas.microsoft.com/office/drawing/2014/main" id="{4CDA5E24-2BBC-427D-B376-3ACF18F6F515}"/>
+              </a:ext>
+            </a:extLst>
+          </p:cNvPr>
+          <p:cNvSpPr/>
+          <p:nvPr/>
+        </p:nvSpPr>
+        <p:spPr>
+          <a:xfrm>
+            <a:off x="2159777" y="5808416"/>
+            <a:ext cx="1080652" cy="216165"/>
+          </a:xfrm>
+          <a:prstGeom prst="roundRect">
+            <a:avLst/>
+          </a:prstGeom>
+        </p:spPr>
+        <p:style>
+          <a:lnRef idx="2">
+            <a:schemeClr val="accent1">
+              <a:shade val="50000"/>
+            </a:schemeClr>
+          </a:lnRef>
+          <a:fillRef idx="1">
+            <a:schemeClr val="accent1"/>
+          </a:fillRef>
+          <a:effectRef idx="0">
+            <a:schemeClr val="accent1"/>
+          </a:effectRef>
+          <a:fontRef idx="minor">
+            <a:schemeClr val="lt1"/>
+          </a:fontRef>
+        </p:style>
+        <p:txBody>
+          <a:bodyPr rtlCol="0" anchor="ctr"/>
+          <a:lstStyle/>
+          <a:p>
+            <a:pPr algn="ctr"/>
+            <a:r>
+              <a:rPr lang="en-US" dirty="0"/>
+              <a:t>Section</a:t>
+            </a:r>
+          </a:p>
+        </p:txBody>
+      </p:sp>
+      <p:sp>
+        <p:nvSpPr>
+          <p:cNvPr id="36" name="Rectangle: Rounded Corners 35">
+            <a:extLst>
+              <a:ext uri="{FF2B5EF4-FFF2-40B4-BE49-F238E27FC236}">
+                <a16:creationId xmlns:a16="http://schemas.microsoft.com/office/drawing/2014/main" id="{21B9E077-61E1-4741-A3F4-017D2657B068}"/>
+              </a:ext>
+            </a:extLst>
+          </p:cNvPr>
+          <p:cNvSpPr/>
+          <p:nvPr/>
+        </p:nvSpPr>
+        <p:spPr>
+          <a:xfrm>
+            <a:off x="10509867" y="5088786"/>
+            <a:ext cx="1080652" cy="216165"/>
+          </a:xfrm>
+          <a:prstGeom prst="roundRect">
+            <a:avLst/>
+          </a:prstGeom>
+        </p:spPr>
+        <p:style>
+          <a:lnRef idx="2">
+            <a:schemeClr val="accent1">
+              <a:shade val="50000"/>
+            </a:schemeClr>
+          </a:lnRef>
+          <a:fillRef idx="1">
+            <a:schemeClr val="accent1"/>
+          </a:fillRef>
+          <a:effectRef idx="0">
+            <a:schemeClr val="accent1"/>
+          </a:effectRef>
+          <a:fontRef idx="minor">
+            <a:schemeClr val="lt1"/>
+          </a:fontRef>
+        </p:style>
+        <p:txBody>
+          <a:bodyPr rtlCol="0" anchor="ctr"/>
+          <a:lstStyle/>
+          <a:p>
+            <a:pPr algn="ctr"/>
+            <a:r>
+              <a:rPr lang="en-US" dirty="0"/>
+              <a:t>Park</a:t>
+            </a:r>
+          </a:p>
+        </p:txBody>
+      </p:sp>
+      <p:sp>
+        <p:nvSpPr>
+          <p:cNvPr id="37" name="Rectangle: Rounded Corners 36">
+            <a:extLst>
+              <a:ext uri="{FF2B5EF4-FFF2-40B4-BE49-F238E27FC236}">
+                <a16:creationId xmlns:a16="http://schemas.microsoft.com/office/drawing/2014/main" id="{0DC67B08-CA31-4229-AE73-8BAF9333FE23}"/>
+              </a:ext>
+            </a:extLst>
+          </p:cNvPr>
+          <p:cNvSpPr/>
+          <p:nvPr/>
+        </p:nvSpPr>
+        <p:spPr>
+          <a:xfrm>
+            <a:off x="10509867" y="5821605"/>
+            <a:ext cx="822036" cy="212436"/>
+          </a:xfrm>
+          <a:prstGeom prst="roundRect">
+            <a:avLst/>
+          </a:prstGeom>
+        </p:spPr>
+        <p:style>
+          <a:lnRef idx="2">
+            <a:schemeClr val="accent1">
+              <a:shade val="50000"/>
+            </a:schemeClr>
+          </a:lnRef>
+          <a:fillRef idx="1">
+            <a:schemeClr val="accent1"/>
+          </a:fillRef>
+          <a:effectRef idx="0">
+            <a:schemeClr val="accent1"/>
+          </a:effectRef>
+          <a:fontRef idx="minor">
+            <a:schemeClr val="lt1"/>
+          </a:fontRef>
+        </p:style>
+        <p:txBody>
+          <a:bodyPr rtlCol="0" anchor="ctr"/>
+          <a:lstStyle/>
+          <a:p>
+            <a:pPr algn="ctr"/>
+            <a:r>
+              <a:rPr lang="en-US" dirty="0"/>
+              <a:t>Hotel</a:t>
+            </a:r>
+          </a:p>
+        </p:txBody>
+      </p:sp>
+      <p:cxnSp>
+        <p:nvCxnSpPr>
+          <p:cNvPr id="38" name="Straight Connector 37">
+            <a:extLst>
+              <a:ext uri="{FF2B5EF4-FFF2-40B4-BE49-F238E27FC236}">
+                <a16:creationId xmlns:a16="http://schemas.microsoft.com/office/drawing/2014/main" id="{A9C002B6-FE9B-46A0-9F87-BC6C3EFC81CD}"/>
+              </a:ext>
+            </a:extLst>
+          </p:cNvPr>
+          <p:cNvCxnSpPr>
+            <a:cxnSpLocks/>
+            <a:stCxn id="18" idx="3"/>
+            <a:endCxn id="23" idx="3"/>
+          </p:cNvCxnSpPr>
+          <p:nvPr/>
+        </p:nvCxnSpPr>
+        <p:spPr>
+          <a:xfrm flipH="1">
+            <a:off x="5414554" y="4606176"/>
+            <a:ext cx="830487" cy="535109"/>
+          </a:xfrm>
+          <a:prstGeom prst="line">
+            <a:avLst/>
+          </a:prstGeom>
+        </p:spPr>
+        <p:style>
+          <a:lnRef idx="1">
+            <a:schemeClr val="accent1"/>
+          </a:lnRef>
+          <a:fillRef idx="0">
+            <a:schemeClr val="accent1"/>
+          </a:fillRef>
+          <a:effectRef idx="0">
+            <a:schemeClr val="accent1"/>
+          </a:effectRef>
+          <a:fontRef idx="minor">
+            <a:schemeClr val="tx1"/>
+          </a:fontRef>
+        </p:style>
+      </p:cxnSp>
+      <p:cxnSp>
+        <p:nvCxnSpPr>
+          <p:cNvPr id="39" name="Straight Connector 38">
+            <a:extLst>
+              <a:ext uri="{FF2B5EF4-FFF2-40B4-BE49-F238E27FC236}">
+                <a16:creationId xmlns:a16="http://schemas.microsoft.com/office/drawing/2014/main" id="{9A5B26BC-B764-4660-8ED2-56BC60884864}"/>
+              </a:ext>
+            </a:extLst>
+          </p:cNvPr>
+          <p:cNvCxnSpPr>
+            <a:stCxn id="18" idx="2"/>
+            <a:endCxn id="19" idx="3"/>
+          </p:cNvCxnSpPr>
+          <p:nvPr/>
+        </p:nvCxnSpPr>
+        <p:spPr>
+          <a:xfrm flipH="1" flipV="1">
+            <a:off x="5041518" y="3945786"/>
+            <a:ext cx="1179176" cy="604876"/>
+          </a:xfrm>
+          <a:prstGeom prst="line">
+            <a:avLst/>
+          </a:prstGeom>
+        </p:spPr>
+        <p:style>
+          <a:lnRef idx="1">
+            <a:schemeClr val="accent1"/>
+          </a:lnRef>
+          <a:fillRef idx="0">
+            <a:schemeClr val="accent1"/>
+          </a:fillRef>
+          <a:effectRef idx="0">
+            <a:schemeClr val="accent1"/>
+          </a:effectRef>
+          <a:fontRef idx="minor">
+            <a:schemeClr val="tx1"/>
+          </a:fontRef>
+        </p:style>
+      </p:cxnSp>
+      <p:cxnSp>
+        <p:nvCxnSpPr>
+          <p:cNvPr id="40" name="Straight Connector 39">
+            <a:extLst>
+              <a:ext uri="{FF2B5EF4-FFF2-40B4-BE49-F238E27FC236}">
+                <a16:creationId xmlns:a16="http://schemas.microsoft.com/office/drawing/2014/main" id="{B0E26AF1-B611-4857-A481-8A0D77DDB0F8}"/>
+              </a:ext>
+            </a:extLst>
+          </p:cNvPr>
+          <p:cNvCxnSpPr>
+            <a:stCxn id="18" idx="0"/>
+            <a:endCxn id="24" idx="2"/>
+          </p:cNvCxnSpPr>
+          <p:nvPr/>
+        </p:nvCxnSpPr>
+        <p:spPr>
+          <a:xfrm flipV="1">
+            <a:off x="6303821" y="3484975"/>
+            <a:ext cx="0" cy="987178"/>
+          </a:xfrm>
+          <a:prstGeom prst="line">
+            <a:avLst/>
+          </a:prstGeom>
+        </p:spPr>
+        <p:style>
+          <a:lnRef idx="1">
+            <a:schemeClr val="accent1"/>
+          </a:lnRef>
+          <a:fillRef idx="0">
+            <a:schemeClr val="accent1"/>
+          </a:fillRef>
+          <a:effectRef idx="0">
+            <a:schemeClr val="accent1"/>
+          </a:effectRef>
+          <a:fontRef idx="minor">
+            <a:schemeClr val="tx1"/>
+          </a:fontRef>
+        </p:style>
+      </p:cxnSp>
+      <p:cxnSp>
+        <p:nvCxnSpPr>
+          <p:cNvPr id="41" name="Straight Connector 40">
+            <a:extLst>
+              <a:ext uri="{FF2B5EF4-FFF2-40B4-BE49-F238E27FC236}">
+                <a16:creationId xmlns:a16="http://schemas.microsoft.com/office/drawing/2014/main" id="{BAB56AF8-758F-42B4-A4BE-7C9440835E13}"/>
+              </a:ext>
+            </a:extLst>
+          </p:cNvPr>
+          <p:cNvCxnSpPr>
+            <a:cxnSpLocks/>
+            <a:stCxn id="18" idx="7"/>
+            <a:endCxn id="22" idx="1"/>
+          </p:cNvCxnSpPr>
+          <p:nvPr/>
+        </p:nvCxnSpPr>
+        <p:spPr>
+          <a:xfrm flipV="1">
+            <a:off x="6362601" y="4091709"/>
+            <a:ext cx="1282225" cy="403439"/>
+          </a:xfrm>
+          <a:prstGeom prst="line">
+            <a:avLst/>
+          </a:prstGeom>
+        </p:spPr>
+        <p:style>
+          <a:lnRef idx="1">
+            <a:schemeClr val="accent1"/>
+          </a:lnRef>
+          <a:fillRef idx="0">
+            <a:schemeClr val="accent1"/>
+          </a:fillRef>
+          <a:effectRef idx="0">
+            <a:schemeClr val="accent1"/>
+          </a:effectRef>
+          <a:fontRef idx="minor">
+            <a:schemeClr val="tx1"/>
+          </a:fontRef>
+        </p:style>
+      </p:cxnSp>
+      <p:cxnSp>
+        <p:nvCxnSpPr>
+          <p:cNvPr id="42" name="Straight Connector 41">
+            <a:extLst>
+              <a:ext uri="{FF2B5EF4-FFF2-40B4-BE49-F238E27FC236}">
+                <a16:creationId xmlns:a16="http://schemas.microsoft.com/office/drawing/2014/main" id="{5FB801DA-3F3B-4F8C-9728-49442F6C536A}"/>
+              </a:ext>
+            </a:extLst>
+          </p:cNvPr>
+          <p:cNvCxnSpPr>
+            <a:stCxn id="18" idx="5"/>
+            <a:endCxn id="21" idx="1"/>
+          </p:cNvCxnSpPr>
+          <p:nvPr/>
+        </p:nvCxnSpPr>
+        <p:spPr>
+          <a:xfrm>
+            <a:off x="6362601" y="4606176"/>
+            <a:ext cx="672625" cy="691963"/>
+          </a:xfrm>
+          <a:prstGeom prst="line">
+            <a:avLst/>
+          </a:prstGeom>
+        </p:spPr>
+        <p:style>
+          <a:lnRef idx="1">
+            <a:schemeClr val="accent1"/>
+          </a:lnRef>
+          <a:fillRef idx="0">
+            <a:schemeClr val="accent1"/>
+          </a:fillRef>
+          <a:effectRef idx="0">
+            <a:schemeClr val="accent1"/>
+          </a:effectRef>
+          <a:fontRef idx="minor">
+            <a:schemeClr val="tx1"/>
+          </a:fontRef>
+        </p:style>
+      </p:cxnSp>
+      <p:cxnSp>
+        <p:nvCxnSpPr>
+          <p:cNvPr id="43" name="Straight Connector 42">
+            <a:extLst>
+              <a:ext uri="{FF2B5EF4-FFF2-40B4-BE49-F238E27FC236}">
+                <a16:creationId xmlns:a16="http://schemas.microsoft.com/office/drawing/2014/main" id="{D8FBEC61-5C57-444E-9690-14246ECEEADA}"/>
+              </a:ext>
+            </a:extLst>
+          </p:cNvPr>
+          <p:cNvCxnSpPr>
+            <a:cxnSpLocks/>
+            <a:stCxn id="19" idx="1"/>
+            <a:endCxn id="28" idx="3"/>
+          </p:cNvCxnSpPr>
+          <p:nvPr/>
+        </p:nvCxnSpPr>
+        <p:spPr>
+          <a:xfrm flipH="1" flipV="1">
+            <a:off x="4127122" y="3257455"/>
+            <a:ext cx="92360" cy="688331"/>
+          </a:xfrm>
+          <a:prstGeom prst="line">
+            <a:avLst/>
+          </a:prstGeom>
+        </p:spPr>
+        <p:style>
+          <a:lnRef idx="1">
+            <a:schemeClr val="accent1"/>
+          </a:lnRef>
+          <a:fillRef idx="0">
+            <a:schemeClr val="accent1"/>
+          </a:fillRef>
+          <a:effectRef idx="0">
+            <a:schemeClr val="accent1"/>
+          </a:effectRef>
+          <a:fontRef idx="minor">
+            <a:schemeClr val="tx1"/>
+          </a:fontRef>
+        </p:style>
+      </p:cxnSp>
+      <p:cxnSp>
+        <p:nvCxnSpPr>
+          <p:cNvPr id="44" name="Straight Connector 43">
+            <a:extLst>
+              <a:ext uri="{FF2B5EF4-FFF2-40B4-BE49-F238E27FC236}">
+                <a16:creationId xmlns:a16="http://schemas.microsoft.com/office/drawing/2014/main" id="{8D0C12FE-998E-401B-BD02-94233205A06E}"/>
+              </a:ext>
+            </a:extLst>
+          </p:cNvPr>
+          <p:cNvCxnSpPr>
+            <a:cxnSpLocks/>
+            <a:stCxn id="19" idx="1"/>
+            <a:endCxn id="29" idx="3"/>
+          </p:cNvCxnSpPr>
+          <p:nvPr/>
+        </p:nvCxnSpPr>
+        <p:spPr>
+          <a:xfrm flipH="1" flipV="1">
+            <a:off x="3651449" y="3605461"/>
+            <a:ext cx="568033" cy="340325"/>
+          </a:xfrm>
+          <a:prstGeom prst="line">
+            <a:avLst/>
+          </a:prstGeom>
+        </p:spPr>
+        <p:style>
+          <a:lnRef idx="1">
+            <a:schemeClr val="accent1"/>
+          </a:lnRef>
+          <a:fillRef idx="0">
+            <a:schemeClr val="accent1"/>
+          </a:fillRef>
+          <a:effectRef idx="0">
+            <a:schemeClr val="accent1"/>
+          </a:effectRef>
+          <a:fontRef idx="minor">
+            <a:schemeClr val="tx1"/>
+          </a:fontRef>
+        </p:style>
+      </p:cxnSp>
+      <p:cxnSp>
+        <p:nvCxnSpPr>
+          <p:cNvPr id="45" name="Straight Connector 44">
+            <a:extLst>
+              <a:ext uri="{FF2B5EF4-FFF2-40B4-BE49-F238E27FC236}">
+                <a16:creationId xmlns:a16="http://schemas.microsoft.com/office/drawing/2014/main" id="{7E231074-8FAC-4738-81AB-3CC244ED7998}"/>
+              </a:ext>
+            </a:extLst>
+          </p:cNvPr>
+          <p:cNvCxnSpPr>
+            <a:cxnSpLocks/>
+            <a:stCxn id="19" idx="1"/>
+            <a:endCxn id="30" idx="3"/>
+          </p:cNvCxnSpPr>
+          <p:nvPr/>
+        </p:nvCxnSpPr>
+        <p:spPr>
+          <a:xfrm flipH="1">
+            <a:off x="3510591" y="3945786"/>
+            <a:ext cx="708891" cy="315327"/>
+          </a:xfrm>
+          <a:prstGeom prst="line">
+            <a:avLst/>
+          </a:prstGeom>
+        </p:spPr>
+        <p:style>
+          <a:lnRef idx="1">
+            <a:schemeClr val="accent1"/>
+          </a:lnRef>
+          <a:fillRef idx="0">
+            <a:schemeClr val="accent1"/>
+          </a:fillRef>
+          <a:effectRef idx="0">
+            <a:schemeClr val="accent1"/>
+          </a:effectRef>
+          <a:fontRef idx="minor">
+            <a:schemeClr val="tx1"/>
+          </a:fontRef>
+        </p:style>
+      </p:cxnSp>
+      <p:cxnSp>
+        <p:nvCxnSpPr>
+          <p:cNvPr id="46" name="Straight Connector 45">
+            <a:extLst>
+              <a:ext uri="{FF2B5EF4-FFF2-40B4-BE49-F238E27FC236}">
+                <a16:creationId xmlns:a16="http://schemas.microsoft.com/office/drawing/2014/main" id="{33BE86A0-908E-4BAC-A19C-72D1BBD545B5}"/>
+              </a:ext>
+            </a:extLst>
+          </p:cNvPr>
+          <p:cNvCxnSpPr>
+            <a:stCxn id="19" idx="1"/>
+            <a:endCxn id="32" idx="3"/>
+          </p:cNvCxnSpPr>
+          <p:nvPr/>
+        </p:nvCxnSpPr>
+        <p:spPr>
+          <a:xfrm flipH="1">
+            <a:off x="3651449" y="3945786"/>
+            <a:ext cx="568033" cy="999835"/>
+          </a:xfrm>
+          <a:prstGeom prst="line">
+            <a:avLst/>
+          </a:prstGeom>
+        </p:spPr>
+        <p:style>
+          <a:lnRef idx="1">
+            <a:schemeClr val="accent1"/>
+          </a:lnRef>
+          <a:fillRef idx="0">
+            <a:schemeClr val="accent1"/>
+          </a:fillRef>
+          <a:effectRef idx="0">
+            <a:schemeClr val="accent1"/>
+          </a:effectRef>
+          <a:fontRef idx="minor">
+            <a:schemeClr val="tx1"/>
+          </a:fontRef>
+        </p:style>
+      </p:cxnSp>
+      <p:cxnSp>
+        <p:nvCxnSpPr>
+          <p:cNvPr id="47" name="Straight Connector 46">
+            <a:extLst>
+              <a:ext uri="{FF2B5EF4-FFF2-40B4-BE49-F238E27FC236}">
+                <a16:creationId xmlns:a16="http://schemas.microsoft.com/office/drawing/2014/main" id="{E09746EC-8419-4DA4-9467-204E38F9F4F9}"/>
+              </a:ext>
+            </a:extLst>
+          </p:cNvPr>
+          <p:cNvCxnSpPr>
+            <a:cxnSpLocks/>
+            <a:stCxn id="21" idx="2"/>
+            <a:endCxn id="31" idx="0"/>
+          </p:cNvCxnSpPr>
+          <p:nvPr/>
+        </p:nvCxnSpPr>
+        <p:spPr>
+          <a:xfrm>
+            <a:off x="7644826" y="5427002"/>
+            <a:ext cx="319809" cy="487691"/>
+          </a:xfrm>
+          <a:prstGeom prst="line">
+            <a:avLst/>
+          </a:prstGeom>
+        </p:spPr>
+        <p:style>
+          <a:lnRef idx="1">
+            <a:schemeClr val="accent1"/>
+          </a:lnRef>
+          <a:fillRef idx="0">
+            <a:schemeClr val="accent1"/>
+          </a:fillRef>
+          <a:effectRef idx="0">
+            <a:schemeClr val="accent1"/>
+          </a:effectRef>
+          <a:fontRef idx="minor">
+            <a:schemeClr val="tx1"/>
+          </a:fontRef>
+        </p:style>
+      </p:cxnSp>
+      <p:cxnSp>
+        <p:nvCxnSpPr>
+          <p:cNvPr id="48" name="Straight Connector 47">
+            <a:extLst>
+              <a:ext uri="{FF2B5EF4-FFF2-40B4-BE49-F238E27FC236}">
+                <a16:creationId xmlns:a16="http://schemas.microsoft.com/office/drawing/2014/main" id="{2AF46D3B-D10E-406B-A81B-020D80E44104}"/>
+              </a:ext>
+            </a:extLst>
+          </p:cNvPr>
+          <p:cNvCxnSpPr>
+            <a:stCxn id="22" idx="3"/>
+            <a:endCxn id="26" idx="1"/>
+          </p:cNvCxnSpPr>
+          <p:nvPr/>
+        </p:nvCxnSpPr>
+        <p:spPr>
+          <a:xfrm flipV="1">
+            <a:off x="8466862" y="3421739"/>
+            <a:ext cx="670218" cy="669970"/>
+          </a:xfrm>
+          <a:prstGeom prst="line">
+            <a:avLst/>
+          </a:prstGeom>
+        </p:spPr>
+        <p:style>
+          <a:lnRef idx="1">
+            <a:schemeClr val="accent1"/>
+          </a:lnRef>
+          <a:fillRef idx="0">
+            <a:schemeClr val="accent1"/>
+          </a:fillRef>
+          <a:effectRef idx="0">
+            <a:schemeClr val="accent1"/>
+          </a:effectRef>
+          <a:fontRef idx="minor">
+            <a:schemeClr val="tx1"/>
+          </a:fontRef>
+        </p:style>
+      </p:cxnSp>
+      <p:cxnSp>
+        <p:nvCxnSpPr>
+          <p:cNvPr id="49" name="Straight Connector 48">
+            <a:extLst>
+              <a:ext uri="{FF2B5EF4-FFF2-40B4-BE49-F238E27FC236}">
+                <a16:creationId xmlns:a16="http://schemas.microsoft.com/office/drawing/2014/main" id="{33895ACE-FA16-466D-BAD6-09DBCBD493B1}"/>
+              </a:ext>
+            </a:extLst>
+          </p:cNvPr>
+          <p:cNvCxnSpPr>
+            <a:stCxn id="22" idx="3"/>
+            <a:endCxn id="27" idx="1"/>
+          </p:cNvCxnSpPr>
+          <p:nvPr/>
+        </p:nvCxnSpPr>
+        <p:spPr>
+          <a:xfrm>
+            <a:off x="8466862" y="4091709"/>
+            <a:ext cx="714095" cy="21116"/>
+          </a:xfrm>
+          <a:prstGeom prst="line">
+            <a:avLst/>
+          </a:prstGeom>
+        </p:spPr>
+        <p:style>
+          <a:lnRef idx="1">
+            <a:schemeClr val="accent1"/>
+          </a:lnRef>
+          <a:fillRef idx="0">
+            <a:schemeClr val="accent1"/>
+          </a:fillRef>
+          <a:effectRef idx="0">
+            <a:schemeClr val="accent1"/>
+          </a:effectRef>
+          <a:fontRef idx="minor">
+            <a:schemeClr val="tx1"/>
+          </a:fontRef>
+        </p:style>
+      </p:cxnSp>
+      <p:cxnSp>
+        <p:nvCxnSpPr>
+          <p:cNvPr id="50" name="Straight Connector 49">
+            <a:extLst>
+              <a:ext uri="{FF2B5EF4-FFF2-40B4-BE49-F238E27FC236}">
+                <a16:creationId xmlns:a16="http://schemas.microsoft.com/office/drawing/2014/main" id="{56D34CB8-DB1D-484C-8758-E82737013003}"/>
+              </a:ext>
+            </a:extLst>
+          </p:cNvPr>
+          <p:cNvCxnSpPr>
+            <a:cxnSpLocks/>
+            <a:stCxn id="21" idx="3"/>
+            <a:endCxn id="33" idx="1"/>
+          </p:cNvCxnSpPr>
+          <p:nvPr/>
+        </p:nvCxnSpPr>
+        <p:spPr>
+          <a:xfrm flipV="1">
+            <a:off x="8254426" y="5298138"/>
+            <a:ext cx="525582" cy="1"/>
+          </a:xfrm>
+          <a:prstGeom prst="line">
+            <a:avLst/>
+          </a:prstGeom>
+        </p:spPr>
+        <p:style>
+          <a:lnRef idx="1">
+            <a:schemeClr val="accent1"/>
+          </a:lnRef>
+          <a:fillRef idx="0">
+            <a:schemeClr val="accent1"/>
+          </a:fillRef>
+          <a:effectRef idx="0">
+            <a:schemeClr val="accent1"/>
+          </a:effectRef>
+          <a:fontRef idx="minor">
+            <a:schemeClr val="tx1"/>
+          </a:fontRef>
+        </p:style>
+      </p:cxnSp>
+      <p:cxnSp>
+        <p:nvCxnSpPr>
+          <p:cNvPr id="51" name="Straight Connector 50">
+            <a:extLst>
+              <a:ext uri="{FF2B5EF4-FFF2-40B4-BE49-F238E27FC236}">
+                <a16:creationId xmlns:a16="http://schemas.microsoft.com/office/drawing/2014/main" id="{835AACEF-458E-4AEE-9FF1-D5A03FB9838C}"/>
+              </a:ext>
+            </a:extLst>
+          </p:cNvPr>
+          <p:cNvCxnSpPr>
+            <a:cxnSpLocks/>
+            <a:stCxn id="33" idx="3"/>
+            <a:endCxn id="36" idx="1"/>
+          </p:cNvCxnSpPr>
+          <p:nvPr/>
+        </p:nvCxnSpPr>
+        <p:spPr>
+          <a:xfrm flipV="1">
+            <a:off x="9875098" y="5196869"/>
+            <a:ext cx="634769" cy="101269"/>
+          </a:xfrm>
+          <a:prstGeom prst="line">
+            <a:avLst/>
+          </a:prstGeom>
+        </p:spPr>
+        <p:style>
+          <a:lnRef idx="1">
+            <a:schemeClr val="accent1"/>
+          </a:lnRef>
+          <a:fillRef idx="0">
+            <a:schemeClr val="accent1"/>
+          </a:fillRef>
+          <a:effectRef idx="0">
+            <a:schemeClr val="accent1"/>
+          </a:effectRef>
+          <a:fontRef idx="minor">
+            <a:schemeClr val="tx1"/>
+          </a:fontRef>
+        </p:style>
+      </p:cxnSp>
+      <p:cxnSp>
+        <p:nvCxnSpPr>
+          <p:cNvPr id="52" name="Straight Connector 51">
+            <a:extLst>
+              <a:ext uri="{FF2B5EF4-FFF2-40B4-BE49-F238E27FC236}">
+                <a16:creationId xmlns:a16="http://schemas.microsoft.com/office/drawing/2014/main" id="{86F7A2B9-D7A2-473E-867A-B7C499F80A5C}"/>
+              </a:ext>
+            </a:extLst>
+          </p:cNvPr>
+          <p:cNvCxnSpPr>
+            <a:cxnSpLocks/>
+            <a:stCxn id="33" idx="3"/>
+            <a:endCxn id="37" idx="1"/>
+          </p:cNvCxnSpPr>
+          <p:nvPr/>
+        </p:nvCxnSpPr>
+        <p:spPr>
+          <a:xfrm>
+            <a:off x="9875098" y="5298138"/>
+            <a:ext cx="634769" cy="629685"/>
+          </a:xfrm>
+          <a:prstGeom prst="line">
+            <a:avLst/>
+          </a:prstGeom>
+        </p:spPr>
+        <p:style>
+          <a:lnRef idx="1">
+            <a:schemeClr val="accent1"/>
+          </a:lnRef>
+          <a:fillRef idx="0">
+            <a:schemeClr val="accent1"/>
+          </a:fillRef>
+          <a:effectRef idx="0">
+            <a:schemeClr val="accent1"/>
+          </a:effectRef>
+          <a:fontRef idx="minor">
+            <a:schemeClr val="tx1"/>
+          </a:fontRef>
+        </p:style>
+      </p:cxnSp>
+      <p:cxnSp>
+        <p:nvCxnSpPr>
+          <p:cNvPr id="53" name="Straight Connector 52">
+            <a:extLst>
+              <a:ext uri="{FF2B5EF4-FFF2-40B4-BE49-F238E27FC236}">
+                <a16:creationId xmlns:a16="http://schemas.microsoft.com/office/drawing/2014/main" id="{40DFE8CE-CDF7-4223-B92B-6B75F6BB4D92}"/>
+              </a:ext>
+            </a:extLst>
+          </p:cNvPr>
+          <p:cNvCxnSpPr>
+            <a:stCxn id="32" idx="2"/>
+            <a:endCxn id="34" idx="0"/>
+          </p:cNvCxnSpPr>
+          <p:nvPr/>
+        </p:nvCxnSpPr>
+        <p:spPr>
+          <a:xfrm flipH="1">
+            <a:off x="2919439" y="5053703"/>
+            <a:ext cx="191684" cy="234996"/>
+          </a:xfrm>
+          <a:prstGeom prst="line">
+            <a:avLst/>
+          </a:prstGeom>
+        </p:spPr>
+        <p:style>
+          <a:lnRef idx="1">
+            <a:schemeClr val="accent1"/>
+          </a:lnRef>
+          <a:fillRef idx="0">
+            <a:schemeClr val="accent1"/>
+          </a:fillRef>
+          <a:effectRef idx="0">
+            <a:schemeClr val="accent1"/>
+          </a:effectRef>
+          <a:fontRef idx="minor">
+            <a:schemeClr val="tx1"/>
+          </a:fontRef>
+        </p:style>
+      </p:cxnSp>
+      <p:cxnSp>
+        <p:nvCxnSpPr>
+          <p:cNvPr id="54" name="Straight Connector 53">
+            <a:extLst>
+              <a:ext uri="{FF2B5EF4-FFF2-40B4-BE49-F238E27FC236}">
+                <a16:creationId xmlns:a16="http://schemas.microsoft.com/office/drawing/2014/main" id="{6EABAD42-23D3-4179-8DB6-47DBACD9F08F}"/>
+              </a:ext>
+            </a:extLst>
+          </p:cNvPr>
+          <p:cNvCxnSpPr>
+            <a:stCxn id="34" idx="2"/>
+            <a:endCxn id="35" idx="0"/>
+          </p:cNvCxnSpPr>
+          <p:nvPr/>
+        </p:nvCxnSpPr>
+        <p:spPr>
+          <a:xfrm flipH="1">
+            <a:off x="2700103" y="5504864"/>
+            <a:ext cx="219336" cy="303552"/>
+          </a:xfrm>
+          <a:prstGeom prst="line">
+            <a:avLst/>
+          </a:prstGeom>
+        </p:spPr>
+        <p:style>
+          <a:lnRef idx="1">
+            <a:schemeClr val="accent1"/>
+          </a:lnRef>
+          <a:fillRef idx="0">
+            <a:schemeClr val="accent1"/>
+          </a:fillRef>
+          <a:effectRef idx="0">
+            <a:schemeClr val="accent1"/>
+          </a:effectRef>
+          <a:fontRef idx="minor">
+            <a:schemeClr val="tx1"/>
+          </a:fontRef>
+        </p:style>
+      </p:cxnSp>
+      <p:cxnSp>
+        <p:nvCxnSpPr>
+          <p:cNvPr id="58" name="Straight Connector 57">
+            <a:extLst>
+              <a:ext uri="{FF2B5EF4-FFF2-40B4-BE49-F238E27FC236}">
+                <a16:creationId xmlns:a16="http://schemas.microsoft.com/office/drawing/2014/main" id="{D4D3EAB3-B767-4371-BE01-06EA594A246F}"/>
+              </a:ext>
+            </a:extLst>
+          </p:cNvPr>
+          <p:cNvCxnSpPr>
+            <a:cxnSpLocks/>
+            <a:stCxn id="24" idx="0"/>
+            <a:endCxn id="25" idx="1"/>
+          </p:cNvCxnSpPr>
+          <p:nvPr/>
+        </p:nvCxnSpPr>
+        <p:spPr>
+          <a:xfrm flipV="1">
+            <a:off x="6303821" y="2817425"/>
+            <a:ext cx="518969" cy="455114"/>
+          </a:xfrm>
+          <a:prstGeom prst="line">
+            <a:avLst/>
+          </a:prstGeom>
+        </p:spPr>
+        <p:style>
+          <a:lnRef idx="1">
+            <a:schemeClr val="accent1"/>
+          </a:lnRef>
+          <a:fillRef idx="0">
+            <a:schemeClr val="accent1"/>
+          </a:fillRef>
+          <a:effectRef idx="0">
+            <a:schemeClr val="accent1"/>
+          </a:effectRef>
+          <a:fontRef idx="minor">
+            <a:schemeClr val="tx1"/>
+          </a:fontRef>
+        </p:style>
+      </p:cxnSp>
     </p:spTree>
     <p:extLst>
       <p:ext uri="{BB962C8B-B14F-4D97-AF65-F5344CB8AC3E}">
@@ -6930,10 +8317,10 @@
       </p:grpSpPr>
       <p:sp>
         <p:nvSpPr>
-          <p:cNvPr id="13" name="Title 1">
-            <a:extLst>
-              <a:ext uri="{FF2B5EF4-FFF2-40B4-BE49-F238E27FC236}">
-                <a16:creationId xmlns:a16="http://schemas.microsoft.com/office/drawing/2014/main" id="{1127F941-043E-4D99-BA77-D0CB0DAFE611}"/>
+          <p:cNvPr id="4" name="Title 1">
+            <a:extLst>
+              <a:ext uri="{FF2B5EF4-FFF2-40B4-BE49-F238E27FC236}">
+                <a16:creationId xmlns:a16="http://schemas.microsoft.com/office/drawing/2014/main" id="{35E2284A-51F6-449C-832E-D85C77F5C63A}"/>
               </a:ext>
             </a:extLst>
           </p:cNvPr>
@@ -6981,22 +8368,30 @@
           </a:lstStyle>
           <a:p>
             <a:r>
+              <a:rPr lang="en-US" sz="4800" dirty="0">
+                <a:solidFill>
+                  <a:schemeClr val="bg1"/>
+                </a:solidFill>
+              </a:rPr>
+              <a:t>   </a:t>
+            </a:r>
+            <a:r>
               <a:rPr lang="en-US" sz="5700" dirty="0">
                 <a:solidFill>
                   <a:schemeClr val="bg1"/>
                 </a:solidFill>
               </a:rPr>
-              <a:t>   Question Processing</a:t>
+              <a:t>Document Processing</a:t>
             </a:r>
           </a:p>
         </p:txBody>
       </p:sp>
       <p:pic>
         <p:nvPicPr>
-          <p:cNvPr id="20" name="Picture 19">
-            <a:extLst>
-              <a:ext uri="{FF2B5EF4-FFF2-40B4-BE49-F238E27FC236}">
-                <a16:creationId xmlns:a16="http://schemas.microsoft.com/office/drawing/2014/main" id="{B5D47350-D5C7-4323-951F-3AE1A43766EE}"/>
+          <p:cNvPr id="3" name="Picture 2">
+            <a:extLst>
+              <a:ext uri="{FF2B5EF4-FFF2-40B4-BE49-F238E27FC236}">
+                <a16:creationId xmlns:a16="http://schemas.microsoft.com/office/drawing/2014/main" id="{834A208E-417F-49AC-9426-4F8C3F7C190D}"/>
               </a:ext>
             </a:extLst>
           </p:cNvPr>
@@ -7023,10 +8418,10 @@
       </p:pic>
       <p:sp>
         <p:nvSpPr>
-          <p:cNvPr id="9" name="TextBox 8">
-            <a:extLst>
-              <a:ext uri="{FF2B5EF4-FFF2-40B4-BE49-F238E27FC236}">
-                <a16:creationId xmlns:a16="http://schemas.microsoft.com/office/drawing/2014/main" id="{C89228A3-622A-4772-9DB4-18944F5F5058}"/>
+          <p:cNvPr id="7" name="TextBox 6">
+            <a:extLst>
+              <a:ext uri="{FF2B5EF4-FFF2-40B4-BE49-F238E27FC236}">
+                <a16:creationId xmlns:a16="http://schemas.microsoft.com/office/drawing/2014/main" id="{13F8BE3A-7687-4AF4-9EFD-2C46F306DA40}"/>
               </a:ext>
             </a:extLst>
           </p:cNvPr>
@@ -7035,8 +8430,8 @@
         </p:nvSpPr>
         <p:spPr>
           <a:xfrm>
-            <a:off x="612561" y="2589665"/>
-            <a:ext cx="5926306" cy="461665"/>
+            <a:off x="751691" y="2259470"/>
+            <a:ext cx="1398694" cy="461665"/>
           </a:xfrm>
           <a:prstGeom prst="rect">
             <a:avLst/>
@@ -7047,390 +8442,32 @@
           <a:bodyPr wrap="square" rtlCol="0">
             <a:spAutoFit/>
           </a:bodyPr>
-          <a:lstStyle>
-            <a:defPPr>
-              <a:defRPr lang="en-US"/>
-            </a:defPPr>
-            <a:lvl1pPr>
-              <a:defRPr sz="2400">
+          <a:lstStyle/>
+          <a:p>
+            <a:r>
+              <a:rPr lang="en-US" sz="2400" dirty="0">
                 <a:solidFill>
                   <a:schemeClr val="accent5">
                     <a:lumMod val="75000"/>
                   </a:schemeClr>
                 </a:solidFill>
-              </a:defRPr>
-            </a:lvl1pPr>
-          </a:lstStyle>
-          <a:p>
-            <a:r>
-              <a:rPr lang="en-US" dirty="0"/>
-              <a:t>Key words</a:t>
-            </a:r>
-          </a:p>
-        </p:txBody>
-      </p:sp>
-      <p:sp>
-        <p:nvSpPr>
-          <p:cNvPr id="10" name="TextBox 9">
-            <a:extLst>
-              <a:ext uri="{FF2B5EF4-FFF2-40B4-BE49-F238E27FC236}">
-                <a16:creationId xmlns:a16="http://schemas.microsoft.com/office/drawing/2014/main" id="{3C765B04-BCC0-48F3-BD1F-558F7D42D8D0}"/>
-              </a:ext>
-            </a:extLst>
-          </p:cNvPr>
-          <p:cNvSpPr txBox="1"/>
-          <p:nvPr/>
-        </p:nvSpPr>
-        <p:spPr>
-          <a:xfrm>
-            <a:off x="612561" y="1509290"/>
-            <a:ext cx="5926306" cy="461665"/>
-          </a:xfrm>
-          <a:prstGeom prst="rect">
-            <a:avLst/>
-          </a:prstGeom>
-          <a:noFill/>
-        </p:spPr>
-        <p:txBody>
-          <a:bodyPr wrap="square" rtlCol="0">
-            <a:spAutoFit/>
-          </a:bodyPr>
-          <a:lstStyle>
-            <a:defPPr>
-              <a:defRPr lang="en-US"/>
-            </a:defPPr>
-            <a:lvl1pPr>
-              <a:defRPr sz="2400">
-                <a:solidFill>
-                  <a:schemeClr val="accent5">
-                    <a:lumMod val="75000"/>
-                  </a:schemeClr>
-                </a:solidFill>
-              </a:defRPr>
-            </a:lvl1pPr>
-          </a:lstStyle>
-          <a:p>
-            <a:r>
-              <a:rPr lang="en-US" dirty="0"/>
-              <a:t>Head words</a:t>
-            </a:r>
-          </a:p>
-        </p:txBody>
-      </p:sp>
-      <p:sp>
-        <p:nvSpPr>
-          <p:cNvPr id="11" name="TextBox 10">
-            <a:extLst>
-              <a:ext uri="{FF2B5EF4-FFF2-40B4-BE49-F238E27FC236}">
-                <a16:creationId xmlns:a16="http://schemas.microsoft.com/office/drawing/2014/main" id="{C1158A1D-D22B-4DCF-9AFD-3BDF600E8984}"/>
-              </a:ext>
-            </a:extLst>
-          </p:cNvPr>
-          <p:cNvSpPr txBox="1"/>
-          <p:nvPr/>
-        </p:nvSpPr>
-        <p:spPr>
-          <a:xfrm>
-            <a:off x="612561" y="3807172"/>
-            <a:ext cx="2601156" cy="461665"/>
-          </a:xfrm>
-          <a:prstGeom prst="rect">
-            <a:avLst/>
-          </a:prstGeom>
-          <a:noFill/>
-        </p:spPr>
-        <p:txBody>
-          <a:bodyPr wrap="square" rtlCol="0">
-            <a:spAutoFit/>
-          </a:bodyPr>
-          <a:lstStyle>
-            <a:defPPr>
-              <a:defRPr lang="en-US"/>
-            </a:defPPr>
-            <a:lvl1pPr>
-              <a:defRPr sz="2400">
-                <a:solidFill>
-                  <a:schemeClr val="accent5">
-                    <a:lumMod val="75000"/>
-                  </a:schemeClr>
-                </a:solidFill>
-              </a:defRPr>
-            </a:lvl1pPr>
-          </a:lstStyle>
-          <a:p>
-            <a:r>
-              <a:rPr lang="en-US" dirty="0"/>
-              <a:t>Answer type</a:t>
-            </a:r>
-          </a:p>
-        </p:txBody>
-      </p:sp>
-      <p:sp>
-        <p:nvSpPr>
-          <p:cNvPr id="12" name="TextBox 11">
-            <a:extLst>
-              <a:ext uri="{FF2B5EF4-FFF2-40B4-BE49-F238E27FC236}">
-                <a16:creationId xmlns:a16="http://schemas.microsoft.com/office/drawing/2014/main" id="{421D8A2C-304E-4EB9-A1B6-B88EB6E470DF}"/>
-              </a:ext>
-            </a:extLst>
-          </p:cNvPr>
-          <p:cNvSpPr txBox="1"/>
-          <p:nvPr/>
-        </p:nvSpPr>
-        <p:spPr>
-          <a:xfrm>
-            <a:off x="853737" y="4260357"/>
-            <a:ext cx="7127289" cy="584775"/>
-          </a:xfrm>
-          <a:prstGeom prst="rect">
-            <a:avLst/>
-          </a:prstGeom>
-          <a:noFill/>
-        </p:spPr>
-        <p:txBody>
-          <a:bodyPr wrap="square" rtlCol="0">
-            <a:spAutoFit/>
-          </a:bodyPr>
-          <a:lstStyle/>
-          <a:p>
-            <a:r>
-              <a:rPr lang="en-US" sz="1600" dirty="0">
-                <a:latin typeface="Arial Nova" panose="020B0504020202020204" pitchFamily="34" charset="0"/>
-              </a:rPr>
-              <a:t>Naïve Bayes classifier model trained on sample questions</a:t>
-            </a:r>
-          </a:p>
-          <a:p>
-            <a:r>
-              <a:rPr lang="en-US" sz="1600" dirty="0">
-                <a:latin typeface="Arial Nova" panose="020B0504020202020204" pitchFamily="34" charset="0"/>
-              </a:rPr>
-              <a:t>park</a:t>
-            </a:r>
-          </a:p>
-        </p:txBody>
-      </p:sp>
-      <p:sp>
-        <p:nvSpPr>
-          <p:cNvPr id="14" name="TextBox 13">
-            <a:extLst>
-              <a:ext uri="{FF2B5EF4-FFF2-40B4-BE49-F238E27FC236}">
-                <a16:creationId xmlns:a16="http://schemas.microsoft.com/office/drawing/2014/main" id="{86B4FD8D-8EAF-462D-83B7-6EF061B78299}"/>
-              </a:ext>
-            </a:extLst>
-          </p:cNvPr>
-          <p:cNvSpPr txBox="1"/>
-          <p:nvPr/>
-        </p:nvSpPr>
-        <p:spPr>
-          <a:xfrm>
-            <a:off x="942513" y="3186737"/>
-            <a:ext cx="7127289" cy="338554"/>
-          </a:xfrm>
-          <a:prstGeom prst="rect">
-            <a:avLst/>
-          </a:prstGeom>
-          <a:noFill/>
-        </p:spPr>
-        <p:txBody>
-          <a:bodyPr wrap="square" rtlCol="0">
-            <a:spAutoFit/>
-          </a:bodyPr>
-          <a:lstStyle/>
-          <a:p>
-            <a:r>
-              <a:rPr lang="en-US" sz="1600" dirty="0">
-                <a:latin typeface="Arial Nova" panose="020B0504020202020204" pitchFamily="34" charset="0"/>
-              </a:rPr>
-              <a:t>Compare to Disney named entities</a:t>
-            </a:r>
-          </a:p>
-        </p:txBody>
-      </p:sp>
-      <p:sp>
-        <p:nvSpPr>
-          <p:cNvPr id="15" name="TextBox 14">
-            <a:extLst>
-              <a:ext uri="{FF2B5EF4-FFF2-40B4-BE49-F238E27FC236}">
-                <a16:creationId xmlns:a16="http://schemas.microsoft.com/office/drawing/2014/main" id="{B7C35872-74FF-4556-BC7A-FD1A42B4B096}"/>
-              </a:ext>
-            </a:extLst>
-          </p:cNvPr>
-          <p:cNvSpPr txBox="1"/>
-          <p:nvPr/>
-        </p:nvSpPr>
-        <p:spPr>
-          <a:xfrm>
-            <a:off x="942513" y="2037120"/>
-            <a:ext cx="7127289" cy="338554"/>
-          </a:xfrm>
-          <a:prstGeom prst="rect">
-            <a:avLst/>
-          </a:prstGeom>
-          <a:noFill/>
-        </p:spPr>
-        <p:txBody>
-          <a:bodyPr wrap="square" rtlCol="0">
-            <a:spAutoFit/>
-          </a:bodyPr>
-          <a:lstStyle/>
-          <a:p>
-            <a:r>
-              <a:rPr lang="en-US" sz="1600" dirty="0">
-                <a:latin typeface="Arial Nova" panose="020B0504020202020204" pitchFamily="34" charset="0"/>
-              </a:rPr>
-              <a:t>[‘park’]</a:t>
-            </a:r>
+              </a:rPr>
+              <a:t>stuff</a:t>
+            </a:r>
+            <a:endParaRPr lang="en-US" sz="2400" dirty="0"/>
           </a:p>
         </p:txBody>
       </p:sp>
     </p:spTree>
     <p:extLst>
       <p:ext uri="{BB962C8B-B14F-4D97-AF65-F5344CB8AC3E}">
-        <p14:creationId xmlns:p14="http://schemas.microsoft.com/office/powerpoint/2010/main" val="490681282"/>
+        <p14:creationId xmlns:p14="http://schemas.microsoft.com/office/powerpoint/2010/main" val="334648452"/>
       </p:ext>
     </p:extLst>
   </p:cSld>
   <p:clrMapOvr>
     <a:masterClrMapping/>
   </p:clrMapOvr>
-  <p:timing>
-    <p:tnLst>
-      <p:par>
-        <p:cTn id="1" dur="indefinite" restart="never" nodeType="tmRoot">
-          <p:childTnLst>
-            <p:seq concurrent="1" nextAc="seek">
-              <p:cTn id="2" dur="indefinite" nodeType="mainSeq">
-                <p:childTnLst>
-                  <p:par>
-                    <p:cTn id="3" fill="hold">
-                      <p:stCondLst>
-                        <p:cond delay="indefinite"/>
-                        <p:cond evt="onBegin" delay="0">
-                          <p:tn val="2"/>
-                        </p:cond>
-                      </p:stCondLst>
-                      <p:childTnLst>
-                        <p:par>
-                          <p:cTn id="4" fill="hold">
-                            <p:stCondLst>
-                              <p:cond delay="0"/>
-                            </p:stCondLst>
-                            <p:childTnLst>
-                              <p:par>
-                                <p:cTn id="5" presetID="1" presetClass="entr" presetSubtype="0" fill="hold" grpId="0" nodeType="withEffect">
-                                  <p:stCondLst>
-                                    <p:cond delay="0"/>
-                                  </p:stCondLst>
-                                  <p:childTnLst>
-                                    <p:set>
-                                      <p:cBhvr>
-                                        <p:cTn id="6" dur="1" fill="hold">
-                                          <p:stCondLst>
-                                            <p:cond delay="0"/>
-                                          </p:stCondLst>
-                                        </p:cTn>
-                                        <p:tgtEl>
-                                          <p:spTgt spid="9"/>
-                                        </p:tgtEl>
-                                        <p:attrNameLst>
-                                          <p:attrName>style.visibility</p:attrName>
-                                        </p:attrNameLst>
-                                      </p:cBhvr>
-                                      <p:to>
-                                        <p:strVal val="visible"/>
-                                      </p:to>
-                                    </p:set>
-                                  </p:childTnLst>
-                                </p:cTn>
-                              </p:par>
-                              <p:par>
-                                <p:cTn id="7" presetID="1" presetClass="entr" presetSubtype="0" fill="hold" grpId="0" nodeType="withEffect">
-                                  <p:stCondLst>
-                                    <p:cond delay="0"/>
-                                  </p:stCondLst>
-                                  <p:childTnLst>
-                                    <p:set>
-                                      <p:cBhvr>
-                                        <p:cTn id="8" dur="1" fill="hold">
-                                          <p:stCondLst>
-                                            <p:cond delay="0"/>
-                                          </p:stCondLst>
-                                        </p:cTn>
-                                        <p:tgtEl>
-                                          <p:spTgt spid="10"/>
-                                        </p:tgtEl>
-                                        <p:attrNameLst>
-                                          <p:attrName>style.visibility</p:attrName>
-                                        </p:attrNameLst>
-                                      </p:cBhvr>
-                                      <p:to>
-                                        <p:strVal val="visible"/>
-                                      </p:to>
-                                    </p:set>
-                                  </p:childTnLst>
-                                </p:cTn>
-                              </p:par>
-                              <p:par>
-                                <p:cTn id="9" presetID="1" presetClass="entr" presetSubtype="0" fill="hold" grpId="0" nodeType="withEffect">
-                                  <p:stCondLst>
-                                    <p:cond delay="0"/>
-                                  </p:stCondLst>
-                                  <p:childTnLst>
-                                    <p:set>
-                                      <p:cBhvr>
-                                        <p:cTn id="10" dur="1" fill="hold">
-                                          <p:stCondLst>
-                                            <p:cond delay="0"/>
-                                          </p:stCondLst>
-                                        </p:cTn>
-                                        <p:tgtEl>
-                                          <p:spTgt spid="11"/>
-                                        </p:tgtEl>
-                                        <p:attrNameLst>
-                                          <p:attrName>style.visibility</p:attrName>
-                                        </p:attrNameLst>
-                                      </p:cBhvr>
-                                      <p:to>
-                                        <p:strVal val="visible"/>
-                                      </p:to>
-                                    </p:set>
-                                  </p:childTnLst>
-                                </p:cTn>
-                              </p:par>
-                            </p:childTnLst>
-                          </p:cTn>
-                        </p:par>
-                      </p:childTnLst>
-                    </p:cTn>
-                  </p:par>
-                </p:childTnLst>
-              </p:cTn>
-              <p:prevCondLst>
-                <p:cond evt="onPrev" delay="0">
-                  <p:tgtEl>
-                    <p:sldTgt/>
-                  </p:tgtEl>
-                </p:cond>
-              </p:prevCondLst>
-              <p:nextCondLst>
-                <p:cond evt="onNext" delay="0">
-                  <p:tgtEl>
-                    <p:sldTgt/>
-                  </p:tgtEl>
-                </p:cond>
-              </p:nextCondLst>
-            </p:seq>
-          </p:childTnLst>
-        </p:cTn>
-      </p:par>
-    </p:tnLst>
-    <p:bldLst>
-      <p:bldP spid="9" grpId="0"/>
-      <p:bldP spid="10" grpId="0"/>
-      <p:bldP spid="11" grpId="0"/>
-    </p:bldLst>
-  </p:timing>
 </p:sld>
 </file>
 
@@ -7453,10 +8490,10 @@
       </p:grpSpPr>
       <p:sp>
         <p:nvSpPr>
-          <p:cNvPr id="13" name="Title 1">
-            <a:extLst>
-              <a:ext uri="{FF2B5EF4-FFF2-40B4-BE49-F238E27FC236}">
-                <a16:creationId xmlns:a16="http://schemas.microsoft.com/office/drawing/2014/main" id="{1127F941-043E-4D99-BA77-D0CB0DAFE611}"/>
+          <p:cNvPr id="4" name="Title 1">
+            <a:extLst>
+              <a:ext uri="{FF2B5EF4-FFF2-40B4-BE49-F238E27FC236}">
+                <a16:creationId xmlns:a16="http://schemas.microsoft.com/office/drawing/2014/main" id="{35E2284A-51F6-449C-832E-D85C77F5C63A}"/>
               </a:ext>
             </a:extLst>
           </p:cNvPr>
@@ -7504,22 +8541,30 @@
           </a:lstStyle>
           <a:p>
             <a:r>
+              <a:rPr lang="en-US" sz="4800" dirty="0">
+                <a:solidFill>
+                  <a:schemeClr val="bg1"/>
+                </a:solidFill>
+              </a:rPr>
+              <a:t>   </a:t>
+            </a:r>
+            <a:r>
               <a:rPr lang="en-US" sz="5700" dirty="0">
                 <a:solidFill>
                   <a:schemeClr val="bg1"/>
                 </a:solidFill>
               </a:rPr>
-              <a:t>   Question Processing</a:t>
+              <a:t>Document Processing</a:t>
             </a:r>
           </a:p>
         </p:txBody>
       </p:sp>
       <p:pic>
         <p:nvPicPr>
-          <p:cNvPr id="20" name="Picture 19">
-            <a:extLst>
-              <a:ext uri="{FF2B5EF4-FFF2-40B4-BE49-F238E27FC236}">
-                <a16:creationId xmlns:a16="http://schemas.microsoft.com/office/drawing/2014/main" id="{B5D47350-D5C7-4323-951F-3AE1A43766EE}"/>
+          <p:cNvPr id="3" name="Picture 2">
+            <a:extLst>
+              <a:ext uri="{FF2B5EF4-FFF2-40B4-BE49-F238E27FC236}">
+                <a16:creationId xmlns:a16="http://schemas.microsoft.com/office/drawing/2014/main" id="{834A208E-417F-49AC-9426-4F8C3F7C190D}"/>
               </a:ext>
             </a:extLst>
           </p:cNvPr>
@@ -7546,1608 +8591,10 @@
       </p:pic>
       <p:sp>
         <p:nvSpPr>
-          <p:cNvPr id="2" name="Oval 1">
-            <a:extLst>
-              <a:ext uri="{FF2B5EF4-FFF2-40B4-BE49-F238E27FC236}">
-                <a16:creationId xmlns:a16="http://schemas.microsoft.com/office/drawing/2014/main" id="{C0BCC554-C429-4FCD-8513-294F3242D522}"/>
-              </a:ext>
-            </a:extLst>
-          </p:cNvPr>
-          <p:cNvSpPr/>
-          <p:nvPr/>
-        </p:nvSpPr>
-        <p:spPr>
-          <a:xfrm>
-            <a:off x="5486400" y="3985491"/>
-            <a:ext cx="166254" cy="157018"/>
-          </a:xfrm>
-          <a:prstGeom prst="ellipse">
-            <a:avLst/>
-          </a:prstGeom>
-        </p:spPr>
-        <p:style>
-          <a:lnRef idx="2">
-            <a:schemeClr val="accent1">
-              <a:shade val="50000"/>
-            </a:schemeClr>
-          </a:lnRef>
-          <a:fillRef idx="1">
-            <a:schemeClr val="accent1"/>
-          </a:fillRef>
-          <a:effectRef idx="0">
-            <a:schemeClr val="accent1"/>
-          </a:effectRef>
-          <a:fontRef idx="minor">
-            <a:schemeClr val="lt1"/>
-          </a:fontRef>
-        </p:style>
-        <p:txBody>
-          <a:bodyPr rtlCol="0" anchor="ctr"/>
-          <a:lstStyle/>
-          <a:p>
-            <a:pPr algn="ctr"/>
-            <a:endParaRPr lang="en-US"/>
-          </a:p>
-        </p:txBody>
-      </p:sp>
-      <p:sp>
-        <p:nvSpPr>
-          <p:cNvPr id="4" name="Rectangle: Rounded Corners 3">
-            <a:extLst>
-              <a:ext uri="{FF2B5EF4-FFF2-40B4-BE49-F238E27FC236}">
-                <a16:creationId xmlns:a16="http://schemas.microsoft.com/office/drawing/2014/main" id="{CF3D98B7-0D3D-41F0-9915-C582720E4560}"/>
-              </a:ext>
-            </a:extLst>
-          </p:cNvPr>
-          <p:cNvSpPr/>
-          <p:nvPr/>
-        </p:nvSpPr>
-        <p:spPr>
-          <a:xfrm>
-            <a:off x="3059538" y="3519945"/>
-            <a:ext cx="822036" cy="212436"/>
-          </a:xfrm>
-          <a:prstGeom prst="roundRect">
-            <a:avLst/>
-          </a:prstGeom>
-        </p:spPr>
-        <p:style>
-          <a:lnRef idx="2">
-            <a:schemeClr val="accent1">
-              <a:shade val="50000"/>
-            </a:schemeClr>
-          </a:lnRef>
-          <a:fillRef idx="1">
-            <a:schemeClr val="accent1"/>
-          </a:fillRef>
-          <a:effectRef idx="0">
-            <a:schemeClr val="accent1"/>
-          </a:effectRef>
-          <a:fontRef idx="minor">
-            <a:schemeClr val="lt1"/>
-          </a:fontRef>
-        </p:style>
-        <p:txBody>
-          <a:bodyPr rtlCol="0" anchor="ctr"/>
-          <a:lstStyle/>
-          <a:p>
-            <a:pPr algn="ctr"/>
-            <a:r>
-              <a:rPr lang="en-US" dirty="0"/>
-              <a:t>Ride</a:t>
-            </a:r>
-          </a:p>
-        </p:txBody>
-      </p:sp>
-      <p:sp>
-        <p:nvSpPr>
-          <p:cNvPr id="8" name="Rectangle: Rounded Corners 7">
-            <a:extLst>
-              <a:ext uri="{FF2B5EF4-FFF2-40B4-BE49-F238E27FC236}">
-                <a16:creationId xmlns:a16="http://schemas.microsoft.com/office/drawing/2014/main" id="{F8FB7A89-C912-431F-B2AF-580724CF9E79}"/>
-              </a:ext>
-            </a:extLst>
-          </p:cNvPr>
-          <p:cNvSpPr/>
-          <p:nvPr/>
-        </p:nvSpPr>
-        <p:spPr>
-          <a:xfrm>
-            <a:off x="6300932" y="4682613"/>
-            <a:ext cx="1219200" cy="257727"/>
-          </a:xfrm>
-          <a:prstGeom prst="roundRect">
-            <a:avLst/>
-          </a:prstGeom>
-        </p:spPr>
-        <p:style>
-          <a:lnRef idx="2">
-            <a:schemeClr val="accent1">
-              <a:shade val="50000"/>
-            </a:schemeClr>
-          </a:lnRef>
-          <a:fillRef idx="1">
-            <a:schemeClr val="accent1"/>
-          </a:fillRef>
-          <a:effectRef idx="0">
-            <a:schemeClr val="accent1"/>
-          </a:effectRef>
-          <a:fontRef idx="minor">
-            <a:schemeClr val="lt1"/>
-          </a:fontRef>
-        </p:style>
-        <p:txBody>
-          <a:bodyPr rtlCol="0" anchor="ctr"/>
-          <a:lstStyle/>
-          <a:p>
-            <a:pPr algn="ctr"/>
-            <a:r>
-              <a:rPr lang="en-US" dirty="0"/>
-              <a:t>Restaurant</a:t>
-            </a:r>
-          </a:p>
-        </p:txBody>
-      </p:sp>
-      <p:sp>
-        <p:nvSpPr>
-          <p:cNvPr id="9" name="Rectangle: Rounded Corners 8">
-            <a:extLst>
-              <a:ext uri="{FF2B5EF4-FFF2-40B4-BE49-F238E27FC236}">
-                <a16:creationId xmlns:a16="http://schemas.microsoft.com/office/drawing/2014/main" id="{1503571A-E7D7-4989-95FD-39773D77863B}"/>
-              </a:ext>
-            </a:extLst>
-          </p:cNvPr>
-          <p:cNvSpPr/>
-          <p:nvPr/>
-        </p:nvSpPr>
-        <p:spPr>
-          <a:xfrm>
-            <a:off x="6910532" y="3498829"/>
-            <a:ext cx="822036" cy="212436"/>
-          </a:xfrm>
-          <a:prstGeom prst="roundRect">
-            <a:avLst/>
-          </a:prstGeom>
-        </p:spPr>
-        <p:style>
-          <a:lnRef idx="2">
-            <a:schemeClr val="accent1">
-              <a:shade val="50000"/>
-            </a:schemeClr>
-          </a:lnRef>
-          <a:fillRef idx="1">
-            <a:schemeClr val="accent1"/>
-          </a:fillRef>
-          <a:effectRef idx="0">
-            <a:schemeClr val="accent1"/>
-          </a:effectRef>
-          <a:fontRef idx="minor">
-            <a:schemeClr val="lt1"/>
-          </a:fontRef>
-        </p:style>
-        <p:txBody>
-          <a:bodyPr rtlCol="0" anchor="ctr"/>
-          <a:lstStyle/>
-          <a:p>
-            <a:pPr algn="ctr"/>
-            <a:r>
-              <a:rPr lang="en-US" dirty="0"/>
-              <a:t>Hotel</a:t>
-            </a:r>
-          </a:p>
-        </p:txBody>
-      </p:sp>
-      <p:sp>
-        <p:nvSpPr>
-          <p:cNvPr id="10" name="Rectangle: Rounded Corners 9">
-            <a:extLst>
-              <a:ext uri="{FF2B5EF4-FFF2-40B4-BE49-F238E27FC236}">
-                <a16:creationId xmlns:a16="http://schemas.microsoft.com/office/drawing/2014/main" id="{F4ABC737-1E71-42E8-A296-CA9E4B02EA0A}"/>
-              </a:ext>
-            </a:extLst>
-          </p:cNvPr>
-          <p:cNvSpPr/>
-          <p:nvPr/>
-        </p:nvSpPr>
-        <p:spPr>
-          <a:xfrm>
-            <a:off x="3214251" y="4986300"/>
-            <a:ext cx="1159163" cy="212436"/>
-          </a:xfrm>
-          <a:prstGeom prst="roundRect">
-            <a:avLst/>
-          </a:prstGeom>
-        </p:spPr>
-        <p:style>
-          <a:lnRef idx="2">
-            <a:schemeClr val="accent1">
-              <a:shade val="50000"/>
-            </a:schemeClr>
-          </a:lnRef>
-          <a:fillRef idx="1">
-            <a:schemeClr val="accent1"/>
-          </a:fillRef>
-          <a:effectRef idx="0">
-            <a:schemeClr val="accent1"/>
-          </a:effectRef>
-          <a:fontRef idx="minor">
-            <a:schemeClr val="lt1"/>
-          </a:fontRef>
-        </p:style>
-        <p:txBody>
-          <a:bodyPr rtlCol="0" anchor="ctr"/>
-          <a:lstStyle/>
-          <a:p>
-            <a:pPr algn="ctr"/>
-            <a:r>
-              <a:rPr lang="en-US" dirty="0"/>
-              <a:t>Character</a:t>
-            </a:r>
-          </a:p>
-        </p:txBody>
-      </p:sp>
-      <p:sp>
-        <p:nvSpPr>
-          <p:cNvPr id="11" name="Rectangle: Rounded Corners 10">
-            <a:extLst>
-              <a:ext uri="{FF2B5EF4-FFF2-40B4-BE49-F238E27FC236}">
-                <a16:creationId xmlns:a16="http://schemas.microsoft.com/office/drawing/2014/main" id="{B8575CA7-388B-431F-BE2C-A02607B04F30}"/>
-              </a:ext>
-            </a:extLst>
-          </p:cNvPr>
-          <p:cNvSpPr/>
-          <p:nvPr/>
-        </p:nvSpPr>
-        <p:spPr>
-          <a:xfrm>
-            <a:off x="5158509" y="2785877"/>
-            <a:ext cx="822036" cy="212436"/>
-          </a:xfrm>
-          <a:prstGeom prst="roundRect">
-            <a:avLst/>
-          </a:prstGeom>
-        </p:spPr>
-        <p:style>
-          <a:lnRef idx="2">
-            <a:schemeClr val="accent1">
-              <a:shade val="50000"/>
-            </a:schemeClr>
-          </a:lnRef>
-          <a:fillRef idx="1">
-            <a:schemeClr val="accent1"/>
-          </a:fillRef>
-          <a:effectRef idx="0">
-            <a:schemeClr val="accent1"/>
-          </a:effectRef>
-          <a:fontRef idx="minor">
-            <a:schemeClr val="lt1"/>
-          </a:fontRef>
-        </p:style>
-        <p:txBody>
-          <a:bodyPr rtlCol="0" anchor="ctr"/>
-          <a:lstStyle/>
-          <a:p>
-            <a:pPr algn="ctr"/>
-            <a:r>
-              <a:rPr lang="en-US" dirty="0"/>
-              <a:t>Park</a:t>
-            </a:r>
-          </a:p>
-        </p:txBody>
-      </p:sp>
-      <p:sp>
-        <p:nvSpPr>
-          <p:cNvPr id="12" name="Rectangle: Rounded Corners 11">
-            <a:extLst>
-              <a:ext uri="{FF2B5EF4-FFF2-40B4-BE49-F238E27FC236}">
-                <a16:creationId xmlns:a16="http://schemas.microsoft.com/office/drawing/2014/main" id="{FF3B31BF-ED2E-49FA-8BD7-B9E25CE5D545}"/>
-              </a:ext>
-            </a:extLst>
-          </p:cNvPr>
-          <p:cNvSpPr/>
-          <p:nvPr/>
-        </p:nvSpPr>
-        <p:spPr>
-          <a:xfrm>
-            <a:off x="6088496" y="2224545"/>
-            <a:ext cx="822036" cy="212436"/>
-          </a:xfrm>
-          <a:prstGeom prst="roundRect">
-            <a:avLst/>
-          </a:prstGeom>
-        </p:spPr>
-        <p:style>
-          <a:lnRef idx="2">
-            <a:schemeClr val="accent1">
-              <a:shade val="50000"/>
-            </a:schemeClr>
-          </a:lnRef>
-          <a:fillRef idx="1">
-            <a:schemeClr val="accent1"/>
-          </a:fillRef>
-          <a:effectRef idx="0">
-            <a:schemeClr val="accent1"/>
-          </a:effectRef>
-          <a:fontRef idx="minor">
-            <a:schemeClr val="lt1"/>
-          </a:fontRef>
-        </p:style>
-        <p:txBody>
-          <a:bodyPr rtlCol="0" anchor="ctr"/>
-          <a:lstStyle/>
-          <a:p>
-            <a:pPr algn="ctr"/>
-            <a:r>
-              <a:rPr lang="en-US" dirty="0"/>
-              <a:t>Cost</a:t>
-            </a:r>
-          </a:p>
-        </p:txBody>
-      </p:sp>
-      <p:sp>
-        <p:nvSpPr>
-          <p:cNvPr id="14" name="Rectangle: Rounded Corners 13">
-            <a:extLst>
-              <a:ext uri="{FF2B5EF4-FFF2-40B4-BE49-F238E27FC236}">
-                <a16:creationId xmlns:a16="http://schemas.microsoft.com/office/drawing/2014/main" id="{78BA8426-C8D2-43AD-B363-C5A633EFB19E}"/>
-              </a:ext>
-            </a:extLst>
-          </p:cNvPr>
-          <p:cNvSpPr/>
-          <p:nvPr/>
-        </p:nvSpPr>
-        <p:spPr>
-          <a:xfrm>
-            <a:off x="8402786" y="2828859"/>
-            <a:ext cx="822036" cy="212436"/>
-          </a:xfrm>
-          <a:prstGeom prst="roundRect">
-            <a:avLst/>
-          </a:prstGeom>
-        </p:spPr>
-        <p:style>
-          <a:lnRef idx="2">
-            <a:schemeClr val="accent1">
-              <a:shade val="50000"/>
-            </a:schemeClr>
-          </a:lnRef>
-          <a:fillRef idx="1">
-            <a:schemeClr val="accent1"/>
-          </a:fillRef>
-          <a:effectRef idx="0">
-            <a:schemeClr val="accent1"/>
-          </a:effectRef>
-          <a:fontRef idx="minor">
-            <a:schemeClr val="lt1"/>
-          </a:fontRef>
-        </p:style>
-        <p:txBody>
-          <a:bodyPr rtlCol="0" anchor="ctr"/>
-          <a:lstStyle/>
-          <a:p>
-            <a:pPr algn="ctr"/>
-            <a:r>
-              <a:rPr lang="en-US" dirty="0"/>
-              <a:t>Cost</a:t>
-            </a:r>
-          </a:p>
-        </p:txBody>
-      </p:sp>
-      <p:sp>
-        <p:nvSpPr>
-          <p:cNvPr id="15" name="Rectangle: Rounded Corners 14">
-            <a:extLst>
-              <a:ext uri="{FF2B5EF4-FFF2-40B4-BE49-F238E27FC236}">
-                <a16:creationId xmlns:a16="http://schemas.microsoft.com/office/drawing/2014/main" id="{FC52EEA8-0273-4B91-AE53-BDAEFD9176CE}"/>
-              </a:ext>
-            </a:extLst>
-          </p:cNvPr>
-          <p:cNvSpPr/>
-          <p:nvPr/>
-        </p:nvSpPr>
-        <p:spPr>
-          <a:xfrm>
-            <a:off x="8446663" y="3519945"/>
-            <a:ext cx="1168392" cy="212436"/>
-          </a:xfrm>
-          <a:prstGeom prst="roundRect">
-            <a:avLst/>
-          </a:prstGeom>
-        </p:spPr>
-        <p:style>
-          <a:lnRef idx="2">
-            <a:schemeClr val="accent1">
-              <a:shade val="50000"/>
-            </a:schemeClr>
-          </a:lnRef>
-          <a:fillRef idx="1">
-            <a:schemeClr val="accent1"/>
-          </a:fillRef>
-          <a:effectRef idx="0">
-            <a:schemeClr val="accent1"/>
-          </a:effectRef>
-          <a:fontRef idx="minor">
-            <a:schemeClr val="lt1"/>
-          </a:fontRef>
-        </p:style>
-        <p:txBody>
-          <a:bodyPr rtlCol="0" anchor="ctr"/>
-          <a:lstStyle/>
-          <a:p>
-            <a:pPr algn="ctr"/>
-            <a:r>
-              <a:rPr lang="en-US" dirty="0"/>
-              <a:t>Amenities</a:t>
-            </a:r>
-          </a:p>
-        </p:txBody>
-      </p:sp>
-      <p:sp>
-        <p:nvSpPr>
-          <p:cNvPr id="16" name="Rectangle: Rounded Corners 15">
-            <a:extLst>
-              <a:ext uri="{FF2B5EF4-FFF2-40B4-BE49-F238E27FC236}">
-                <a16:creationId xmlns:a16="http://schemas.microsoft.com/office/drawing/2014/main" id="{56E37CBE-BBC6-4879-9FC7-834630FC0459}"/>
-              </a:ext>
-            </a:extLst>
-          </p:cNvPr>
-          <p:cNvSpPr/>
-          <p:nvPr/>
-        </p:nvSpPr>
-        <p:spPr>
-          <a:xfrm>
-            <a:off x="2015832" y="2834368"/>
-            <a:ext cx="951346" cy="206927"/>
-          </a:xfrm>
-          <a:prstGeom prst="roundRect">
-            <a:avLst/>
-          </a:prstGeom>
-        </p:spPr>
-        <p:style>
-          <a:lnRef idx="2">
-            <a:schemeClr val="accent1">
-              <a:shade val="50000"/>
-            </a:schemeClr>
-          </a:lnRef>
-          <a:fillRef idx="1">
-            <a:schemeClr val="accent1"/>
-          </a:fillRef>
-          <a:effectRef idx="0">
-            <a:schemeClr val="accent1"/>
-          </a:effectRef>
-          <a:fontRef idx="minor">
-            <a:schemeClr val="lt1"/>
-          </a:fontRef>
-        </p:style>
-        <p:txBody>
-          <a:bodyPr rtlCol="0" anchor="ctr"/>
-          <a:lstStyle/>
-          <a:p>
-            <a:pPr algn="ctr"/>
-            <a:r>
-              <a:rPr lang="en-US" dirty="0"/>
-              <a:t>Theme</a:t>
-            </a:r>
-          </a:p>
-        </p:txBody>
-      </p:sp>
-      <p:sp>
-        <p:nvSpPr>
-          <p:cNvPr id="17" name="Rectangle: Rounded Corners 16">
-            <a:extLst>
-              <a:ext uri="{FF2B5EF4-FFF2-40B4-BE49-F238E27FC236}">
-                <a16:creationId xmlns:a16="http://schemas.microsoft.com/office/drawing/2014/main" id="{9B07742C-CD57-467B-8EC7-C86BED34C6FA}"/>
-              </a:ext>
-            </a:extLst>
-          </p:cNvPr>
-          <p:cNvSpPr/>
-          <p:nvPr/>
-        </p:nvSpPr>
-        <p:spPr>
-          <a:xfrm>
-            <a:off x="1533236" y="3180509"/>
-            <a:ext cx="958269" cy="210658"/>
-          </a:xfrm>
-          <a:prstGeom prst="roundRect">
-            <a:avLst/>
-          </a:prstGeom>
-        </p:spPr>
-        <p:style>
-          <a:lnRef idx="2">
-            <a:schemeClr val="accent1">
-              <a:shade val="50000"/>
-            </a:schemeClr>
-          </a:lnRef>
-          <a:fillRef idx="1">
-            <a:schemeClr val="accent1"/>
-          </a:fillRef>
-          <a:effectRef idx="0">
-            <a:schemeClr val="accent1"/>
-          </a:effectRef>
-          <a:fontRef idx="minor">
-            <a:schemeClr val="lt1"/>
-          </a:fontRef>
-        </p:style>
-        <p:txBody>
-          <a:bodyPr rtlCol="0" anchor="ctr"/>
-          <a:lstStyle/>
-          <a:p>
-            <a:pPr algn="ctr"/>
-            <a:r>
-              <a:rPr lang="en-US" dirty="0"/>
-              <a:t>Speed</a:t>
-            </a:r>
-          </a:p>
-        </p:txBody>
-      </p:sp>
-      <p:sp>
-        <p:nvSpPr>
-          <p:cNvPr id="18" name="Rectangle: Rounded Corners 17">
-            <a:extLst>
-              <a:ext uri="{FF2B5EF4-FFF2-40B4-BE49-F238E27FC236}">
-                <a16:creationId xmlns:a16="http://schemas.microsoft.com/office/drawing/2014/main" id="{1C3640D2-E78E-4304-A8D3-39CFA302F8F1}"/>
-              </a:ext>
-            </a:extLst>
-          </p:cNvPr>
-          <p:cNvSpPr/>
-          <p:nvPr/>
-        </p:nvSpPr>
-        <p:spPr>
-          <a:xfrm>
-            <a:off x="856661" y="3668617"/>
-            <a:ext cx="1493986" cy="506219"/>
-          </a:xfrm>
-          <a:prstGeom prst="roundRect">
-            <a:avLst/>
-          </a:prstGeom>
-        </p:spPr>
-        <p:style>
-          <a:lnRef idx="2">
-            <a:schemeClr val="accent1">
-              <a:shade val="50000"/>
-            </a:schemeClr>
-          </a:lnRef>
-          <a:fillRef idx="1">
-            <a:schemeClr val="accent1"/>
-          </a:fillRef>
-          <a:effectRef idx="0">
-            <a:schemeClr val="accent1"/>
-          </a:effectRef>
-          <a:fontRef idx="minor">
-            <a:schemeClr val="lt1"/>
-          </a:fontRef>
-        </p:style>
-        <p:txBody>
-          <a:bodyPr rtlCol="0" anchor="ctr"/>
-          <a:lstStyle/>
-          <a:p>
-            <a:pPr algn="ctr"/>
-            <a:r>
-              <a:rPr lang="en-US" dirty="0"/>
-              <a:t>Height Requirement</a:t>
-            </a:r>
-          </a:p>
-        </p:txBody>
-      </p:sp>
-      <p:sp>
-        <p:nvSpPr>
-          <p:cNvPr id="19" name="Rectangle: Rounded Corners 18">
-            <a:extLst>
-              <a:ext uri="{FF2B5EF4-FFF2-40B4-BE49-F238E27FC236}">
-                <a16:creationId xmlns:a16="http://schemas.microsoft.com/office/drawing/2014/main" id="{1717D83B-AA85-44DD-ABE6-0F94DF80CFD4}"/>
-              </a:ext>
-            </a:extLst>
-          </p:cNvPr>
-          <p:cNvSpPr/>
-          <p:nvPr/>
-        </p:nvSpPr>
-        <p:spPr>
-          <a:xfrm>
-            <a:off x="6590723" y="5835071"/>
-            <a:ext cx="1461653" cy="466882"/>
-          </a:xfrm>
-          <a:prstGeom prst="roundRect">
-            <a:avLst/>
-          </a:prstGeom>
-        </p:spPr>
-        <p:style>
-          <a:lnRef idx="2">
-            <a:schemeClr val="accent1">
-              <a:shade val="50000"/>
-            </a:schemeClr>
-          </a:lnRef>
-          <a:fillRef idx="1">
-            <a:schemeClr val="accent1"/>
-          </a:fillRef>
-          <a:effectRef idx="0">
-            <a:schemeClr val="accent1"/>
-          </a:effectRef>
-          <a:fontRef idx="minor">
-            <a:schemeClr val="lt1"/>
-          </a:fontRef>
-        </p:style>
-        <p:txBody>
-          <a:bodyPr rtlCol="0" anchor="ctr"/>
-          <a:lstStyle/>
-          <a:p>
-            <a:pPr algn="ctr"/>
-            <a:r>
-              <a:rPr lang="en-US" dirty="0"/>
-              <a:t>Quick or Table Service</a:t>
-            </a:r>
-          </a:p>
-        </p:txBody>
-      </p:sp>
-      <p:sp>
-        <p:nvSpPr>
-          <p:cNvPr id="21" name="Rectangle: Rounded Corners 20">
-            <a:extLst>
-              <a:ext uri="{FF2B5EF4-FFF2-40B4-BE49-F238E27FC236}">
-                <a16:creationId xmlns:a16="http://schemas.microsoft.com/office/drawing/2014/main" id="{79F55CB0-49EA-4214-9140-7616A2F6AD8A}"/>
-              </a:ext>
-            </a:extLst>
-          </p:cNvPr>
-          <p:cNvSpPr/>
-          <p:nvPr/>
-        </p:nvSpPr>
-        <p:spPr>
-          <a:xfrm>
-            <a:off x="1410853" y="4517915"/>
-            <a:ext cx="1080652" cy="216165"/>
-          </a:xfrm>
-          <a:prstGeom prst="roundRect">
-            <a:avLst/>
-          </a:prstGeom>
-        </p:spPr>
-        <p:style>
-          <a:lnRef idx="2">
-            <a:schemeClr val="accent1">
-              <a:shade val="50000"/>
-            </a:schemeClr>
-          </a:lnRef>
-          <a:fillRef idx="1">
-            <a:schemeClr val="accent1"/>
-          </a:fillRef>
-          <a:effectRef idx="0">
-            <a:schemeClr val="accent1"/>
-          </a:effectRef>
-          <a:fontRef idx="minor">
-            <a:schemeClr val="lt1"/>
-          </a:fontRef>
-        </p:style>
-        <p:txBody>
-          <a:bodyPr rtlCol="0" anchor="ctr"/>
-          <a:lstStyle/>
-          <a:p>
-            <a:pPr algn="ctr"/>
-            <a:r>
-              <a:rPr lang="en-US" dirty="0"/>
-              <a:t>Location</a:t>
-            </a:r>
-          </a:p>
-        </p:txBody>
-      </p:sp>
-      <p:sp>
-        <p:nvSpPr>
-          <p:cNvPr id="22" name="Rectangle: Rounded Corners 21">
-            <a:extLst>
-              <a:ext uri="{FF2B5EF4-FFF2-40B4-BE49-F238E27FC236}">
-                <a16:creationId xmlns:a16="http://schemas.microsoft.com/office/drawing/2014/main" id="{7D6129B1-02E3-46F8-97DE-FA1FEAC9AB48}"/>
-              </a:ext>
-            </a:extLst>
-          </p:cNvPr>
-          <p:cNvSpPr/>
-          <p:nvPr/>
-        </p:nvSpPr>
-        <p:spPr>
-          <a:xfrm>
-            <a:off x="8466862" y="4734080"/>
-            <a:ext cx="1095090" cy="234996"/>
-          </a:xfrm>
-          <a:prstGeom prst="roundRect">
-            <a:avLst/>
-          </a:prstGeom>
-        </p:spPr>
-        <p:style>
-          <a:lnRef idx="2">
-            <a:schemeClr val="accent1">
-              <a:shade val="50000"/>
-            </a:schemeClr>
-          </a:lnRef>
-          <a:fillRef idx="1">
-            <a:schemeClr val="accent1"/>
-          </a:fillRef>
-          <a:effectRef idx="0">
-            <a:schemeClr val="accent1"/>
-          </a:effectRef>
-          <a:fontRef idx="minor">
-            <a:schemeClr val="lt1"/>
-          </a:fontRef>
-        </p:style>
-        <p:txBody>
-          <a:bodyPr rtlCol="0" anchor="ctr"/>
-          <a:lstStyle/>
-          <a:p>
-            <a:pPr algn="ctr"/>
-            <a:r>
-              <a:rPr lang="en-US" dirty="0"/>
-              <a:t>Location</a:t>
-            </a:r>
-          </a:p>
-        </p:txBody>
-      </p:sp>
-      <p:sp>
-        <p:nvSpPr>
-          <p:cNvPr id="23" name="Rectangle: Rounded Corners 22">
-            <a:extLst>
-              <a:ext uri="{FF2B5EF4-FFF2-40B4-BE49-F238E27FC236}">
-                <a16:creationId xmlns:a16="http://schemas.microsoft.com/office/drawing/2014/main" id="{BA660A98-EFF3-4E7B-84A2-24E3859CEE66}"/>
-              </a:ext>
-            </a:extLst>
-          </p:cNvPr>
-          <p:cNvSpPr/>
-          <p:nvPr/>
-        </p:nvSpPr>
-        <p:spPr>
-          <a:xfrm>
-            <a:off x="1219169" y="4969076"/>
-            <a:ext cx="1080652" cy="216165"/>
-          </a:xfrm>
-          <a:prstGeom prst="roundRect">
-            <a:avLst/>
-          </a:prstGeom>
-        </p:spPr>
-        <p:style>
-          <a:lnRef idx="2">
-            <a:schemeClr val="accent1">
-              <a:shade val="50000"/>
-            </a:schemeClr>
-          </a:lnRef>
-          <a:fillRef idx="1">
-            <a:schemeClr val="accent1"/>
-          </a:fillRef>
-          <a:effectRef idx="0">
-            <a:schemeClr val="accent1"/>
-          </a:effectRef>
-          <a:fontRef idx="minor">
-            <a:schemeClr val="lt1"/>
-          </a:fontRef>
-        </p:style>
-        <p:txBody>
-          <a:bodyPr rtlCol="0" anchor="ctr"/>
-          <a:lstStyle/>
-          <a:p>
-            <a:pPr algn="ctr"/>
-            <a:r>
-              <a:rPr lang="en-US" dirty="0"/>
-              <a:t>Park</a:t>
-            </a:r>
-          </a:p>
-        </p:txBody>
-      </p:sp>
-      <p:sp>
-        <p:nvSpPr>
-          <p:cNvPr id="24" name="Rectangle: Rounded Corners 23">
-            <a:extLst>
-              <a:ext uri="{FF2B5EF4-FFF2-40B4-BE49-F238E27FC236}">
-                <a16:creationId xmlns:a16="http://schemas.microsoft.com/office/drawing/2014/main" id="{B806121F-7E37-4D07-8F92-D36358C28183}"/>
-              </a:ext>
-            </a:extLst>
-          </p:cNvPr>
-          <p:cNvSpPr/>
-          <p:nvPr/>
-        </p:nvSpPr>
-        <p:spPr>
-          <a:xfrm>
-            <a:off x="999833" y="5488793"/>
-            <a:ext cx="1080652" cy="216165"/>
-          </a:xfrm>
-          <a:prstGeom prst="roundRect">
-            <a:avLst/>
-          </a:prstGeom>
-        </p:spPr>
-        <p:style>
-          <a:lnRef idx="2">
-            <a:schemeClr val="accent1">
-              <a:shade val="50000"/>
-            </a:schemeClr>
-          </a:lnRef>
-          <a:fillRef idx="1">
-            <a:schemeClr val="accent1"/>
-          </a:fillRef>
-          <a:effectRef idx="0">
-            <a:schemeClr val="accent1"/>
-          </a:effectRef>
-          <a:fontRef idx="minor">
-            <a:schemeClr val="lt1"/>
-          </a:fontRef>
-        </p:style>
-        <p:txBody>
-          <a:bodyPr rtlCol="0" anchor="ctr"/>
-          <a:lstStyle/>
-          <a:p>
-            <a:pPr algn="ctr"/>
-            <a:r>
-              <a:rPr lang="en-US" dirty="0"/>
-              <a:t>Section</a:t>
-            </a:r>
-          </a:p>
-        </p:txBody>
-      </p:sp>
-      <p:sp>
-        <p:nvSpPr>
-          <p:cNvPr id="25" name="Rectangle: Rounded Corners 24">
-            <a:extLst>
-              <a:ext uri="{FF2B5EF4-FFF2-40B4-BE49-F238E27FC236}">
-                <a16:creationId xmlns:a16="http://schemas.microsoft.com/office/drawing/2014/main" id="{63527423-E1F1-4C5C-A011-CFFC2466FE6A}"/>
-              </a:ext>
-            </a:extLst>
-          </p:cNvPr>
-          <p:cNvSpPr/>
-          <p:nvPr/>
-        </p:nvSpPr>
-        <p:spPr>
-          <a:xfrm>
-            <a:off x="10240821" y="4625997"/>
-            <a:ext cx="1080652" cy="216165"/>
-          </a:xfrm>
-          <a:prstGeom prst="roundRect">
-            <a:avLst/>
-          </a:prstGeom>
-        </p:spPr>
-        <p:style>
-          <a:lnRef idx="2">
-            <a:schemeClr val="accent1">
-              <a:shade val="50000"/>
-            </a:schemeClr>
-          </a:lnRef>
-          <a:fillRef idx="1">
-            <a:schemeClr val="accent1"/>
-          </a:fillRef>
-          <a:effectRef idx="0">
-            <a:schemeClr val="accent1"/>
-          </a:effectRef>
-          <a:fontRef idx="minor">
-            <a:schemeClr val="lt1"/>
-          </a:fontRef>
-        </p:style>
-        <p:txBody>
-          <a:bodyPr rtlCol="0" anchor="ctr"/>
-          <a:lstStyle/>
-          <a:p>
-            <a:pPr algn="ctr"/>
-            <a:r>
-              <a:rPr lang="en-US" dirty="0"/>
-              <a:t>Park</a:t>
-            </a:r>
-          </a:p>
-        </p:txBody>
-      </p:sp>
-      <p:sp>
-        <p:nvSpPr>
-          <p:cNvPr id="26" name="Rectangle: Rounded Corners 25">
-            <a:extLst>
-              <a:ext uri="{FF2B5EF4-FFF2-40B4-BE49-F238E27FC236}">
-                <a16:creationId xmlns:a16="http://schemas.microsoft.com/office/drawing/2014/main" id="{159DBDF4-0BE6-43EE-94D2-51CFC1A2B83B}"/>
-              </a:ext>
-            </a:extLst>
-          </p:cNvPr>
-          <p:cNvSpPr/>
-          <p:nvPr/>
-        </p:nvSpPr>
-        <p:spPr>
-          <a:xfrm>
-            <a:off x="10240821" y="5358816"/>
-            <a:ext cx="822036" cy="212436"/>
-          </a:xfrm>
-          <a:prstGeom prst="roundRect">
-            <a:avLst/>
-          </a:prstGeom>
-        </p:spPr>
-        <p:style>
-          <a:lnRef idx="2">
-            <a:schemeClr val="accent1">
-              <a:shade val="50000"/>
-            </a:schemeClr>
-          </a:lnRef>
-          <a:fillRef idx="1">
-            <a:schemeClr val="accent1"/>
-          </a:fillRef>
-          <a:effectRef idx="0">
-            <a:schemeClr val="accent1"/>
-          </a:effectRef>
-          <a:fontRef idx="minor">
-            <a:schemeClr val="lt1"/>
-          </a:fontRef>
-        </p:style>
-        <p:txBody>
-          <a:bodyPr rtlCol="0" anchor="ctr"/>
-          <a:lstStyle/>
-          <a:p>
-            <a:pPr algn="ctr"/>
-            <a:r>
-              <a:rPr lang="en-US" dirty="0"/>
-              <a:t>Hotel</a:t>
-            </a:r>
-          </a:p>
-        </p:txBody>
-      </p:sp>
-      <p:cxnSp>
-        <p:nvCxnSpPr>
-          <p:cNvPr id="7" name="Straight Connector 6">
-            <a:extLst>
-              <a:ext uri="{FF2B5EF4-FFF2-40B4-BE49-F238E27FC236}">
-                <a16:creationId xmlns:a16="http://schemas.microsoft.com/office/drawing/2014/main" id="{A6EC6556-1708-4BEC-9C1E-550341E9A083}"/>
-              </a:ext>
-            </a:extLst>
-          </p:cNvPr>
-          <p:cNvCxnSpPr>
-            <a:cxnSpLocks/>
-            <a:stCxn id="2" idx="3"/>
-            <a:endCxn id="10" idx="3"/>
-          </p:cNvCxnSpPr>
-          <p:nvPr/>
-        </p:nvCxnSpPr>
-        <p:spPr>
-          <a:xfrm flipH="1">
-            <a:off x="4373414" y="4119514"/>
-            <a:ext cx="1137333" cy="973004"/>
-          </a:xfrm>
-          <a:prstGeom prst="line">
-            <a:avLst/>
-          </a:prstGeom>
-        </p:spPr>
-        <p:style>
-          <a:lnRef idx="1">
-            <a:schemeClr val="accent1"/>
-          </a:lnRef>
-          <a:fillRef idx="0">
-            <a:schemeClr val="accent1"/>
-          </a:fillRef>
-          <a:effectRef idx="0">
-            <a:schemeClr val="accent1"/>
-          </a:effectRef>
-          <a:fontRef idx="minor">
-            <a:schemeClr val="tx1"/>
-          </a:fontRef>
-        </p:style>
-      </p:cxnSp>
-      <p:cxnSp>
-        <p:nvCxnSpPr>
-          <p:cNvPr id="29" name="Straight Connector 28">
-            <a:extLst>
-              <a:ext uri="{FF2B5EF4-FFF2-40B4-BE49-F238E27FC236}">
-                <a16:creationId xmlns:a16="http://schemas.microsoft.com/office/drawing/2014/main" id="{1FC7DA1F-DBA7-456E-A640-9498E713901F}"/>
-              </a:ext>
-            </a:extLst>
-          </p:cNvPr>
-          <p:cNvCxnSpPr>
-            <a:stCxn id="2" idx="2"/>
-            <a:endCxn id="4" idx="3"/>
-          </p:cNvCxnSpPr>
-          <p:nvPr/>
-        </p:nvCxnSpPr>
-        <p:spPr>
-          <a:xfrm flipH="1" flipV="1">
-            <a:off x="3881574" y="3626163"/>
-            <a:ext cx="1604826" cy="437837"/>
-          </a:xfrm>
-          <a:prstGeom prst="line">
-            <a:avLst/>
-          </a:prstGeom>
-        </p:spPr>
-        <p:style>
-          <a:lnRef idx="1">
-            <a:schemeClr val="accent1"/>
-          </a:lnRef>
-          <a:fillRef idx="0">
-            <a:schemeClr val="accent1"/>
-          </a:fillRef>
-          <a:effectRef idx="0">
-            <a:schemeClr val="accent1"/>
-          </a:effectRef>
-          <a:fontRef idx="minor">
-            <a:schemeClr val="tx1"/>
-          </a:fontRef>
-        </p:style>
-      </p:cxnSp>
-      <p:cxnSp>
-        <p:nvCxnSpPr>
-          <p:cNvPr id="31" name="Straight Connector 30">
-            <a:extLst>
-              <a:ext uri="{FF2B5EF4-FFF2-40B4-BE49-F238E27FC236}">
-                <a16:creationId xmlns:a16="http://schemas.microsoft.com/office/drawing/2014/main" id="{5878C195-4CE0-4968-978E-1AFFABEAF81F}"/>
-              </a:ext>
-            </a:extLst>
-          </p:cNvPr>
-          <p:cNvCxnSpPr>
-            <a:stCxn id="2" idx="0"/>
-            <a:endCxn id="11" idx="2"/>
-          </p:cNvCxnSpPr>
-          <p:nvPr/>
-        </p:nvCxnSpPr>
-        <p:spPr>
-          <a:xfrm flipV="1">
-            <a:off x="5569527" y="2998313"/>
-            <a:ext cx="0" cy="987178"/>
-          </a:xfrm>
-          <a:prstGeom prst="line">
-            <a:avLst/>
-          </a:prstGeom>
-        </p:spPr>
-        <p:style>
-          <a:lnRef idx="1">
-            <a:schemeClr val="accent1"/>
-          </a:lnRef>
-          <a:fillRef idx="0">
-            <a:schemeClr val="accent1"/>
-          </a:fillRef>
-          <a:effectRef idx="0">
-            <a:schemeClr val="accent1"/>
-          </a:effectRef>
-          <a:fontRef idx="minor">
-            <a:schemeClr val="tx1"/>
-          </a:fontRef>
-        </p:style>
-      </p:cxnSp>
-      <p:cxnSp>
-        <p:nvCxnSpPr>
-          <p:cNvPr id="33" name="Straight Connector 32">
-            <a:extLst>
-              <a:ext uri="{FF2B5EF4-FFF2-40B4-BE49-F238E27FC236}">
-                <a16:creationId xmlns:a16="http://schemas.microsoft.com/office/drawing/2014/main" id="{8C01DF52-1008-4482-81F7-B3C038696E9C}"/>
-              </a:ext>
-            </a:extLst>
-          </p:cNvPr>
-          <p:cNvCxnSpPr>
-            <a:cxnSpLocks/>
-            <a:stCxn id="2" idx="7"/>
-            <a:endCxn id="9" idx="1"/>
-          </p:cNvCxnSpPr>
-          <p:nvPr/>
-        </p:nvCxnSpPr>
-        <p:spPr>
-          <a:xfrm flipV="1">
-            <a:off x="5628307" y="3605047"/>
-            <a:ext cx="1282225" cy="403439"/>
-          </a:xfrm>
-          <a:prstGeom prst="line">
-            <a:avLst/>
-          </a:prstGeom>
-        </p:spPr>
-        <p:style>
-          <a:lnRef idx="1">
-            <a:schemeClr val="accent1"/>
-          </a:lnRef>
-          <a:fillRef idx="0">
-            <a:schemeClr val="accent1"/>
-          </a:fillRef>
-          <a:effectRef idx="0">
-            <a:schemeClr val="accent1"/>
-          </a:effectRef>
-          <a:fontRef idx="minor">
-            <a:schemeClr val="tx1"/>
-          </a:fontRef>
-        </p:style>
-      </p:cxnSp>
-      <p:cxnSp>
-        <p:nvCxnSpPr>
-          <p:cNvPr id="35" name="Straight Connector 34">
-            <a:extLst>
-              <a:ext uri="{FF2B5EF4-FFF2-40B4-BE49-F238E27FC236}">
-                <a16:creationId xmlns:a16="http://schemas.microsoft.com/office/drawing/2014/main" id="{0F63D568-4663-4BDC-97E9-B826A517F51A}"/>
-              </a:ext>
-            </a:extLst>
-          </p:cNvPr>
-          <p:cNvCxnSpPr>
-            <a:stCxn id="2" idx="5"/>
-            <a:endCxn id="8" idx="1"/>
-          </p:cNvCxnSpPr>
-          <p:nvPr/>
-        </p:nvCxnSpPr>
-        <p:spPr>
-          <a:xfrm>
-            <a:off x="5628307" y="4119514"/>
-            <a:ext cx="672625" cy="691963"/>
-          </a:xfrm>
-          <a:prstGeom prst="line">
-            <a:avLst/>
-          </a:prstGeom>
-        </p:spPr>
-        <p:style>
-          <a:lnRef idx="1">
-            <a:schemeClr val="accent1"/>
-          </a:lnRef>
-          <a:fillRef idx="0">
-            <a:schemeClr val="accent1"/>
-          </a:fillRef>
-          <a:effectRef idx="0">
-            <a:schemeClr val="accent1"/>
-          </a:effectRef>
-          <a:fontRef idx="minor">
-            <a:schemeClr val="tx1"/>
-          </a:fontRef>
-        </p:style>
-      </p:cxnSp>
-      <p:cxnSp>
-        <p:nvCxnSpPr>
-          <p:cNvPr id="37" name="Straight Connector 36">
-            <a:extLst>
-              <a:ext uri="{FF2B5EF4-FFF2-40B4-BE49-F238E27FC236}">
-                <a16:creationId xmlns:a16="http://schemas.microsoft.com/office/drawing/2014/main" id="{6730F211-3333-4E87-A7F4-E17E434AF66C}"/>
-              </a:ext>
-            </a:extLst>
-          </p:cNvPr>
-          <p:cNvCxnSpPr>
-            <a:cxnSpLocks/>
-            <a:stCxn id="4" idx="1"/>
-            <a:endCxn id="16" idx="3"/>
-          </p:cNvCxnSpPr>
-          <p:nvPr/>
-        </p:nvCxnSpPr>
-        <p:spPr>
-          <a:xfrm flipH="1" flipV="1">
-            <a:off x="2967178" y="2937832"/>
-            <a:ext cx="92360" cy="688331"/>
-          </a:xfrm>
-          <a:prstGeom prst="line">
-            <a:avLst/>
-          </a:prstGeom>
-        </p:spPr>
-        <p:style>
-          <a:lnRef idx="1">
-            <a:schemeClr val="accent1"/>
-          </a:lnRef>
-          <a:fillRef idx="0">
-            <a:schemeClr val="accent1"/>
-          </a:fillRef>
-          <a:effectRef idx="0">
-            <a:schemeClr val="accent1"/>
-          </a:effectRef>
-          <a:fontRef idx="minor">
-            <a:schemeClr val="tx1"/>
-          </a:fontRef>
-        </p:style>
-      </p:cxnSp>
-      <p:cxnSp>
-        <p:nvCxnSpPr>
-          <p:cNvPr id="40" name="Straight Connector 39">
-            <a:extLst>
-              <a:ext uri="{FF2B5EF4-FFF2-40B4-BE49-F238E27FC236}">
-                <a16:creationId xmlns:a16="http://schemas.microsoft.com/office/drawing/2014/main" id="{1489D715-AD12-4AF4-991C-C638214F6129}"/>
-              </a:ext>
-            </a:extLst>
-          </p:cNvPr>
-          <p:cNvCxnSpPr>
-            <a:cxnSpLocks/>
-            <a:stCxn id="4" idx="1"/>
-            <a:endCxn id="17" idx="3"/>
-          </p:cNvCxnSpPr>
-          <p:nvPr/>
-        </p:nvCxnSpPr>
-        <p:spPr>
-          <a:xfrm flipH="1" flipV="1">
-            <a:off x="2491505" y="3285838"/>
-            <a:ext cx="568033" cy="340325"/>
-          </a:xfrm>
-          <a:prstGeom prst="line">
-            <a:avLst/>
-          </a:prstGeom>
-        </p:spPr>
-        <p:style>
-          <a:lnRef idx="1">
-            <a:schemeClr val="accent1"/>
-          </a:lnRef>
-          <a:fillRef idx="0">
-            <a:schemeClr val="accent1"/>
-          </a:fillRef>
-          <a:effectRef idx="0">
-            <a:schemeClr val="accent1"/>
-          </a:effectRef>
-          <a:fontRef idx="minor">
-            <a:schemeClr val="tx1"/>
-          </a:fontRef>
-        </p:style>
-      </p:cxnSp>
-      <p:cxnSp>
-        <p:nvCxnSpPr>
-          <p:cNvPr id="43" name="Straight Connector 42">
-            <a:extLst>
-              <a:ext uri="{FF2B5EF4-FFF2-40B4-BE49-F238E27FC236}">
-                <a16:creationId xmlns:a16="http://schemas.microsoft.com/office/drawing/2014/main" id="{CEC6535A-68C7-418B-A93C-AD622A210666}"/>
-              </a:ext>
-            </a:extLst>
-          </p:cNvPr>
-          <p:cNvCxnSpPr>
-            <a:stCxn id="4" idx="1"/>
-            <a:endCxn id="18" idx="3"/>
-          </p:cNvCxnSpPr>
-          <p:nvPr/>
-        </p:nvCxnSpPr>
-        <p:spPr>
-          <a:xfrm flipH="1">
-            <a:off x="2350647" y="3626163"/>
-            <a:ext cx="708891" cy="295564"/>
-          </a:xfrm>
-          <a:prstGeom prst="line">
-            <a:avLst/>
-          </a:prstGeom>
-        </p:spPr>
-        <p:style>
-          <a:lnRef idx="1">
-            <a:schemeClr val="accent1"/>
-          </a:lnRef>
-          <a:fillRef idx="0">
-            <a:schemeClr val="accent1"/>
-          </a:fillRef>
-          <a:effectRef idx="0">
-            <a:schemeClr val="accent1"/>
-          </a:effectRef>
-          <a:fontRef idx="minor">
-            <a:schemeClr val="tx1"/>
-          </a:fontRef>
-        </p:style>
-      </p:cxnSp>
-      <p:cxnSp>
-        <p:nvCxnSpPr>
-          <p:cNvPr id="45" name="Straight Connector 44">
-            <a:extLst>
-              <a:ext uri="{FF2B5EF4-FFF2-40B4-BE49-F238E27FC236}">
-                <a16:creationId xmlns:a16="http://schemas.microsoft.com/office/drawing/2014/main" id="{109CF186-7375-4BD4-9EFD-07E39DF7557E}"/>
-              </a:ext>
-            </a:extLst>
-          </p:cNvPr>
-          <p:cNvCxnSpPr>
-            <a:stCxn id="4" idx="1"/>
-            <a:endCxn id="21" idx="3"/>
-          </p:cNvCxnSpPr>
-          <p:nvPr/>
-        </p:nvCxnSpPr>
-        <p:spPr>
-          <a:xfrm flipH="1">
-            <a:off x="2491505" y="3626163"/>
-            <a:ext cx="568033" cy="999835"/>
-          </a:xfrm>
-          <a:prstGeom prst="line">
-            <a:avLst/>
-          </a:prstGeom>
-        </p:spPr>
-        <p:style>
-          <a:lnRef idx="1">
-            <a:schemeClr val="accent1"/>
-          </a:lnRef>
-          <a:fillRef idx="0">
-            <a:schemeClr val="accent1"/>
-          </a:fillRef>
-          <a:effectRef idx="0">
-            <a:schemeClr val="accent1"/>
-          </a:effectRef>
-          <a:fontRef idx="minor">
-            <a:schemeClr val="tx1"/>
-          </a:fontRef>
-        </p:style>
-      </p:cxnSp>
-      <p:cxnSp>
-        <p:nvCxnSpPr>
-          <p:cNvPr id="47" name="Straight Connector 46">
-            <a:extLst>
-              <a:ext uri="{FF2B5EF4-FFF2-40B4-BE49-F238E27FC236}">
-                <a16:creationId xmlns:a16="http://schemas.microsoft.com/office/drawing/2014/main" id="{6A13986D-A007-4676-AE9A-45FEE24F458F}"/>
-              </a:ext>
-            </a:extLst>
-          </p:cNvPr>
-          <p:cNvCxnSpPr>
-            <a:stCxn id="8" idx="2"/>
-            <a:endCxn id="19" idx="0"/>
-          </p:cNvCxnSpPr>
-          <p:nvPr/>
-        </p:nvCxnSpPr>
-        <p:spPr>
-          <a:xfrm>
-            <a:off x="6910532" y="4940340"/>
-            <a:ext cx="411018" cy="894731"/>
-          </a:xfrm>
-          <a:prstGeom prst="line">
-            <a:avLst/>
-          </a:prstGeom>
-        </p:spPr>
-        <p:style>
-          <a:lnRef idx="1">
-            <a:schemeClr val="accent1"/>
-          </a:lnRef>
-          <a:fillRef idx="0">
-            <a:schemeClr val="accent1"/>
-          </a:fillRef>
-          <a:effectRef idx="0">
-            <a:schemeClr val="accent1"/>
-          </a:effectRef>
-          <a:fontRef idx="minor">
-            <a:schemeClr val="tx1"/>
-          </a:fontRef>
-        </p:style>
-      </p:cxnSp>
-      <p:cxnSp>
-        <p:nvCxnSpPr>
-          <p:cNvPr id="49" name="Straight Connector 48">
-            <a:extLst>
-              <a:ext uri="{FF2B5EF4-FFF2-40B4-BE49-F238E27FC236}">
-                <a16:creationId xmlns:a16="http://schemas.microsoft.com/office/drawing/2014/main" id="{A62304CE-0DD7-4173-9B3E-CE1854801E06}"/>
-              </a:ext>
-            </a:extLst>
-          </p:cNvPr>
-          <p:cNvCxnSpPr>
-            <a:stCxn id="9" idx="3"/>
-            <a:endCxn id="14" idx="1"/>
-          </p:cNvCxnSpPr>
-          <p:nvPr/>
-        </p:nvCxnSpPr>
-        <p:spPr>
-          <a:xfrm flipV="1">
-            <a:off x="7732568" y="2935077"/>
-            <a:ext cx="670218" cy="669970"/>
-          </a:xfrm>
-          <a:prstGeom prst="line">
-            <a:avLst/>
-          </a:prstGeom>
-        </p:spPr>
-        <p:style>
-          <a:lnRef idx="1">
-            <a:schemeClr val="accent1"/>
-          </a:lnRef>
-          <a:fillRef idx="0">
-            <a:schemeClr val="accent1"/>
-          </a:fillRef>
-          <a:effectRef idx="0">
-            <a:schemeClr val="accent1"/>
-          </a:effectRef>
-          <a:fontRef idx="minor">
-            <a:schemeClr val="tx1"/>
-          </a:fontRef>
-        </p:style>
-      </p:cxnSp>
-      <p:cxnSp>
-        <p:nvCxnSpPr>
-          <p:cNvPr id="51" name="Straight Connector 50">
-            <a:extLst>
-              <a:ext uri="{FF2B5EF4-FFF2-40B4-BE49-F238E27FC236}">
-                <a16:creationId xmlns:a16="http://schemas.microsoft.com/office/drawing/2014/main" id="{FBF04C32-CF7F-42B5-B8BA-182BF0B2C691}"/>
-              </a:ext>
-            </a:extLst>
-          </p:cNvPr>
-          <p:cNvCxnSpPr>
-            <a:stCxn id="9" idx="3"/>
-            <a:endCxn id="15" idx="1"/>
-          </p:cNvCxnSpPr>
-          <p:nvPr/>
-        </p:nvCxnSpPr>
-        <p:spPr>
-          <a:xfrm>
-            <a:off x="7732568" y="3605047"/>
-            <a:ext cx="714095" cy="21116"/>
-          </a:xfrm>
-          <a:prstGeom prst="line">
-            <a:avLst/>
-          </a:prstGeom>
-        </p:spPr>
-        <p:style>
-          <a:lnRef idx="1">
-            <a:schemeClr val="accent1"/>
-          </a:lnRef>
-          <a:fillRef idx="0">
-            <a:schemeClr val="accent1"/>
-          </a:fillRef>
-          <a:effectRef idx="0">
-            <a:schemeClr val="accent1"/>
-          </a:effectRef>
-          <a:fontRef idx="minor">
-            <a:schemeClr val="tx1"/>
-          </a:fontRef>
-        </p:style>
-      </p:cxnSp>
-      <p:cxnSp>
-        <p:nvCxnSpPr>
-          <p:cNvPr id="59" name="Straight Connector 58">
-            <a:extLst>
-              <a:ext uri="{FF2B5EF4-FFF2-40B4-BE49-F238E27FC236}">
-                <a16:creationId xmlns:a16="http://schemas.microsoft.com/office/drawing/2014/main" id="{63BB2314-4DBD-45A9-9209-5A5B9358BA97}"/>
-              </a:ext>
-            </a:extLst>
-          </p:cNvPr>
-          <p:cNvCxnSpPr>
-            <a:cxnSpLocks/>
-            <a:stCxn id="8" idx="3"/>
-            <a:endCxn id="22" idx="1"/>
-          </p:cNvCxnSpPr>
-          <p:nvPr/>
-        </p:nvCxnSpPr>
-        <p:spPr>
-          <a:xfrm>
-            <a:off x="7520132" y="4811477"/>
-            <a:ext cx="946730" cy="40101"/>
-          </a:xfrm>
-          <a:prstGeom prst="line">
-            <a:avLst/>
-          </a:prstGeom>
-        </p:spPr>
-        <p:style>
-          <a:lnRef idx="1">
-            <a:schemeClr val="accent1"/>
-          </a:lnRef>
-          <a:fillRef idx="0">
-            <a:schemeClr val="accent1"/>
-          </a:fillRef>
-          <a:effectRef idx="0">
-            <a:schemeClr val="accent1"/>
-          </a:effectRef>
-          <a:fontRef idx="minor">
-            <a:schemeClr val="tx1"/>
-          </a:fontRef>
-        </p:style>
-      </p:cxnSp>
-      <p:cxnSp>
-        <p:nvCxnSpPr>
-          <p:cNvPr id="62" name="Straight Connector 61">
-            <a:extLst>
-              <a:ext uri="{FF2B5EF4-FFF2-40B4-BE49-F238E27FC236}">
-                <a16:creationId xmlns:a16="http://schemas.microsoft.com/office/drawing/2014/main" id="{CE9EE78D-82DF-4352-B22D-139C06F23ADD}"/>
-              </a:ext>
-            </a:extLst>
-          </p:cNvPr>
-          <p:cNvCxnSpPr>
-            <a:cxnSpLocks/>
-            <a:stCxn id="22" idx="3"/>
-            <a:endCxn id="25" idx="1"/>
-          </p:cNvCxnSpPr>
-          <p:nvPr/>
-        </p:nvCxnSpPr>
-        <p:spPr>
-          <a:xfrm flipV="1">
-            <a:off x="9561952" y="4734080"/>
-            <a:ext cx="678869" cy="117498"/>
-          </a:xfrm>
-          <a:prstGeom prst="line">
-            <a:avLst/>
-          </a:prstGeom>
-        </p:spPr>
-        <p:style>
-          <a:lnRef idx="1">
-            <a:schemeClr val="accent1"/>
-          </a:lnRef>
-          <a:fillRef idx="0">
-            <a:schemeClr val="accent1"/>
-          </a:fillRef>
-          <a:effectRef idx="0">
-            <a:schemeClr val="accent1"/>
-          </a:effectRef>
-          <a:fontRef idx="minor">
-            <a:schemeClr val="tx1"/>
-          </a:fontRef>
-        </p:style>
-      </p:cxnSp>
-      <p:cxnSp>
-        <p:nvCxnSpPr>
-          <p:cNvPr id="64" name="Straight Connector 63">
-            <a:extLst>
-              <a:ext uri="{FF2B5EF4-FFF2-40B4-BE49-F238E27FC236}">
-                <a16:creationId xmlns:a16="http://schemas.microsoft.com/office/drawing/2014/main" id="{5D06A388-A114-49B5-BF15-C9A0003AB4F1}"/>
-              </a:ext>
-            </a:extLst>
-          </p:cNvPr>
-          <p:cNvCxnSpPr>
-            <a:cxnSpLocks/>
-            <a:stCxn id="22" idx="3"/>
-            <a:endCxn id="26" idx="1"/>
-          </p:cNvCxnSpPr>
-          <p:nvPr/>
-        </p:nvCxnSpPr>
-        <p:spPr>
-          <a:xfrm>
-            <a:off x="9561952" y="4851578"/>
-            <a:ext cx="678869" cy="613456"/>
-          </a:xfrm>
-          <a:prstGeom prst="line">
-            <a:avLst/>
-          </a:prstGeom>
-        </p:spPr>
-        <p:style>
-          <a:lnRef idx="1">
-            <a:schemeClr val="accent1"/>
-          </a:lnRef>
-          <a:fillRef idx="0">
-            <a:schemeClr val="accent1"/>
-          </a:fillRef>
-          <a:effectRef idx="0">
-            <a:schemeClr val="accent1"/>
-          </a:effectRef>
-          <a:fontRef idx="minor">
-            <a:schemeClr val="tx1"/>
-          </a:fontRef>
-        </p:style>
-      </p:cxnSp>
-      <p:cxnSp>
-        <p:nvCxnSpPr>
-          <p:cNvPr id="67" name="Straight Connector 66">
-            <a:extLst>
-              <a:ext uri="{FF2B5EF4-FFF2-40B4-BE49-F238E27FC236}">
-                <a16:creationId xmlns:a16="http://schemas.microsoft.com/office/drawing/2014/main" id="{0E800456-FA2C-40A1-9C1F-10B1BE87473F}"/>
-              </a:ext>
-            </a:extLst>
-          </p:cNvPr>
-          <p:cNvCxnSpPr>
-            <a:stCxn id="21" idx="2"/>
-            <a:endCxn id="23" idx="0"/>
-          </p:cNvCxnSpPr>
-          <p:nvPr/>
-        </p:nvCxnSpPr>
-        <p:spPr>
-          <a:xfrm flipH="1">
-            <a:off x="1759495" y="4734080"/>
-            <a:ext cx="191684" cy="234996"/>
-          </a:xfrm>
-          <a:prstGeom prst="line">
-            <a:avLst/>
-          </a:prstGeom>
-        </p:spPr>
-        <p:style>
-          <a:lnRef idx="1">
-            <a:schemeClr val="accent1"/>
-          </a:lnRef>
-          <a:fillRef idx="0">
-            <a:schemeClr val="accent1"/>
-          </a:fillRef>
-          <a:effectRef idx="0">
-            <a:schemeClr val="accent1"/>
-          </a:effectRef>
-          <a:fontRef idx="minor">
-            <a:schemeClr val="tx1"/>
-          </a:fontRef>
-        </p:style>
-      </p:cxnSp>
-      <p:cxnSp>
-        <p:nvCxnSpPr>
-          <p:cNvPr id="69" name="Straight Connector 68">
-            <a:extLst>
-              <a:ext uri="{FF2B5EF4-FFF2-40B4-BE49-F238E27FC236}">
-                <a16:creationId xmlns:a16="http://schemas.microsoft.com/office/drawing/2014/main" id="{B641BE5F-979E-4FE2-8A57-217A47195486}"/>
-              </a:ext>
-            </a:extLst>
-          </p:cNvPr>
-          <p:cNvCxnSpPr>
-            <a:stCxn id="23" idx="2"/>
-            <a:endCxn id="24" idx="0"/>
-          </p:cNvCxnSpPr>
-          <p:nvPr/>
-        </p:nvCxnSpPr>
-        <p:spPr>
-          <a:xfrm flipH="1">
-            <a:off x="1540159" y="5185241"/>
-            <a:ext cx="219336" cy="303552"/>
-          </a:xfrm>
-          <a:prstGeom prst="line">
-            <a:avLst/>
-          </a:prstGeom>
-        </p:spPr>
-        <p:style>
-          <a:lnRef idx="1">
-            <a:schemeClr val="accent1"/>
-          </a:lnRef>
-          <a:fillRef idx="0">
-            <a:schemeClr val="accent1"/>
-          </a:fillRef>
-          <a:effectRef idx="0">
-            <a:schemeClr val="accent1"/>
-          </a:effectRef>
-          <a:fontRef idx="minor">
-            <a:schemeClr val="tx1"/>
-          </a:fontRef>
-        </p:style>
-      </p:cxnSp>
-      <p:sp>
-        <p:nvSpPr>
-          <p:cNvPr id="76" name="TextBox 75">
-            <a:extLst>
-              <a:ext uri="{FF2B5EF4-FFF2-40B4-BE49-F238E27FC236}">
-                <a16:creationId xmlns:a16="http://schemas.microsoft.com/office/drawing/2014/main" id="{2A9407F7-C4DC-4E43-BD1E-1C646509E3F3}"/>
+          <p:cNvPr id="7" name="TextBox 6">
+            <a:extLst>
+              <a:ext uri="{FF2B5EF4-FFF2-40B4-BE49-F238E27FC236}">
+                <a16:creationId xmlns:a16="http://schemas.microsoft.com/office/drawing/2014/main" id="{13F8BE3A-7687-4AF4-9EFD-2C46F306DA40}"/>
               </a:ext>
             </a:extLst>
           </p:cNvPr>
@@ -9156,8 +8603,8 @@
         </p:nvSpPr>
         <p:spPr>
           <a:xfrm>
-            <a:off x="390768" y="1487111"/>
-            <a:ext cx="2324723" cy="830997"/>
+            <a:off x="751691" y="2259470"/>
+            <a:ext cx="1398694" cy="461665"/>
           </a:xfrm>
           <a:prstGeom prst="rect">
             <a:avLst/>
@@ -9178,7 +8625,7 @@
                   </a:schemeClr>
                 </a:solidFill>
               </a:rPr>
-              <a:t>Answer Type Taxonomy</a:t>
+              <a:t>stuff</a:t>
             </a:r>
             <a:endParaRPr lang="en-US" sz="2400" dirty="0"/>
           </a:p>
@@ -9187,94 +8634,13 @@
     </p:spTree>
     <p:extLst>
       <p:ext uri="{BB962C8B-B14F-4D97-AF65-F5344CB8AC3E}">
-        <p14:creationId xmlns:p14="http://schemas.microsoft.com/office/powerpoint/2010/main" val="1396839303"/>
+        <p14:creationId xmlns:p14="http://schemas.microsoft.com/office/powerpoint/2010/main" val="664511634"/>
       </p:ext>
     </p:extLst>
   </p:cSld>
   <p:clrMapOvr>
     <a:masterClrMapping/>
   </p:clrMapOvr>
-  <p:timing>
-    <p:tnLst>
-      <p:par>
-        <p:cTn id="1" dur="indefinite" restart="never" nodeType="tmRoot">
-          <p:childTnLst>
-            <p:seq concurrent="1" nextAc="seek">
-              <p:cTn id="2" dur="indefinite" nodeType="mainSeq">
-                <p:childTnLst>
-                  <p:par>
-                    <p:cTn id="3" fill="hold">
-                      <p:stCondLst>
-                        <p:cond delay="indefinite"/>
-                        <p:cond evt="onBegin" delay="0">
-                          <p:tn val="2"/>
-                        </p:cond>
-                      </p:stCondLst>
-                      <p:childTnLst>
-                        <p:par>
-                          <p:cTn id="4" fill="hold">
-                            <p:stCondLst>
-                              <p:cond delay="0"/>
-                            </p:stCondLst>
-                            <p:childTnLst>
-                              <p:par>
-                                <p:cTn id="5" presetID="1" presetClass="entr" presetSubtype="0" fill="hold" grpId="0" nodeType="withEffect">
-                                  <p:stCondLst>
-                                    <p:cond delay="0"/>
-                                  </p:stCondLst>
-                                  <p:childTnLst>
-                                    <p:set>
-                                      <p:cBhvr>
-                                        <p:cTn id="6" dur="1" fill="hold">
-                                          <p:stCondLst>
-                                            <p:cond delay="0"/>
-                                          </p:stCondLst>
-                                        </p:cTn>
-                                        <p:tgtEl>
-                                          <p:spTgt spid="76"/>
-                                        </p:tgtEl>
-                                        <p:attrNameLst>
-                                          <p:attrName>style.visibility</p:attrName>
-                                        </p:attrNameLst>
-                                      </p:cBhvr>
-                                      <p:to>
-                                        <p:strVal val="visible"/>
-                                      </p:to>
-                                    </p:set>
-                                  </p:childTnLst>
-                                </p:cTn>
-                              </p:par>
-                            </p:childTnLst>
-                          </p:cTn>
-                        </p:par>
-                      </p:childTnLst>
-                    </p:cTn>
-                  </p:par>
-                </p:childTnLst>
-              </p:cTn>
-              <p:prevCondLst>
-                <p:cond evt="onPrev" delay="0">
-                  <p:tgtEl>
-                    <p:sldTgt/>
-                  </p:tgtEl>
-                </p:cond>
-              </p:prevCondLst>
-              <p:nextCondLst>
-                <p:cond evt="onNext" delay="0">
-                  <p:tgtEl>
-                    <p:sldTgt/>
-                  </p:tgtEl>
-                </p:cond>
-              </p:nextCondLst>
-            </p:seq>
-          </p:childTnLst>
-        </p:cTn>
-      </p:par>
-    </p:tnLst>
-    <p:bldLst>
-      <p:bldP spid="76" grpId="0"/>
-    </p:bldLst>
-  </p:timing>
 </p:sld>
 </file>
 
@@ -9361,7 +8727,7 @@
                   <a:schemeClr val="bg1"/>
                 </a:solidFill>
               </a:rPr>
-              <a:t>Document Processing</a:t>
+              <a:t>Answer Processing</a:t>
             </a:r>
           </a:p>
         </p:txBody>
@@ -9398,10 +8764,10 @@
       </p:pic>
       <p:sp>
         <p:nvSpPr>
-          <p:cNvPr id="7" name="TextBox 6">
-            <a:extLst>
-              <a:ext uri="{FF2B5EF4-FFF2-40B4-BE49-F238E27FC236}">
-                <a16:creationId xmlns:a16="http://schemas.microsoft.com/office/drawing/2014/main" id="{13F8BE3A-7687-4AF4-9EFD-2C46F306DA40}"/>
+          <p:cNvPr id="16" name="TextBox 15">
+            <a:extLst>
+              <a:ext uri="{FF2B5EF4-FFF2-40B4-BE49-F238E27FC236}">
+                <a16:creationId xmlns:a16="http://schemas.microsoft.com/office/drawing/2014/main" id="{E08E3460-E591-4E84-8DBE-28497644C291}"/>
               </a:ext>
             </a:extLst>
           </p:cNvPr>
@@ -9410,8 +8776,112 @@
         </p:nvSpPr>
         <p:spPr>
           <a:xfrm>
-            <a:off x="751691" y="2259470"/>
-            <a:ext cx="1398694" cy="461665"/>
+            <a:off x="503805" y="2059593"/>
+            <a:ext cx="4361157" cy="584775"/>
+          </a:xfrm>
+          <a:prstGeom prst="rect">
+            <a:avLst/>
+          </a:prstGeom>
+          <a:noFill/>
+        </p:spPr>
+        <p:txBody>
+          <a:bodyPr wrap="square" rtlCol="0">
+            <a:spAutoFit/>
+          </a:bodyPr>
+          <a:lstStyle/>
+          <a:p>
+            <a:r>
+              <a:rPr lang="en-US" sz="1600" dirty="0">
+                <a:latin typeface="Arial Nova" panose="020B0504020202020204" pitchFamily="34" charset="0"/>
+              </a:rPr>
+              <a:t>Our documents are question and answer sets, so get features for both</a:t>
+            </a:r>
+          </a:p>
+        </p:txBody>
+      </p:sp>
+      <p:sp>
+        <p:nvSpPr>
+          <p:cNvPr id="18" name="TextBox 17">
+            <a:extLst>
+              <a:ext uri="{FF2B5EF4-FFF2-40B4-BE49-F238E27FC236}">
+                <a16:creationId xmlns:a16="http://schemas.microsoft.com/office/drawing/2014/main" id="{A72B569E-B904-4169-BFF6-D2179536755D}"/>
+              </a:ext>
+            </a:extLst>
+          </p:cNvPr>
+          <p:cNvSpPr txBox="1"/>
+          <p:nvPr/>
+        </p:nvSpPr>
+        <p:spPr>
+          <a:xfrm>
+            <a:off x="500771" y="3543208"/>
+            <a:ext cx="4006535" cy="338554"/>
+          </a:xfrm>
+          <a:prstGeom prst="rect">
+            <a:avLst/>
+          </a:prstGeom>
+          <a:noFill/>
+        </p:spPr>
+        <p:txBody>
+          <a:bodyPr wrap="square" rtlCol="0">
+            <a:spAutoFit/>
+          </a:bodyPr>
+          <a:lstStyle/>
+          <a:p>
+            <a:r>
+              <a:rPr lang="en-US" sz="1600" dirty="0">
+                <a:latin typeface="Arial Nova" panose="020B0504020202020204" pitchFamily="34" charset="0"/>
+              </a:rPr>
+              <a:t>Matching question keywords/head words</a:t>
+            </a:r>
+          </a:p>
+        </p:txBody>
+      </p:sp>
+      <p:pic>
+        <p:nvPicPr>
+          <p:cNvPr id="5" name="Picture 4">
+            <a:extLst>
+              <a:ext uri="{FF2B5EF4-FFF2-40B4-BE49-F238E27FC236}">
+                <a16:creationId xmlns:a16="http://schemas.microsoft.com/office/drawing/2014/main" id="{D32F34A7-C629-4CCC-928B-6E0AD3816749}"/>
+              </a:ext>
+            </a:extLst>
+          </p:cNvPr>
+          <p:cNvPicPr>
+            <a:picLocks noChangeAspect="1"/>
+          </p:cNvPicPr>
+          <p:nvPr/>
+        </p:nvPicPr>
+        <p:blipFill>
+          <a:blip r:embed="rId3"/>
+          <a:stretch>
+            <a:fillRect/>
+          </a:stretch>
+        </p:blipFill>
+        <p:spPr>
+          <a:xfrm>
+            <a:off x="5574694" y="2644368"/>
+            <a:ext cx="6248400" cy="2686050"/>
+          </a:xfrm>
+          <a:prstGeom prst="rect">
+            <a:avLst/>
+          </a:prstGeom>
+        </p:spPr>
+      </p:pic>
+      <p:sp>
+        <p:nvSpPr>
+          <p:cNvPr id="28" name="TextBox 27">
+            <a:extLst>
+              <a:ext uri="{FF2B5EF4-FFF2-40B4-BE49-F238E27FC236}">
+                <a16:creationId xmlns:a16="http://schemas.microsoft.com/office/drawing/2014/main" id="{070C10FC-7307-4B77-A429-25C6AEA1D18C}"/>
+              </a:ext>
+            </a:extLst>
+          </p:cNvPr>
+          <p:cNvSpPr txBox="1"/>
+          <p:nvPr/>
+        </p:nvSpPr>
+        <p:spPr>
+          <a:xfrm>
+            <a:off x="503807" y="1537343"/>
+            <a:ext cx="3767043" cy="461665"/>
           </a:xfrm>
           <a:prstGeom prst="rect">
             <a:avLst/>
@@ -9432,16 +8902,53 @@
                   </a:schemeClr>
                 </a:solidFill>
               </a:rPr>
-              <a:t>stuff</a:t>
+              <a:t>Answer Features</a:t>
             </a:r>
             <a:endParaRPr lang="en-US" sz="2400" dirty="0"/>
+          </a:p>
+        </p:txBody>
+      </p:sp>
+      <p:sp>
+        <p:nvSpPr>
+          <p:cNvPr id="29" name="TextBox 28">
+            <a:extLst>
+              <a:ext uri="{FF2B5EF4-FFF2-40B4-BE49-F238E27FC236}">
+                <a16:creationId xmlns:a16="http://schemas.microsoft.com/office/drawing/2014/main" id="{05520639-5E08-4170-BD25-60A9BBCD6761}"/>
+              </a:ext>
+            </a:extLst>
+          </p:cNvPr>
+          <p:cNvSpPr txBox="1"/>
+          <p:nvPr/>
+        </p:nvSpPr>
+        <p:spPr>
+          <a:xfrm>
+            <a:off x="507376" y="2976239"/>
+            <a:ext cx="2932542" cy="338554"/>
+          </a:xfrm>
+          <a:prstGeom prst="rect">
+            <a:avLst/>
+          </a:prstGeom>
+          <a:noFill/>
+        </p:spPr>
+        <p:txBody>
+          <a:bodyPr wrap="square" rtlCol="0">
+            <a:spAutoFit/>
+          </a:bodyPr>
+          <a:lstStyle/>
+          <a:p>
+            <a:r>
+              <a:rPr lang="en-US" sz="1600" dirty="0">
+                <a:latin typeface="Arial Nova" panose="020B0504020202020204" pitchFamily="34" charset="0"/>
+              </a:rPr>
+              <a:t>Matching answer type</a:t>
+            </a:r>
           </a:p>
         </p:txBody>
       </p:sp>
     </p:spTree>
     <p:extLst>
       <p:ext uri="{BB962C8B-B14F-4D97-AF65-F5344CB8AC3E}">
-        <p14:creationId xmlns:p14="http://schemas.microsoft.com/office/powerpoint/2010/main" val="334648452"/>
+        <p14:creationId xmlns:p14="http://schemas.microsoft.com/office/powerpoint/2010/main" val="1499493466"/>
       </p:ext>
     </p:extLst>
   </p:cSld>
@@ -9534,7 +9041,7 @@
                   <a:schemeClr val="bg1"/>
                 </a:solidFill>
               </a:rPr>
-              <a:t>Document Processing</a:t>
+              <a:t>Answer Processing</a:t>
             </a:r>
           </a:p>
         </p:txBody>
@@ -9614,7 +9121,7 @@
     </p:spTree>
     <p:extLst>
       <p:ext uri="{BB962C8B-B14F-4D97-AF65-F5344CB8AC3E}">
-        <p14:creationId xmlns:p14="http://schemas.microsoft.com/office/powerpoint/2010/main" val="664511634"/>
+        <p14:creationId xmlns:p14="http://schemas.microsoft.com/office/powerpoint/2010/main" val="1700848767"/>
       </p:ext>
     </p:extLst>
   </p:cSld>

--- a/disneyqanda.pptx
+++ b/disneyqanda.pptx
@@ -8,11 +8,14 @@
     <p:sldId id="261" r:id="rId2"/>
     <p:sldId id="262" r:id="rId3"/>
     <p:sldId id="294" r:id="rId4"/>
-    <p:sldId id="295" r:id="rId5"/>
-    <p:sldId id="297" r:id="rId6"/>
-    <p:sldId id="298" r:id="rId7"/>
-    <p:sldId id="296" r:id="rId8"/>
-    <p:sldId id="293" r:id="rId9"/>
+    <p:sldId id="300" r:id="rId5"/>
+    <p:sldId id="301" r:id="rId6"/>
+    <p:sldId id="295" r:id="rId7"/>
+    <p:sldId id="297" r:id="rId8"/>
+    <p:sldId id="298" r:id="rId9"/>
+    <p:sldId id="296" r:id="rId10"/>
+    <p:sldId id="302" r:id="rId11"/>
+    <p:sldId id="293" r:id="rId12"/>
   </p:sldIdLst>
   <p:sldSz cx="12192000" cy="6858000"/>
   <p:notesSz cx="6858000" cy="9144000"/>
@@ -258,7 +261,7 @@
           <a:p>
             <a:fld id="{7601110F-1B76-8242-AE2F-5F83B5239CF8}" type="datetimeFigureOut">
               <a:rPr lang="en-US" smtClean="0"/>
-              <a:t>11/29/2020</a:t>
+              <a:t>12/2/20</a:t>
             </a:fld>
             <a:endParaRPr lang="en-US"/>
           </a:p>
@@ -428,7 +431,7 @@
           <a:p>
             <a:fld id="{7601110F-1B76-8242-AE2F-5F83B5239CF8}" type="datetimeFigureOut">
               <a:rPr lang="en-US" smtClean="0"/>
-              <a:t>11/29/2020</a:t>
+              <a:t>12/2/20</a:t>
             </a:fld>
             <a:endParaRPr lang="en-US"/>
           </a:p>
@@ -608,7 +611,7 @@
           <a:p>
             <a:fld id="{7601110F-1B76-8242-AE2F-5F83B5239CF8}" type="datetimeFigureOut">
               <a:rPr lang="en-US" smtClean="0"/>
-              <a:t>11/29/2020</a:t>
+              <a:t>12/2/20</a:t>
             </a:fld>
             <a:endParaRPr lang="en-US"/>
           </a:p>
@@ -778,7 +781,7 @@
           <a:p>
             <a:fld id="{7601110F-1B76-8242-AE2F-5F83B5239CF8}" type="datetimeFigureOut">
               <a:rPr lang="en-US" smtClean="0"/>
-              <a:t>11/29/2020</a:t>
+              <a:t>12/2/20</a:t>
             </a:fld>
             <a:endParaRPr lang="en-US"/>
           </a:p>
@@ -1022,7 +1025,7 @@
           <a:p>
             <a:fld id="{7601110F-1B76-8242-AE2F-5F83B5239CF8}" type="datetimeFigureOut">
               <a:rPr lang="en-US" smtClean="0"/>
-              <a:t>11/29/2020</a:t>
+              <a:t>12/2/20</a:t>
             </a:fld>
             <a:endParaRPr lang="en-US"/>
           </a:p>
@@ -1254,7 +1257,7 @@
           <a:p>
             <a:fld id="{7601110F-1B76-8242-AE2F-5F83B5239CF8}" type="datetimeFigureOut">
               <a:rPr lang="en-US" smtClean="0"/>
-              <a:t>11/29/2020</a:t>
+              <a:t>12/2/20</a:t>
             </a:fld>
             <a:endParaRPr lang="en-US"/>
           </a:p>
@@ -1621,7 +1624,7 @@
           <a:p>
             <a:fld id="{7601110F-1B76-8242-AE2F-5F83B5239CF8}" type="datetimeFigureOut">
               <a:rPr lang="en-US" smtClean="0"/>
-              <a:t>11/29/2020</a:t>
+              <a:t>12/2/20</a:t>
             </a:fld>
             <a:endParaRPr lang="en-US"/>
           </a:p>
@@ -1739,7 +1742,7 @@
           <a:p>
             <a:fld id="{7601110F-1B76-8242-AE2F-5F83B5239CF8}" type="datetimeFigureOut">
               <a:rPr lang="en-US" smtClean="0"/>
-              <a:t>11/29/2020</a:t>
+              <a:t>12/2/20</a:t>
             </a:fld>
             <a:endParaRPr lang="en-US"/>
           </a:p>
@@ -1834,7 +1837,7 @@
           <a:p>
             <a:fld id="{7601110F-1B76-8242-AE2F-5F83B5239CF8}" type="datetimeFigureOut">
               <a:rPr lang="en-US" smtClean="0"/>
-              <a:t>11/29/2020</a:t>
+              <a:t>12/2/20</a:t>
             </a:fld>
             <a:endParaRPr lang="en-US"/>
           </a:p>
@@ -2111,7 +2114,7 @@
           <a:p>
             <a:fld id="{7601110F-1B76-8242-AE2F-5F83B5239CF8}" type="datetimeFigureOut">
               <a:rPr lang="en-US" smtClean="0"/>
-              <a:t>11/29/2020</a:t>
+              <a:t>12/2/20</a:t>
             </a:fld>
             <a:endParaRPr lang="en-US"/>
           </a:p>
@@ -2368,7 +2371,7 @@
           <a:p>
             <a:fld id="{7601110F-1B76-8242-AE2F-5F83B5239CF8}" type="datetimeFigureOut">
               <a:rPr lang="en-US" smtClean="0"/>
-              <a:t>11/29/2020</a:t>
+              <a:t>12/2/20</a:t>
             </a:fld>
             <a:endParaRPr lang="en-US"/>
           </a:p>
@@ -2581,7 +2584,7 @@
           <a:p>
             <a:fld id="{7601110F-1B76-8242-AE2F-5F83B5239CF8}" type="datetimeFigureOut">
               <a:rPr lang="en-US" smtClean="0"/>
-              <a:t>11/29/2020</a:t>
+              <a:t>12/2/20</a:t>
             </a:fld>
             <a:endParaRPr lang="en-US"/>
           </a:p>
@@ -3337,6 +3340,571 @@
 </p:sld>
 </file>
 
+<file path=ppt/slides/slide10.xml><?xml version="1.0" encoding="utf-8"?>
+<p:sld xmlns:a="http://schemas.openxmlformats.org/drawingml/2006/main" xmlns:r="http://schemas.openxmlformats.org/officeDocument/2006/relationships" xmlns:p="http://schemas.openxmlformats.org/presentationml/2006/main">
+  <p:cSld>
+    <p:spTree>
+      <p:nvGrpSpPr>
+        <p:cNvPr id="1" name=""/>
+        <p:cNvGrpSpPr/>
+        <p:nvPr/>
+      </p:nvGrpSpPr>
+      <p:grpSpPr>
+        <a:xfrm>
+          <a:off x="0" y="0"/>
+          <a:ext cx="0" cy="0"/>
+          <a:chOff x="0" y="0"/>
+          <a:chExt cx="0" cy="0"/>
+        </a:xfrm>
+      </p:grpSpPr>
+      <p:sp>
+        <p:nvSpPr>
+          <p:cNvPr id="13" name="Title 1">
+            <a:extLst>
+              <a:ext uri="{FF2B5EF4-FFF2-40B4-BE49-F238E27FC236}">
+                <a16:creationId xmlns:a16="http://schemas.microsoft.com/office/drawing/2014/main" id="{1127F941-043E-4D99-BA77-D0CB0DAFE611}"/>
+              </a:ext>
+            </a:extLst>
+          </p:cNvPr>
+          <p:cNvSpPr txBox="1">
+            <a:spLocks/>
+          </p:cNvSpPr>
+          <p:nvPr/>
+        </p:nvSpPr>
+        <p:spPr>
+          <a:xfrm>
+            <a:off x="0" y="1"/>
+            <a:ext cx="12192000" cy="1141581"/>
+          </a:xfrm>
+          <a:prstGeom prst="rect">
+            <a:avLst/>
+          </a:prstGeom>
+          <a:solidFill>
+            <a:schemeClr val="tx2">
+              <a:lumMod val="75000"/>
+            </a:schemeClr>
+          </a:solidFill>
+        </p:spPr>
+        <p:txBody>
+          <a:bodyPr vert="horz" lIns="91440" tIns="45720" rIns="91440" bIns="45720" rtlCol="0" anchor="ctr">
+            <a:normAutofit/>
+          </a:bodyPr>
+          <a:lstStyle>
+            <a:lvl1pPr algn="l" defTabSz="914400" rtl="0" eaLnBrk="1" latinLnBrk="0" hangingPunct="1">
+              <a:lnSpc>
+                <a:spcPct val="90000"/>
+              </a:lnSpc>
+              <a:spcBef>
+                <a:spcPct val="0"/>
+              </a:spcBef>
+              <a:buNone/>
+              <a:defRPr sz="4400" kern="1200">
+                <a:solidFill>
+                  <a:schemeClr val="tx1"/>
+                </a:solidFill>
+                <a:latin typeface="+mj-lt"/>
+                <a:ea typeface="+mj-ea"/>
+                <a:cs typeface="+mj-cs"/>
+              </a:defRPr>
+            </a:lvl1pPr>
+          </a:lstStyle>
+          <a:p>
+            <a:r>
+              <a:rPr lang="en-US" sz="5700" dirty="0">
+                <a:solidFill>
+                  <a:schemeClr val="bg1"/>
+                </a:solidFill>
+              </a:rPr>
+              <a:t>   Document Processing </a:t>
+            </a:r>
+          </a:p>
+        </p:txBody>
+      </p:sp>
+      <p:pic>
+        <p:nvPicPr>
+          <p:cNvPr id="20" name="Picture 19">
+            <a:extLst>
+              <a:ext uri="{FF2B5EF4-FFF2-40B4-BE49-F238E27FC236}">
+                <a16:creationId xmlns:a16="http://schemas.microsoft.com/office/drawing/2014/main" id="{B5D47350-D5C7-4323-951F-3AE1A43766EE}"/>
+              </a:ext>
+            </a:extLst>
+          </p:cNvPr>
+          <p:cNvPicPr>
+            <a:picLocks noChangeAspect="1"/>
+          </p:cNvPicPr>
+          <p:nvPr/>
+        </p:nvPicPr>
+        <p:blipFill>
+          <a:blip r:embed="rId2"/>
+          <a:stretch>
+            <a:fillRect/>
+          </a:stretch>
+        </p:blipFill>
+        <p:spPr>
+          <a:xfrm>
+            <a:off x="8134350" y="693019"/>
+            <a:ext cx="4057650" cy="447675"/>
+          </a:xfrm>
+          <a:prstGeom prst="rect">
+            <a:avLst/>
+          </a:prstGeom>
+        </p:spPr>
+      </p:pic>
+      <p:sp>
+        <p:nvSpPr>
+          <p:cNvPr id="5" name="Content Placeholder 4">
+            <a:extLst>
+              <a:ext uri="{FF2B5EF4-FFF2-40B4-BE49-F238E27FC236}">
+                <a16:creationId xmlns:a16="http://schemas.microsoft.com/office/drawing/2014/main" id="{12C1DA84-F830-9149-955E-A5C22C509A13}"/>
+              </a:ext>
+            </a:extLst>
+          </p:cNvPr>
+          <p:cNvSpPr>
+            <a:spLocks noGrp="1"/>
+          </p:cNvSpPr>
+          <p:nvPr>
+            <p:ph idx="1"/>
+          </p:nvPr>
+        </p:nvSpPr>
+        <p:spPr>
+          <a:xfrm>
+            <a:off x="0" y="1140694"/>
+            <a:ext cx="12100957" cy="5717305"/>
+          </a:xfrm>
+        </p:spPr>
+        <p:txBody>
+          <a:bodyPr>
+            <a:normAutofit/>
+          </a:bodyPr>
+          <a:lstStyle/>
+          <a:p>
+            <a:pPr marL="0" indent="0">
+              <a:buNone/>
+            </a:pPr>
+            <a:r>
+              <a:rPr lang="en-US" sz="1800" dirty="0">
+                <a:solidFill>
+                  <a:schemeClr val="accent5">
+                    <a:lumMod val="75000"/>
+                  </a:schemeClr>
+                </a:solidFill>
+              </a:rPr>
+              <a:t>Document Retrieval </a:t>
+            </a:r>
+          </a:p>
+          <a:p>
+            <a:pPr marL="0" indent="0">
+              <a:buNone/>
+            </a:pPr>
+            <a:r>
+              <a:rPr lang="en-US" sz="1800" dirty="0">
+                <a:solidFill>
+                  <a:schemeClr val="accent5">
+                    <a:lumMod val="75000"/>
+                  </a:schemeClr>
+                </a:solidFill>
+              </a:rPr>
+              <a:t>	</a:t>
+            </a:r>
+            <a:r>
+              <a:rPr lang="en-US" sz="1800" dirty="0"/>
+              <a:t>From Disney </a:t>
+            </a:r>
+            <a:r>
+              <a:rPr lang="en-US" sz="1800" dirty="0" err="1"/>
+              <a:t>q&amp;a</a:t>
+            </a:r>
+            <a:r>
+              <a:rPr lang="en-US" sz="1800" dirty="0"/>
+              <a:t> dataset, N most relevant documents</a:t>
+            </a:r>
+            <a:endParaRPr lang="en-US" sz="1800" dirty="0">
+              <a:solidFill>
+                <a:schemeClr val="accent5">
+                  <a:lumMod val="75000"/>
+                </a:schemeClr>
+              </a:solidFill>
+            </a:endParaRPr>
+          </a:p>
+          <a:p>
+            <a:pPr marL="0" indent="0">
+              <a:buNone/>
+            </a:pPr>
+            <a:r>
+              <a:rPr lang="en-US" sz="1800" dirty="0">
+                <a:solidFill>
+                  <a:schemeClr val="accent5">
+                    <a:lumMod val="75000"/>
+                  </a:schemeClr>
+                </a:solidFill>
+              </a:rPr>
+              <a:t>Document Segmentation</a:t>
+            </a:r>
+          </a:p>
+          <a:p>
+            <a:pPr marL="0" indent="0">
+              <a:buNone/>
+            </a:pPr>
+            <a:r>
+              <a:rPr lang="en-US" sz="1800" dirty="0">
+                <a:solidFill>
+                  <a:schemeClr val="accent5">
+                    <a:lumMod val="75000"/>
+                  </a:schemeClr>
+                </a:solidFill>
+              </a:rPr>
+              <a:t>	</a:t>
+            </a:r>
+            <a:r>
+              <a:rPr lang="en-US" sz="1800" dirty="0"/>
+              <a:t>Split into passages</a:t>
+            </a:r>
+            <a:endParaRPr lang="en-US" sz="1800" dirty="0">
+              <a:solidFill>
+                <a:schemeClr val="accent5">
+                  <a:lumMod val="75000"/>
+                </a:schemeClr>
+              </a:solidFill>
+            </a:endParaRPr>
+          </a:p>
+          <a:p>
+            <a:pPr marL="0" indent="0">
+              <a:buNone/>
+            </a:pPr>
+            <a:r>
+              <a:rPr lang="en-US" sz="1800" dirty="0">
+                <a:solidFill>
+                  <a:schemeClr val="accent5">
+                    <a:lumMod val="75000"/>
+                  </a:schemeClr>
+                </a:solidFill>
+              </a:rPr>
+              <a:t>Passage Retrieval </a:t>
+            </a:r>
+          </a:p>
+          <a:p>
+            <a:pPr marL="0" indent="0">
+              <a:buNone/>
+            </a:pPr>
+            <a:r>
+              <a:rPr lang="en-US" sz="1800" dirty="0">
+                <a:solidFill>
+                  <a:schemeClr val="accent5">
+                    <a:lumMod val="75000"/>
+                  </a:schemeClr>
+                </a:solidFill>
+              </a:rPr>
+              <a:t>	</a:t>
+            </a:r>
+            <a:r>
+              <a:rPr lang="en-US" sz="1800" dirty="0"/>
+              <a:t>Each passage from document segmentation </a:t>
+            </a:r>
+            <a:endParaRPr lang="en-US" sz="1800" dirty="0">
+              <a:solidFill>
+                <a:schemeClr val="accent5">
+                  <a:lumMod val="75000"/>
+                </a:schemeClr>
+              </a:solidFill>
+            </a:endParaRPr>
+          </a:p>
+          <a:p>
+            <a:pPr marL="0" indent="0">
+              <a:buNone/>
+            </a:pPr>
+            <a:r>
+              <a:rPr lang="en-US" sz="1800" dirty="0">
+                <a:solidFill>
+                  <a:schemeClr val="accent5">
+                    <a:lumMod val="75000"/>
+                  </a:schemeClr>
+                </a:solidFill>
+              </a:rPr>
+              <a:t>Passage Ranking</a:t>
+            </a:r>
+          </a:p>
+          <a:p>
+            <a:pPr marL="0" indent="0">
+              <a:buNone/>
+            </a:pPr>
+            <a:r>
+              <a:rPr lang="en-US" sz="1800" dirty="0">
+                <a:solidFill>
+                  <a:schemeClr val="accent5">
+                    <a:lumMod val="75000"/>
+                  </a:schemeClr>
+                </a:solidFill>
+              </a:rPr>
+              <a:t>	</a:t>
+            </a:r>
+            <a:r>
+              <a:rPr lang="en-US" sz="1800" dirty="0"/>
+              <a:t>Use answer type to rank passages </a:t>
+            </a:r>
+            <a:endParaRPr lang="en-US" sz="1800" dirty="0">
+              <a:solidFill>
+                <a:schemeClr val="accent5">
+                  <a:lumMod val="75000"/>
+                </a:schemeClr>
+              </a:solidFill>
+            </a:endParaRPr>
+          </a:p>
+        </p:txBody>
+      </p:sp>
+    </p:spTree>
+    <p:extLst>
+      <p:ext uri="{BB962C8B-B14F-4D97-AF65-F5344CB8AC3E}">
+        <p14:creationId xmlns:p14="http://schemas.microsoft.com/office/powerpoint/2010/main" val="3095958622"/>
+      </p:ext>
+    </p:extLst>
+  </p:cSld>
+  <p:clrMapOvr>
+    <a:masterClrMapping/>
+  </p:clrMapOvr>
+</p:sld>
+</file>
+
+<file path=ppt/slides/slide11.xml><?xml version="1.0" encoding="utf-8"?>
+<p:sld xmlns:a="http://schemas.openxmlformats.org/drawingml/2006/main" xmlns:r="http://schemas.openxmlformats.org/officeDocument/2006/relationships" xmlns:p="http://schemas.openxmlformats.org/presentationml/2006/main">
+  <p:cSld>
+    <p:spTree>
+      <p:nvGrpSpPr>
+        <p:cNvPr id="1" name=""/>
+        <p:cNvGrpSpPr/>
+        <p:nvPr/>
+      </p:nvGrpSpPr>
+      <p:grpSpPr>
+        <a:xfrm>
+          <a:off x="0" y="0"/>
+          <a:ext cx="0" cy="0"/>
+          <a:chOff x="0" y="0"/>
+          <a:chExt cx="0" cy="0"/>
+        </a:xfrm>
+      </p:grpSpPr>
+      <p:sp>
+        <p:nvSpPr>
+          <p:cNvPr id="4" name="Title 1">
+            <a:extLst>
+              <a:ext uri="{FF2B5EF4-FFF2-40B4-BE49-F238E27FC236}">
+                <a16:creationId xmlns:a16="http://schemas.microsoft.com/office/drawing/2014/main" id="{35E2284A-51F6-449C-832E-D85C77F5C63A}"/>
+              </a:ext>
+            </a:extLst>
+          </p:cNvPr>
+          <p:cNvSpPr txBox="1">
+            <a:spLocks/>
+          </p:cNvSpPr>
+          <p:nvPr/>
+        </p:nvSpPr>
+        <p:spPr>
+          <a:xfrm>
+            <a:off x="0" y="1"/>
+            <a:ext cx="12192000" cy="1141581"/>
+          </a:xfrm>
+          <a:prstGeom prst="rect">
+            <a:avLst/>
+          </a:prstGeom>
+          <a:solidFill>
+            <a:schemeClr val="tx2">
+              <a:lumMod val="75000"/>
+            </a:schemeClr>
+          </a:solidFill>
+        </p:spPr>
+        <p:txBody>
+          <a:bodyPr vert="horz" lIns="91440" tIns="45720" rIns="91440" bIns="45720" rtlCol="0" anchor="ctr">
+            <a:normAutofit/>
+          </a:bodyPr>
+          <a:lstStyle>
+            <a:lvl1pPr algn="l" defTabSz="914400" rtl="0" eaLnBrk="1" latinLnBrk="0" hangingPunct="1">
+              <a:lnSpc>
+                <a:spcPct val="90000"/>
+              </a:lnSpc>
+              <a:spcBef>
+                <a:spcPct val="0"/>
+              </a:spcBef>
+              <a:buNone/>
+              <a:defRPr sz="4400" kern="1200">
+                <a:solidFill>
+                  <a:schemeClr val="tx1"/>
+                </a:solidFill>
+                <a:latin typeface="+mj-lt"/>
+                <a:ea typeface="+mj-ea"/>
+                <a:cs typeface="+mj-cs"/>
+              </a:defRPr>
+            </a:lvl1pPr>
+          </a:lstStyle>
+          <a:p>
+            <a:r>
+              <a:rPr lang="en-US" sz="4800" dirty="0">
+                <a:solidFill>
+                  <a:schemeClr val="bg1"/>
+                </a:solidFill>
+              </a:rPr>
+              <a:t>   </a:t>
+            </a:r>
+            <a:r>
+              <a:rPr lang="en-US" sz="5700" dirty="0">
+                <a:solidFill>
+                  <a:schemeClr val="bg1"/>
+                </a:solidFill>
+              </a:rPr>
+              <a:t>Disney Q and A</a:t>
+            </a:r>
+          </a:p>
+        </p:txBody>
+      </p:sp>
+      <p:pic>
+        <p:nvPicPr>
+          <p:cNvPr id="3" name="Picture 2">
+            <a:extLst>
+              <a:ext uri="{FF2B5EF4-FFF2-40B4-BE49-F238E27FC236}">
+                <a16:creationId xmlns:a16="http://schemas.microsoft.com/office/drawing/2014/main" id="{834A208E-417F-49AC-9426-4F8C3F7C190D}"/>
+              </a:ext>
+            </a:extLst>
+          </p:cNvPr>
+          <p:cNvPicPr>
+            <a:picLocks noChangeAspect="1"/>
+          </p:cNvPicPr>
+          <p:nvPr/>
+        </p:nvPicPr>
+        <p:blipFill>
+          <a:blip r:embed="rId2"/>
+          <a:stretch>
+            <a:fillRect/>
+          </a:stretch>
+        </p:blipFill>
+        <p:spPr>
+          <a:xfrm>
+            <a:off x="8134350" y="693019"/>
+            <a:ext cx="4057650" cy="447675"/>
+          </a:xfrm>
+          <a:prstGeom prst="rect">
+            <a:avLst/>
+          </a:prstGeom>
+        </p:spPr>
+      </p:pic>
+      <p:sp>
+        <p:nvSpPr>
+          <p:cNvPr id="16" name="Rectangle 15">
+            <a:extLst>
+              <a:ext uri="{FF2B5EF4-FFF2-40B4-BE49-F238E27FC236}">
+                <a16:creationId xmlns:a16="http://schemas.microsoft.com/office/drawing/2014/main" id="{4107CB61-EF40-4CD0-9510-F313BB8E0E7A}"/>
+              </a:ext>
+            </a:extLst>
+          </p:cNvPr>
+          <p:cNvSpPr/>
+          <p:nvPr/>
+        </p:nvSpPr>
+        <p:spPr>
+          <a:xfrm>
+            <a:off x="721894" y="3052659"/>
+            <a:ext cx="10770669" cy="1862048"/>
+          </a:xfrm>
+          <a:prstGeom prst="rect">
+            <a:avLst/>
+          </a:prstGeom>
+          <a:noFill/>
+        </p:spPr>
+        <p:txBody>
+          <a:bodyPr wrap="square" lIns="91440" tIns="45720" rIns="91440" bIns="45720">
+            <a:spAutoFit/>
+          </a:bodyPr>
+          <a:lstStyle/>
+          <a:p>
+            <a:pPr algn="ctr"/>
+            <a:r>
+              <a:rPr lang="en-US" sz="11500" b="1" cap="none" spc="0" dirty="0">
+                <a:ln w="12700">
+                  <a:solidFill>
+                    <a:schemeClr val="accent5"/>
+                  </a:solidFill>
+                  <a:prstDash val="solid"/>
+                </a:ln>
+                <a:pattFill prst="ltDnDiag">
+                  <a:fgClr>
+                    <a:schemeClr val="accent5">
+                      <a:lumMod val="60000"/>
+                      <a:lumOff val="40000"/>
+                    </a:schemeClr>
+                  </a:fgClr>
+                  <a:bgClr>
+                    <a:schemeClr val="bg1"/>
+                  </a:bgClr>
+                </a:pattFill>
+                <a:effectLst/>
+              </a:rPr>
+              <a:t>Any Questions?</a:t>
+            </a:r>
+          </a:p>
+        </p:txBody>
+      </p:sp>
+      <p:sp>
+        <p:nvSpPr>
+          <p:cNvPr id="18" name="Rectangle 17">
+            <a:extLst>
+              <a:ext uri="{FF2B5EF4-FFF2-40B4-BE49-F238E27FC236}">
+                <a16:creationId xmlns:a16="http://schemas.microsoft.com/office/drawing/2014/main" id="{7912A282-6431-44B4-B62B-EDD900883A52}"/>
+              </a:ext>
+            </a:extLst>
+          </p:cNvPr>
+          <p:cNvSpPr/>
+          <p:nvPr/>
+        </p:nvSpPr>
+        <p:spPr>
+          <a:xfrm>
+            <a:off x="710665" y="1920895"/>
+            <a:ext cx="10770669" cy="707886"/>
+          </a:xfrm>
+          <a:prstGeom prst="rect">
+            <a:avLst/>
+          </a:prstGeom>
+          <a:noFill/>
+        </p:spPr>
+        <p:txBody>
+          <a:bodyPr wrap="square" lIns="91440" tIns="45720" rIns="91440" bIns="45720">
+            <a:spAutoFit/>
+          </a:bodyPr>
+          <a:lstStyle/>
+          <a:p>
+            <a:pPr algn="ctr"/>
+            <a:r>
+              <a:rPr lang="en-US" sz="4000" b="1" cap="none" spc="0" dirty="0">
+                <a:ln w="12700">
+                  <a:solidFill>
+                    <a:schemeClr val="accent5"/>
+                  </a:solidFill>
+                  <a:prstDash val="solid"/>
+                </a:ln>
+                <a:pattFill prst="ltDnDiag">
+                  <a:fgClr>
+                    <a:schemeClr val="accent5">
+                      <a:lumMod val="60000"/>
+                      <a:lumOff val="40000"/>
+                    </a:schemeClr>
+                  </a:fgClr>
+                  <a:bgClr>
+                    <a:schemeClr val="bg1"/>
+                  </a:bgClr>
+                </a:pattFill>
+                <a:effectLst/>
+              </a:rPr>
+              <a:t>Thank you!</a:t>
+            </a:r>
+          </a:p>
+        </p:txBody>
+      </p:sp>
+    </p:spTree>
+    <p:extLst>
+      <p:ext uri="{BB962C8B-B14F-4D97-AF65-F5344CB8AC3E}">
+        <p14:creationId xmlns:p14="http://schemas.microsoft.com/office/powerpoint/2010/main" val="2782569395"/>
+      </p:ext>
+    </p:extLst>
+  </p:cSld>
+  <p:clrMapOvr>
+    <a:masterClrMapping/>
+  </p:clrMapOvr>
+</p:sld>
+</file>
+
 <file path=ppt/slides/slide2.xml><?xml version="1.0" encoding="utf-8"?>
 <p:sld xmlns:a="http://schemas.openxmlformats.org/drawingml/2006/main" xmlns:r="http://schemas.openxmlformats.org/officeDocument/2006/relationships" xmlns:p="http://schemas.openxmlformats.org/presentationml/2006/main">
   <p:cSld>
@@ -4485,6 +5053,747 @@
 </file>
 
 <file path=ppt/slides/slide4.xml><?xml version="1.0" encoding="utf-8"?>
+<p:sld xmlns:a="http://schemas.openxmlformats.org/drawingml/2006/main" xmlns:r="http://schemas.openxmlformats.org/officeDocument/2006/relationships" xmlns:p="http://schemas.openxmlformats.org/presentationml/2006/main">
+  <p:cSld>
+    <p:spTree>
+      <p:nvGrpSpPr>
+        <p:cNvPr id="1" name=""/>
+        <p:cNvGrpSpPr/>
+        <p:nvPr/>
+      </p:nvGrpSpPr>
+      <p:grpSpPr>
+        <a:xfrm>
+          <a:off x="0" y="0"/>
+          <a:ext cx="0" cy="0"/>
+          <a:chOff x="0" y="0"/>
+          <a:chExt cx="0" cy="0"/>
+        </a:xfrm>
+      </p:grpSpPr>
+      <p:sp>
+        <p:nvSpPr>
+          <p:cNvPr id="13" name="Title 1">
+            <a:extLst>
+              <a:ext uri="{FF2B5EF4-FFF2-40B4-BE49-F238E27FC236}">
+                <a16:creationId xmlns:a16="http://schemas.microsoft.com/office/drawing/2014/main" id="{1127F941-043E-4D99-BA77-D0CB0DAFE611}"/>
+              </a:ext>
+            </a:extLst>
+          </p:cNvPr>
+          <p:cNvSpPr txBox="1">
+            <a:spLocks/>
+          </p:cNvSpPr>
+          <p:nvPr/>
+        </p:nvSpPr>
+        <p:spPr>
+          <a:xfrm>
+            <a:off x="0" y="1"/>
+            <a:ext cx="12192000" cy="1141581"/>
+          </a:xfrm>
+          <a:prstGeom prst="rect">
+            <a:avLst/>
+          </a:prstGeom>
+          <a:solidFill>
+            <a:schemeClr val="tx2">
+              <a:lumMod val="75000"/>
+            </a:schemeClr>
+          </a:solidFill>
+        </p:spPr>
+        <p:txBody>
+          <a:bodyPr vert="horz" lIns="91440" tIns="45720" rIns="91440" bIns="45720" rtlCol="0" anchor="ctr">
+            <a:normAutofit/>
+          </a:bodyPr>
+          <a:lstStyle>
+            <a:lvl1pPr algn="l" defTabSz="914400" rtl="0" eaLnBrk="1" latinLnBrk="0" hangingPunct="1">
+              <a:lnSpc>
+                <a:spcPct val="90000"/>
+              </a:lnSpc>
+              <a:spcBef>
+                <a:spcPct val="0"/>
+              </a:spcBef>
+              <a:buNone/>
+              <a:defRPr sz="4400" kern="1200">
+                <a:solidFill>
+                  <a:schemeClr val="tx1"/>
+                </a:solidFill>
+                <a:latin typeface="+mj-lt"/>
+                <a:ea typeface="+mj-ea"/>
+                <a:cs typeface="+mj-cs"/>
+              </a:defRPr>
+            </a:lvl1pPr>
+          </a:lstStyle>
+          <a:p>
+            <a:r>
+              <a:rPr lang="en-US" sz="5700" dirty="0">
+                <a:solidFill>
+                  <a:schemeClr val="bg1"/>
+                </a:solidFill>
+              </a:rPr>
+              <a:t>   Data Retrieval </a:t>
+            </a:r>
+          </a:p>
+        </p:txBody>
+      </p:sp>
+      <p:pic>
+        <p:nvPicPr>
+          <p:cNvPr id="20" name="Picture 19">
+            <a:extLst>
+              <a:ext uri="{FF2B5EF4-FFF2-40B4-BE49-F238E27FC236}">
+                <a16:creationId xmlns:a16="http://schemas.microsoft.com/office/drawing/2014/main" id="{B5D47350-D5C7-4323-951F-3AE1A43766EE}"/>
+              </a:ext>
+            </a:extLst>
+          </p:cNvPr>
+          <p:cNvPicPr>
+            <a:picLocks noChangeAspect="1"/>
+          </p:cNvPicPr>
+          <p:nvPr/>
+        </p:nvPicPr>
+        <p:blipFill>
+          <a:blip r:embed="rId2"/>
+          <a:stretch>
+            <a:fillRect/>
+          </a:stretch>
+        </p:blipFill>
+        <p:spPr>
+          <a:xfrm>
+            <a:off x="8134350" y="693019"/>
+            <a:ext cx="4057650" cy="447675"/>
+          </a:xfrm>
+          <a:prstGeom prst="rect">
+            <a:avLst/>
+          </a:prstGeom>
+        </p:spPr>
+      </p:pic>
+      <p:sp>
+        <p:nvSpPr>
+          <p:cNvPr id="5" name="Content Placeholder 4">
+            <a:extLst>
+              <a:ext uri="{FF2B5EF4-FFF2-40B4-BE49-F238E27FC236}">
+                <a16:creationId xmlns:a16="http://schemas.microsoft.com/office/drawing/2014/main" id="{12C1DA84-F830-9149-955E-A5C22C509A13}"/>
+              </a:ext>
+            </a:extLst>
+          </p:cNvPr>
+          <p:cNvSpPr>
+            <a:spLocks noGrp="1"/>
+          </p:cNvSpPr>
+          <p:nvPr>
+            <p:ph idx="1"/>
+          </p:nvPr>
+        </p:nvSpPr>
+        <p:spPr>
+          <a:xfrm>
+            <a:off x="0" y="1140694"/>
+            <a:ext cx="12100957" cy="5717305"/>
+          </a:xfrm>
+        </p:spPr>
+        <p:txBody>
+          <a:bodyPr>
+            <a:normAutofit/>
+          </a:bodyPr>
+          <a:lstStyle/>
+          <a:p>
+            <a:pPr marL="0" indent="0">
+              <a:buNone/>
+            </a:pPr>
+            <a:r>
+              <a:rPr lang="en-US" sz="1800" dirty="0">
+                <a:solidFill>
+                  <a:schemeClr val="accent5">
+                    <a:lumMod val="75000"/>
+                  </a:schemeClr>
+                </a:solidFill>
+              </a:rPr>
+              <a:t>Disney World</a:t>
+            </a:r>
+          </a:p>
+          <a:p>
+            <a:pPr marL="0" indent="0">
+              <a:buNone/>
+            </a:pPr>
+            <a:r>
+              <a:rPr lang="en-US" sz="1800" dirty="0">
+                <a:solidFill>
+                  <a:schemeClr val="accent5">
+                    <a:lumMod val="75000"/>
+                  </a:schemeClr>
+                </a:solidFill>
+              </a:rPr>
+              <a:t>	Walt Disney World Resort </a:t>
+            </a:r>
+          </a:p>
+          <a:p>
+            <a:pPr marL="0" indent="0">
+              <a:buNone/>
+            </a:pPr>
+            <a:r>
+              <a:rPr lang="en-US" sz="1800" dirty="0">
+                <a:solidFill>
+                  <a:schemeClr val="accent5">
+                    <a:lumMod val="75000"/>
+                  </a:schemeClr>
+                </a:solidFill>
+              </a:rPr>
+              <a:t>		</a:t>
+            </a:r>
+            <a:r>
+              <a:rPr lang="en-US" sz="1800" dirty="0"/>
+              <a:t>Disney Theme Parks and Water Parks, Star Wars: Galaxy’s Edge, Directions &amp; Parking, Transportation, Guests 		with Disabilities, Disney Resort Hotels, Dining Plans, Restaurants, Extra Magic Hours Benefit, Theme Park 			Hours, Maps, Play Disney Parks App, Hurricane Policy, Smoke-Free Policy, Disney Springs, Golf</a:t>
+            </a:r>
+            <a:endParaRPr lang="en-US" sz="1800" dirty="0">
+              <a:solidFill>
+                <a:schemeClr val="accent5">
+                  <a:lumMod val="75000"/>
+                </a:schemeClr>
+              </a:solidFill>
+            </a:endParaRPr>
+          </a:p>
+          <a:p>
+            <a:pPr marL="0" indent="0">
+              <a:buNone/>
+            </a:pPr>
+            <a:r>
+              <a:rPr lang="en-US" sz="1800" dirty="0">
+                <a:solidFill>
+                  <a:schemeClr val="accent5">
+                    <a:lumMod val="75000"/>
+                  </a:schemeClr>
+                </a:solidFill>
+              </a:rPr>
+              <a:t>	Vacation Planning </a:t>
+            </a:r>
+          </a:p>
+          <a:p>
+            <a:pPr marL="0" indent="0">
+              <a:buNone/>
+            </a:pPr>
+            <a:r>
+              <a:rPr lang="en-US" sz="1800" dirty="0">
+                <a:solidFill>
+                  <a:schemeClr val="accent5">
+                    <a:lumMod val="75000"/>
+                  </a:schemeClr>
+                </a:solidFill>
+              </a:rPr>
+              <a:t>		</a:t>
+            </a:r>
+            <a:r>
+              <a:rPr lang="en-US" sz="1800" dirty="0"/>
+              <a:t>Airport Transportation and Check In, Annual Passes, Dining Reservations, Hotel Reservations, International 			Travel, Rooms &amp; Packages, Tickets, Direct-to-Room &amp; Online Check-in Services, Reservation Window</a:t>
+            </a:r>
+            <a:endParaRPr lang="en-US" sz="1800" dirty="0">
+              <a:solidFill>
+                <a:schemeClr val="accent5">
+                  <a:lumMod val="75000"/>
+                </a:schemeClr>
+              </a:solidFill>
+            </a:endParaRPr>
+          </a:p>
+          <a:p>
+            <a:pPr marL="0" indent="0">
+              <a:buNone/>
+            </a:pPr>
+            <a:r>
+              <a:rPr lang="en-US" sz="1800" dirty="0">
+                <a:solidFill>
+                  <a:schemeClr val="accent5">
+                    <a:lumMod val="75000"/>
+                  </a:schemeClr>
+                </a:solidFill>
+              </a:rPr>
+              <a:t>	</a:t>
+            </a:r>
+            <a:r>
+              <a:rPr lang="en-US" sz="1800" dirty="0" err="1">
+                <a:solidFill>
+                  <a:schemeClr val="accent5">
+                    <a:lumMod val="75000"/>
+                  </a:schemeClr>
+                </a:solidFill>
+              </a:rPr>
+              <a:t>MyMagic</a:t>
+            </a:r>
+            <a:r>
+              <a:rPr lang="en-US" sz="1800" dirty="0">
+                <a:solidFill>
+                  <a:schemeClr val="accent5">
+                    <a:lumMod val="75000"/>
+                  </a:schemeClr>
+                </a:solidFill>
+              </a:rPr>
+              <a:t>+</a:t>
+            </a:r>
+          </a:p>
+          <a:p>
+            <a:pPr marL="0" indent="0">
+              <a:buNone/>
+            </a:pPr>
+            <a:r>
+              <a:rPr lang="en-US" sz="1800" dirty="0">
+                <a:solidFill>
+                  <a:schemeClr val="accent5">
+                    <a:lumMod val="75000"/>
+                  </a:schemeClr>
+                </a:solidFill>
+              </a:rPr>
+              <a:t>		</a:t>
+            </a:r>
+            <a:r>
+              <a:rPr lang="en-US" sz="1800" dirty="0" err="1"/>
+              <a:t>FastPass</a:t>
+            </a:r>
+            <a:r>
+              <a:rPr lang="en-US" sz="1800" dirty="0"/>
+              <a:t>+, Family &amp; Friends in My Disney Experience, </a:t>
+            </a:r>
+            <a:r>
+              <a:rPr lang="en-US" sz="1800" dirty="0" err="1"/>
+              <a:t>MagicBands</a:t>
+            </a:r>
+            <a:r>
+              <a:rPr lang="en-US" sz="1800" dirty="0"/>
+              <a:t> &amp; Cards, </a:t>
+            </a:r>
+            <a:r>
+              <a:rPr lang="en-US" sz="1800" dirty="0" err="1"/>
+              <a:t>PhotoPass</a:t>
+            </a:r>
+            <a:r>
+              <a:rPr lang="en-US" sz="1800" dirty="0"/>
+              <a:t>, My Disney 				Experience, Technology &amp; Privacy </a:t>
+            </a:r>
+            <a:endParaRPr lang="en-US" sz="1800" dirty="0">
+              <a:solidFill>
+                <a:schemeClr val="accent5">
+                  <a:lumMod val="75000"/>
+                </a:schemeClr>
+              </a:solidFill>
+            </a:endParaRPr>
+          </a:p>
+          <a:p>
+            <a:pPr marL="0" indent="0">
+              <a:buNone/>
+            </a:pPr>
+            <a:r>
+              <a:rPr lang="en-US" sz="1800" dirty="0">
+                <a:solidFill>
+                  <a:schemeClr val="accent5">
+                    <a:lumMod val="75000"/>
+                  </a:schemeClr>
+                </a:solidFill>
+              </a:rPr>
+              <a:t>	Website Support</a:t>
+            </a:r>
+          </a:p>
+          <a:p>
+            <a:pPr marL="0" indent="0">
+              <a:buNone/>
+            </a:pPr>
+            <a:r>
+              <a:rPr lang="en-US" sz="1800" dirty="0">
+                <a:solidFill>
+                  <a:schemeClr val="accent5">
+                    <a:lumMod val="75000"/>
+                  </a:schemeClr>
+                </a:solidFill>
+              </a:rPr>
+              <a:t>		</a:t>
+            </a:r>
+            <a:r>
+              <a:rPr lang="en-US" sz="1800" dirty="0"/>
+              <a:t>Signing In, Technical Help</a:t>
+            </a:r>
+          </a:p>
+        </p:txBody>
+      </p:sp>
+    </p:spTree>
+    <p:extLst>
+      <p:ext uri="{BB962C8B-B14F-4D97-AF65-F5344CB8AC3E}">
+        <p14:creationId xmlns:p14="http://schemas.microsoft.com/office/powerpoint/2010/main" val="3520911313"/>
+      </p:ext>
+    </p:extLst>
+  </p:cSld>
+  <p:clrMapOvr>
+    <a:masterClrMapping/>
+  </p:clrMapOvr>
+</p:sld>
+</file>
+
+<file path=ppt/slides/slide5.xml><?xml version="1.0" encoding="utf-8"?>
+<p:sld xmlns:a="http://schemas.openxmlformats.org/drawingml/2006/main" xmlns:r="http://schemas.openxmlformats.org/officeDocument/2006/relationships" xmlns:p="http://schemas.openxmlformats.org/presentationml/2006/main">
+  <p:cSld>
+    <p:spTree>
+      <p:nvGrpSpPr>
+        <p:cNvPr id="1" name=""/>
+        <p:cNvGrpSpPr/>
+        <p:nvPr/>
+      </p:nvGrpSpPr>
+      <p:grpSpPr>
+        <a:xfrm>
+          <a:off x="0" y="0"/>
+          <a:ext cx="0" cy="0"/>
+          <a:chOff x="0" y="0"/>
+          <a:chExt cx="0" cy="0"/>
+        </a:xfrm>
+      </p:grpSpPr>
+      <p:sp>
+        <p:nvSpPr>
+          <p:cNvPr id="13" name="Title 1">
+            <a:extLst>
+              <a:ext uri="{FF2B5EF4-FFF2-40B4-BE49-F238E27FC236}">
+                <a16:creationId xmlns:a16="http://schemas.microsoft.com/office/drawing/2014/main" id="{1127F941-043E-4D99-BA77-D0CB0DAFE611}"/>
+              </a:ext>
+            </a:extLst>
+          </p:cNvPr>
+          <p:cNvSpPr txBox="1">
+            <a:spLocks/>
+          </p:cNvSpPr>
+          <p:nvPr/>
+        </p:nvSpPr>
+        <p:spPr>
+          <a:xfrm>
+            <a:off x="0" y="1"/>
+            <a:ext cx="12192000" cy="1141581"/>
+          </a:xfrm>
+          <a:prstGeom prst="rect">
+            <a:avLst/>
+          </a:prstGeom>
+          <a:solidFill>
+            <a:schemeClr val="tx2">
+              <a:lumMod val="75000"/>
+            </a:schemeClr>
+          </a:solidFill>
+        </p:spPr>
+        <p:txBody>
+          <a:bodyPr vert="horz" lIns="91440" tIns="45720" rIns="91440" bIns="45720" rtlCol="0" anchor="ctr">
+            <a:normAutofit/>
+          </a:bodyPr>
+          <a:lstStyle>
+            <a:lvl1pPr algn="l" defTabSz="914400" rtl="0" eaLnBrk="1" latinLnBrk="0" hangingPunct="1">
+              <a:lnSpc>
+                <a:spcPct val="90000"/>
+              </a:lnSpc>
+              <a:spcBef>
+                <a:spcPct val="0"/>
+              </a:spcBef>
+              <a:buNone/>
+              <a:defRPr sz="4400" kern="1200">
+                <a:solidFill>
+                  <a:schemeClr val="tx1"/>
+                </a:solidFill>
+                <a:latin typeface="+mj-lt"/>
+                <a:ea typeface="+mj-ea"/>
+                <a:cs typeface="+mj-cs"/>
+              </a:defRPr>
+            </a:lvl1pPr>
+          </a:lstStyle>
+          <a:p>
+            <a:r>
+              <a:rPr lang="en-US" sz="5700" dirty="0">
+                <a:solidFill>
+                  <a:schemeClr val="bg1"/>
+                </a:solidFill>
+              </a:rPr>
+              <a:t>   Data Retrieval </a:t>
+            </a:r>
+          </a:p>
+        </p:txBody>
+      </p:sp>
+      <p:pic>
+        <p:nvPicPr>
+          <p:cNvPr id="20" name="Picture 19">
+            <a:extLst>
+              <a:ext uri="{FF2B5EF4-FFF2-40B4-BE49-F238E27FC236}">
+                <a16:creationId xmlns:a16="http://schemas.microsoft.com/office/drawing/2014/main" id="{B5D47350-D5C7-4323-951F-3AE1A43766EE}"/>
+              </a:ext>
+            </a:extLst>
+          </p:cNvPr>
+          <p:cNvPicPr>
+            <a:picLocks noChangeAspect="1"/>
+          </p:cNvPicPr>
+          <p:nvPr/>
+        </p:nvPicPr>
+        <p:blipFill>
+          <a:blip r:embed="rId2"/>
+          <a:stretch>
+            <a:fillRect/>
+          </a:stretch>
+        </p:blipFill>
+        <p:spPr>
+          <a:xfrm>
+            <a:off x="8134350" y="693019"/>
+            <a:ext cx="4057650" cy="447675"/>
+          </a:xfrm>
+          <a:prstGeom prst="rect">
+            <a:avLst/>
+          </a:prstGeom>
+        </p:spPr>
+      </p:pic>
+      <p:sp>
+        <p:nvSpPr>
+          <p:cNvPr id="5" name="Content Placeholder 4">
+            <a:extLst>
+              <a:ext uri="{FF2B5EF4-FFF2-40B4-BE49-F238E27FC236}">
+                <a16:creationId xmlns:a16="http://schemas.microsoft.com/office/drawing/2014/main" id="{12C1DA84-F830-9149-955E-A5C22C509A13}"/>
+              </a:ext>
+            </a:extLst>
+          </p:cNvPr>
+          <p:cNvSpPr>
+            <a:spLocks noGrp="1"/>
+          </p:cNvSpPr>
+          <p:nvPr>
+            <p:ph idx="1"/>
+          </p:nvPr>
+        </p:nvSpPr>
+        <p:spPr>
+          <a:xfrm>
+            <a:off x="0" y="1140694"/>
+            <a:ext cx="12100957" cy="5717305"/>
+          </a:xfrm>
+        </p:spPr>
+        <p:txBody>
+          <a:bodyPr>
+            <a:normAutofit/>
+          </a:bodyPr>
+          <a:lstStyle/>
+          <a:p>
+            <a:pPr marL="0" indent="0">
+              <a:buNone/>
+            </a:pPr>
+            <a:r>
+              <a:rPr lang="en-US" sz="1800" dirty="0">
+                <a:solidFill>
+                  <a:schemeClr val="accent5">
+                    <a:lumMod val="75000"/>
+                  </a:schemeClr>
+                </a:solidFill>
+              </a:rPr>
+              <a:t>Disneyland</a:t>
+            </a:r>
+          </a:p>
+          <a:p>
+            <a:pPr marL="0" indent="0">
+              <a:buNone/>
+            </a:pPr>
+            <a:r>
+              <a:rPr lang="en-US" sz="1800" dirty="0">
+                <a:solidFill>
+                  <a:schemeClr val="accent5">
+                    <a:lumMod val="75000"/>
+                  </a:schemeClr>
+                </a:solidFill>
+              </a:rPr>
+              <a:t>	Disneyland Resort</a:t>
+            </a:r>
+          </a:p>
+          <a:p>
+            <a:pPr marL="0" indent="0">
+              <a:buNone/>
+            </a:pPr>
+            <a:r>
+              <a:rPr lang="en-US" sz="1800" dirty="0">
+                <a:solidFill>
+                  <a:schemeClr val="accent5">
+                    <a:lumMod val="75000"/>
+                  </a:schemeClr>
+                </a:solidFill>
+              </a:rPr>
+              <a:t>		</a:t>
+            </a:r>
+            <a:r>
+              <a:rPr lang="en-US" sz="1800" dirty="0"/>
+              <a:t>Theme Parks, Star Wars: Galaxy’s Edge, Directions &amp; Parking, Dining, Guests with Disabilities, Hotels, 			Downtown Disney District, Disney </a:t>
+            </a:r>
+            <a:r>
+              <a:rPr lang="en-US" sz="1800" dirty="0" err="1"/>
+              <a:t>PhotoPass</a:t>
+            </a:r>
+            <a:r>
+              <a:rPr lang="en-US" sz="1800" dirty="0"/>
+              <a:t>, World of Color, Disney </a:t>
+            </a:r>
+            <a:r>
+              <a:rPr lang="en-US" sz="1800" dirty="0" err="1"/>
+              <a:t>MaxPass</a:t>
+            </a:r>
+            <a:endParaRPr lang="en-US" sz="1800" dirty="0"/>
+          </a:p>
+          <a:p>
+            <a:pPr marL="0" indent="0">
+              <a:buNone/>
+            </a:pPr>
+            <a:r>
+              <a:rPr lang="en-US" sz="1800" dirty="0"/>
+              <a:t> </a:t>
+            </a:r>
+            <a:r>
+              <a:rPr lang="en-US" sz="1800" dirty="0">
+                <a:solidFill>
+                  <a:schemeClr val="accent5">
+                    <a:lumMod val="75000"/>
+                  </a:schemeClr>
+                </a:solidFill>
+              </a:rPr>
+              <a:t>	Vacation Planning </a:t>
+            </a:r>
+          </a:p>
+          <a:p>
+            <a:pPr marL="0" indent="0">
+              <a:buNone/>
+            </a:pPr>
+            <a:r>
+              <a:rPr lang="en-US" sz="1800" dirty="0">
+                <a:solidFill>
+                  <a:schemeClr val="accent5">
+                    <a:lumMod val="75000"/>
+                  </a:schemeClr>
+                </a:solidFill>
+              </a:rPr>
+              <a:t>		</a:t>
+            </a:r>
+            <a:r>
+              <a:rPr lang="en-US" sz="1800" dirty="0"/>
+              <a:t>Annual Passes, Hotel Reservations, Help with Tickets, Rooms &amp; Packages, Family &amp; Friends</a:t>
+            </a:r>
+            <a:endParaRPr lang="en-US" sz="1800" dirty="0">
+              <a:solidFill>
+                <a:schemeClr val="accent5">
+                  <a:lumMod val="75000"/>
+                </a:schemeClr>
+              </a:solidFill>
+            </a:endParaRPr>
+          </a:p>
+          <a:p>
+            <a:pPr marL="0" indent="0">
+              <a:buNone/>
+            </a:pPr>
+            <a:r>
+              <a:rPr lang="en-US" sz="1800" dirty="0">
+                <a:solidFill>
+                  <a:schemeClr val="accent5">
+                    <a:lumMod val="75000"/>
+                  </a:schemeClr>
+                </a:solidFill>
+              </a:rPr>
+              <a:t>	Technical Support</a:t>
+            </a:r>
+          </a:p>
+          <a:p>
+            <a:pPr marL="0" indent="0">
+              <a:buNone/>
+            </a:pPr>
+            <a:r>
+              <a:rPr lang="en-US" sz="1800" dirty="0">
+                <a:solidFill>
+                  <a:schemeClr val="accent5">
+                    <a:lumMod val="75000"/>
+                  </a:schemeClr>
+                </a:solidFill>
+              </a:rPr>
+              <a:t>		</a:t>
+            </a:r>
+            <a:r>
+              <a:rPr lang="en-US" sz="1800" dirty="0"/>
+              <a:t>Mobile Devices and Apps, Booking Online, Bluetooth Technology, Online Registration, Technical Help</a:t>
+            </a:r>
+          </a:p>
+          <a:p>
+            <a:pPr marL="0" indent="0">
+              <a:buNone/>
+            </a:pPr>
+            <a:r>
+              <a:rPr lang="en-US" sz="1800" dirty="0">
+                <a:solidFill>
+                  <a:schemeClr val="accent5">
+                    <a:lumMod val="75000"/>
+                  </a:schemeClr>
+                </a:solidFill>
+              </a:rPr>
+              <a:t>994 questions </a:t>
+            </a:r>
+          </a:p>
+          <a:p>
+            <a:pPr marL="0" indent="0">
+              <a:buNone/>
+            </a:pPr>
+            <a:r>
+              <a:rPr lang="en-US" sz="1800" dirty="0">
+                <a:solidFill>
+                  <a:schemeClr val="accent5">
+                    <a:lumMod val="75000"/>
+                  </a:schemeClr>
+                </a:solidFill>
+              </a:rPr>
+              <a:t>selenium </a:t>
+            </a:r>
+            <a:r>
+              <a:rPr lang="en-US" sz="1800" dirty="0" err="1">
+                <a:solidFill>
+                  <a:schemeClr val="accent5">
+                    <a:lumMod val="75000"/>
+                  </a:schemeClr>
+                </a:solidFill>
+              </a:rPr>
+              <a:t>webdriver</a:t>
+            </a:r>
+            <a:r>
+              <a:rPr lang="en-US" sz="1800" dirty="0">
+                <a:solidFill>
+                  <a:schemeClr val="accent5">
+                    <a:lumMod val="75000"/>
+                  </a:schemeClr>
+                </a:solidFill>
+              </a:rPr>
+              <a:t> </a:t>
+            </a:r>
+          </a:p>
+          <a:p>
+            <a:pPr marL="0" indent="0">
+              <a:buNone/>
+            </a:pPr>
+            <a:r>
+              <a:rPr lang="en-US" sz="1800" dirty="0" err="1">
+                <a:solidFill>
+                  <a:schemeClr val="accent5">
+                    <a:lumMod val="75000"/>
+                  </a:schemeClr>
+                </a:solidFill>
+              </a:rPr>
+              <a:t>BeautifulSoup</a:t>
+            </a:r>
+            <a:endParaRPr lang="en-US" sz="1800" dirty="0">
+              <a:solidFill>
+                <a:schemeClr val="accent5">
+                  <a:lumMod val="75000"/>
+                </a:schemeClr>
+              </a:solidFill>
+            </a:endParaRPr>
+          </a:p>
+          <a:p>
+            <a:pPr marL="0" indent="0">
+              <a:buNone/>
+            </a:pPr>
+            <a:endParaRPr lang="en-US" sz="1800" dirty="0">
+              <a:solidFill>
+                <a:schemeClr val="accent5">
+                  <a:lumMod val="75000"/>
+                </a:schemeClr>
+              </a:solidFill>
+            </a:endParaRPr>
+          </a:p>
+        </p:txBody>
+      </p:sp>
+    </p:spTree>
+    <p:extLst>
+      <p:ext uri="{BB962C8B-B14F-4D97-AF65-F5344CB8AC3E}">
+        <p14:creationId xmlns:p14="http://schemas.microsoft.com/office/powerpoint/2010/main" val="380727144"/>
+      </p:ext>
+    </p:extLst>
+  </p:cSld>
+  <p:clrMapOvr>
+    <a:masterClrMapping/>
+  </p:clrMapOvr>
+</p:sld>
+</file>
+
+<file path=ppt/slides/slide6.xml><?xml version="1.0" encoding="utf-8"?>
 <p:sld xmlns:a="http://schemas.openxmlformats.org/drawingml/2006/main" xmlns:r="http://schemas.openxmlformats.org/officeDocument/2006/relationships" xmlns:p="http://schemas.openxmlformats.org/presentationml/2006/main">
   <p:cSld>
     <p:spTree>
@@ -5133,7 +6442,7 @@
 </p:sld>
 </file>
 
-<file path=ppt/slides/slide5.xml><?xml version="1.0" encoding="utf-8"?>
+<file path=ppt/slides/slide7.xml><?xml version="1.0" encoding="utf-8"?>
 <p:sld xmlns:a="http://schemas.openxmlformats.org/drawingml/2006/main" xmlns:r="http://schemas.openxmlformats.org/officeDocument/2006/relationships" xmlns:p="http://schemas.openxmlformats.org/presentationml/2006/main">
   <p:cSld>
     <p:spTree>
@@ -5578,7 +6887,7 @@
 </p:sld>
 </file>
 
-<file path=ppt/slides/slide6.xml><?xml version="1.0" encoding="utf-8"?>
+<file path=ppt/slides/slide8.xml><?xml version="1.0" encoding="utf-8"?>
 <p:sld xmlns:a="http://schemas.openxmlformats.org/drawingml/2006/main" xmlns:r="http://schemas.openxmlformats.org/officeDocument/2006/relationships" xmlns:p="http://schemas.openxmlformats.org/presentationml/2006/main">
   <p:cSld>
     <p:spTree>
@@ -6129,7 +7438,7 @@
 </p:sld>
 </file>
 
-<file path=ppt/slides/slide7.xml><?xml version="1.0" encoding="utf-8"?>
+<file path=ppt/slides/slide9.xml><?xml version="1.0" encoding="utf-8"?>
 <p:sld xmlns:a="http://schemas.openxmlformats.org/drawingml/2006/main" xmlns:r="http://schemas.openxmlformats.org/officeDocument/2006/relationships" xmlns:p="http://schemas.openxmlformats.org/presentationml/2006/main">
   <p:cSld>
     <p:spTree>
@@ -7970,247 +9279,6 @@
       <p:bldP spid="76" grpId="0"/>
     </p:bldLst>
   </p:timing>
-</p:sld>
-</file>
-
-<file path=ppt/slides/slide8.xml><?xml version="1.0" encoding="utf-8"?>
-<p:sld xmlns:a="http://schemas.openxmlformats.org/drawingml/2006/main" xmlns:r="http://schemas.openxmlformats.org/officeDocument/2006/relationships" xmlns:p="http://schemas.openxmlformats.org/presentationml/2006/main">
-  <p:cSld>
-    <p:spTree>
-      <p:nvGrpSpPr>
-        <p:cNvPr id="1" name=""/>
-        <p:cNvGrpSpPr/>
-        <p:nvPr/>
-      </p:nvGrpSpPr>
-      <p:grpSpPr>
-        <a:xfrm>
-          <a:off x="0" y="0"/>
-          <a:ext cx="0" cy="0"/>
-          <a:chOff x="0" y="0"/>
-          <a:chExt cx="0" cy="0"/>
-        </a:xfrm>
-      </p:grpSpPr>
-      <p:sp>
-        <p:nvSpPr>
-          <p:cNvPr id="4" name="Title 1">
-            <a:extLst>
-              <a:ext uri="{FF2B5EF4-FFF2-40B4-BE49-F238E27FC236}">
-                <a16:creationId xmlns:a16="http://schemas.microsoft.com/office/drawing/2014/main" id="{35E2284A-51F6-449C-832E-D85C77F5C63A}"/>
-              </a:ext>
-            </a:extLst>
-          </p:cNvPr>
-          <p:cNvSpPr txBox="1">
-            <a:spLocks/>
-          </p:cNvSpPr>
-          <p:nvPr/>
-        </p:nvSpPr>
-        <p:spPr>
-          <a:xfrm>
-            <a:off x="0" y="1"/>
-            <a:ext cx="12192000" cy="1141581"/>
-          </a:xfrm>
-          <a:prstGeom prst="rect">
-            <a:avLst/>
-          </a:prstGeom>
-          <a:solidFill>
-            <a:schemeClr val="tx2">
-              <a:lumMod val="75000"/>
-            </a:schemeClr>
-          </a:solidFill>
-        </p:spPr>
-        <p:txBody>
-          <a:bodyPr vert="horz" lIns="91440" tIns="45720" rIns="91440" bIns="45720" rtlCol="0" anchor="ctr">
-            <a:normAutofit/>
-          </a:bodyPr>
-          <a:lstStyle>
-            <a:lvl1pPr algn="l" defTabSz="914400" rtl="0" eaLnBrk="1" latinLnBrk="0" hangingPunct="1">
-              <a:lnSpc>
-                <a:spcPct val="90000"/>
-              </a:lnSpc>
-              <a:spcBef>
-                <a:spcPct val="0"/>
-              </a:spcBef>
-              <a:buNone/>
-              <a:defRPr sz="4400" kern="1200">
-                <a:solidFill>
-                  <a:schemeClr val="tx1"/>
-                </a:solidFill>
-                <a:latin typeface="+mj-lt"/>
-                <a:ea typeface="+mj-ea"/>
-                <a:cs typeface="+mj-cs"/>
-              </a:defRPr>
-            </a:lvl1pPr>
-          </a:lstStyle>
-          <a:p>
-            <a:r>
-              <a:rPr lang="en-US" sz="4800" dirty="0">
-                <a:solidFill>
-                  <a:schemeClr val="bg1"/>
-                </a:solidFill>
-              </a:rPr>
-              <a:t>   </a:t>
-            </a:r>
-            <a:r>
-              <a:rPr lang="en-US" sz="5700" dirty="0">
-                <a:solidFill>
-                  <a:schemeClr val="bg1"/>
-                </a:solidFill>
-              </a:rPr>
-              <a:t>Disney Q and A</a:t>
-            </a:r>
-          </a:p>
-        </p:txBody>
-      </p:sp>
-      <p:pic>
-        <p:nvPicPr>
-          <p:cNvPr id="3" name="Picture 2">
-            <a:extLst>
-              <a:ext uri="{FF2B5EF4-FFF2-40B4-BE49-F238E27FC236}">
-                <a16:creationId xmlns:a16="http://schemas.microsoft.com/office/drawing/2014/main" id="{834A208E-417F-49AC-9426-4F8C3F7C190D}"/>
-              </a:ext>
-            </a:extLst>
-          </p:cNvPr>
-          <p:cNvPicPr>
-            <a:picLocks noChangeAspect="1"/>
-          </p:cNvPicPr>
-          <p:nvPr/>
-        </p:nvPicPr>
-        <p:blipFill>
-          <a:blip r:embed="rId2"/>
-          <a:stretch>
-            <a:fillRect/>
-          </a:stretch>
-        </p:blipFill>
-        <p:spPr>
-          <a:xfrm>
-            <a:off x="8134350" y="693019"/>
-            <a:ext cx="4057650" cy="447675"/>
-          </a:xfrm>
-          <a:prstGeom prst="rect">
-            <a:avLst/>
-          </a:prstGeom>
-        </p:spPr>
-      </p:pic>
-      <p:sp>
-        <p:nvSpPr>
-          <p:cNvPr id="16" name="Rectangle 15">
-            <a:extLst>
-              <a:ext uri="{FF2B5EF4-FFF2-40B4-BE49-F238E27FC236}">
-                <a16:creationId xmlns:a16="http://schemas.microsoft.com/office/drawing/2014/main" id="{4107CB61-EF40-4CD0-9510-F313BB8E0E7A}"/>
-              </a:ext>
-            </a:extLst>
-          </p:cNvPr>
-          <p:cNvSpPr/>
-          <p:nvPr/>
-        </p:nvSpPr>
-        <p:spPr>
-          <a:xfrm>
-            <a:off x="721894" y="3052659"/>
-            <a:ext cx="10770669" cy="1862048"/>
-          </a:xfrm>
-          <a:prstGeom prst="rect">
-            <a:avLst/>
-          </a:prstGeom>
-          <a:noFill/>
-        </p:spPr>
-        <p:txBody>
-          <a:bodyPr wrap="square" lIns="91440" tIns="45720" rIns="91440" bIns="45720">
-            <a:spAutoFit/>
-          </a:bodyPr>
-          <a:lstStyle/>
-          <a:p>
-            <a:pPr algn="ctr"/>
-            <a:r>
-              <a:rPr lang="en-US" sz="11500" b="1" cap="none" spc="0" dirty="0">
-                <a:ln w="12700">
-                  <a:solidFill>
-                    <a:schemeClr val="accent5"/>
-                  </a:solidFill>
-                  <a:prstDash val="solid"/>
-                </a:ln>
-                <a:pattFill prst="ltDnDiag">
-                  <a:fgClr>
-                    <a:schemeClr val="accent5">
-                      <a:lumMod val="60000"/>
-                      <a:lumOff val="40000"/>
-                    </a:schemeClr>
-                  </a:fgClr>
-                  <a:bgClr>
-                    <a:schemeClr val="bg1"/>
-                  </a:bgClr>
-                </a:pattFill>
-                <a:effectLst/>
-              </a:rPr>
-              <a:t>Any Questions?</a:t>
-            </a:r>
-          </a:p>
-        </p:txBody>
-      </p:sp>
-      <p:sp>
-        <p:nvSpPr>
-          <p:cNvPr id="18" name="Rectangle 17">
-            <a:extLst>
-              <a:ext uri="{FF2B5EF4-FFF2-40B4-BE49-F238E27FC236}">
-                <a16:creationId xmlns:a16="http://schemas.microsoft.com/office/drawing/2014/main" id="{7912A282-6431-44B4-B62B-EDD900883A52}"/>
-              </a:ext>
-            </a:extLst>
-          </p:cNvPr>
-          <p:cNvSpPr/>
-          <p:nvPr/>
-        </p:nvSpPr>
-        <p:spPr>
-          <a:xfrm>
-            <a:off x="710665" y="1920895"/>
-            <a:ext cx="10770669" cy="707886"/>
-          </a:xfrm>
-          <a:prstGeom prst="rect">
-            <a:avLst/>
-          </a:prstGeom>
-          <a:noFill/>
-        </p:spPr>
-        <p:txBody>
-          <a:bodyPr wrap="square" lIns="91440" tIns="45720" rIns="91440" bIns="45720">
-            <a:spAutoFit/>
-          </a:bodyPr>
-          <a:lstStyle/>
-          <a:p>
-            <a:pPr algn="ctr"/>
-            <a:r>
-              <a:rPr lang="en-US" sz="4000" b="1" cap="none" spc="0" dirty="0">
-                <a:ln w="12700">
-                  <a:solidFill>
-                    <a:schemeClr val="accent5"/>
-                  </a:solidFill>
-                  <a:prstDash val="solid"/>
-                </a:ln>
-                <a:pattFill prst="ltDnDiag">
-                  <a:fgClr>
-                    <a:schemeClr val="accent5">
-                      <a:lumMod val="60000"/>
-                      <a:lumOff val="40000"/>
-                    </a:schemeClr>
-                  </a:fgClr>
-                  <a:bgClr>
-                    <a:schemeClr val="bg1"/>
-                  </a:bgClr>
-                </a:pattFill>
-                <a:effectLst/>
-              </a:rPr>
-              <a:t>Thank you!</a:t>
-            </a:r>
-          </a:p>
-        </p:txBody>
-      </p:sp>
-    </p:spTree>
-    <p:extLst>
-      <p:ext uri="{BB962C8B-B14F-4D97-AF65-F5344CB8AC3E}">
-        <p14:creationId xmlns:p14="http://schemas.microsoft.com/office/powerpoint/2010/main" val="2782569395"/>
-      </p:ext>
-    </p:extLst>
-  </p:cSld>
-  <p:clrMapOvr>
-    <a:masterClrMapping/>
-  </p:clrMapOvr>
 </p:sld>
 </file>
 

--- a/disneyqanda.pptx
+++ b/disneyqanda.pptx
@@ -5550,7 +5550,7 @@
         </p:spPr>
         <p:txBody>
           <a:bodyPr>
-            <a:normAutofit/>
+            <a:normAutofit fontScale="92500" lnSpcReduction="10000"/>
           </a:bodyPr>
           <a:lstStyle/>
           <a:p>
@@ -5693,6 +5693,78 @@
               <a:rPr lang="en-US" sz="1800" dirty="0"/>
               <a:t>Mobile Devices and Apps, Booking Online, Bluetooth Technology, Online Registration, Technical Help</a:t>
             </a:r>
+          </a:p>
+          <a:p>
+            <a:pPr marL="0" indent="0">
+              <a:buNone/>
+            </a:pPr>
+            <a:r>
+              <a:rPr lang="en-US" sz="1800" dirty="0">
+                <a:solidFill>
+                  <a:srgbClr val="0070C0"/>
+                </a:solidFill>
+              </a:rPr>
+              <a:t>Example:</a:t>
+            </a:r>
+          </a:p>
+          <a:p>
+            <a:pPr marL="0" indent="0">
+              <a:buNone/>
+            </a:pPr>
+            <a:r>
+              <a:rPr lang="en-US" sz="1800" dirty="0">
+                <a:solidFill>
+                  <a:srgbClr val="0070C0"/>
+                </a:solidFill>
+              </a:rPr>
+              <a:t>	</a:t>
+            </a:r>
+            <a:r>
+              <a:rPr lang="en-US" sz="1800" dirty="0"/>
+              <a:t>Q: Where can I smoke at Disney Resort hotels?</a:t>
+            </a:r>
+          </a:p>
+          <a:p>
+            <a:pPr marL="0" indent="0">
+              <a:buNone/>
+            </a:pPr>
+            <a:r>
+              <a:rPr lang="en-US" sz="1800" dirty="0">
+                <a:solidFill>
+                  <a:srgbClr val="0070C0"/>
+                </a:solidFill>
+              </a:rPr>
+              <a:t>	</a:t>
+            </a:r>
+            <a:r>
+              <a:rPr lang="en-US" sz="1800" dirty="0"/>
+              <a:t>A: All Disney Resort hotels,  at Walt Disney World Resort are smoke-free environments. Smoking is not permitted in hotel 	rooms, on patios or on balconies. The smoking of tobacco, e-cigarettes or other products that produce a vapor or smoke is 	allowed only in designated </a:t>
+            </a:r>
+            <a:r>
+              <a:rPr lang="en-US" sz="1800" err="1"/>
+              <a:t>areas</a:t>
+            </a:r>
+            <a:r>
+              <a:rPr lang="en-US" sz="1800"/>
+              <a:t>. Smoking </a:t>
+            </a:r>
+            <a:r>
+              <a:rPr lang="en-US" sz="1800" dirty="0"/>
+              <a:t>is allowed in the designated outdoor smoking locations of each Disney Resort 	hotel. Guests can request location information upon check-</a:t>
+            </a:r>
+            <a:r>
+              <a:rPr lang="en-US" sz="1800" dirty="0" err="1"/>
+              <a:t>in.If</a:t>
+            </a:r>
+            <a:r>
+              <a:rPr lang="en-US" sz="1800" dirty="0"/>
+              <a:t> you have questions about our smoking policy or wish to 	locate the nearest designated smoking area, please visit our Designated Smoking Areas page,  or ask a Disney Cast 	Member. 	Marijuana, Smoking marijuana is not permitted at any time in Disney Resort hotels, even in designated smoking areas.</a:t>
+            </a:r>
+            <a:endParaRPr lang="en-US" sz="1800" dirty="0">
+              <a:solidFill>
+                <a:srgbClr val="0070C0"/>
+              </a:solidFill>
+            </a:endParaRPr>
           </a:p>
           <a:p>
             <a:pPr marL="0" indent="0">

--- a/disneyqanda.pptx
+++ b/disneyqanda.pptx
@@ -6,17 +6,21 @@
   </p:sldMasterIdLst>
   <p:sldIdLst>
     <p:sldId id="261" r:id="rId2"/>
-    <p:sldId id="262" r:id="rId3"/>
+    <p:sldId id="303" r:id="rId3"/>
     <p:sldId id="294" r:id="rId4"/>
     <p:sldId id="295" r:id="rId5"/>
     <p:sldId id="297" r:id="rId6"/>
     <p:sldId id="300" r:id="rId7"/>
     <p:sldId id="301" r:id="rId8"/>
     <p:sldId id="302" r:id="rId9"/>
-    <p:sldId id="303" r:id="rId10"/>
-    <p:sldId id="304" r:id="rId11"/>
-    <p:sldId id="299" r:id="rId12"/>
-    <p:sldId id="293" r:id="rId13"/>
+    <p:sldId id="304" r:id="rId10"/>
+    <p:sldId id="305" r:id="rId11"/>
+    <p:sldId id="306" r:id="rId12"/>
+    <p:sldId id="307" r:id="rId13"/>
+    <p:sldId id="308" r:id="rId14"/>
+    <p:sldId id="299" r:id="rId15"/>
+    <p:sldId id="309" r:id="rId16"/>
+    <p:sldId id="293" r:id="rId17"/>
   </p:sldIdLst>
   <p:sldSz cx="12192000" cy="6858000"/>
   <p:notesSz cx="6858000" cy="9144000"/>
@@ -262,7 +266,7 @@
           <a:p>
             <a:fld id="{7601110F-1B76-8242-AE2F-5F83B5239CF8}" type="datetimeFigureOut">
               <a:rPr lang="en-US" smtClean="0"/>
-              <a:t>11/30/2020</a:t>
+              <a:t>12/2/2020</a:t>
             </a:fld>
             <a:endParaRPr lang="en-US"/>
           </a:p>
@@ -432,7 +436,7 @@
           <a:p>
             <a:fld id="{7601110F-1B76-8242-AE2F-5F83B5239CF8}" type="datetimeFigureOut">
               <a:rPr lang="en-US" smtClean="0"/>
-              <a:t>11/30/2020</a:t>
+              <a:t>12/2/2020</a:t>
             </a:fld>
             <a:endParaRPr lang="en-US"/>
           </a:p>
@@ -612,7 +616,7 @@
           <a:p>
             <a:fld id="{7601110F-1B76-8242-AE2F-5F83B5239CF8}" type="datetimeFigureOut">
               <a:rPr lang="en-US" smtClean="0"/>
-              <a:t>11/30/2020</a:t>
+              <a:t>12/2/2020</a:t>
             </a:fld>
             <a:endParaRPr lang="en-US"/>
           </a:p>
@@ -782,7 +786,7 @@
           <a:p>
             <a:fld id="{7601110F-1B76-8242-AE2F-5F83B5239CF8}" type="datetimeFigureOut">
               <a:rPr lang="en-US" smtClean="0"/>
-              <a:t>11/30/2020</a:t>
+              <a:t>12/2/2020</a:t>
             </a:fld>
             <a:endParaRPr lang="en-US"/>
           </a:p>
@@ -1026,7 +1030,7 @@
           <a:p>
             <a:fld id="{7601110F-1B76-8242-AE2F-5F83B5239CF8}" type="datetimeFigureOut">
               <a:rPr lang="en-US" smtClean="0"/>
-              <a:t>11/30/2020</a:t>
+              <a:t>12/2/2020</a:t>
             </a:fld>
             <a:endParaRPr lang="en-US"/>
           </a:p>
@@ -1258,7 +1262,7 @@
           <a:p>
             <a:fld id="{7601110F-1B76-8242-AE2F-5F83B5239CF8}" type="datetimeFigureOut">
               <a:rPr lang="en-US" smtClean="0"/>
-              <a:t>11/30/2020</a:t>
+              <a:t>12/2/2020</a:t>
             </a:fld>
             <a:endParaRPr lang="en-US"/>
           </a:p>
@@ -1625,7 +1629,7 @@
           <a:p>
             <a:fld id="{7601110F-1B76-8242-AE2F-5F83B5239CF8}" type="datetimeFigureOut">
               <a:rPr lang="en-US" smtClean="0"/>
-              <a:t>11/30/2020</a:t>
+              <a:t>12/2/2020</a:t>
             </a:fld>
             <a:endParaRPr lang="en-US"/>
           </a:p>
@@ -1743,7 +1747,7 @@
           <a:p>
             <a:fld id="{7601110F-1B76-8242-AE2F-5F83B5239CF8}" type="datetimeFigureOut">
               <a:rPr lang="en-US" smtClean="0"/>
-              <a:t>11/30/2020</a:t>
+              <a:t>12/2/2020</a:t>
             </a:fld>
             <a:endParaRPr lang="en-US"/>
           </a:p>
@@ -1838,7 +1842,7 @@
           <a:p>
             <a:fld id="{7601110F-1B76-8242-AE2F-5F83B5239CF8}" type="datetimeFigureOut">
               <a:rPr lang="en-US" smtClean="0"/>
-              <a:t>11/30/2020</a:t>
+              <a:t>12/2/2020</a:t>
             </a:fld>
             <a:endParaRPr lang="en-US"/>
           </a:p>
@@ -2115,7 +2119,7 @@
           <a:p>
             <a:fld id="{7601110F-1B76-8242-AE2F-5F83B5239CF8}" type="datetimeFigureOut">
               <a:rPr lang="en-US" smtClean="0"/>
-              <a:t>11/30/2020</a:t>
+              <a:t>12/2/2020</a:t>
             </a:fld>
             <a:endParaRPr lang="en-US"/>
           </a:p>
@@ -2372,7 +2376,7 @@
           <a:p>
             <a:fld id="{7601110F-1B76-8242-AE2F-5F83B5239CF8}" type="datetimeFigureOut">
               <a:rPr lang="en-US" smtClean="0"/>
-              <a:t>11/30/2020</a:t>
+              <a:t>12/2/2020</a:t>
             </a:fld>
             <a:endParaRPr lang="en-US"/>
           </a:p>
@@ -2585,7 +2589,7 @@
           <a:p>
             <a:fld id="{7601110F-1B76-8242-AE2F-5F83B5239CF8}" type="datetimeFigureOut">
               <a:rPr lang="en-US" smtClean="0"/>
-              <a:t>11/30/2020</a:t>
+              <a:t>12/2/2020</a:t>
             </a:fld>
             <a:endParaRPr lang="en-US"/>
           </a:p>
@@ -3474,7 +3478,7 @@
         <p:spPr>
           <a:xfrm>
             <a:off x="396583" y="1566972"/>
-            <a:ext cx="10451929" cy="1077218"/>
+            <a:ext cx="10451929" cy="1031051"/>
           </a:xfrm>
           <a:prstGeom prst="rect">
             <a:avLst/>
@@ -3495,320 +3499,54 @@
                   </a:schemeClr>
                 </a:solidFill>
               </a:rPr>
-              <a:t>Q:  What is the height requirement for </a:t>
-            </a:r>
-          </a:p>
-          <a:p>
-            <a:r>
-              <a:rPr lang="en-US" sz="3200" dirty="0">
+              <a:t>Question:  </a:t>
+            </a:r>
+          </a:p>
+          <a:p>
+            <a:r>
+              <a:rPr lang="en-US" sz="2900" dirty="0">
                 <a:solidFill>
                   <a:schemeClr val="accent5">
                     <a:lumMod val="75000"/>
                   </a:schemeClr>
                 </a:solidFill>
               </a:rPr>
-              <a:t>       Star Wars: Rise of the Resistance?</a:t>
-            </a:r>
-            <a:endParaRPr lang="en-US" sz="2400" dirty="0"/>
-          </a:p>
-        </p:txBody>
-      </p:sp>
-      <p:sp>
-        <p:nvSpPr>
-          <p:cNvPr id="6" name="TextBox 5">
-            <a:extLst>
-              <a:ext uri="{FF2B5EF4-FFF2-40B4-BE49-F238E27FC236}">
-                <a16:creationId xmlns:a16="http://schemas.microsoft.com/office/drawing/2014/main" id="{79FA852F-0AC3-4B71-B05A-5C07D50BD447}"/>
-              </a:ext>
-            </a:extLst>
-          </p:cNvPr>
-          <p:cNvSpPr txBox="1"/>
-          <p:nvPr/>
-        </p:nvSpPr>
-        <p:spPr>
-          <a:xfrm>
-            <a:off x="837459" y="2992240"/>
-            <a:ext cx="3849950" cy="3108543"/>
+              <a:t>Is there a height requirement for Star Wars: Rise of the Resistance?</a:t>
+            </a:r>
+            <a:endParaRPr lang="en-US" sz="2900" dirty="0"/>
+          </a:p>
+        </p:txBody>
+      </p:sp>
+      <p:pic>
+        <p:nvPicPr>
+          <p:cNvPr id="12" name="Picture 11">
+            <a:extLst>
+              <a:ext uri="{FF2B5EF4-FFF2-40B4-BE49-F238E27FC236}">
+                <a16:creationId xmlns:a16="http://schemas.microsoft.com/office/drawing/2014/main" id="{C2A2A1CB-0760-4C39-AC42-B5EF5F84C9BD}"/>
+              </a:ext>
+            </a:extLst>
+          </p:cNvPr>
+          <p:cNvPicPr>
+            <a:picLocks noChangeAspect="1"/>
+          </p:cNvPicPr>
+          <p:nvPr/>
+        </p:nvPicPr>
+        <p:blipFill>
+          <a:blip r:embed="rId3"/>
+          <a:stretch>
+            <a:fillRect/>
+          </a:stretch>
+        </p:blipFill>
+        <p:spPr>
+          <a:xfrm>
+            <a:off x="521640" y="2851182"/>
+            <a:ext cx="11050026" cy="3465642"/>
           </a:xfrm>
           <a:prstGeom prst="rect">
             <a:avLst/>
           </a:prstGeom>
-          <a:noFill/>
-        </p:spPr>
-        <p:txBody>
-          <a:bodyPr wrap="square" rtlCol="0">
-            <a:spAutoFit/>
-          </a:bodyPr>
-          <a:lstStyle/>
-          <a:p>
-            <a:r>
-              <a:rPr lang="en-US" sz="1400" dirty="0">
-                <a:latin typeface="Arial Nova" panose="020B0504020202020204" pitchFamily="34" charset="0"/>
-              </a:rPr>
-              <a:t>('Is', 'AUX', 'Is', 'ROOT’), </a:t>
-            </a:r>
-          </a:p>
-          <a:p>
-            <a:r>
-              <a:rPr lang="en-US" sz="1400" dirty="0">
-                <a:latin typeface="Arial Nova" panose="020B0504020202020204" pitchFamily="34" charset="0"/>
-              </a:rPr>
-              <a:t>('there', 'PRON', 'Is', '</a:t>
-            </a:r>
-            <a:r>
-              <a:rPr lang="en-US" sz="1400" dirty="0" err="1">
-                <a:latin typeface="Arial Nova" panose="020B0504020202020204" pitchFamily="34" charset="0"/>
-              </a:rPr>
-              <a:t>expl</a:t>
-            </a:r>
-            <a:r>
-              <a:rPr lang="en-US" sz="1400" dirty="0">
-                <a:latin typeface="Arial Nova" panose="020B0504020202020204" pitchFamily="34" charset="0"/>
-              </a:rPr>
-              <a:t>’), </a:t>
-            </a:r>
-          </a:p>
-          <a:p>
-            <a:r>
-              <a:rPr lang="en-US" sz="1400" dirty="0">
-                <a:latin typeface="Arial Nova" panose="020B0504020202020204" pitchFamily="34" charset="0"/>
-              </a:rPr>
-              <a:t>('a', 'DET', 'requirement', 'det’), </a:t>
-            </a:r>
-          </a:p>
-          <a:p>
-            <a:r>
-              <a:rPr lang="en-US" sz="1400" dirty="0">
-                <a:latin typeface="Arial Nova" panose="020B0504020202020204" pitchFamily="34" charset="0"/>
-              </a:rPr>
-              <a:t>('height', 'NOUN', 'requirement', 'compound’), </a:t>
-            </a:r>
-          </a:p>
-          <a:p>
-            <a:r>
-              <a:rPr lang="en-US" sz="1400" dirty="0">
-                <a:latin typeface="Arial Nova" panose="020B0504020202020204" pitchFamily="34" charset="0"/>
-              </a:rPr>
-              <a:t>('requirement', 'NOUN', 'Is', '</a:t>
-            </a:r>
-            <a:r>
-              <a:rPr lang="en-US" sz="1400" dirty="0" err="1">
-                <a:latin typeface="Arial Nova" panose="020B0504020202020204" pitchFamily="34" charset="0"/>
-              </a:rPr>
-              <a:t>attr</a:t>
-            </a:r>
-            <a:r>
-              <a:rPr lang="en-US" sz="1400" dirty="0">
-                <a:latin typeface="Arial Nova" panose="020B0504020202020204" pitchFamily="34" charset="0"/>
-              </a:rPr>
-              <a:t>’), </a:t>
-            </a:r>
-          </a:p>
-          <a:p>
-            <a:r>
-              <a:rPr lang="en-US" sz="1400" dirty="0">
-                <a:latin typeface="Arial Nova" panose="020B0504020202020204" pitchFamily="34" charset="0"/>
-              </a:rPr>
-              <a:t>('for', 'ADP', 'requirement', 'prep’), </a:t>
-            </a:r>
-          </a:p>
-          <a:p>
-            <a:r>
-              <a:rPr lang="en-US" sz="1400" dirty="0">
-                <a:latin typeface="Arial Nova" panose="020B0504020202020204" pitchFamily="34" charset="0"/>
-              </a:rPr>
-              <a:t>('Star', 'PROPN', 'Wars', 'compound’), </a:t>
-            </a:r>
-          </a:p>
-          <a:p>
-            <a:r>
-              <a:rPr lang="en-US" sz="1400" dirty="0">
-                <a:latin typeface="Arial Nova" panose="020B0504020202020204" pitchFamily="34" charset="0"/>
-              </a:rPr>
-              <a:t>('Wars', 'PROPN', 'for', '</a:t>
-            </a:r>
-            <a:r>
-              <a:rPr lang="en-US" sz="1400" dirty="0" err="1">
-                <a:latin typeface="Arial Nova" panose="020B0504020202020204" pitchFamily="34" charset="0"/>
-              </a:rPr>
-              <a:t>pobj</a:t>
-            </a:r>
-            <a:r>
-              <a:rPr lang="en-US" sz="1400" dirty="0">
-                <a:latin typeface="Arial Nova" panose="020B0504020202020204" pitchFamily="34" charset="0"/>
-              </a:rPr>
-              <a:t>’), </a:t>
-            </a:r>
-          </a:p>
-          <a:p>
-            <a:r>
-              <a:rPr lang="en-US" sz="1400" dirty="0">
-                <a:latin typeface="Arial Nova" panose="020B0504020202020204" pitchFamily="34" charset="0"/>
-              </a:rPr>
-              <a:t>(':', 'PUNCT', 'requirement', '</a:t>
-            </a:r>
-            <a:r>
-              <a:rPr lang="en-US" sz="1400" dirty="0" err="1">
-                <a:latin typeface="Arial Nova" panose="020B0504020202020204" pitchFamily="34" charset="0"/>
-              </a:rPr>
-              <a:t>punct</a:t>
-            </a:r>
-            <a:r>
-              <a:rPr lang="en-US" sz="1400" dirty="0">
-                <a:latin typeface="Arial Nova" panose="020B0504020202020204" pitchFamily="34" charset="0"/>
-              </a:rPr>
-              <a:t>’), </a:t>
-            </a:r>
-          </a:p>
-          <a:p>
-            <a:r>
-              <a:rPr lang="en-US" sz="1400" dirty="0">
-                <a:latin typeface="Arial Nova" panose="020B0504020202020204" pitchFamily="34" charset="0"/>
-              </a:rPr>
-              <a:t>('Rise', 'NOUN', 'requirement', '</a:t>
-            </a:r>
-            <a:r>
-              <a:rPr lang="en-US" sz="1400" dirty="0" err="1">
-                <a:latin typeface="Arial Nova" panose="020B0504020202020204" pitchFamily="34" charset="0"/>
-              </a:rPr>
-              <a:t>appos</a:t>
-            </a:r>
-            <a:r>
-              <a:rPr lang="en-US" sz="1400" dirty="0">
-                <a:latin typeface="Arial Nova" panose="020B0504020202020204" pitchFamily="34" charset="0"/>
-              </a:rPr>
-              <a:t>’), </a:t>
-            </a:r>
-          </a:p>
-          <a:p>
-            <a:r>
-              <a:rPr lang="en-US" sz="1400" dirty="0">
-                <a:latin typeface="Arial Nova" panose="020B0504020202020204" pitchFamily="34" charset="0"/>
-              </a:rPr>
-              <a:t>('of', 'ADP', 'Rise', 'prep’), </a:t>
-            </a:r>
-          </a:p>
-          <a:p>
-            <a:r>
-              <a:rPr lang="en-US" sz="1400" dirty="0">
-                <a:latin typeface="Arial Nova" panose="020B0504020202020204" pitchFamily="34" charset="0"/>
-              </a:rPr>
-              <a:t>('the', 'DET', 'Resistance', 'det’), </a:t>
-            </a:r>
-          </a:p>
-          <a:p>
-            <a:r>
-              <a:rPr lang="en-US" sz="1400" dirty="0">
-                <a:latin typeface="Arial Nova" panose="020B0504020202020204" pitchFamily="34" charset="0"/>
-              </a:rPr>
-              <a:t>('Resistance', 'PROPN', 'of', '</a:t>
-            </a:r>
-            <a:r>
-              <a:rPr lang="en-US" sz="1400" dirty="0" err="1">
-                <a:latin typeface="Arial Nova" panose="020B0504020202020204" pitchFamily="34" charset="0"/>
-              </a:rPr>
-              <a:t>pobj</a:t>
-            </a:r>
-            <a:r>
-              <a:rPr lang="en-US" sz="1400" dirty="0">
-                <a:latin typeface="Arial Nova" panose="020B0504020202020204" pitchFamily="34" charset="0"/>
-              </a:rPr>
-              <a:t>’), </a:t>
-            </a:r>
-          </a:p>
-          <a:p>
-            <a:r>
-              <a:rPr lang="en-US" sz="1400" dirty="0">
-                <a:latin typeface="Arial Nova" panose="020B0504020202020204" pitchFamily="34" charset="0"/>
-              </a:rPr>
-              <a:t>('?', 'PUNCT', 'Is', '</a:t>
-            </a:r>
-            <a:r>
-              <a:rPr lang="en-US" sz="1400" dirty="0" err="1">
-                <a:latin typeface="Arial Nova" panose="020B0504020202020204" pitchFamily="34" charset="0"/>
-              </a:rPr>
-              <a:t>punct</a:t>
-            </a:r>
-            <a:r>
-              <a:rPr lang="en-US" sz="1400" dirty="0">
-                <a:latin typeface="Arial Nova" panose="020B0504020202020204" pitchFamily="34" charset="0"/>
-              </a:rPr>
-              <a:t>')</a:t>
-            </a:r>
-          </a:p>
-        </p:txBody>
-      </p:sp>
-      <p:sp>
-        <p:nvSpPr>
-          <p:cNvPr id="8" name="TextBox 7">
-            <a:extLst>
-              <a:ext uri="{FF2B5EF4-FFF2-40B4-BE49-F238E27FC236}">
-                <a16:creationId xmlns:a16="http://schemas.microsoft.com/office/drawing/2014/main" id="{3669538C-31FD-41DC-937B-911C36A26F6B}"/>
-              </a:ext>
-            </a:extLst>
-          </p:cNvPr>
-          <p:cNvSpPr txBox="1"/>
-          <p:nvPr/>
-        </p:nvSpPr>
-        <p:spPr>
-          <a:xfrm>
-            <a:off x="5211192" y="3475211"/>
-            <a:ext cx="6693763" cy="1815882"/>
-          </a:xfrm>
-          <a:prstGeom prst="rect">
-            <a:avLst/>
-          </a:prstGeom>
-          <a:noFill/>
-        </p:spPr>
-        <p:txBody>
-          <a:bodyPr wrap="square">
-            <a:spAutoFit/>
-          </a:bodyPr>
-          <a:lstStyle/>
-          <a:p>
-            <a:r>
-              <a:rPr lang="en-US" sz="1600" dirty="0"/>
-              <a:t>Root word: ['is'] </a:t>
-            </a:r>
-          </a:p>
-          <a:p>
-            <a:r>
-              <a:rPr lang="en-US" sz="1600" dirty="0"/>
-              <a:t>Words dependent on root: ['What', 'is', 'requirement', '?'] </a:t>
-            </a:r>
-          </a:p>
-          <a:p>
-            <a:r>
-              <a:rPr lang="en-US" sz="1600" dirty="0"/>
-              <a:t>Nouns dependent on root: ['requirement'] </a:t>
-            </a:r>
-          </a:p>
-          <a:p>
-            <a:r>
-              <a:rPr lang="en-US" sz="1600" dirty="0"/>
-              <a:t>Words related to those nouns: ['height'] </a:t>
-            </a:r>
-          </a:p>
-          <a:p>
-            <a:r>
-              <a:rPr lang="en-US" sz="1600" dirty="0"/>
-              <a:t>Head words found: ['height', 'requirement'] </a:t>
-            </a:r>
-          </a:p>
-          <a:p>
-            <a:r>
-              <a:rPr lang="en-US" sz="1600" dirty="0"/>
-              <a:t>Named entities found: [('Star Wars: Rise of the Resistance', 'WORK_OF_ART')] </a:t>
-            </a:r>
-          </a:p>
-          <a:p>
-            <a:r>
-              <a:rPr lang="en-US" sz="1600" dirty="0"/>
-              <a:t>Answer type: number </a:t>
-            </a:r>
-          </a:p>
-        </p:txBody>
-      </p:sp>
+        </p:spPr>
+      </p:pic>
     </p:spTree>
     <p:extLst>
       <p:ext uri="{BB962C8B-B14F-4D97-AF65-F5344CB8AC3E}">
@@ -3905,7 +3643,7 @@
                   <a:schemeClr val="bg1"/>
                 </a:solidFill>
               </a:rPr>
-              <a:t>Disney Q and A</a:t>
+              <a:t>Example</a:t>
             </a:r>
           </a:p>
         </p:txBody>
@@ -3942,10 +3680,10 @@
       </p:pic>
       <p:sp>
         <p:nvSpPr>
-          <p:cNvPr id="6" name="TextBox 5">
-            <a:extLst>
-              <a:ext uri="{FF2B5EF4-FFF2-40B4-BE49-F238E27FC236}">
-                <a16:creationId xmlns:a16="http://schemas.microsoft.com/office/drawing/2014/main" id="{C2496BB0-CD97-4CC4-A02C-F2FA921F8C66}"/>
+          <p:cNvPr id="7" name="TextBox 6">
+            <a:extLst>
+              <a:ext uri="{FF2B5EF4-FFF2-40B4-BE49-F238E27FC236}">
+                <a16:creationId xmlns:a16="http://schemas.microsoft.com/office/drawing/2014/main" id="{13F8BE3A-7687-4AF4-9EFD-2C46F306DA40}"/>
               </a:ext>
             </a:extLst>
           </p:cNvPr>
@@ -3954,8 +3692,8 @@
         </p:nvSpPr>
         <p:spPr>
           <a:xfrm>
-            <a:off x="751691" y="4132992"/>
-            <a:ext cx="1398694" cy="461665"/>
+            <a:off x="545873" y="1295103"/>
+            <a:ext cx="10451929" cy="538609"/>
           </a:xfrm>
           <a:prstGeom prst="rect">
             <a:avLst/>
@@ -3969,19 +3707,180 @@
           <a:lstStyle/>
           <a:p>
             <a:r>
-              <a:rPr lang="en-US" sz="2400" dirty="0">
+              <a:rPr lang="en-US" sz="2900" dirty="0">
                 <a:solidFill>
                   <a:schemeClr val="accent5">
                     <a:lumMod val="75000"/>
                   </a:schemeClr>
                 </a:solidFill>
               </a:rPr>
-              <a:t>Leigh</a:t>
-            </a:r>
-            <a:endParaRPr lang="en-US" sz="2400" dirty="0"/>
-          </a:p>
-        </p:txBody>
-      </p:sp>
+              <a:t>Is there a height requirement for Star Wars: Rise of the Resistance?</a:t>
+            </a:r>
+            <a:endParaRPr lang="en-US" sz="2900" dirty="0"/>
+          </a:p>
+        </p:txBody>
+      </p:sp>
+      <p:pic>
+        <p:nvPicPr>
+          <p:cNvPr id="8" name="Picture 7">
+            <a:extLst>
+              <a:ext uri="{FF2B5EF4-FFF2-40B4-BE49-F238E27FC236}">
+                <a16:creationId xmlns:a16="http://schemas.microsoft.com/office/drawing/2014/main" id="{1DA10C9D-399B-4DF3-8EA9-A70B319128C5}"/>
+              </a:ext>
+            </a:extLst>
+          </p:cNvPr>
+          <p:cNvPicPr>
+            <a:picLocks noChangeAspect="1"/>
+          </p:cNvPicPr>
+          <p:nvPr/>
+        </p:nvPicPr>
+        <p:blipFill>
+          <a:blip r:embed="rId3"/>
+          <a:stretch>
+            <a:fillRect/>
+          </a:stretch>
+        </p:blipFill>
+        <p:spPr>
+          <a:xfrm>
+            <a:off x="636777" y="2071209"/>
+            <a:ext cx="10918445" cy="4279792"/>
+          </a:xfrm>
+          <a:prstGeom prst="rect">
+            <a:avLst/>
+          </a:prstGeom>
+        </p:spPr>
+      </p:pic>
+    </p:spTree>
+    <p:extLst>
+      <p:ext uri="{BB962C8B-B14F-4D97-AF65-F5344CB8AC3E}">
+        <p14:creationId xmlns:p14="http://schemas.microsoft.com/office/powerpoint/2010/main" val="1426893636"/>
+      </p:ext>
+    </p:extLst>
+  </p:cSld>
+  <p:clrMapOvr>
+    <a:masterClrMapping/>
+  </p:clrMapOvr>
+</p:sld>
+</file>
+
+<file path=ppt/slides/slide12.xml><?xml version="1.0" encoding="utf-8"?>
+<p:sld xmlns:a="http://schemas.openxmlformats.org/drawingml/2006/main" xmlns:r="http://schemas.openxmlformats.org/officeDocument/2006/relationships" xmlns:p="http://schemas.openxmlformats.org/presentationml/2006/main">
+  <p:cSld>
+    <p:spTree>
+      <p:nvGrpSpPr>
+        <p:cNvPr id="1" name=""/>
+        <p:cNvGrpSpPr/>
+        <p:nvPr/>
+      </p:nvGrpSpPr>
+      <p:grpSpPr>
+        <a:xfrm>
+          <a:off x="0" y="0"/>
+          <a:ext cx="0" cy="0"/>
+          <a:chOff x="0" y="0"/>
+          <a:chExt cx="0" cy="0"/>
+        </a:xfrm>
+      </p:grpSpPr>
+      <p:sp>
+        <p:nvSpPr>
+          <p:cNvPr id="4" name="Title 1">
+            <a:extLst>
+              <a:ext uri="{FF2B5EF4-FFF2-40B4-BE49-F238E27FC236}">
+                <a16:creationId xmlns:a16="http://schemas.microsoft.com/office/drawing/2014/main" id="{35E2284A-51F6-449C-832E-D85C77F5C63A}"/>
+              </a:ext>
+            </a:extLst>
+          </p:cNvPr>
+          <p:cNvSpPr txBox="1">
+            <a:spLocks/>
+          </p:cNvSpPr>
+          <p:nvPr/>
+        </p:nvSpPr>
+        <p:spPr>
+          <a:xfrm>
+            <a:off x="0" y="1"/>
+            <a:ext cx="12192000" cy="1141581"/>
+          </a:xfrm>
+          <a:prstGeom prst="rect">
+            <a:avLst/>
+          </a:prstGeom>
+          <a:solidFill>
+            <a:schemeClr val="tx2">
+              <a:lumMod val="75000"/>
+            </a:schemeClr>
+          </a:solidFill>
+        </p:spPr>
+        <p:txBody>
+          <a:bodyPr vert="horz" lIns="91440" tIns="45720" rIns="91440" bIns="45720" rtlCol="0" anchor="ctr">
+            <a:normAutofit/>
+          </a:bodyPr>
+          <a:lstStyle>
+            <a:lvl1pPr algn="l" defTabSz="914400" rtl="0" eaLnBrk="1" latinLnBrk="0" hangingPunct="1">
+              <a:lnSpc>
+                <a:spcPct val="90000"/>
+              </a:lnSpc>
+              <a:spcBef>
+                <a:spcPct val="0"/>
+              </a:spcBef>
+              <a:buNone/>
+              <a:defRPr sz="4400" kern="1200">
+                <a:solidFill>
+                  <a:schemeClr val="tx1"/>
+                </a:solidFill>
+                <a:latin typeface="+mj-lt"/>
+                <a:ea typeface="+mj-ea"/>
+                <a:cs typeface="+mj-cs"/>
+              </a:defRPr>
+            </a:lvl1pPr>
+          </a:lstStyle>
+          <a:p>
+            <a:r>
+              <a:rPr lang="en-US" sz="4800" dirty="0">
+                <a:solidFill>
+                  <a:schemeClr val="bg1"/>
+                </a:solidFill>
+              </a:rPr>
+              <a:t>   </a:t>
+            </a:r>
+            <a:r>
+              <a:rPr lang="en-US" sz="5700" dirty="0">
+                <a:solidFill>
+                  <a:schemeClr val="bg1"/>
+                </a:solidFill>
+              </a:rPr>
+              <a:t>Example</a:t>
+            </a:r>
+          </a:p>
+        </p:txBody>
+      </p:sp>
+      <p:pic>
+        <p:nvPicPr>
+          <p:cNvPr id="3" name="Picture 2">
+            <a:extLst>
+              <a:ext uri="{FF2B5EF4-FFF2-40B4-BE49-F238E27FC236}">
+                <a16:creationId xmlns:a16="http://schemas.microsoft.com/office/drawing/2014/main" id="{834A208E-417F-49AC-9426-4F8C3F7C190D}"/>
+              </a:ext>
+            </a:extLst>
+          </p:cNvPr>
+          <p:cNvPicPr>
+            <a:picLocks noChangeAspect="1"/>
+          </p:cNvPicPr>
+          <p:nvPr/>
+        </p:nvPicPr>
+        <p:blipFill>
+          <a:blip r:embed="rId2"/>
+          <a:stretch>
+            <a:fillRect/>
+          </a:stretch>
+        </p:blipFill>
+        <p:spPr>
+          <a:xfrm>
+            <a:off x="8134350" y="693019"/>
+            <a:ext cx="4057650" cy="447675"/>
+          </a:xfrm>
+          <a:prstGeom prst="rect">
+            <a:avLst/>
+          </a:prstGeom>
+        </p:spPr>
+      </p:pic>
       <p:sp>
         <p:nvSpPr>
           <p:cNvPr id="7" name="TextBox 6">
@@ -3996,8 +3895,8 @@
         </p:nvSpPr>
         <p:spPr>
           <a:xfrm>
-            <a:off x="751691" y="2259470"/>
-            <a:ext cx="1398694" cy="461665"/>
+            <a:off x="545873" y="1295103"/>
+            <a:ext cx="10451929" cy="538609"/>
           </a:xfrm>
           <a:prstGeom prst="rect">
             <a:avLst/>
@@ -4011,25 +3910,186 @@
           <a:lstStyle/>
           <a:p>
             <a:r>
-              <a:rPr lang="en-US" sz="2400" dirty="0" err="1">
+              <a:rPr lang="en-US" sz="2900" dirty="0">
                 <a:solidFill>
                   <a:schemeClr val="accent5">
                     <a:lumMod val="75000"/>
                   </a:schemeClr>
                 </a:solidFill>
               </a:rPr>
-              <a:t>Deeptha</a:t>
-            </a:r>
-            <a:endParaRPr lang="en-US" sz="2400" dirty="0"/>
-          </a:p>
-        </p:txBody>
-      </p:sp>
-      <p:sp>
-        <p:nvSpPr>
-          <p:cNvPr id="8" name="TextBox 7">
-            <a:extLst>
-              <a:ext uri="{FF2B5EF4-FFF2-40B4-BE49-F238E27FC236}">
-                <a16:creationId xmlns:a16="http://schemas.microsoft.com/office/drawing/2014/main" id="{E5F98DA6-B998-48FE-9471-AE4F4759804E}"/>
+              <a:t>Is there a height requirement for Star Wars: Rise of the Resistance?</a:t>
+            </a:r>
+            <a:endParaRPr lang="en-US" sz="2900" dirty="0"/>
+          </a:p>
+        </p:txBody>
+      </p:sp>
+      <p:pic>
+        <p:nvPicPr>
+          <p:cNvPr id="6" name="Picture 5">
+            <a:extLst>
+              <a:ext uri="{FF2B5EF4-FFF2-40B4-BE49-F238E27FC236}">
+                <a16:creationId xmlns:a16="http://schemas.microsoft.com/office/drawing/2014/main" id="{358146CA-9C29-43E0-93F8-B636FBDB6094}"/>
+              </a:ext>
+            </a:extLst>
+          </p:cNvPr>
+          <p:cNvPicPr>
+            <a:picLocks noChangeAspect="1"/>
+          </p:cNvPicPr>
+          <p:nvPr/>
+        </p:nvPicPr>
+        <p:blipFill>
+          <a:blip r:embed="rId3"/>
+          <a:stretch>
+            <a:fillRect/>
+          </a:stretch>
+        </p:blipFill>
+        <p:spPr>
+          <a:xfrm>
+            <a:off x="457200" y="2457936"/>
+            <a:ext cx="11022775" cy="2769711"/>
+          </a:xfrm>
+          <a:prstGeom prst="rect">
+            <a:avLst/>
+          </a:prstGeom>
+        </p:spPr>
+      </p:pic>
+    </p:spTree>
+    <p:extLst>
+      <p:ext uri="{BB962C8B-B14F-4D97-AF65-F5344CB8AC3E}">
+        <p14:creationId xmlns:p14="http://schemas.microsoft.com/office/powerpoint/2010/main" val="4271645287"/>
+      </p:ext>
+    </p:extLst>
+  </p:cSld>
+  <p:clrMapOvr>
+    <a:masterClrMapping/>
+  </p:clrMapOvr>
+</p:sld>
+</file>
+
+<file path=ppt/slides/slide13.xml><?xml version="1.0" encoding="utf-8"?>
+<p:sld xmlns:a="http://schemas.openxmlformats.org/drawingml/2006/main" xmlns:r="http://schemas.openxmlformats.org/officeDocument/2006/relationships" xmlns:p="http://schemas.openxmlformats.org/presentationml/2006/main">
+  <p:cSld>
+    <p:spTree>
+      <p:nvGrpSpPr>
+        <p:cNvPr id="1" name=""/>
+        <p:cNvGrpSpPr/>
+        <p:nvPr/>
+      </p:nvGrpSpPr>
+      <p:grpSpPr>
+        <a:xfrm>
+          <a:off x="0" y="0"/>
+          <a:ext cx="0" cy="0"/>
+          <a:chOff x="0" y="0"/>
+          <a:chExt cx="0" cy="0"/>
+        </a:xfrm>
+      </p:grpSpPr>
+      <p:sp>
+        <p:nvSpPr>
+          <p:cNvPr id="4" name="Title 1">
+            <a:extLst>
+              <a:ext uri="{FF2B5EF4-FFF2-40B4-BE49-F238E27FC236}">
+                <a16:creationId xmlns:a16="http://schemas.microsoft.com/office/drawing/2014/main" id="{35E2284A-51F6-449C-832E-D85C77F5C63A}"/>
+              </a:ext>
+            </a:extLst>
+          </p:cNvPr>
+          <p:cNvSpPr txBox="1">
+            <a:spLocks/>
+          </p:cNvSpPr>
+          <p:nvPr/>
+        </p:nvSpPr>
+        <p:spPr>
+          <a:xfrm>
+            <a:off x="0" y="1"/>
+            <a:ext cx="12192000" cy="1141581"/>
+          </a:xfrm>
+          <a:prstGeom prst="rect">
+            <a:avLst/>
+          </a:prstGeom>
+          <a:solidFill>
+            <a:schemeClr val="tx2">
+              <a:lumMod val="75000"/>
+            </a:schemeClr>
+          </a:solidFill>
+        </p:spPr>
+        <p:txBody>
+          <a:bodyPr vert="horz" lIns="91440" tIns="45720" rIns="91440" bIns="45720" rtlCol="0" anchor="ctr">
+            <a:normAutofit/>
+          </a:bodyPr>
+          <a:lstStyle>
+            <a:lvl1pPr algn="l" defTabSz="914400" rtl="0" eaLnBrk="1" latinLnBrk="0" hangingPunct="1">
+              <a:lnSpc>
+                <a:spcPct val="90000"/>
+              </a:lnSpc>
+              <a:spcBef>
+                <a:spcPct val="0"/>
+              </a:spcBef>
+              <a:buNone/>
+              <a:defRPr sz="4400" kern="1200">
+                <a:solidFill>
+                  <a:schemeClr val="tx1"/>
+                </a:solidFill>
+                <a:latin typeface="+mj-lt"/>
+                <a:ea typeface="+mj-ea"/>
+                <a:cs typeface="+mj-cs"/>
+              </a:defRPr>
+            </a:lvl1pPr>
+          </a:lstStyle>
+          <a:p>
+            <a:r>
+              <a:rPr lang="en-US" sz="4800" dirty="0">
+                <a:solidFill>
+                  <a:schemeClr val="bg1"/>
+                </a:solidFill>
+              </a:rPr>
+              <a:t>   </a:t>
+            </a:r>
+            <a:r>
+              <a:rPr lang="en-US" sz="5700" dirty="0">
+                <a:solidFill>
+                  <a:schemeClr val="bg1"/>
+                </a:solidFill>
+              </a:rPr>
+              <a:t>Example</a:t>
+            </a:r>
+          </a:p>
+        </p:txBody>
+      </p:sp>
+      <p:pic>
+        <p:nvPicPr>
+          <p:cNvPr id="3" name="Picture 2">
+            <a:extLst>
+              <a:ext uri="{FF2B5EF4-FFF2-40B4-BE49-F238E27FC236}">
+                <a16:creationId xmlns:a16="http://schemas.microsoft.com/office/drawing/2014/main" id="{834A208E-417F-49AC-9426-4F8C3F7C190D}"/>
+              </a:ext>
+            </a:extLst>
+          </p:cNvPr>
+          <p:cNvPicPr>
+            <a:picLocks noChangeAspect="1"/>
+          </p:cNvPicPr>
+          <p:nvPr/>
+        </p:nvPicPr>
+        <p:blipFill>
+          <a:blip r:embed="rId2"/>
+          <a:stretch>
+            <a:fillRect/>
+          </a:stretch>
+        </p:blipFill>
+        <p:spPr>
+          <a:xfrm>
+            <a:off x="8134350" y="693019"/>
+            <a:ext cx="4057650" cy="447675"/>
+          </a:xfrm>
+          <a:prstGeom prst="rect">
+            <a:avLst/>
+          </a:prstGeom>
+        </p:spPr>
+      </p:pic>
+      <p:sp>
+        <p:nvSpPr>
+          <p:cNvPr id="7" name="TextBox 6">
+            <a:extLst>
+              <a:ext uri="{FF2B5EF4-FFF2-40B4-BE49-F238E27FC236}">
+                <a16:creationId xmlns:a16="http://schemas.microsoft.com/office/drawing/2014/main" id="{13F8BE3A-7687-4AF4-9EFD-2C46F306DA40}"/>
               </a:ext>
             </a:extLst>
           </p:cNvPr>
@@ -4038,8 +4098,8 @@
         </p:nvSpPr>
         <p:spPr>
           <a:xfrm>
-            <a:off x="1225118" y="2767058"/>
-            <a:ext cx="8167456" cy="338554"/>
+            <a:off x="545873" y="1295103"/>
+            <a:ext cx="10451929" cy="538609"/>
           </a:xfrm>
           <a:prstGeom prst="rect">
             <a:avLst/>
@@ -4053,20 +4113,216 @@
           <a:lstStyle/>
           <a:p>
             <a:r>
-              <a:rPr lang="en-US" sz="1600" dirty="0">
-                <a:latin typeface="Arial Nova" panose="020B0504020202020204" pitchFamily="34" charset="0"/>
-              </a:rPr>
-              <a:t>Data mining Disney data</a:t>
-            </a:r>
-          </a:p>
-        </p:txBody>
-      </p:sp>
-      <p:sp>
-        <p:nvSpPr>
-          <p:cNvPr id="10" name="TextBox 9">
-            <a:extLst>
-              <a:ext uri="{FF2B5EF4-FFF2-40B4-BE49-F238E27FC236}">
-                <a16:creationId xmlns:a16="http://schemas.microsoft.com/office/drawing/2014/main" id="{C03F1267-4CFB-433B-B989-764A162902FB}"/>
+              <a:rPr lang="en-US" sz="2900" dirty="0">
+                <a:solidFill>
+                  <a:schemeClr val="accent5">
+                    <a:lumMod val="75000"/>
+                  </a:schemeClr>
+                </a:solidFill>
+              </a:rPr>
+              <a:t>Is there a height requirement for Star Wars: Rise of the Resistance?</a:t>
+            </a:r>
+            <a:endParaRPr lang="en-US" sz="2900" dirty="0"/>
+          </a:p>
+        </p:txBody>
+      </p:sp>
+      <p:pic>
+        <p:nvPicPr>
+          <p:cNvPr id="5" name="Picture 4">
+            <a:extLst>
+              <a:ext uri="{FF2B5EF4-FFF2-40B4-BE49-F238E27FC236}">
+                <a16:creationId xmlns:a16="http://schemas.microsoft.com/office/drawing/2014/main" id="{83E5DA7F-7425-4621-81CE-B47702650AC3}"/>
+              </a:ext>
+            </a:extLst>
+          </p:cNvPr>
+          <p:cNvPicPr>
+            <a:picLocks noChangeAspect="1"/>
+          </p:cNvPicPr>
+          <p:nvPr/>
+        </p:nvPicPr>
+        <p:blipFill>
+          <a:blip r:embed="rId3"/>
+          <a:stretch>
+            <a:fillRect/>
+          </a:stretch>
+        </p:blipFill>
+        <p:spPr>
+          <a:xfrm>
+            <a:off x="418972" y="2088016"/>
+            <a:ext cx="11354056" cy="1914817"/>
+          </a:xfrm>
+          <a:prstGeom prst="rect">
+            <a:avLst/>
+          </a:prstGeom>
+        </p:spPr>
+      </p:pic>
+      <p:pic>
+        <p:nvPicPr>
+          <p:cNvPr id="9" name="Picture 8">
+            <a:extLst>
+              <a:ext uri="{FF2B5EF4-FFF2-40B4-BE49-F238E27FC236}">
+                <a16:creationId xmlns:a16="http://schemas.microsoft.com/office/drawing/2014/main" id="{31A4F148-047E-41A7-97DB-29CA250322A8}"/>
+              </a:ext>
+            </a:extLst>
+          </p:cNvPr>
+          <p:cNvPicPr>
+            <a:picLocks noChangeAspect="1"/>
+          </p:cNvPicPr>
+          <p:nvPr/>
+        </p:nvPicPr>
+        <p:blipFill>
+          <a:blip r:embed="rId4"/>
+          <a:stretch>
+            <a:fillRect/>
+          </a:stretch>
+        </p:blipFill>
+        <p:spPr>
+          <a:xfrm>
+            <a:off x="418972" y="4673042"/>
+            <a:ext cx="7305675" cy="552450"/>
+          </a:xfrm>
+          <a:prstGeom prst="rect">
+            <a:avLst/>
+          </a:prstGeom>
+        </p:spPr>
+      </p:pic>
+    </p:spTree>
+    <p:extLst>
+      <p:ext uri="{BB962C8B-B14F-4D97-AF65-F5344CB8AC3E}">
+        <p14:creationId xmlns:p14="http://schemas.microsoft.com/office/powerpoint/2010/main" val="3175049190"/>
+      </p:ext>
+    </p:extLst>
+  </p:cSld>
+  <p:clrMapOvr>
+    <a:masterClrMapping/>
+  </p:clrMapOvr>
+</p:sld>
+</file>
+
+<file path=ppt/slides/slide14.xml><?xml version="1.0" encoding="utf-8"?>
+<p:sld xmlns:a="http://schemas.openxmlformats.org/drawingml/2006/main" xmlns:r="http://schemas.openxmlformats.org/officeDocument/2006/relationships" xmlns:p="http://schemas.openxmlformats.org/presentationml/2006/main">
+  <p:cSld>
+    <p:spTree>
+      <p:nvGrpSpPr>
+        <p:cNvPr id="1" name=""/>
+        <p:cNvGrpSpPr/>
+        <p:nvPr/>
+      </p:nvGrpSpPr>
+      <p:grpSpPr>
+        <a:xfrm>
+          <a:off x="0" y="0"/>
+          <a:ext cx="0" cy="0"/>
+          <a:chOff x="0" y="0"/>
+          <a:chExt cx="0" cy="0"/>
+        </a:xfrm>
+      </p:grpSpPr>
+      <p:sp>
+        <p:nvSpPr>
+          <p:cNvPr id="4" name="Title 1">
+            <a:extLst>
+              <a:ext uri="{FF2B5EF4-FFF2-40B4-BE49-F238E27FC236}">
+                <a16:creationId xmlns:a16="http://schemas.microsoft.com/office/drawing/2014/main" id="{35E2284A-51F6-449C-832E-D85C77F5C63A}"/>
+              </a:ext>
+            </a:extLst>
+          </p:cNvPr>
+          <p:cNvSpPr txBox="1">
+            <a:spLocks/>
+          </p:cNvSpPr>
+          <p:nvPr/>
+        </p:nvSpPr>
+        <p:spPr>
+          <a:xfrm>
+            <a:off x="0" y="1"/>
+            <a:ext cx="12192000" cy="1141581"/>
+          </a:xfrm>
+          <a:prstGeom prst="rect">
+            <a:avLst/>
+          </a:prstGeom>
+          <a:solidFill>
+            <a:schemeClr val="tx2">
+              <a:lumMod val="75000"/>
+            </a:schemeClr>
+          </a:solidFill>
+        </p:spPr>
+        <p:txBody>
+          <a:bodyPr vert="horz" lIns="91440" tIns="45720" rIns="91440" bIns="45720" rtlCol="0" anchor="ctr">
+            <a:normAutofit/>
+          </a:bodyPr>
+          <a:lstStyle>
+            <a:lvl1pPr algn="l" defTabSz="914400" rtl="0" eaLnBrk="1" latinLnBrk="0" hangingPunct="1">
+              <a:lnSpc>
+                <a:spcPct val="90000"/>
+              </a:lnSpc>
+              <a:spcBef>
+                <a:spcPct val="0"/>
+              </a:spcBef>
+              <a:buNone/>
+              <a:defRPr sz="4400" kern="1200">
+                <a:solidFill>
+                  <a:schemeClr val="tx1"/>
+                </a:solidFill>
+                <a:latin typeface="+mj-lt"/>
+                <a:ea typeface="+mj-ea"/>
+                <a:cs typeface="+mj-cs"/>
+              </a:defRPr>
+            </a:lvl1pPr>
+          </a:lstStyle>
+          <a:p>
+            <a:r>
+              <a:rPr lang="en-US" sz="4800" dirty="0">
+                <a:solidFill>
+                  <a:schemeClr val="bg1"/>
+                </a:solidFill>
+              </a:rPr>
+              <a:t>   </a:t>
+            </a:r>
+            <a:r>
+              <a:rPr lang="en-US" sz="5700" dirty="0">
+                <a:solidFill>
+                  <a:schemeClr val="bg1"/>
+                </a:solidFill>
+              </a:rPr>
+              <a:t>Disney Q and A</a:t>
+            </a:r>
+          </a:p>
+        </p:txBody>
+      </p:sp>
+      <p:pic>
+        <p:nvPicPr>
+          <p:cNvPr id="3" name="Picture 2">
+            <a:extLst>
+              <a:ext uri="{FF2B5EF4-FFF2-40B4-BE49-F238E27FC236}">
+                <a16:creationId xmlns:a16="http://schemas.microsoft.com/office/drawing/2014/main" id="{834A208E-417F-49AC-9426-4F8C3F7C190D}"/>
+              </a:ext>
+            </a:extLst>
+          </p:cNvPr>
+          <p:cNvPicPr>
+            <a:picLocks noChangeAspect="1"/>
+          </p:cNvPicPr>
+          <p:nvPr/>
+        </p:nvPicPr>
+        <p:blipFill>
+          <a:blip r:embed="rId2"/>
+          <a:stretch>
+            <a:fillRect/>
+          </a:stretch>
+        </p:blipFill>
+        <p:spPr>
+          <a:xfrm>
+            <a:off x="8134350" y="693019"/>
+            <a:ext cx="4057650" cy="447675"/>
+          </a:xfrm>
+          <a:prstGeom prst="rect">
+            <a:avLst/>
+          </a:prstGeom>
+        </p:spPr>
+      </p:pic>
+      <p:sp>
+        <p:nvSpPr>
+          <p:cNvPr id="6" name="TextBox 5">
+            <a:extLst>
+              <a:ext uri="{FF2B5EF4-FFF2-40B4-BE49-F238E27FC236}">
+                <a16:creationId xmlns:a16="http://schemas.microsoft.com/office/drawing/2014/main" id="{C2496BB0-CD97-4CC4-A02C-F2FA921F8C66}"/>
               </a:ext>
             </a:extLst>
           </p:cNvPr>
@@ -4075,8 +4331,8 @@
         </p:nvSpPr>
         <p:spPr>
           <a:xfrm>
-            <a:off x="1225118" y="3160359"/>
-            <a:ext cx="8167456" cy="338554"/>
+            <a:off x="751691" y="4132992"/>
+            <a:ext cx="1398694" cy="461665"/>
           </a:xfrm>
           <a:prstGeom prst="rect">
             <a:avLst/>
@@ -4090,20 +4346,25 @@
           <a:lstStyle/>
           <a:p>
             <a:r>
-              <a:rPr lang="en-US" sz="1600" dirty="0">
-                <a:latin typeface="Arial Nova" panose="020B0504020202020204" pitchFamily="34" charset="0"/>
-              </a:rPr>
-              <a:t>Getting kicked off the Disney servers multiple times due to being a bot</a:t>
-            </a:r>
-          </a:p>
-        </p:txBody>
-      </p:sp>
-      <p:sp>
-        <p:nvSpPr>
-          <p:cNvPr id="12" name="TextBox 11">
-            <a:extLst>
-              <a:ext uri="{FF2B5EF4-FFF2-40B4-BE49-F238E27FC236}">
-                <a16:creationId xmlns:a16="http://schemas.microsoft.com/office/drawing/2014/main" id="{DE31C04A-42AF-4877-844A-078A01154B38}"/>
+              <a:rPr lang="en-US" sz="2400" dirty="0">
+                <a:solidFill>
+                  <a:schemeClr val="accent5">
+                    <a:lumMod val="75000"/>
+                  </a:schemeClr>
+                </a:solidFill>
+              </a:rPr>
+              <a:t>Leigh</a:t>
+            </a:r>
+            <a:endParaRPr lang="en-US" sz="2400" dirty="0"/>
+          </a:p>
+        </p:txBody>
+      </p:sp>
+      <p:sp>
+        <p:nvSpPr>
+          <p:cNvPr id="7" name="TextBox 6">
+            <a:extLst>
+              <a:ext uri="{FF2B5EF4-FFF2-40B4-BE49-F238E27FC236}">
+                <a16:creationId xmlns:a16="http://schemas.microsoft.com/office/drawing/2014/main" id="{13F8BE3A-7687-4AF4-9EFD-2C46F306DA40}"/>
               </a:ext>
             </a:extLst>
           </p:cNvPr>
@@ -4112,8 +4373,8 @@
         </p:nvSpPr>
         <p:spPr>
           <a:xfrm>
-            <a:off x="1225118" y="4676156"/>
-            <a:ext cx="2645546" cy="338554"/>
+            <a:off x="751691" y="2259470"/>
+            <a:ext cx="1398694" cy="461665"/>
           </a:xfrm>
           <a:prstGeom prst="rect">
             <a:avLst/>
@@ -4127,20 +4388,25 @@
           <a:lstStyle/>
           <a:p>
             <a:r>
-              <a:rPr lang="en-US" sz="1600" dirty="0">
-                <a:latin typeface="Arial Nova" panose="020B0504020202020204" pitchFamily="34" charset="0"/>
-              </a:rPr>
-              <a:t>Question Processing</a:t>
-            </a:r>
-          </a:p>
-        </p:txBody>
-      </p:sp>
-      <p:sp>
-        <p:nvSpPr>
-          <p:cNvPr id="13" name="TextBox 12">
-            <a:extLst>
-              <a:ext uri="{FF2B5EF4-FFF2-40B4-BE49-F238E27FC236}">
-                <a16:creationId xmlns:a16="http://schemas.microsoft.com/office/drawing/2014/main" id="{54817F14-BB70-4614-96E6-EC5B2C419BDD}"/>
+              <a:rPr lang="en-US" sz="2400" dirty="0" err="1">
+                <a:solidFill>
+                  <a:schemeClr val="accent5">
+                    <a:lumMod val="75000"/>
+                  </a:schemeClr>
+                </a:solidFill>
+              </a:rPr>
+              <a:t>Deeptha</a:t>
+            </a:r>
+            <a:endParaRPr lang="en-US" sz="2400" dirty="0"/>
+          </a:p>
+        </p:txBody>
+      </p:sp>
+      <p:sp>
+        <p:nvSpPr>
+          <p:cNvPr id="8" name="TextBox 7">
+            <a:extLst>
+              <a:ext uri="{FF2B5EF4-FFF2-40B4-BE49-F238E27FC236}">
+                <a16:creationId xmlns:a16="http://schemas.microsoft.com/office/drawing/2014/main" id="{E5F98DA6-B998-48FE-9471-AE4F4759804E}"/>
               </a:ext>
             </a:extLst>
           </p:cNvPr>
@@ -4149,7 +4415,7 @@
         </p:nvSpPr>
         <p:spPr>
           <a:xfrm>
-            <a:off x="1225118" y="3588765"/>
+            <a:off x="1225118" y="2767058"/>
             <a:ext cx="8167456" cy="338554"/>
           </a:xfrm>
           <a:prstGeom prst="rect">
@@ -4167,7 +4433,118 @@
               <a:rPr lang="en-US" sz="1600" dirty="0">
                 <a:latin typeface="Arial Nova" panose="020B0504020202020204" pitchFamily="34" charset="0"/>
               </a:rPr>
-              <a:t>???? Training a model on the Questions and Answers? Document Retrieval Code?</a:t>
+              <a:t>Data retrieval of Disney data</a:t>
+            </a:r>
+          </a:p>
+        </p:txBody>
+      </p:sp>
+      <p:sp>
+        <p:nvSpPr>
+          <p:cNvPr id="10" name="TextBox 9">
+            <a:extLst>
+              <a:ext uri="{FF2B5EF4-FFF2-40B4-BE49-F238E27FC236}">
+                <a16:creationId xmlns:a16="http://schemas.microsoft.com/office/drawing/2014/main" id="{C03F1267-4CFB-433B-B989-764A162902FB}"/>
+              </a:ext>
+            </a:extLst>
+          </p:cNvPr>
+          <p:cNvSpPr txBox="1"/>
+          <p:nvPr/>
+        </p:nvSpPr>
+        <p:spPr>
+          <a:xfrm>
+            <a:off x="1225118" y="3160359"/>
+            <a:ext cx="8167456" cy="338554"/>
+          </a:xfrm>
+          <a:prstGeom prst="rect">
+            <a:avLst/>
+          </a:prstGeom>
+          <a:noFill/>
+        </p:spPr>
+        <p:txBody>
+          <a:bodyPr wrap="square" rtlCol="0">
+            <a:spAutoFit/>
+          </a:bodyPr>
+          <a:lstStyle/>
+          <a:p>
+            <a:r>
+              <a:rPr lang="en-US" sz="1600" dirty="0">
+                <a:latin typeface="Arial Nova" panose="020B0504020202020204" pitchFamily="34" charset="0"/>
+              </a:rPr>
+              <a:t>Getting kicked off the Disney servers multiple times due to being a bot</a:t>
+            </a:r>
+          </a:p>
+        </p:txBody>
+      </p:sp>
+      <p:sp>
+        <p:nvSpPr>
+          <p:cNvPr id="12" name="TextBox 11">
+            <a:extLst>
+              <a:ext uri="{FF2B5EF4-FFF2-40B4-BE49-F238E27FC236}">
+                <a16:creationId xmlns:a16="http://schemas.microsoft.com/office/drawing/2014/main" id="{DE31C04A-42AF-4877-844A-078A01154B38}"/>
+              </a:ext>
+            </a:extLst>
+          </p:cNvPr>
+          <p:cNvSpPr txBox="1"/>
+          <p:nvPr/>
+        </p:nvSpPr>
+        <p:spPr>
+          <a:xfrm>
+            <a:off x="1225118" y="4676156"/>
+            <a:ext cx="2645546" cy="338554"/>
+          </a:xfrm>
+          <a:prstGeom prst="rect">
+            <a:avLst/>
+          </a:prstGeom>
+          <a:noFill/>
+        </p:spPr>
+        <p:txBody>
+          <a:bodyPr wrap="square" rtlCol="0">
+            <a:spAutoFit/>
+          </a:bodyPr>
+          <a:lstStyle/>
+          <a:p>
+            <a:r>
+              <a:rPr lang="en-US" sz="1600" dirty="0">
+                <a:latin typeface="Arial Nova" panose="020B0504020202020204" pitchFamily="34" charset="0"/>
+              </a:rPr>
+              <a:t>Question Processing</a:t>
+            </a:r>
+          </a:p>
+        </p:txBody>
+      </p:sp>
+      <p:sp>
+        <p:nvSpPr>
+          <p:cNvPr id="13" name="TextBox 12">
+            <a:extLst>
+              <a:ext uri="{FF2B5EF4-FFF2-40B4-BE49-F238E27FC236}">
+                <a16:creationId xmlns:a16="http://schemas.microsoft.com/office/drawing/2014/main" id="{54817F14-BB70-4614-96E6-EC5B2C419BDD}"/>
+              </a:ext>
+            </a:extLst>
+          </p:cNvPr>
+          <p:cNvSpPr txBox="1"/>
+          <p:nvPr/>
+        </p:nvSpPr>
+        <p:spPr>
+          <a:xfrm>
+            <a:off x="1225118" y="3588765"/>
+            <a:ext cx="8167456" cy="338554"/>
+          </a:xfrm>
+          <a:prstGeom prst="rect">
+            <a:avLst/>
+          </a:prstGeom>
+          <a:noFill/>
+        </p:spPr>
+        <p:txBody>
+          <a:bodyPr wrap="square" rtlCol="0">
+            <a:spAutoFit/>
+          </a:bodyPr>
+          <a:lstStyle/>
+          <a:p>
+            <a:r>
+              <a:rPr lang="en-US" sz="1600" dirty="0">
+                <a:latin typeface="Arial Nova" panose="020B0504020202020204" pitchFamily="34" charset="0"/>
+              </a:rPr>
+              <a:t>Document Processing</a:t>
             </a:r>
           </a:p>
         </p:txBody>
@@ -4222,7 +4599,249 @@
 </p:sld>
 </file>
 
-<file path=ppt/slides/slide12.xml><?xml version="1.0" encoding="utf-8"?>
+<file path=ppt/slides/slide15.xml><?xml version="1.0" encoding="utf-8"?>
+<p:sld xmlns:a="http://schemas.openxmlformats.org/drawingml/2006/main" xmlns:r="http://schemas.openxmlformats.org/officeDocument/2006/relationships" xmlns:p="http://schemas.openxmlformats.org/presentationml/2006/main">
+  <p:cSld>
+    <p:spTree>
+      <p:nvGrpSpPr>
+        <p:cNvPr id="1" name=""/>
+        <p:cNvGrpSpPr/>
+        <p:nvPr/>
+      </p:nvGrpSpPr>
+      <p:grpSpPr>
+        <a:xfrm>
+          <a:off x="0" y="0"/>
+          <a:ext cx="0" cy="0"/>
+          <a:chOff x="0" y="0"/>
+          <a:chExt cx="0" cy="0"/>
+        </a:xfrm>
+      </p:grpSpPr>
+      <p:sp>
+        <p:nvSpPr>
+          <p:cNvPr id="4" name="Title 1">
+            <a:extLst>
+              <a:ext uri="{FF2B5EF4-FFF2-40B4-BE49-F238E27FC236}">
+                <a16:creationId xmlns:a16="http://schemas.microsoft.com/office/drawing/2014/main" id="{35E2284A-51F6-449C-832E-D85C77F5C63A}"/>
+              </a:ext>
+            </a:extLst>
+          </p:cNvPr>
+          <p:cNvSpPr txBox="1">
+            <a:spLocks/>
+          </p:cNvSpPr>
+          <p:nvPr/>
+        </p:nvSpPr>
+        <p:spPr>
+          <a:xfrm>
+            <a:off x="0" y="1"/>
+            <a:ext cx="12192000" cy="1141581"/>
+          </a:xfrm>
+          <a:prstGeom prst="rect">
+            <a:avLst/>
+          </a:prstGeom>
+          <a:solidFill>
+            <a:schemeClr val="tx2">
+              <a:lumMod val="75000"/>
+            </a:schemeClr>
+          </a:solidFill>
+        </p:spPr>
+        <p:txBody>
+          <a:bodyPr vert="horz" lIns="91440" tIns="45720" rIns="91440" bIns="45720" rtlCol="0" anchor="ctr">
+            <a:normAutofit/>
+          </a:bodyPr>
+          <a:lstStyle>
+            <a:lvl1pPr algn="l" defTabSz="914400" rtl="0" eaLnBrk="1" latinLnBrk="0" hangingPunct="1">
+              <a:lnSpc>
+                <a:spcPct val="90000"/>
+              </a:lnSpc>
+              <a:spcBef>
+                <a:spcPct val="0"/>
+              </a:spcBef>
+              <a:buNone/>
+              <a:defRPr sz="4400" kern="1200">
+                <a:solidFill>
+                  <a:schemeClr val="tx1"/>
+                </a:solidFill>
+                <a:latin typeface="+mj-lt"/>
+                <a:ea typeface="+mj-ea"/>
+                <a:cs typeface="+mj-cs"/>
+              </a:defRPr>
+            </a:lvl1pPr>
+          </a:lstStyle>
+          <a:p>
+            <a:r>
+              <a:rPr lang="en-US" sz="4800" dirty="0">
+                <a:solidFill>
+                  <a:schemeClr val="bg1"/>
+                </a:solidFill>
+              </a:rPr>
+              <a:t>   </a:t>
+            </a:r>
+            <a:r>
+              <a:rPr lang="en-US" sz="5700" dirty="0">
+                <a:solidFill>
+                  <a:schemeClr val="bg1"/>
+                </a:solidFill>
+              </a:rPr>
+              <a:t>Future Work</a:t>
+            </a:r>
+          </a:p>
+        </p:txBody>
+      </p:sp>
+      <p:pic>
+        <p:nvPicPr>
+          <p:cNvPr id="3" name="Picture 2">
+            <a:extLst>
+              <a:ext uri="{FF2B5EF4-FFF2-40B4-BE49-F238E27FC236}">
+                <a16:creationId xmlns:a16="http://schemas.microsoft.com/office/drawing/2014/main" id="{834A208E-417F-49AC-9426-4F8C3F7C190D}"/>
+              </a:ext>
+            </a:extLst>
+          </p:cNvPr>
+          <p:cNvPicPr>
+            <a:picLocks noChangeAspect="1"/>
+          </p:cNvPicPr>
+          <p:nvPr/>
+        </p:nvPicPr>
+        <p:blipFill>
+          <a:blip r:embed="rId2"/>
+          <a:stretch>
+            <a:fillRect/>
+          </a:stretch>
+        </p:blipFill>
+        <p:spPr>
+          <a:xfrm>
+            <a:off x="8134350" y="693019"/>
+            <a:ext cx="4057650" cy="447675"/>
+          </a:xfrm>
+          <a:prstGeom prst="rect">
+            <a:avLst/>
+          </a:prstGeom>
+        </p:spPr>
+      </p:pic>
+      <p:sp>
+        <p:nvSpPr>
+          <p:cNvPr id="11" name="TextBox 10">
+            <a:extLst>
+              <a:ext uri="{FF2B5EF4-FFF2-40B4-BE49-F238E27FC236}">
+                <a16:creationId xmlns:a16="http://schemas.microsoft.com/office/drawing/2014/main" id="{44F8F61E-318E-438A-BDA5-72E5527A52C9}"/>
+              </a:ext>
+            </a:extLst>
+          </p:cNvPr>
+          <p:cNvSpPr txBox="1"/>
+          <p:nvPr/>
+        </p:nvSpPr>
+        <p:spPr>
+          <a:xfrm>
+            <a:off x="1005662" y="2434074"/>
+            <a:ext cx="4864786" cy="338554"/>
+          </a:xfrm>
+          <a:prstGeom prst="rect">
+            <a:avLst/>
+          </a:prstGeom>
+          <a:noFill/>
+        </p:spPr>
+        <p:txBody>
+          <a:bodyPr wrap="square" rtlCol="0">
+            <a:spAutoFit/>
+          </a:bodyPr>
+          <a:lstStyle/>
+          <a:p>
+            <a:r>
+              <a:rPr lang="en-US" sz="1600" dirty="0">
+                <a:latin typeface="Arial Nova" panose="020B0504020202020204" pitchFamily="34" charset="0"/>
+              </a:rPr>
+              <a:t>Enhance the answer type classification model</a:t>
+            </a:r>
+          </a:p>
+        </p:txBody>
+      </p:sp>
+      <p:sp>
+        <p:nvSpPr>
+          <p:cNvPr id="15" name="TextBox 14">
+            <a:extLst>
+              <a:ext uri="{FF2B5EF4-FFF2-40B4-BE49-F238E27FC236}">
+                <a16:creationId xmlns:a16="http://schemas.microsoft.com/office/drawing/2014/main" id="{FDDF769D-5767-40D9-BA69-E94B007020DD}"/>
+              </a:ext>
+            </a:extLst>
+          </p:cNvPr>
+          <p:cNvSpPr txBox="1"/>
+          <p:nvPr/>
+        </p:nvSpPr>
+        <p:spPr>
+          <a:xfrm>
+            <a:off x="1005662" y="3007098"/>
+            <a:ext cx="4864786" cy="338554"/>
+          </a:xfrm>
+          <a:prstGeom prst="rect">
+            <a:avLst/>
+          </a:prstGeom>
+          <a:noFill/>
+        </p:spPr>
+        <p:txBody>
+          <a:bodyPr wrap="square" rtlCol="0">
+            <a:spAutoFit/>
+          </a:bodyPr>
+          <a:lstStyle/>
+          <a:p>
+            <a:r>
+              <a:rPr lang="en-US" sz="1600" dirty="0">
+                <a:latin typeface="Arial Nova" panose="020B0504020202020204" pitchFamily="34" charset="0"/>
+              </a:rPr>
+              <a:t>Finish document processing</a:t>
+            </a:r>
+          </a:p>
+        </p:txBody>
+      </p:sp>
+      <p:sp>
+        <p:nvSpPr>
+          <p:cNvPr id="16" name="TextBox 15">
+            <a:extLst>
+              <a:ext uri="{FF2B5EF4-FFF2-40B4-BE49-F238E27FC236}">
+                <a16:creationId xmlns:a16="http://schemas.microsoft.com/office/drawing/2014/main" id="{08B56C0D-F4F8-49C1-B419-E3C9D05E1BBE}"/>
+              </a:ext>
+            </a:extLst>
+          </p:cNvPr>
+          <p:cNvSpPr txBox="1"/>
+          <p:nvPr/>
+        </p:nvSpPr>
+        <p:spPr>
+          <a:xfrm>
+            <a:off x="1014806" y="3580122"/>
+            <a:ext cx="4864786" cy="338554"/>
+          </a:xfrm>
+          <a:prstGeom prst="rect">
+            <a:avLst/>
+          </a:prstGeom>
+          <a:noFill/>
+        </p:spPr>
+        <p:txBody>
+          <a:bodyPr wrap="square" rtlCol="0">
+            <a:spAutoFit/>
+          </a:bodyPr>
+          <a:lstStyle/>
+          <a:p>
+            <a:r>
+              <a:rPr lang="en-US" sz="1600" dirty="0">
+                <a:latin typeface="Arial Nova" panose="020B0504020202020204" pitchFamily="34" charset="0"/>
+              </a:rPr>
+              <a:t>Finish answer processing</a:t>
+            </a:r>
+          </a:p>
+        </p:txBody>
+      </p:sp>
+    </p:spTree>
+    <p:extLst>
+      <p:ext uri="{BB962C8B-B14F-4D97-AF65-F5344CB8AC3E}">
+        <p14:creationId xmlns:p14="http://schemas.microsoft.com/office/powerpoint/2010/main" val="2797443898"/>
+      </p:ext>
+    </p:extLst>
+  </p:cSld>
+  <p:clrMapOvr>
+    <a:masterClrMapping/>
+  </p:clrMapOvr>
+</p:sld>
+</file>
+
+<file path=ppt/slides/slide16.xml><?xml version="1.0" encoding="utf-8"?>
 <p:sld xmlns:a="http://schemas.openxmlformats.org/drawingml/2006/main" xmlns:r="http://schemas.openxmlformats.org/officeDocument/2006/relationships" xmlns:p="http://schemas.openxmlformats.org/presentationml/2006/main">
   <p:cSld>
     <p:spTree>
@@ -4713,7 +5332,7 @@
     </p:spTree>
     <p:extLst>
       <p:ext uri="{BB962C8B-B14F-4D97-AF65-F5344CB8AC3E}">
-        <p14:creationId xmlns:p14="http://schemas.microsoft.com/office/powerpoint/2010/main" val="277173246"/>
+        <p14:creationId xmlns:p14="http://schemas.microsoft.com/office/powerpoint/2010/main" val="3733469120"/>
       </p:ext>
     </p:extLst>
   </p:cSld>
@@ -7347,55 +7966,6 @@
       </p:sp>
       <p:sp>
         <p:nvSpPr>
-          <p:cNvPr id="35" name="Rectangle: Rounded Corners 34">
-            <a:extLst>
-              <a:ext uri="{FF2B5EF4-FFF2-40B4-BE49-F238E27FC236}">
-                <a16:creationId xmlns:a16="http://schemas.microsoft.com/office/drawing/2014/main" id="{4CDA5E24-2BBC-427D-B376-3ACF18F6F515}"/>
-              </a:ext>
-            </a:extLst>
-          </p:cNvPr>
-          <p:cNvSpPr/>
-          <p:nvPr/>
-        </p:nvSpPr>
-        <p:spPr>
-          <a:xfrm>
-            <a:off x="2159777" y="5808416"/>
-            <a:ext cx="1080652" cy="216165"/>
-          </a:xfrm>
-          <a:prstGeom prst="roundRect">
-            <a:avLst/>
-          </a:prstGeom>
-        </p:spPr>
-        <p:style>
-          <a:lnRef idx="2">
-            <a:schemeClr val="accent1">
-              <a:shade val="50000"/>
-            </a:schemeClr>
-          </a:lnRef>
-          <a:fillRef idx="1">
-            <a:schemeClr val="accent1"/>
-          </a:fillRef>
-          <a:effectRef idx="0">
-            <a:schemeClr val="accent1"/>
-          </a:effectRef>
-          <a:fontRef idx="minor">
-            <a:schemeClr val="lt1"/>
-          </a:fontRef>
-        </p:style>
-        <p:txBody>
-          <a:bodyPr rtlCol="0" anchor="ctr"/>
-          <a:lstStyle/>
-          <a:p>
-            <a:pPr algn="ctr"/>
-            <a:r>
-              <a:rPr lang="en-US" dirty="0"/>
-              <a:t>Section</a:t>
-            </a:r>
-          </a:p>
-        </p:txBody>
-      </p:sp>
-      <p:sp>
-        <p:nvSpPr>
           <p:cNvPr id="36" name="Rectangle: Rounded Corners 35">
             <a:extLst>
               <a:ext uri="{FF2B5EF4-FFF2-40B4-BE49-F238E27FC236}">
@@ -8127,23 +8697,24 @@
       </p:cxnSp>
       <p:cxnSp>
         <p:nvCxnSpPr>
-          <p:cNvPr id="54" name="Straight Connector 53">
-            <a:extLst>
-              <a:ext uri="{FF2B5EF4-FFF2-40B4-BE49-F238E27FC236}">
-                <a16:creationId xmlns:a16="http://schemas.microsoft.com/office/drawing/2014/main" id="{6EABAD42-23D3-4179-8DB6-47DBACD9F08F}"/>
+          <p:cNvPr id="58" name="Straight Connector 57">
+            <a:extLst>
+              <a:ext uri="{FF2B5EF4-FFF2-40B4-BE49-F238E27FC236}">
+                <a16:creationId xmlns:a16="http://schemas.microsoft.com/office/drawing/2014/main" id="{D4D3EAB3-B767-4371-BE01-06EA594A246F}"/>
               </a:ext>
             </a:extLst>
           </p:cNvPr>
           <p:cNvCxnSpPr>
-            <a:stCxn id="34" idx="2"/>
-            <a:endCxn id="35" idx="0"/>
+            <a:cxnSpLocks/>
+            <a:stCxn id="24" idx="0"/>
+            <a:endCxn id="25" idx="1"/>
           </p:cNvCxnSpPr>
           <p:nvPr/>
         </p:nvCxnSpPr>
         <p:spPr>
-          <a:xfrm flipH="1">
-            <a:off x="2700103" y="5504864"/>
-            <a:ext cx="219336" cy="303552"/>
+          <a:xfrm flipV="1">
+            <a:off x="6303821" y="2817425"/>
+            <a:ext cx="518969" cy="455114"/>
           </a:xfrm>
           <a:prstGeom prst="line">
             <a:avLst/>
@@ -8164,26 +8735,75 @@
           </a:fontRef>
         </p:style>
       </p:cxnSp>
+      <p:sp>
+        <p:nvSpPr>
+          <p:cNvPr id="55" name="Rectangle: Rounded Corners 54">
+            <a:extLst>
+              <a:ext uri="{FF2B5EF4-FFF2-40B4-BE49-F238E27FC236}">
+                <a16:creationId xmlns:a16="http://schemas.microsoft.com/office/drawing/2014/main" id="{984BAF30-8ECC-4E96-8E39-BFD51D7F69B5}"/>
+              </a:ext>
+            </a:extLst>
+          </p:cNvPr>
+          <p:cNvSpPr/>
+          <p:nvPr/>
+        </p:nvSpPr>
+        <p:spPr>
+          <a:xfrm>
+            <a:off x="5323345" y="5620746"/>
+            <a:ext cx="1116794" cy="487691"/>
+          </a:xfrm>
+          <a:prstGeom prst="roundRect">
+            <a:avLst/>
+          </a:prstGeom>
+        </p:spPr>
+        <p:style>
+          <a:lnRef idx="2">
+            <a:schemeClr val="accent1">
+              <a:shade val="50000"/>
+            </a:schemeClr>
+          </a:lnRef>
+          <a:fillRef idx="1">
+            <a:schemeClr val="accent1"/>
+          </a:fillRef>
+          <a:effectRef idx="0">
+            <a:schemeClr val="accent1"/>
+          </a:effectRef>
+          <a:fontRef idx="minor">
+            <a:schemeClr val="lt1"/>
+          </a:fontRef>
+        </p:style>
+        <p:txBody>
+          <a:bodyPr rtlCol="0" anchor="ctr"/>
+          <a:lstStyle/>
+          <a:p>
+            <a:pPr algn="ctr"/>
+            <a:r>
+              <a:rPr lang="en-US" dirty="0"/>
+              <a:t>Annual Pass</a:t>
+            </a:r>
+          </a:p>
+        </p:txBody>
+      </p:sp>
       <p:cxnSp>
         <p:nvCxnSpPr>
-          <p:cNvPr id="58" name="Straight Connector 57">
-            <a:extLst>
-              <a:ext uri="{FF2B5EF4-FFF2-40B4-BE49-F238E27FC236}">
-                <a16:creationId xmlns:a16="http://schemas.microsoft.com/office/drawing/2014/main" id="{D4D3EAB3-B767-4371-BE01-06EA594A246F}"/>
+          <p:cNvPr id="56" name="Straight Connector 55">
+            <a:extLst>
+              <a:ext uri="{FF2B5EF4-FFF2-40B4-BE49-F238E27FC236}">
+                <a16:creationId xmlns:a16="http://schemas.microsoft.com/office/drawing/2014/main" id="{6CD075C9-5CCF-465C-A7C7-1444718AF545}"/>
               </a:ext>
             </a:extLst>
           </p:cNvPr>
           <p:cNvCxnSpPr>
             <a:cxnSpLocks/>
-            <a:stCxn id="24" idx="0"/>
-            <a:endCxn id="25" idx="1"/>
+            <a:stCxn id="18" idx="4"/>
+            <a:endCxn id="55" idx="0"/>
           </p:cNvCxnSpPr>
           <p:nvPr/>
         </p:nvCxnSpPr>
         <p:spPr>
-          <a:xfrm flipV="1">
-            <a:off x="6303821" y="2817425"/>
-            <a:ext cx="518969" cy="455114"/>
+          <a:xfrm flipH="1">
+            <a:off x="5881742" y="4629171"/>
+            <a:ext cx="422079" cy="991575"/>
           </a:xfrm>
           <a:prstGeom prst="line">
             <a:avLst/>
@@ -8317,10 +8937,10 @@
       </p:grpSpPr>
       <p:sp>
         <p:nvSpPr>
-          <p:cNvPr id="4" name="Title 1">
-            <a:extLst>
-              <a:ext uri="{FF2B5EF4-FFF2-40B4-BE49-F238E27FC236}">
-                <a16:creationId xmlns:a16="http://schemas.microsoft.com/office/drawing/2014/main" id="{35E2284A-51F6-449C-832E-D85C77F5C63A}"/>
+          <p:cNvPr id="13" name="Title 1">
+            <a:extLst>
+              <a:ext uri="{FF2B5EF4-FFF2-40B4-BE49-F238E27FC236}">
+                <a16:creationId xmlns:a16="http://schemas.microsoft.com/office/drawing/2014/main" id="{1127F941-043E-4D99-BA77-D0CB0DAFE611}"/>
               </a:ext>
             </a:extLst>
           </p:cNvPr>
@@ -8368,30 +8988,22 @@
           </a:lstStyle>
           <a:p>
             <a:r>
-              <a:rPr lang="en-US" sz="4800" dirty="0">
+              <a:rPr lang="en-US" sz="5700" dirty="0">
                 <a:solidFill>
                   <a:schemeClr val="bg1"/>
                 </a:solidFill>
               </a:rPr>
-              <a:t>   </a:t>
-            </a:r>
-            <a:r>
-              <a:rPr lang="en-US" sz="5700" dirty="0">
-                <a:solidFill>
-                  <a:schemeClr val="bg1"/>
-                </a:solidFill>
-              </a:rPr>
-              <a:t>Document Processing</a:t>
+              <a:t>   Data Retrieval </a:t>
             </a:r>
           </a:p>
         </p:txBody>
       </p:sp>
       <p:pic>
         <p:nvPicPr>
-          <p:cNvPr id="3" name="Picture 2">
-            <a:extLst>
-              <a:ext uri="{FF2B5EF4-FFF2-40B4-BE49-F238E27FC236}">
-                <a16:creationId xmlns:a16="http://schemas.microsoft.com/office/drawing/2014/main" id="{834A208E-417F-49AC-9426-4F8C3F7C190D}"/>
+          <p:cNvPr id="20" name="Picture 19">
+            <a:extLst>
+              <a:ext uri="{FF2B5EF4-FFF2-40B4-BE49-F238E27FC236}">
+                <a16:creationId xmlns:a16="http://schemas.microsoft.com/office/drawing/2014/main" id="{B5D47350-D5C7-4323-951F-3AE1A43766EE}"/>
               </a:ext>
             </a:extLst>
           </p:cNvPr>
@@ -8418,50 +9030,249 @@
       </p:pic>
       <p:sp>
         <p:nvSpPr>
-          <p:cNvPr id="7" name="TextBox 6">
-            <a:extLst>
-              <a:ext uri="{FF2B5EF4-FFF2-40B4-BE49-F238E27FC236}">
-                <a16:creationId xmlns:a16="http://schemas.microsoft.com/office/drawing/2014/main" id="{13F8BE3A-7687-4AF4-9EFD-2C46F306DA40}"/>
-              </a:ext>
-            </a:extLst>
-          </p:cNvPr>
-          <p:cNvSpPr txBox="1"/>
-          <p:nvPr/>
-        </p:nvSpPr>
-        <p:spPr>
-          <a:xfrm>
-            <a:off x="751691" y="2259470"/>
-            <a:ext cx="1398694" cy="461665"/>
-          </a:xfrm>
-          <a:prstGeom prst="rect">
-            <a:avLst/>
-          </a:prstGeom>
-          <a:noFill/>
-        </p:spPr>
-        <p:txBody>
-          <a:bodyPr wrap="square" rtlCol="0">
-            <a:spAutoFit/>
+          <p:cNvPr id="5" name="Content Placeholder 4">
+            <a:extLst>
+              <a:ext uri="{FF2B5EF4-FFF2-40B4-BE49-F238E27FC236}">
+                <a16:creationId xmlns:a16="http://schemas.microsoft.com/office/drawing/2014/main" id="{12C1DA84-F830-9149-955E-A5C22C509A13}"/>
+              </a:ext>
+            </a:extLst>
+          </p:cNvPr>
+          <p:cNvSpPr>
+            <a:spLocks noGrp="1"/>
+          </p:cNvSpPr>
+          <p:nvPr>
+            <p:ph idx="1"/>
+          </p:nvPr>
+        </p:nvSpPr>
+        <p:spPr>
+          <a:xfrm>
+            <a:off x="0" y="1140694"/>
+            <a:ext cx="12100957" cy="5717305"/>
+          </a:xfrm>
+        </p:spPr>
+        <p:txBody>
+          <a:bodyPr>
+            <a:normAutofit/>
           </a:bodyPr>
           <a:lstStyle/>
           <a:p>
-            <a:r>
-              <a:rPr lang="en-US" sz="2400" dirty="0">
+            <a:pPr marL="0" indent="0">
+              <a:buNone/>
+            </a:pPr>
+            <a:r>
+              <a:rPr lang="en-US" sz="1800" dirty="0">
                 <a:solidFill>
                   <a:schemeClr val="accent5">
                     <a:lumMod val="75000"/>
                   </a:schemeClr>
                 </a:solidFill>
               </a:rPr>
-              <a:t>stuff</a:t>
-            </a:r>
-            <a:endParaRPr lang="en-US" sz="2400" dirty="0"/>
+              <a:t>Disney World</a:t>
+            </a:r>
+          </a:p>
+          <a:p>
+            <a:pPr marL="0" indent="0">
+              <a:buNone/>
+            </a:pPr>
+            <a:r>
+              <a:rPr lang="en-US" sz="1800" dirty="0">
+                <a:solidFill>
+                  <a:schemeClr val="accent5">
+                    <a:lumMod val="75000"/>
+                  </a:schemeClr>
+                </a:solidFill>
+              </a:rPr>
+              <a:t>	Walt Disney World Resort </a:t>
+            </a:r>
+          </a:p>
+          <a:p>
+            <a:pPr marL="0" indent="0">
+              <a:buNone/>
+            </a:pPr>
+            <a:r>
+              <a:rPr lang="en-US" sz="1800" dirty="0">
+                <a:solidFill>
+                  <a:schemeClr val="accent5">
+                    <a:lumMod val="75000"/>
+                  </a:schemeClr>
+                </a:solidFill>
+              </a:rPr>
+              <a:t>		</a:t>
+            </a:r>
+            <a:r>
+              <a:rPr lang="en-US" sz="1800" dirty="0"/>
+              <a:t>Disney Theme Parks and Water Parks, Star Wars: Galaxy’s Edge, Directions &amp; Parking, Transportation, Guests 		with Disabilities, Disney Resort Hotels, Dining Plans, Restaurants, Extra Magic Hours Benefit, Theme Park 			Hours, Maps, Play Disney Parks App, Hurricane Policy, Smoke-Free Policy, Disney Springs, Golf</a:t>
+            </a:r>
+            <a:endParaRPr lang="en-US" sz="1800" dirty="0">
+              <a:solidFill>
+                <a:schemeClr val="accent5">
+                  <a:lumMod val="75000"/>
+                </a:schemeClr>
+              </a:solidFill>
+            </a:endParaRPr>
+          </a:p>
+          <a:p>
+            <a:pPr marL="0" indent="0">
+              <a:buNone/>
+            </a:pPr>
+            <a:r>
+              <a:rPr lang="en-US" sz="1800" dirty="0">
+                <a:solidFill>
+                  <a:schemeClr val="accent5">
+                    <a:lumMod val="75000"/>
+                  </a:schemeClr>
+                </a:solidFill>
+              </a:rPr>
+              <a:t>	Vacation Planning </a:t>
+            </a:r>
+          </a:p>
+          <a:p>
+            <a:pPr marL="0" indent="0">
+              <a:buNone/>
+            </a:pPr>
+            <a:r>
+              <a:rPr lang="en-US" sz="1800" dirty="0">
+                <a:solidFill>
+                  <a:schemeClr val="accent5">
+                    <a:lumMod val="75000"/>
+                  </a:schemeClr>
+                </a:solidFill>
+              </a:rPr>
+              <a:t>		</a:t>
+            </a:r>
+            <a:r>
+              <a:rPr lang="en-US" sz="1800" dirty="0"/>
+              <a:t>Airport Transportation and Check In, Annual Passes, Dining Reservations, Hotel Reservations, International 			Travel, Rooms &amp; Packages, Tickets, Direct-to-Room &amp; Online Check-in Services, Reservation Window</a:t>
+            </a:r>
+            <a:endParaRPr lang="en-US" sz="1800" dirty="0">
+              <a:solidFill>
+                <a:schemeClr val="accent5">
+                  <a:lumMod val="75000"/>
+                </a:schemeClr>
+              </a:solidFill>
+            </a:endParaRPr>
+          </a:p>
+          <a:p>
+            <a:pPr marL="0" indent="0">
+              <a:buNone/>
+            </a:pPr>
+            <a:r>
+              <a:rPr lang="en-US" sz="1800" dirty="0">
+                <a:solidFill>
+                  <a:schemeClr val="accent5">
+                    <a:lumMod val="75000"/>
+                  </a:schemeClr>
+                </a:solidFill>
+              </a:rPr>
+              <a:t>	</a:t>
+            </a:r>
+            <a:r>
+              <a:rPr lang="en-US" sz="1800" dirty="0" err="1">
+                <a:solidFill>
+                  <a:schemeClr val="accent5">
+                    <a:lumMod val="75000"/>
+                  </a:schemeClr>
+                </a:solidFill>
+              </a:rPr>
+              <a:t>MyMagic</a:t>
+            </a:r>
+            <a:r>
+              <a:rPr lang="en-US" sz="1800" dirty="0">
+                <a:solidFill>
+                  <a:schemeClr val="accent5">
+                    <a:lumMod val="75000"/>
+                  </a:schemeClr>
+                </a:solidFill>
+              </a:rPr>
+              <a:t>+</a:t>
+            </a:r>
+          </a:p>
+          <a:p>
+            <a:pPr marL="0" indent="0">
+              <a:buNone/>
+            </a:pPr>
+            <a:r>
+              <a:rPr lang="en-US" sz="1800" dirty="0">
+                <a:solidFill>
+                  <a:schemeClr val="accent5">
+                    <a:lumMod val="75000"/>
+                  </a:schemeClr>
+                </a:solidFill>
+              </a:rPr>
+              <a:t>		</a:t>
+            </a:r>
+            <a:r>
+              <a:rPr lang="en-US" sz="1800" dirty="0" err="1"/>
+              <a:t>FastPass</a:t>
+            </a:r>
+            <a:r>
+              <a:rPr lang="en-US" sz="1800" dirty="0"/>
+              <a:t>+, Family &amp; Friends in My Disney Experience, </a:t>
+            </a:r>
+            <a:r>
+              <a:rPr lang="en-US" sz="1800" dirty="0" err="1"/>
+              <a:t>MagicBands</a:t>
+            </a:r>
+            <a:r>
+              <a:rPr lang="en-US" sz="1800" dirty="0"/>
+              <a:t> &amp; Cards, </a:t>
+            </a:r>
+            <a:r>
+              <a:rPr lang="en-US" sz="1800" dirty="0" err="1"/>
+              <a:t>PhotoPass</a:t>
+            </a:r>
+            <a:r>
+              <a:rPr lang="en-US" sz="1800" dirty="0"/>
+              <a:t>, My Disney 				Experience, Technology &amp; Privacy </a:t>
+            </a:r>
+            <a:endParaRPr lang="en-US" sz="1800" dirty="0">
+              <a:solidFill>
+                <a:schemeClr val="accent5">
+                  <a:lumMod val="75000"/>
+                </a:schemeClr>
+              </a:solidFill>
+            </a:endParaRPr>
+          </a:p>
+          <a:p>
+            <a:pPr marL="0" indent="0">
+              <a:buNone/>
+            </a:pPr>
+            <a:r>
+              <a:rPr lang="en-US" sz="1800" dirty="0">
+                <a:solidFill>
+                  <a:schemeClr val="accent5">
+                    <a:lumMod val="75000"/>
+                  </a:schemeClr>
+                </a:solidFill>
+              </a:rPr>
+              <a:t>	Website Support</a:t>
+            </a:r>
+          </a:p>
+          <a:p>
+            <a:pPr marL="0" indent="0">
+              <a:buNone/>
+            </a:pPr>
+            <a:r>
+              <a:rPr lang="en-US" sz="1800" dirty="0">
+                <a:solidFill>
+                  <a:schemeClr val="accent5">
+                    <a:lumMod val="75000"/>
+                  </a:schemeClr>
+                </a:solidFill>
+              </a:rPr>
+              <a:t>		</a:t>
+            </a:r>
+            <a:r>
+              <a:rPr lang="en-US" sz="1800" dirty="0"/>
+              <a:t>Signing In, Technical Help</a:t>
+            </a:r>
           </a:p>
         </p:txBody>
       </p:sp>
     </p:spTree>
     <p:extLst>
       <p:ext uri="{BB962C8B-B14F-4D97-AF65-F5344CB8AC3E}">
-        <p14:creationId xmlns:p14="http://schemas.microsoft.com/office/powerpoint/2010/main" val="334648452"/>
+        <p14:creationId xmlns:p14="http://schemas.microsoft.com/office/powerpoint/2010/main" val="3520911313"/>
       </p:ext>
     </p:extLst>
   </p:cSld>
@@ -8490,10 +9301,10 @@
       </p:grpSpPr>
       <p:sp>
         <p:nvSpPr>
-          <p:cNvPr id="4" name="Title 1">
-            <a:extLst>
-              <a:ext uri="{FF2B5EF4-FFF2-40B4-BE49-F238E27FC236}">
-                <a16:creationId xmlns:a16="http://schemas.microsoft.com/office/drawing/2014/main" id="{35E2284A-51F6-449C-832E-D85C77F5C63A}"/>
+          <p:cNvPr id="13" name="Title 1">
+            <a:extLst>
+              <a:ext uri="{FF2B5EF4-FFF2-40B4-BE49-F238E27FC236}">
+                <a16:creationId xmlns:a16="http://schemas.microsoft.com/office/drawing/2014/main" id="{1127F941-043E-4D99-BA77-D0CB0DAFE611}"/>
               </a:ext>
             </a:extLst>
           </p:cNvPr>
@@ -8541,30 +9352,22 @@
           </a:lstStyle>
           <a:p>
             <a:r>
-              <a:rPr lang="en-US" sz="4800" dirty="0">
+              <a:rPr lang="en-US" sz="5700" dirty="0">
                 <a:solidFill>
                   <a:schemeClr val="bg1"/>
                 </a:solidFill>
               </a:rPr>
-              <a:t>   </a:t>
-            </a:r>
-            <a:r>
-              <a:rPr lang="en-US" sz="5700" dirty="0">
-                <a:solidFill>
-                  <a:schemeClr val="bg1"/>
-                </a:solidFill>
-              </a:rPr>
-              <a:t>Document Processing</a:t>
+              <a:t>   Data Retrieval </a:t>
             </a:r>
           </a:p>
         </p:txBody>
       </p:sp>
       <p:pic>
         <p:nvPicPr>
-          <p:cNvPr id="3" name="Picture 2">
-            <a:extLst>
-              <a:ext uri="{FF2B5EF4-FFF2-40B4-BE49-F238E27FC236}">
-                <a16:creationId xmlns:a16="http://schemas.microsoft.com/office/drawing/2014/main" id="{834A208E-417F-49AC-9426-4F8C3F7C190D}"/>
+          <p:cNvPr id="20" name="Picture 19">
+            <a:extLst>
+              <a:ext uri="{FF2B5EF4-FFF2-40B4-BE49-F238E27FC236}">
+                <a16:creationId xmlns:a16="http://schemas.microsoft.com/office/drawing/2014/main" id="{B5D47350-D5C7-4323-951F-3AE1A43766EE}"/>
               </a:ext>
             </a:extLst>
           </p:cNvPr>
@@ -8591,50 +9394,334 @@
       </p:pic>
       <p:sp>
         <p:nvSpPr>
-          <p:cNvPr id="7" name="TextBox 6">
-            <a:extLst>
-              <a:ext uri="{FF2B5EF4-FFF2-40B4-BE49-F238E27FC236}">
-                <a16:creationId xmlns:a16="http://schemas.microsoft.com/office/drawing/2014/main" id="{13F8BE3A-7687-4AF4-9EFD-2C46F306DA40}"/>
-              </a:ext>
-            </a:extLst>
-          </p:cNvPr>
-          <p:cNvSpPr txBox="1"/>
-          <p:nvPr/>
-        </p:nvSpPr>
-        <p:spPr>
-          <a:xfrm>
-            <a:off x="751691" y="2259470"/>
-            <a:ext cx="1398694" cy="461665"/>
-          </a:xfrm>
-          <a:prstGeom prst="rect">
-            <a:avLst/>
-          </a:prstGeom>
-          <a:noFill/>
-        </p:spPr>
-        <p:txBody>
-          <a:bodyPr wrap="square" rtlCol="0">
-            <a:spAutoFit/>
+          <p:cNvPr id="5" name="Content Placeholder 4">
+            <a:extLst>
+              <a:ext uri="{FF2B5EF4-FFF2-40B4-BE49-F238E27FC236}">
+                <a16:creationId xmlns:a16="http://schemas.microsoft.com/office/drawing/2014/main" id="{12C1DA84-F830-9149-955E-A5C22C509A13}"/>
+              </a:ext>
+            </a:extLst>
+          </p:cNvPr>
+          <p:cNvSpPr>
+            <a:spLocks noGrp="1"/>
+          </p:cNvSpPr>
+          <p:nvPr>
+            <p:ph idx="1"/>
+          </p:nvPr>
+        </p:nvSpPr>
+        <p:spPr>
+          <a:xfrm>
+            <a:off x="0" y="1140694"/>
+            <a:ext cx="12100957" cy="5717305"/>
+          </a:xfrm>
+        </p:spPr>
+        <p:txBody>
+          <a:bodyPr>
+            <a:normAutofit fontScale="92500" lnSpcReduction="10000"/>
           </a:bodyPr>
           <a:lstStyle/>
           <a:p>
-            <a:r>
-              <a:rPr lang="en-US" sz="2400" dirty="0">
+            <a:pPr marL="0" indent="0">
+              <a:buNone/>
+            </a:pPr>
+            <a:r>
+              <a:rPr lang="en-US" sz="1800" dirty="0">
                 <a:solidFill>
                   <a:schemeClr val="accent5">
                     <a:lumMod val="75000"/>
                   </a:schemeClr>
                 </a:solidFill>
               </a:rPr>
-              <a:t>stuff</a:t>
-            </a:r>
-            <a:endParaRPr lang="en-US" sz="2400" dirty="0"/>
+              <a:t>Disneyland</a:t>
+            </a:r>
+          </a:p>
+          <a:p>
+            <a:pPr marL="0" indent="0">
+              <a:buNone/>
+            </a:pPr>
+            <a:r>
+              <a:rPr lang="en-US" sz="1800" dirty="0">
+                <a:solidFill>
+                  <a:schemeClr val="accent5">
+                    <a:lumMod val="75000"/>
+                  </a:schemeClr>
+                </a:solidFill>
+              </a:rPr>
+              <a:t>	Disneyland Resort</a:t>
+            </a:r>
+          </a:p>
+          <a:p>
+            <a:pPr marL="0" indent="0">
+              <a:buNone/>
+            </a:pPr>
+            <a:r>
+              <a:rPr lang="en-US" sz="1800" dirty="0">
+                <a:solidFill>
+                  <a:schemeClr val="accent5">
+                    <a:lumMod val="75000"/>
+                  </a:schemeClr>
+                </a:solidFill>
+              </a:rPr>
+              <a:t>		</a:t>
+            </a:r>
+            <a:r>
+              <a:rPr lang="en-US" sz="1800" dirty="0"/>
+              <a:t>Theme Parks, Star Wars: Galaxy’s Edge, Directions &amp; Parking, Dining, Guests with Disabilities, Hotels, 			Downtown Disney District, Disney </a:t>
+            </a:r>
+            <a:r>
+              <a:rPr lang="en-US" sz="1800" dirty="0" err="1"/>
+              <a:t>PhotoPass</a:t>
+            </a:r>
+            <a:r>
+              <a:rPr lang="en-US" sz="1800" dirty="0"/>
+              <a:t>, World of Color, Disney </a:t>
+            </a:r>
+            <a:r>
+              <a:rPr lang="en-US" sz="1800" dirty="0" err="1"/>
+              <a:t>MaxPass</a:t>
+            </a:r>
+            <a:endParaRPr lang="en-US" sz="1800" dirty="0"/>
+          </a:p>
+          <a:p>
+            <a:pPr marL="0" indent="0">
+              <a:buNone/>
+            </a:pPr>
+            <a:r>
+              <a:rPr lang="en-US" sz="1800" dirty="0"/>
+              <a:t> </a:t>
+            </a:r>
+            <a:r>
+              <a:rPr lang="en-US" sz="1800" dirty="0">
+                <a:solidFill>
+                  <a:schemeClr val="accent5">
+                    <a:lumMod val="75000"/>
+                  </a:schemeClr>
+                </a:solidFill>
+              </a:rPr>
+              <a:t>	Vacation Planning </a:t>
+            </a:r>
+          </a:p>
+          <a:p>
+            <a:pPr marL="0" indent="0">
+              <a:buNone/>
+            </a:pPr>
+            <a:r>
+              <a:rPr lang="en-US" sz="1800" dirty="0">
+                <a:solidFill>
+                  <a:schemeClr val="accent5">
+                    <a:lumMod val="75000"/>
+                  </a:schemeClr>
+                </a:solidFill>
+              </a:rPr>
+              <a:t>		</a:t>
+            </a:r>
+            <a:r>
+              <a:rPr lang="en-US" sz="1800" dirty="0"/>
+              <a:t>Annual Passes, Hotel Reservations, Help with Tickets, Rooms &amp; Packages, Family &amp; Friends</a:t>
+            </a:r>
+            <a:endParaRPr lang="en-US" sz="1800" dirty="0">
+              <a:solidFill>
+                <a:schemeClr val="accent5">
+                  <a:lumMod val="75000"/>
+                </a:schemeClr>
+              </a:solidFill>
+            </a:endParaRPr>
+          </a:p>
+          <a:p>
+            <a:pPr marL="0" indent="0">
+              <a:buNone/>
+            </a:pPr>
+            <a:r>
+              <a:rPr lang="en-US" sz="1800" dirty="0">
+                <a:solidFill>
+                  <a:schemeClr val="accent5">
+                    <a:lumMod val="75000"/>
+                  </a:schemeClr>
+                </a:solidFill>
+              </a:rPr>
+              <a:t>	Technical Support</a:t>
+            </a:r>
+          </a:p>
+          <a:p>
+            <a:pPr marL="0" indent="0">
+              <a:buNone/>
+            </a:pPr>
+            <a:r>
+              <a:rPr lang="en-US" sz="1800" dirty="0">
+                <a:solidFill>
+                  <a:schemeClr val="accent5">
+                    <a:lumMod val="75000"/>
+                  </a:schemeClr>
+                </a:solidFill>
+              </a:rPr>
+              <a:t>		</a:t>
+            </a:r>
+            <a:r>
+              <a:rPr lang="en-US" sz="1800" dirty="0"/>
+              <a:t>Mobile Devices and Apps, Booking Online, Bluetooth Technology, Online Registration, Technical Help</a:t>
+            </a:r>
+          </a:p>
+          <a:p>
+            <a:pPr marL="0" indent="0">
+              <a:buNone/>
+            </a:pPr>
+            <a:r>
+              <a:rPr lang="en-US" sz="1800" dirty="0">
+                <a:solidFill>
+                  <a:srgbClr val="0070C0"/>
+                </a:solidFill>
+              </a:rPr>
+              <a:t>Example:</a:t>
+            </a:r>
+          </a:p>
+          <a:p>
+            <a:pPr marL="0" indent="0">
+              <a:buNone/>
+            </a:pPr>
+            <a:r>
+              <a:rPr lang="en-US" sz="1800" dirty="0">
+                <a:solidFill>
+                  <a:srgbClr val="0070C0"/>
+                </a:solidFill>
+              </a:rPr>
+              <a:t>	</a:t>
+            </a:r>
+            <a:r>
+              <a:rPr lang="en-US" sz="1800" dirty="0"/>
+              <a:t>Q: Where can I smoke at Disney Resort hotels?</a:t>
+            </a:r>
+          </a:p>
+          <a:p>
+            <a:pPr marL="0" indent="0">
+              <a:buNone/>
+            </a:pPr>
+            <a:r>
+              <a:rPr lang="en-US" sz="1800" dirty="0">
+                <a:solidFill>
+                  <a:srgbClr val="0070C0"/>
+                </a:solidFill>
+              </a:rPr>
+              <a:t>	</a:t>
+            </a:r>
+            <a:r>
+              <a:rPr lang="en-US" sz="1800" dirty="0"/>
+              <a:t>A: All Disney Resort hotels,  at Walt Disney World Resort are smoke-free environments. Smoking is not permitted in hotel 	rooms, on patios or on balconies. The smoking of tobacco, e-cigarettes or other products that produce a vapor or smoke is 	allowed only in designated </a:t>
+            </a:r>
+            <a:r>
+              <a:rPr lang="en-US" sz="1800" err="1"/>
+              <a:t>areas</a:t>
+            </a:r>
+            <a:r>
+              <a:rPr lang="en-US" sz="1800"/>
+              <a:t>. Smoking </a:t>
+            </a:r>
+            <a:r>
+              <a:rPr lang="en-US" sz="1800" dirty="0"/>
+              <a:t>is allowed in the designated outdoor smoking locations of each Disney Resort 	hotel. Guests can request location information upon check-</a:t>
+            </a:r>
+            <a:r>
+              <a:rPr lang="en-US" sz="1800" dirty="0" err="1"/>
+              <a:t>in.If</a:t>
+            </a:r>
+            <a:r>
+              <a:rPr lang="en-US" sz="1800" dirty="0"/>
+              <a:t> you have questions about our smoking policy or wish to 	locate the nearest designated smoking area, please visit our Designated Smoking Areas page,  or ask a Disney Cast 	Member. 	Marijuana, Smoking marijuana is not permitted at any time in Disney Resort hotels, even in designated smoking areas.</a:t>
+            </a:r>
+            <a:endParaRPr lang="en-US" sz="1800" dirty="0">
+              <a:solidFill>
+                <a:srgbClr val="0070C0"/>
+              </a:solidFill>
+            </a:endParaRPr>
+          </a:p>
+          <a:p>
+            <a:pPr marL="0" indent="0">
+              <a:buNone/>
+            </a:pPr>
+            <a:r>
+              <a:rPr lang="en-US" sz="1800" dirty="0">
+                <a:solidFill>
+                  <a:schemeClr val="accent5">
+                    <a:lumMod val="75000"/>
+                  </a:schemeClr>
+                </a:solidFill>
+              </a:rPr>
+              <a:t>994 questions </a:t>
+            </a:r>
+          </a:p>
+          <a:p>
+            <a:pPr marL="0" indent="0">
+              <a:buNone/>
+            </a:pPr>
+            <a:r>
+              <a:rPr lang="en-US" sz="1800" dirty="0">
+                <a:solidFill>
+                  <a:schemeClr val="accent5">
+                    <a:lumMod val="75000"/>
+                  </a:schemeClr>
+                </a:solidFill>
+              </a:rPr>
+              <a:t>selenium </a:t>
+            </a:r>
+            <a:r>
+              <a:rPr lang="en-US" sz="1800" dirty="0" err="1">
+                <a:solidFill>
+                  <a:schemeClr val="accent5">
+                    <a:lumMod val="75000"/>
+                  </a:schemeClr>
+                </a:solidFill>
+              </a:rPr>
+              <a:t>webdriver</a:t>
+            </a:r>
+            <a:r>
+              <a:rPr lang="en-US" sz="1800" dirty="0">
+                <a:solidFill>
+                  <a:schemeClr val="accent5">
+                    <a:lumMod val="75000"/>
+                  </a:schemeClr>
+                </a:solidFill>
+              </a:rPr>
+              <a:t> </a:t>
+            </a:r>
+          </a:p>
+          <a:p>
+            <a:pPr marL="0" indent="0">
+              <a:buNone/>
+            </a:pPr>
+            <a:r>
+              <a:rPr lang="en-US" sz="1800" dirty="0" err="1">
+                <a:solidFill>
+                  <a:schemeClr val="accent5">
+                    <a:lumMod val="75000"/>
+                  </a:schemeClr>
+                </a:solidFill>
+              </a:rPr>
+              <a:t>BeautifulSoup</a:t>
+            </a:r>
+            <a:endParaRPr lang="en-US" sz="1800" dirty="0">
+              <a:solidFill>
+                <a:schemeClr val="accent5">
+                  <a:lumMod val="75000"/>
+                </a:schemeClr>
+              </a:solidFill>
+            </a:endParaRPr>
+          </a:p>
+          <a:p>
+            <a:pPr marL="0" indent="0">
+              <a:buNone/>
+            </a:pPr>
+            <a:endParaRPr lang="en-US" sz="1800" dirty="0">
+              <a:solidFill>
+                <a:schemeClr val="accent5">
+                  <a:lumMod val="75000"/>
+                </a:schemeClr>
+              </a:solidFill>
+            </a:endParaRPr>
           </a:p>
         </p:txBody>
       </p:sp>
     </p:spTree>
     <p:extLst>
       <p:ext uri="{BB962C8B-B14F-4D97-AF65-F5344CB8AC3E}">
-        <p14:creationId xmlns:p14="http://schemas.microsoft.com/office/powerpoint/2010/main" val="664511634"/>
+        <p14:creationId xmlns:p14="http://schemas.microsoft.com/office/powerpoint/2010/main" val="380727144"/>
       </p:ext>
     </p:extLst>
   </p:cSld>
@@ -8663,10 +9750,10 @@
       </p:grpSpPr>
       <p:sp>
         <p:nvSpPr>
-          <p:cNvPr id="4" name="Title 1">
-            <a:extLst>
-              <a:ext uri="{FF2B5EF4-FFF2-40B4-BE49-F238E27FC236}">
-                <a16:creationId xmlns:a16="http://schemas.microsoft.com/office/drawing/2014/main" id="{35E2284A-51F6-449C-832E-D85C77F5C63A}"/>
+          <p:cNvPr id="13" name="Title 1">
+            <a:extLst>
+              <a:ext uri="{FF2B5EF4-FFF2-40B4-BE49-F238E27FC236}">
+                <a16:creationId xmlns:a16="http://schemas.microsoft.com/office/drawing/2014/main" id="{1127F941-043E-4D99-BA77-D0CB0DAFE611}"/>
               </a:ext>
             </a:extLst>
           </p:cNvPr>
@@ -8714,30 +9801,22 @@
           </a:lstStyle>
           <a:p>
             <a:r>
-              <a:rPr lang="en-US" sz="4800" dirty="0">
+              <a:rPr lang="en-US" sz="5700" dirty="0">
                 <a:solidFill>
                   <a:schemeClr val="bg1"/>
                 </a:solidFill>
               </a:rPr>
-              <a:t>   </a:t>
-            </a:r>
-            <a:r>
-              <a:rPr lang="en-US" sz="5700" dirty="0">
-                <a:solidFill>
-                  <a:schemeClr val="bg1"/>
-                </a:solidFill>
-              </a:rPr>
-              <a:t>Answer Processing</a:t>
+              <a:t>   Document Processing </a:t>
             </a:r>
           </a:p>
         </p:txBody>
       </p:sp>
       <p:pic>
         <p:nvPicPr>
-          <p:cNvPr id="3" name="Picture 2">
-            <a:extLst>
-              <a:ext uri="{FF2B5EF4-FFF2-40B4-BE49-F238E27FC236}">
-                <a16:creationId xmlns:a16="http://schemas.microsoft.com/office/drawing/2014/main" id="{834A208E-417F-49AC-9426-4F8C3F7C190D}"/>
+          <p:cNvPr id="20" name="Picture 19">
+            <a:extLst>
+              <a:ext uri="{FF2B5EF4-FFF2-40B4-BE49-F238E27FC236}">
+                <a16:creationId xmlns:a16="http://schemas.microsoft.com/office/drawing/2014/main" id="{B5D47350-D5C7-4323-951F-3AE1A43766EE}"/>
               </a:ext>
             </a:extLst>
           </p:cNvPr>
@@ -8764,191 +9843,209 @@
       </p:pic>
       <p:sp>
         <p:nvSpPr>
-          <p:cNvPr id="16" name="TextBox 15">
-            <a:extLst>
-              <a:ext uri="{FF2B5EF4-FFF2-40B4-BE49-F238E27FC236}">
-                <a16:creationId xmlns:a16="http://schemas.microsoft.com/office/drawing/2014/main" id="{E08E3460-E591-4E84-8DBE-28497644C291}"/>
-              </a:ext>
-            </a:extLst>
-          </p:cNvPr>
-          <p:cNvSpPr txBox="1"/>
-          <p:nvPr/>
-        </p:nvSpPr>
-        <p:spPr>
-          <a:xfrm>
-            <a:off x="503805" y="2059593"/>
-            <a:ext cx="4361157" cy="584775"/>
-          </a:xfrm>
-          <a:prstGeom prst="rect">
-            <a:avLst/>
-          </a:prstGeom>
-          <a:noFill/>
-        </p:spPr>
-        <p:txBody>
-          <a:bodyPr wrap="square" rtlCol="0">
-            <a:spAutoFit/>
+          <p:cNvPr id="5" name="Content Placeholder 4">
+            <a:extLst>
+              <a:ext uri="{FF2B5EF4-FFF2-40B4-BE49-F238E27FC236}">
+                <a16:creationId xmlns:a16="http://schemas.microsoft.com/office/drawing/2014/main" id="{12C1DA84-F830-9149-955E-A5C22C509A13}"/>
+              </a:ext>
+            </a:extLst>
+          </p:cNvPr>
+          <p:cNvSpPr>
+            <a:spLocks noGrp="1"/>
+          </p:cNvSpPr>
+          <p:nvPr>
+            <p:ph idx="1"/>
+          </p:nvPr>
+        </p:nvSpPr>
+        <p:spPr>
+          <a:xfrm>
+            <a:off x="0" y="1140694"/>
+            <a:ext cx="12100957" cy="5717305"/>
+          </a:xfrm>
+        </p:spPr>
+        <p:txBody>
+          <a:bodyPr>
+            <a:normAutofit/>
           </a:bodyPr>
           <a:lstStyle/>
           <a:p>
-            <a:r>
-              <a:rPr lang="en-US" sz="1600" dirty="0">
-                <a:latin typeface="Arial Nova" panose="020B0504020202020204" pitchFamily="34" charset="0"/>
-              </a:rPr>
-              <a:t>Our documents are question and answer sets, so get features for both</a:t>
-            </a:r>
-          </a:p>
-        </p:txBody>
-      </p:sp>
-      <p:sp>
-        <p:nvSpPr>
-          <p:cNvPr id="18" name="TextBox 17">
-            <a:extLst>
-              <a:ext uri="{FF2B5EF4-FFF2-40B4-BE49-F238E27FC236}">
-                <a16:creationId xmlns:a16="http://schemas.microsoft.com/office/drawing/2014/main" id="{A72B569E-B904-4169-BFF6-D2179536755D}"/>
-              </a:ext>
-            </a:extLst>
-          </p:cNvPr>
-          <p:cNvSpPr txBox="1"/>
-          <p:nvPr/>
-        </p:nvSpPr>
-        <p:spPr>
-          <a:xfrm>
-            <a:off x="500771" y="3543208"/>
-            <a:ext cx="4006535" cy="338554"/>
-          </a:xfrm>
-          <a:prstGeom prst="rect">
-            <a:avLst/>
-          </a:prstGeom>
-          <a:noFill/>
-        </p:spPr>
-        <p:txBody>
-          <a:bodyPr wrap="square" rtlCol="0">
-            <a:spAutoFit/>
-          </a:bodyPr>
-          <a:lstStyle/>
-          <a:p>
-            <a:r>
-              <a:rPr lang="en-US" sz="1600" dirty="0">
-                <a:latin typeface="Arial Nova" panose="020B0504020202020204" pitchFamily="34" charset="0"/>
-              </a:rPr>
-              <a:t>Matching question keywords/head words</a:t>
-            </a:r>
-          </a:p>
-        </p:txBody>
-      </p:sp>
-      <p:pic>
-        <p:nvPicPr>
-          <p:cNvPr id="5" name="Picture 4">
-            <a:extLst>
-              <a:ext uri="{FF2B5EF4-FFF2-40B4-BE49-F238E27FC236}">
-                <a16:creationId xmlns:a16="http://schemas.microsoft.com/office/drawing/2014/main" id="{D32F34A7-C629-4CCC-928B-6E0AD3816749}"/>
-              </a:ext>
-            </a:extLst>
-          </p:cNvPr>
-          <p:cNvPicPr>
-            <a:picLocks noChangeAspect="1"/>
-          </p:cNvPicPr>
-          <p:nvPr/>
-        </p:nvPicPr>
-        <p:blipFill>
-          <a:blip r:embed="rId3"/>
-          <a:stretch>
-            <a:fillRect/>
-          </a:stretch>
-        </p:blipFill>
-        <p:spPr>
-          <a:xfrm>
-            <a:off x="5574694" y="2644368"/>
-            <a:ext cx="6248400" cy="2686050"/>
-          </a:xfrm>
-          <a:prstGeom prst="rect">
-            <a:avLst/>
-          </a:prstGeom>
-        </p:spPr>
-      </p:pic>
-      <p:sp>
-        <p:nvSpPr>
-          <p:cNvPr id="28" name="TextBox 27">
-            <a:extLst>
-              <a:ext uri="{FF2B5EF4-FFF2-40B4-BE49-F238E27FC236}">
-                <a16:creationId xmlns:a16="http://schemas.microsoft.com/office/drawing/2014/main" id="{070C10FC-7307-4B77-A429-25C6AEA1D18C}"/>
-              </a:ext>
-            </a:extLst>
-          </p:cNvPr>
-          <p:cNvSpPr txBox="1"/>
-          <p:nvPr/>
-        </p:nvSpPr>
-        <p:spPr>
-          <a:xfrm>
-            <a:off x="503807" y="1537343"/>
-            <a:ext cx="3767043" cy="461665"/>
-          </a:xfrm>
-          <a:prstGeom prst="rect">
-            <a:avLst/>
-          </a:prstGeom>
-          <a:noFill/>
-        </p:spPr>
-        <p:txBody>
-          <a:bodyPr wrap="square" rtlCol="0">
-            <a:spAutoFit/>
-          </a:bodyPr>
-          <a:lstStyle/>
-          <a:p>
-            <a:r>
-              <a:rPr lang="en-US" sz="2400" dirty="0">
+            <a:pPr marL="0" indent="0">
+              <a:buNone/>
+            </a:pPr>
+            <a:r>
+              <a:rPr lang="en-US" sz="1800" dirty="0">
                 <a:solidFill>
                   <a:schemeClr val="accent5">
                     <a:lumMod val="75000"/>
                   </a:schemeClr>
                 </a:solidFill>
               </a:rPr>
-              <a:t>Answer Features</a:t>
-            </a:r>
-            <a:endParaRPr lang="en-US" sz="2400" dirty="0"/>
-          </a:p>
-        </p:txBody>
-      </p:sp>
-      <p:sp>
-        <p:nvSpPr>
-          <p:cNvPr id="29" name="TextBox 28">
-            <a:extLst>
-              <a:ext uri="{FF2B5EF4-FFF2-40B4-BE49-F238E27FC236}">
-                <a16:creationId xmlns:a16="http://schemas.microsoft.com/office/drawing/2014/main" id="{05520639-5E08-4170-BD25-60A9BBCD6761}"/>
-              </a:ext>
-            </a:extLst>
-          </p:cNvPr>
-          <p:cNvSpPr txBox="1"/>
-          <p:nvPr/>
-        </p:nvSpPr>
-        <p:spPr>
-          <a:xfrm>
-            <a:off x="507376" y="2976239"/>
-            <a:ext cx="2932542" cy="338554"/>
-          </a:xfrm>
-          <a:prstGeom prst="rect">
-            <a:avLst/>
-          </a:prstGeom>
-          <a:noFill/>
-        </p:spPr>
-        <p:txBody>
-          <a:bodyPr wrap="square" rtlCol="0">
-            <a:spAutoFit/>
-          </a:bodyPr>
-          <a:lstStyle/>
-          <a:p>
-            <a:r>
-              <a:rPr lang="en-US" sz="1600" dirty="0">
-                <a:latin typeface="Arial Nova" panose="020B0504020202020204" pitchFamily="34" charset="0"/>
-              </a:rPr>
-              <a:t>Matching answer type</a:t>
-            </a:r>
+              <a:t>Document Retrieval </a:t>
+            </a:r>
+          </a:p>
+          <a:p>
+            <a:pPr marL="0" indent="0">
+              <a:buNone/>
+            </a:pPr>
+            <a:r>
+              <a:rPr lang="en-US" sz="1800" dirty="0">
+                <a:solidFill>
+                  <a:schemeClr val="accent5">
+                    <a:lumMod val="75000"/>
+                  </a:schemeClr>
+                </a:solidFill>
+              </a:rPr>
+              <a:t>	</a:t>
+            </a:r>
+            <a:r>
+              <a:rPr lang="en-US" sz="1800" dirty="0"/>
+              <a:t>From Disney </a:t>
+            </a:r>
+            <a:r>
+              <a:rPr lang="en-US" sz="1800" dirty="0" err="1"/>
+              <a:t>q&amp;a</a:t>
+            </a:r>
+            <a:r>
+              <a:rPr lang="en-US" sz="1800" dirty="0"/>
+              <a:t> dataset, N most relevant documents</a:t>
+            </a:r>
+            <a:endParaRPr lang="en-US" sz="1800" dirty="0">
+              <a:solidFill>
+                <a:schemeClr val="accent5">
+                  <a:lumMod val="75000"/>
+                </a:schemeClr>
+              </a:solidFill>
+            </a:endParaRPr>
+          </a:p>
+          <a:p>
+            <a:pPr marL="0" indent="0">
+              <a:buNone/>
+            </a:pPr>
+            <a:r>
+              <a:rPr lang="en-US" sz="1800" dirty="0">
+                <a:solidFill>
+                  <a:schemeClr val="accent5">
+                    <a:lumMod val="75000"/>
+                  </a:schemeClr>
+                </a:solidFill>
+              </a:rPr>
+              <a:t>Document Segmentation</a:t>
+            </a:r>
+          </a:p>
+          <a:p>
+            <a:pPr marL="0" indent="0">
+              <a:buNone/>
+            </a:pPr>
+            <a:r>
+              <a:rPr lang="en-US" sz="1800" dirty="0">
+                <a:solidFill>
+                  <a:schemeClr val="accent5">
+                    <a:lumMod val="75000"/>
+                  </a:schemeClr>
+                </a:solidFill>
+              </a:rPr>
+              <a:t>	</a:t>
+            </a:r>
+            <a:r>
+              <a:rPr lang="en-US" sz="1800" dirty="0"/>
+              <a:t>Split into passages</a:t>
+            </a:r>
+            <a:endParaRPr lang="en-US" sz="1800" dirty="0">
+              <a:solidFill>
+                <a:schemeClr val="accent5">
+                  <a:lumMod val="75000"/>
+                </a:schemeClr>
+              </a:solidFill>
+            </a:endParaRPr>
+          </a:p>
+          <a:p>
+            <a:pPr marL="0" indent="0">
+              <a:buNone/>
+            </a:pPr>
+            <a:r>
+              <a:rPr lang="en-US" sz="1800" dirty="0">
+                <a:solidFill>
+                  <a:schemeClr val="accent5">
+                    <a:lumMod val="75000"/>
+                  </a:schemeClr>
+                </a:solidFill>
+              </a:rPr>
+              <a:t>Passage Retrieval </a:t>
+            </a:r>
+          </a:p>
+          <a:p>
+            <a:pPr marL="0" indent="0">
+              <a:buNone/>
+            </a:pPr>
+            <a:r>
+              <a:rPr lang="en-US" sz="1800" dirty="0">
+                <a:solidFill>
+                  <a:schemeClr val="accent5">
+                    <a:lumMod val="75000"/>
+                  </a:schemeClr>
+                </a:solidFill>
+              </a:rPr>
+              <a:t>	</a:t>
+            </a:r>
+            <a:r>
+              <a:rPr lang="en-US" sz="1800" dirty="0"/>
+              <a:t>Each passage from document segmentation </a:t>
+            </a:r>
+            <a:endParaRPr lang="en-US" sz="1800" dirty="0">
+              <a:solidFill>
+                <a:schemeClr val="accent5">
+                  <a:lumMod val="75000"/>
+                </a:schemeClr>
+              </a:solidFill>
+            </a:endParaRPr>
+          </a:p>
+          <a:p>
+            <a:pPr marL="0" indent="0">
+              <a:buNone/>
+            </a:pPr>
+            <a:r>
+              <a:rPr lang="en-US" sz="1800" dirty="0">
+                <a:solidFill>
+                  <a:schemeClr val="accent5">
+                    <a:lumMod val="75000"/>
+                  </a:schemeClr>
+                </a:solidFill>
+              </a:rPr>
+              <a:t>Passage Ranking</a:t>
+            </a:r>
+          </a:p>
+          <a:p>
+            <a:pPr marL="0" indent="0">
+              <a:buNone/>
+            </a:pPr>
+            <a:r>
+              <a:rPr lang="en-US" sz="1800" dirty="0">
+                <a:solidFill>
+                  <a:schemeClr val="accent5">
+                    <a:lumMod val="75000"/>
+                  </a:schemeClr>
+                </a:solidFill>
+              </a:rPr>
+              <a:t>	</a:t>
+            </a:r>
+            <a:r>
+              <a:rPr lang="en-US" sz="1800" dirty="0"/>
+              <a:t>Use answer type to rank passages </a:t>
+            </a:r>
+            <a:endParaRPr lang="en-US" sz="1800" dirty="0">
+              <a:solidFill>
+                <a:schemeClr val="accent5">
+                  <a:lumMod val="75000"/>
+                </a:schemeClr>
+              </a:solidFill>
+            </a:endParaRPr>
           </a:p>
         </p:txBody>
       </p:sp>
     </p:spTree>
     <p:extLst>
       <p:ext uri="{BB962C8B-B14F-4D97-AF65-F5344CB8AC3E}">
-        <p14:creationId xmlns:p14="http://schemas.microsoft.com/office/powerpoint/2010/main" val="1499493466"/>
+        <p14:creationId xmlns:p14="http://schemas.microsoft.com/office/powerpoint/2010/main" val="3095958622"/>
       </p:ext>
     </p:extLst>
   </p:cSld>
@@ -9078,10 +10175,10 @@
       </p:pic>
       <p:sp>
         <p:nvSpPr>
-          <p:cNvPr id="7" name="TextBox 6">
-            <a:extLst>
-              <a:ext uri="{FF2B5EF4-FFF2-40B4-BE49-F238E27FC236}">
-                <a16:creationId xmlns:a16="http://schemas.microsoft.com/office/drawing/2014/main" id="{13F8BE3A-7687-4AF4-9EFD-2C46F306DA40}"/>
+          <p:cNvPr id="16" name="TextBox 15">
+            <a:extLst>
+              <a:ext uri="{FF2B5EF4-FFF2-40B4-BE49-F238E27FC236}">
+                <a16:creationId xmlns:a16="http://schemas.microsoft.com/office/drawing/2014/main" id="{E08E3460-E591-4E84-8DBE-28497644C291}"/>
               </a:ext>
             </a:extLst>
           </p:cNvPr>
@@ -9090,8 +10187,8 @@
         </p:nvSpPr>
         <p:spPr>
           <a:xfrm>
-            <a:off x="751691" y="2259470"/>
-            <a:ext cx="1398694" cy="461665"/>
+            <a:off x="507376" y="2289410"/>
+            <a:ext cx="4361157" cy="338554"/>
           </a:xfrm>
           <a:prstGeom prst="rect">
             <a:avLst/>
@@ -9105,6 +10202,73 @@
           <a:lstStyle/>
           <a:p>
             <a:r>
+              <a:rPr lang="en-US" sz="1600" dirty="0">
+                <a:latin typeface="Arial Nova" panose="020B0504020202020204" pitchFamily="34" charset="0"/>
+              </a:rPr>
+              <a:t>Our documents are question and answer sets</a:t>
+            </a:r>
+          </a:p>
+        </p:txBody>
+      </p:sp>
+      <p:pic>
+        <p:nvPicPr>
+          <p:cNvPr id="5" name="Picture 4">
+            <a:extLst>
+              <a:ext uri="{FF2B5EF4-FFF2-40B4-BE49-F238E27FC236}">
+                <a16:creationId xmlns:a16="http://schemas.microsoft.com/office/drawing/2014/main" id="{D32F34A7-C629-4CCC-928B-6E0AD3816749}"/>
+              </a:ext>
+            </a:extLst>
+          </p:cNvPr>
+          <p:cNvPicPr>
+            <a:picLocks noChangeAspect="1"/>
+          </p:cNvPicPr>
+          <p:nvPr/>
+        </p:nvPicPr>
+        <p:blipFill>
+          <a:blip r:embed="rId3"/>
+          <a:stretch>
+            <a:fillRect/>
+          </a:stretch>
+        </p:blipFill>
+        <p:spPr>
+          <a:xfrm>
+            <a:off x="5574694" y="2644368"/>
+            <a:ext cx="6248400" cy="2686050"/>
+          </a:xfrm>
+          <a:prstGeom prst="rect">
+            <a:avLst/>
+          </a:prstGeom>
+        </p:spPr>
+      </p:pic>
+      <p:sp>
+        <p:nvSpPr>
+          <p:cNvPr id="28" name="TextBox 27">
+            <a:extLst>
+              <a:ext uri="{FF2B5EF4-FFF2-40B4-BE49-F238E27FC236}">
+                <a16:creationId xmlns:a16="http://schemas.microsoft.com/office/drawing/2014/main" id="{070C10FC-7307-4B77-A429-25C6AEA1D18C}"/>
+              </a:ext>
+            </a:extLst>
+          </p:cNvPr>
+          <p:cNvSpPr txBox="1"/>
+          <p:nvPr/>
+        </p:nvSpPr>
+        <p:spPr>
+          <a:xfrm>
+            <a:off x="503807" y="1537343"/>
+            <a:ext cx="3767043" cy="461665"/>
+          </a:xfrm>
+          <a:prstGeom prst="rect">
+            <a:avLst/>
+          </a:prstGeom>
+          <a:noFill/>
+        </p:spPr>
+        <p:txBody>
+          <a:bodyPr wrap="square" rtlCol="0">
+            <a:spAutoFit/>
+          </a:bodyPr>
+          <a:lstStyle/>
+          <a:p>
+            <a:r>
               <a:rPr lang="en-US" sz="2400" dirty="0">
                 <a:solidFill>
                   <a:schemeClr val="accent5">
@@ -9112,16 +10276,127 @@
                   </a:schemeClr>
                 </a:solidFill>
               </a:rPr>
-              <a:t>stuff</a:t>
+              <a:t>Finding Candidate Answers</a:t>
             </a:r>
             <a:endParaRPr lang="en-US" sz="2400" dirty="0"/>
+          </a:p>
+        </p:txBody>
+      </p:sp>
+      <p:sp>
+        <p:nvSpPr>
+          <p:cNvPr id="29" name="TextBox 28">
+            <a:extLst>
+              <a:ext uri="{FF2B5EF4-FFF2-40B4-BE49-F238E27FC236}">
+                <a16:creationId xmlns:a16="http://schemas.microsoft.com/office/drawing/2014/main" id="{05520639-5E08-4170-BD25-60A9BBCD6761}"/>
+              </a:ext>
+            </a:extLst>
+          </p:cNvPr>
+          <p:cNvSpPr txBox="1"/>
+          <p:nvPr/>
+        </p:nvSpPr>
+        <p:spPr>
+          <a:xfrm>
+            <a:off x="507376" y="2976239"/>
+            <a:ext cx="4109012" cy="584775"/>
+          </a:xfrm>
+          <a:prstGeom prst="rect">
+            <a:avLst/>
+          </a:prstGeom>
+          <a:noFill/>
+        </p:spPr>
+        <p:txBody>
+          <a:bodyPr wrap="square" rtlCol="0">
+            <a:spAutoFit/>
+          </a:bodyPr>
+          <a:lstStyle/>
+          <a:p>
+            <a:r>
+              <a:rPr lang="en-US" sz="1600" dirty="0">
+                <a:latin typeface="Arial Nova" panose="020B0504020202020204" pitchFamily="34" charset="0"/>
+              </a:rPr>
+              <a:t>Get embeddings for each question and each answer</a:t>
+            </a:r>
+          </a:p>
+        </p:txBody>
+      </p:sp>
+      <p:sp>
+        <p:nvSpPr>
+          <p:cNvPr id="9" name="TextBox 8">
+            <a:extLst>
+              <a:ext uri="{FF2B5EF4-FFF2-40B4-BE49-F238E27FC236}">
+                <a16:creationId xmlns:a16="http://schemas.microsoft.com/office/drawing/2014/main" id="{7EA9F2F1-8FB2-408C-9610-1441567511AD}"/>
+              </a:ext>
+            </a:extLst>
+          </p:cNvPr>
+          <p:cNvSpPr txBox="1"/>
+          <p:nvPr/>
+        </p:nvSpPr>
+        <p:spPr>
+          <a:xfrm>
+            <a:off x="503807" y="3794284"/>
+            <a:ext cx="4361156" cy="584775"/>
+          </a:xfrm>
+          <a:prstGeom prst="rect">
+            <a:avLst/>
+          </a:prstGeom>
+          <a:noFill/>
+        </p:spPr>
+        <p:txBody>
+          <a:bodyPr wrap="square" rtlCol="0">
+            <a:spAutoFit/>
+          </a:bodyPr>
+          <a:lstStyle/>
+          <a:p>
+            <a:r>
+              <a:rPr lang="en-US" sz="1600" dirty="0">
+                <a:latin typeface="Arial Nova" panose="020B0504020202020204" pitchFamily="34" charset="0"/>
+              </a:rPr>
+              <a:t>Use cosine similarity to compare question being asked to question/answer set (doc2vec)</a:t>
+            </a:r>
+          </a:p>
+        </p:txBody>
+      </p:sp>
+      <p:sp>
+        <p:nvSpPr>
+          <p:cNvPr id="10" name="TextBox 9">
+            <a:extLst>
+              <a:ext uri="{FF2B5EF4-FFF2-40B4-BE49-F238E27FC236}">
+                <a16:creationId xmlns:a16="http://schemas.microsoft.com/office/drawing/2014/main" id="{7F77D219-0081-4321-85F9-190C022DE34A}"/>
+              </a:ext>
+            </a:extLst>
+          </p:cNvPr>
+          <p:cNvSpPr txBox="1"/>
+          <p:nvPr/>
+        </p:nvSpPr>
+        <p:spPr>
+          <a:xfrm>
+            <a:off x="507376" y="4735882"/>
+            <a:ext cx="4109012" cy="584775"/>
+          </a:xfrm>
+          <a:prstGeom prst="rect">
+            <a:avLst/>
+          </a:prstGeom>
+          <a:noFill/>
+        </p:spPr>
+        <p:txBody>
+          <a:bodyPr wrap="square" rtlCol="0">
+            <a:spAutoFit/>
+          </a:bodyPr>
+          <a:lstStyle/>
+          <a:p>
+            <a:r>
+              <a:rPr lang="en-US" sz="1600" dirty="0">
+                <a:latin typeface="Arial Nova" panose="020B0504020202020204" pitchFamily="34" charset="0"/>
+              </a:rPr>
+              <a:t>Compare other features that we retrieved about the question being asked</a:t>
+            </a:r>
           </a:p>
         </p:txBody>
       </p:sp>
     </p:spTree>
     <p:extLst>
       <p:ext uri="{BB962C8B-B14F-4D97-AF65-F5344CB8AC3E}">
-        <p14:creationId xmlns:p14="http://schemas.microsoft.com/office/powerpoint/2010/main" val="1700848767"/>
+        <p14:creationId xmlns:p14="http://schemas.microsoft.com/office/powerpoint/2010/main" val="1499493466"/>
       </p:ext>
     </p:extLst>
   </p:cSld>
